--- a/NHÓM-7-CÔNG-NGHỆ-WEB.pptx
+++ b/NHÓM-7-CÔNG-NGHỆ-WEB.pptx
@@ -227,7 +227,7 @@
           <a:p>
             <a:fld id="{65DD71D7-55AC-46BD-81B3-09AB2F9EFBD8}" type="datetimeFigureOut">
               <a:rPr lang="en-US" smtClean="0"/>
-              <a:t>9/29/2023</a:t>
+              <a:t>10/4/2023</a:t>
             </a:fld>
             <a:endParaRPr lang="en-US"/>
           </a:p>
@@ -392,7 +392,7 @@
           <a:p>
             <a:fld id="{1F89424F-BB59-4F4E-9822-4CA3E770FFD2}" type="datetimeFigureOut">
               <a:rPr lang="en-US" smtClean="0"/>
-              <a:t>9/29/2023</a:t>
+              <a:t>10/4/2023</a:t>
             </a:fld>
             <a:endParaRPr lang="en-US"/>
           </a:p>
@@ -1020,7 +1020,7 @@
             <a:fld id="{C9872EE9-AF66-483C-961F-59B9F002993E}" type="datetime1">
               <a:rPr lang="en-US" smtClean="0"/>
               <a:pPr/>
-              <a:t>9/29/2023</a:t>
+              <a:t>10/4/2023</a:t>
             </a:fld>
             <a:endParaRPr lang="en-US" dirty="0"/>
           </a:p>
@@ -1214,7 +1214,7 @@
             <a:fld id="{C7BEAFD5-7FA3-40FB-875B-457FB46B25A4}" type="datetime1">
               <a:rPr lang="en-US" smtClean="0"/>
               <a:pPr/>
-              <a:t>9/29/2023</a:t>
+              <a:t>10/4/2023</a:t>
             </a:fld>
             <a:endParaRPr lang="en-US" dirty="0"/>
           </a:p>
@@ -1398,7 +1398,7 @@
             <a:fld id="{89AD63E2-E931-4653-BB33-A910E07D11B2}" type="datetime1">
               <a:rPr lang="en-US" smtClean="0"/>
               <a:pPr/>
-              <a:t>9/29/2023</a:t>
+              <a:t>10/4/2023</a:t>
             </a:fld>
             <a:endParaRPr lang="en-US" dirty="0"/>
           </a:p>
@@ -1946,7 +1946,7 @@
             <a:fld id="{C9EA1F43-559A-4B47-A959-EFB6142CA3A9}" type="datetime1">
               <a:rPr lang="en-US" smtClean="0"/>
               <a:pPr/>
-              <a:t>9/29/2023</a:t>
+              <a:t>10/4/2023</a:t>
             </a:fld>
             <a:endParaRPr lang="en-US" dirty="0"/>
           </a:p>
@@ -2393,7 +2393,7 @@
             <a:fld id="{F1261AED-24AE-4AC7-940D-F7106D2788A3}" type="datetime1">
               <a:rPr lang="en-US" smtClean="0"/>
               <a:pPr/>
-              <a:t>9/29/2023</a:t>
+              <a:t>10/4/2023</a:t>
             </a:fld>
             <a:endParaRPr lang="en-US" dirty="0"/>
           </a:p>
@@ -2526,7 +2526,7 @@
             <a:fld id="{EC425771-5E10-4A19-AB0E-909293152332}" type="datetime1">
               <a:rPr lang="en-US" smtClean="0"/>
               <a:pPr/>
-              <a:t>9/29/2023</a:t>
+              <a:t>10/4/2023</a:t>
             </a:fld>
             <a:endParaRPr lang="en-US" dirty="0"/>
           </a:p>
@@ -2637,7 +2637,7 @@
             <a:fld id="{03606FD5-B03F-45D5-A178-114C548C0032}" type="datetime1">
               <a:rPr lang="en-US" smtClean="0"/>
               <a:pPr/>
-              <a:t>9/29/2023</a:t>
+              <a:t>10/4/2023</a:t>
             </a:fld>
             <a:endParaRPr lang="en-US" dirty="0"/>
           </a:p>
@@ -3022,7 +3022,7 @@
             <a:fld id="{E8B012C0-B102-441D-AA86-2C80DFA84E68}" type="datetime1">
               <a:rPr lang="en-US" smtClean="0"/>
               <a:pPr/>
-              <a:t>9/29/2023</a:t>
+              <a:t>10/4/2023</a:t>
             </a:fld>
             <a:endParaRPr lang="en-US" dirty="0"/>
           </a:p>
@@ -3346,7 +3346,7 @@
             <a:fld id="{601E0B12-F9DE-47EF-A076-CF602073F1B2}" type="datetime1">
               <a:rPr lang="en-US" smtClean="0"/>
               <a:pPr/>
-              <a:t>9/29/2023</a:t>
+              <a:t>10/4/2023</a:t>
             </a:fld>
             <a:endParaRPr lang="en-US" dirty="0"/>
           </a:p>
@@ -3649,7 +3649,7 @@
             <a:fld id="{C8B93266-8FB4-430B-8AE3-3A53F50E1A0B}" type="datetime1">
               <a:rPr lang="en-US" smtClean="0"/>
               <a:pPr/>
-              <a:t>9/29/2023</a:t>
+              <a:t>10/4/2023</a:t>
             </a:fld>
             <a:endParaRPr lang="en-US" dirty="0"/>
           </a:p>
@@ -4288,8 +4288,8 @@
         </p:nvSpPr>
         <p:spPr>
           <a:xfrm>
-            <a:off x="4458788" y="2455817"/>
-            <a:ext cx="5643155" cy="923330"/>
+            <a:off x="1794719" y="1823666"/>
+            <a:ext cx="9362720" cy="1569660"/>
           </a:xfrm>
           <a:prstGeom prst="rect">
             <a:avLst/>
@@ -4303,19 +4303,19 @@
           <a:lstStyle/>
           <a:p>
             <a:r>
-              <a:rPr lang="vi-VN" dirty="0"/>
+              <a:rPr lang="vi-VN" sz="3200" dirty="0"/>
               <a:t>MÔN    : CÔNG NGHỆ WEB</a:t>
             </a:r>
           </a:p>
           <a:p>
-            <a:endParaRPr lang="vi-VN" dirty="0"/>
-          </a:p>
-          <a:p>
-            <a:r>
-              <a:rPr lang="vi-VN" dirty="0"/>
+            <a:endParaRPr lang="vi-VN" sz="3200" dirty="0"/>
+          </a:p>
+          <a:p>
+            <a:r>
+              <a:rPr lang="vi-VN" sz="3200" dirty="0"/>
               <a:t>ĐỀ TÀI : Thiết kế website Quản lý bán hàng</a:t>
             </a:r>
-            <a:endParaRPr lang="en-US" dirty="0"/>
+            <a:endParaRPr lang="en-US" sz="3200" dirty="0"/>
           </a:p>
         </p:txBody>
       </p:sp>
@@ -4333,7 +4333,7 @@
         </p:nvSpPr>
         <p:spPr>
           <a:xfrm>
-            <a:off x="6406753" y="3718679"/>
+            <a:off x="3197561" y="3832979"/>
             <a:ext cx="5413533" cy="3139321"/>
           </a:xfrm>
           <a:prstGeom prst="rect">
@@ -6454,7 +6454,7 @@
         <p:spPr>
           <a:xfrm>
             <a:off x="234032" y="114817"/>
-            <a:ext cx="11957968" cy="6063198"/>
+            <a:ext cx="11957968" cy="6304290"/>
           </a:xfrm>
           <a:prstGeom prst="rect">
             <a:avLst/>
@@ -6476,7 +6476,7 @@
               </a:spcAft>
             </a:pPr>
             <a:r>
-              <a:rPr lang="vi-VN" sz="1800" b="1" kern="100" dirty="0">
+              <a:rPr lang="vi-VN" sz="2400" b="1" kern="100" dirty="0">
                 <a:effectLst/>
                 <a:latin typeface="Times New Roman" panose="02020603050405020304" pitchFamily="18" charset="0"/>
                 <a:ea typeface="DengXian Light" panose="020B0503020204020204" pitchFamily="2" charset="-122"/>
@@ -6484,7 +6484,7 @@
               </a:rPr>
               <a:t>5. Quy trình phát triển web</a:t>
             </a:r>
-            <a:endParaRPr lang="en-US" sz="1800" b="1" kern="100" dirty="0">
+            <a:endParaRPr lang="en-US" sz="2400" b="1" kern="100" dirty="0">
               <a:effectLst/>
               <a:latin typeface="Times New Roman" panose="02020603050405020304" pitchFamily="18" charset="0"/>
               <a:ea typeface="DengXian Light" panose="020B0503020204020204" pitchFamily="2" charset="-122"/>
@@ -6500,7 +6500,7 @@
                 <a:spcPts val="0"/>
               </a:spcAft>
             </a:pPr>
-            <a:endParaRPr lang="vi-VN" sz="1800" b="1" kern="100" dirty="0">
+            <a:endParaRPr lang="vi-VN" sz="2400" b="1" kern="100" dirty="0">
               <a:effectLst/>
               <a:latin typeface="Times New Roman" panose="02020603050405020304" pitchFamily="18" charset="0"/>
               <a:ea typeface="DengXian Light" panose="020B0503020204020204" pitchFamily="2" charset="-122"/>
@@ -6517,7 +6517,7 @@
               </a:spcAft>
             </a:pPr>
             <a:r>
-              <a:rPr lang="vi-VN" sz="1800" b="1" kern="100" dirty="0">
+              <a:rPr lang="vi-VN" sz="2400" b="1" kern="100" dirty="0">
                 <a:effectLst/>
                 <a:latin typeface="Times New Roman" panose="02020603050405020304" pitchFamily="18" charset="0"/>
                 <a:ea typeface="DengXian Light" panose="020B0503020204020204" pitchFamily="2" charset="-122"/>
@@ -6525,7 +6525,7 @@
               </a:rPr>
               <a:t>5.1. Giới thiệu về quy trình phát triển web từ lập kế hoạch đến triển khai trang web.</a:t>
             </a:r>
-            <a:endParaRPr lang="en-US" sz="1800" b="1" kern="100" dirty="0">
+            <a:endParaRPr lang="en-US" sz="2400" b="1" kern="100" dirty="0">
               <a:effectLst/>
               <a:latin typeface="Times New Roman" panose="02020603050405020304" pitchFamily="18" charset="0"/>
               <a:ea typeface="DengXian Light" panose="020B0503020204020204" pitchFamily="2" charset="-122"/>
@@ -6542,7 +6542,7 @@
               </a:spcAft>
             </a:pPr>
             <a:r>
-              <a:rPr lang="vi-VN" sz="1800" b="1" kern="100" dirty="0">
+              <a:rPr lang="vi-VN" sz="2400" b="1" kern="100" dirty="0">
                 <a:effectLst/>
                 <a:latin typeface="Times New Roman" panose="02020603050405020304" pitchFamily="18" charset="0"/>
                 <a:ea typeface="Calibri" panose="020F0502020204030204" pitchFamily="34" charset="0"/>
@@ -6550,11 +6550,123 @@
               </a:rPr>
               <a:t>* Quy trình phát triển web :</a:t>
             </a:r>
-            <a:endParaRPr lang="en-US" sz="1800" kern="100" dirty="0">
+            <a:endParaRPr lang="en-US" sz="2400" kern="100" dirty="0">
               <a:effectLst/>
               <a:latin typeface="Calibri" panose="020F0502020204030204" pitchFamily="34" charset="0"/>
               <a:ea typeface="Calibri" panose="020F0502020204030204" pitchFamily="34" charset="0"/>
               <a:cs typeface="Times New Roman" panose="02020603050405020304" pitchFamily="18" charset="0"/>
+            </a:endParaRPr>
+          </a:p>
+          <a:p>
+            <a:pPr marL="342900" marR="0" indent="-342900">
+              <a:spcBef>
+                <a:spcPts val="200"/>
+              </a:spcBef>
+              <a:spcAft>
+                <a:spcPts val="0"/>
+              </a:spcAft>
+              <a:buAutoNum type="arabicPeriod"/>
+            </a:pPr>
+            <a:r>
+              <a:rPr lang="vi-VN" b="1" i="1" kern="100" dirty="0" smtClean="0">
+                <a:solidFill>
+                  <a:srgbClr val="000000"/>
+                </a:solidFill>
+                <a:effectLst/>
+                <a:latin typeface="Times New Roman" panose="02020603050405020304" pitchFamily="18" charset="0"/>
+                <a:ea typeface="DengXian Light" panose="020B0503020204020204" pitchFamily="2" charset="-122"/>
+                <a:cs typeface="Times New Roman" panose="02020603050405020304" pitchFamily="18" charset="0"/>
+              </a:rPr>
+              <a:t>Đưa </a:t>
+            </a:r>
+            <a:r>
+              <a:rPr lang="vi-VN" b="1" i="1" kern="100" dirty="0">
+                <a:solidFill>
+                  <a:srgbClr val="000000"/>
+                </a:solidFill>
+                <a:effectLst/>
+                <a:latin typeface="Times New Roman" panose="02020603050405020304" pitchFamily="18" charset="0"/>
+                <a:ea typeface="DengXian Light" panose="020B0503020204020204" pitchFamily="2" charset="-122"/>
+                <a:cs typeface="Times New Roman" panose="02020603050405020304" pitchFamily="18" charset="0"/>
+              </a:rPr>
+              <a:t>khách hàng đến gần hơn với sản phẩm/dịch vụ của doanh </a:t>
+            </a:r>
+            <a:r>
+              <a:rPr lang="vi-VN" b="1" i="1" kern="100" dirty="0" smtClean="0">
+                <a:solidFill>
+                  <a:srgbClr val="000000"/>
+                </a:solidFill>
+                <a:effectLst/>
+                <a:latin typeface="Times New Roman" panose="02020603050405020304" pitchFamily="18" charset="0"/>
+                <a:ea typeface="DengXian Light" panose="020B0503020204020204" pitchFamily="2" charset="-122"/>
+                <a:cs typeface="Times New Roman" panose="02020603050405020304" pitchFamily="18" charset="0"/>
+              </a:rPr>
+              <a:t>nghiệp</a:t>
+            </a:r>
+            <a:endParaRPr lang="en-US" b="1" i="1" kern="100" dirty="0" smtClean="0">
+              <a:solidFill>
+                <a:srgbClr val="000000"/>
+              </a:solidFill>
+              <a:effectLst/>
+              <a:latin typeface="Times New Roman" panose="02020603050405020304" pitchFamily="18" charset="0"/>
+              <a:ea typeface="DengXian Light" panose="020B0503020204020204" pitchFamily="2" charset="-122"/>
+              <a:cs typeface="Times New Roman" panose="02020603050405020304" pitchFamily="18" charset="0"/>
+            </a:endParaRPr>
+          </a:p>
+          <a:p>
+            <a:pPr marR="0">
+              <a:spcBef>
+                <a:spcPts val="200"/>
+              </a:spcBef>
+              <a:spcAft>
+                <a:spcPts val="0"/>
+              </a:spcAft>
+            </a:pPr>
+            <a:endParaRPr lang="en-US" b="1" i="1" kern="100" dirty="0">
+              <a:effectLst/>
+              <a:latin typeface="Times New Roman" panose="02020603050405020304" pitchFamily="18" charset="0"/>
+              <a:ea typeface="DengXian Light" panose="020B0503020204020204" pitchFamily="2" charset="-122"/>
+              <a:cs typeface="Times New Roman" panose="02020603050405020304" pitchFamily="18" charset="0"/>
+            </a:endParaRPr>
+          </a:p>
+          <a:p>
+            <a:pPr marL="0" marR="0"/>
+            <a:r>
+              <a:rPr lang="en-US" b="1" i="1" kern="100" dirty="0" smtClean="0">
+                <a:solidFill>
+                  <a:srgbClr val="000000"/>
+                </a:solidFill>
+                <a:latin typeface="Times New Roman" panose="02020603050405020304" pitchFamily="18" charset="0"/>
+                <a:ea typeface="DengXian Light" panose="020B0503020204020204" pitchFamily="2" charset="-122"/>
+                <a:cs typeface="Times New Roman" panose="02020603050405020304" pitchFamily="18" charset="0"/>
+              </a:rPr>
+              <a:t>2</a:t>
+            </a:r>
+            <a:r>
+              <a:rPr lang="vi-VN" b="1" i="1" kern="100" dirty="0" smtClean="0">
+                <a:solidFill>
+                  <a:srgbClr val="000000"/>
+                </a:solidFill>
+                <a:effectLst/>
+                <a:latin typeface="Times New Roman" panose="02020603050405020304" pitchFamily="18" charset="0"/>
+                <a:ea typeface="DengXian Light" panose="020B0503020204020204" pitchFamily="2" charset="-122"/>
+                <a:cs typeface="Times New Roman" panose="02020603050405020304" pitchFamily="18" charset="0"/>
+              </a:rPr>
+              <a:t>. Tăng lượng traffic</a:t>
+            </a:r>
+            <a:endParaRPr lang="en-US" b="1" i="1" kern="100" dirty="0" smtClean="0">
+              <a:effectLst/>
+              <a:latin typeface="Times New Roman" panose="02020603050405020304" pitchFamily="18" charset="0"/>
+              <a:ea typeface="DengXian Light" panose="020B0503020204020204" pitchFamily="2" charset="-122"/>
+              <a:cs typeface="Times New Roman" panose="02020603050405020304" pitchFamily="18" charset="0"/>
+            </a:endParaRPr>
+          </a:p>
+          <a:p>
+            <a:pPr marL="0" marR="0"/>
+            <a:endParaRPr lang="en-US" dirty="0">
+              <a:effectLst/>
+              <a:latin typeface="Times New Roman" panose="02020603050405020304" pitchFamily="18" charset="0"/>
+              <a:ea typeface="Times New Roman" panose="02020603050405020304" pitchFamily="18" charset="0"/>
             </a:endParaRPr>
           </a:p>
           <a:p>
@@ -6567,7 +6679,7 @@
               </a:spcAft>
             </a:pPr>
             <a:r>
-              <a:rPr lang="en-US" sz="1300" b="1" i="1" kern="100" dirty="0">
+              <a:rPr lang="en-US" b="1" i="1" kern="100" dirty="0">
                 <a:solidFill>
                   <a:srgbClr val="000000"/>
                 </a:solidFill>
@@ -6575,10 +6687,10 @@
                 <a:ea typeface="DengXian Light" panose="020B0503020204020204" pitchFamily="2" charset="-122"/>
                 <a:cs typeface="Times New Roman" panose="02020603050405020304" pitchFamily="18" charset="0"/>
               </a:rPr>
-              <a:t>1</a:t>
-            </a:r>
-            <a:r>
-              <a:rPr lang="vi-VN" sz="1300" b="1" i="1" kern="100" dirty="0" smtClean="0">
+              <a:t>3</a:t>
+            </a:r>
+            <a:r>
+              <a:rPr lang="vi-VN" b="1" i="1" kern="100" dirty="0" smtClean="0">
                 <a:solidFill>
                   <a:srgbClr val="000000"/>
                 </a:solidFill>
@@ -6590,7 +6702,7 @@
               <a:t>. </a:t>
             </a:r>
             <a:r>
-              <a:rPr lang="vi-VN" sz="1300" b="1" i="1" kern="100" dirty="0">
+              <a:rPr lang="vi-VN" b="1" i="1" kern="100" dirty="0">
                 <a:solidFill>
                   <a:srgbClr val="000000"/>
                 </a:solidFill>
@@ -6599,9 +6711,9 @@
                 <a:ea typeface="DengXian Light" panose="020B0503020204020204" pitchFamily="2" charset="-122"/>
                 <a:cs typeface="Times New Roman" panose="02020603050405020304" pitchFamily="18" charset="0"/>
               </a:rPr>
-              <a:t>Đưa khách hàng đến gần hơn với sản phẩm/dịch vụ của doanh nghiệp</a:t>
-            </a:r>
-            <a:endParaRPr lang="en-US" sz="1300" b="1" i="1" kern="100" dirty="0">
+              <a:t>Gia tăng tỷ lệ chuyển đổi, tỷ lệ mua hàng</a:t>
+            </a:r>
+            <a:endParaRPr lang="en-US" b="1" i="1" kern="100" dirty="0">
               <a:effectLst/>
               <a:latin typeface="Times New Roman" panose="02020603050405020304" pitchFamily="18" charset="0"/>
               <a:ea typeface="DengXian Light" panose="020B0503020204020204" pitchFamily="2" charset="-122"/>
@@ -6610,65 +6722,7 @@
           </a:p>
           <a:p>
             <a:pPr marL="0" marR="0"/>
-            <a:r>
-              <a:rPr lang="vi-VN" sz="1300" dirty="0">
-                <a:solidFill>
-                  <a:srgbClr val="000000"/>
-                </a:solidFill>
-                <a:effectLst/>
-                <a:latin typeface="Times New Roman" panose="02020603050405020304" pitchFamily="18" charset="0"/>
-                <a:ea typeface="Times New Roman" panose="02020603050405020304" pitchFamily="18" charset="0"/>
-              </a:rPr>
-              <a:t>Hiện nay, khi internet đã quá phổ biến thì website đã trở thành một</a:t>
-            </a:r>
-            <a:r>
-              <a:rPr lang="vi-VN" sz="1300" b="1" dirty="0">
-                <a:solidFill>
-                  <a:srgbClr val="000000"/>
-                </a:solidFill>
-                <a:effectLst/>
-                <a:latin typeface="Times New Roman" panose="02020603050405020304" pitchFamily="18" charset="0"/>
-                <a:ea typeface="Times New Roman" panose="02020603050405020304" pitchFamily="18" charset="0"/>
-              </a:rPr>
-              <a:t> </a:t>
-            </a:r>
-            <a:r>
-              <a:rPr lang="vi-VN" sz="1300" b="0" dirty="0">
-                <a:solidFill>
-                  <a:srgbClr val="000000"/>
-                </a:solidFill>
-                <a:effectLst/>
-                <a:latin typeface="Times New Roman" panose="02020603050405020304" pitchFamily="18" charset="0"/>
-                <a:ea typeface="DengXian Light" panose="020B0503020204020204" pitchFamily="2" charset="-122"/>
-              </a:rPr>
-              <a:t>kênh quảng bá sản phẩm/dịch vụ</a:t>
-            </a:r>
-            <a:r>
-              <a:rPr lang="vi-VN" sz="1300" dirty="0">
-                <a:solidFill>
-                  <a:srgbClr val="000000"/>
-                </a:solidFill>
-                <a:effectLst/>
-                <a:latin typeface="Times New Roman" panose="02020603050405020304" pitchFamily="18" charset="0"/>
-                <a:ea typeface="Times New Roman" panose="02020603050405020304" pitchFamily="18" charset="0"/>
-              </a:rPr>
-              <a:t> vô cùng hữu ích cho các doanh nghiệp</a:t>
-            </a:r>
-            <a:r>
-              <a:rPr lang="vi-VN" sz="1300" dirty="0" smtClean="0">
-                <a:solidFill>
-                  <a:srgbClr val="000000"/>
-                </a:solidFill>
-                <a:effectLst/>
-                <a:latin typeface="Times New Roman" panose="02020603050405020304" pitchFamily="18" charset="0"/>
-                <a:ea typeface="Times New Roman" panose="02020603050405020304" pitchFamily="18" charset="0"/>
-              </a:rPr>
-              <a:t>.</a:t>
-            </a:r>
-            <a:endParaRPr lang="vi-VN" sz="1300" dirty="0">
-              <a:solidFill>
-                <a:srgbClr val="000000"/>
-              </a:solidFill>
+            <a:endParaRPr lang="en-US" dirty="0">
               <a:effectLst/>
               <a:latin typeface="Times New Roman" panose="02020603050405020304" pitchFamily="18" charset="0"/>
               <a:ea typeface="Times New Roman" panose="02020603050405020304" pitchFamily="18" charset="0"/>
@@ -6684,7 +6738,7 @@
               </a:spcAft>
             </a:pPr>
             <a:r>
-              <a:rPr lang="en-US" sz="1300" b="1" i="1" kern="100" dirty="0">
+              <a:rPr lang="en-US" b="1" i="1" kern="100" dirty="0">
                 <a:solidFill>
                   <a:srgbClr val="000000"/>
                 </a:solidFill>
@@ -6692,10 +6746,10 @@
                 <a:ea typeface="DengXian Light" panose="020B0503020204020204" pitchFamily="2" charset="-122"/>
                 <a:cs typeface="Times New Roman" panose="02020603050405020304" pitchFamily="18" charset="0"/>
               </a:rPr>
-              <a:t>2</a:t>
-            </a:r>
-            <a:r>
-              <a:rPr lang="vi-VN" sz="1300" b="1" i="1" kern="100" dirty="0" smtClean="0">
+              <a:t>4</a:t>
+            </a:r>
+            <a:r>
+              <a:rPr lang="vi-VN" b="1" i="1" kern="100" dirty="0" smtClean="0">
                 <a:solidFill>
                   <a:srgbClr val="000000"/>
                 </a:solidFill>
@@ -6704,10 +6758,10 @@
                 <a:ea typeface="DengXian Light" panose="020B0503020204020204" pitchFamily="2" charset="-122"/>
                 <a:cs typeface="Times New Roman" panose="02020603050405020304" pitchFamily="18" charset="0"/>
               </a:rPr>
-              <a:t>. </a:t>
-            </a:r>
-            <a:r>
-              <a:rPr lang="vi-VN" sz="1300" b="1" i="1" kern="100" dirty="0">
+              <a:t>.Xây </a:t>
+            </a:r>
+            <a:r>
+              <a:rPr lang="vi-VN" b="1" i="1" kern="100" dirty="0">
                 <a:solidFill>
                   <a:srgbClr val="000000"/>
                 </a:solidFill>
@@ -6716,9 +6770,9 @@
                 <a:ea typeface="DengXian Light" panose="020B0503020204020204" pitchFamily="2" charset="-122"/>
                 <a:cs typeface="Times New Roman" panose="02020603050405020304" pitchFamily="18" charset="0"/>
               </a:rPr>
-              <a:t>Tăng lượng traffic</a:t>
-            </a:r>
-            <a:endParaRPr lang="en-US" sz="1300" b="1" i="1" kern="100" dirty="0">
+              <a:t>dựng hình ảnh chuyên nghiệp, đáng tin cậy</a:t>
+            </a:r>
+            <a:endParaRPr lang="en-US" b="1" i="1" kern="100" dirty="0">
               <a:effectLst/>
               <a:latin typeface="Times New Roman" panose="02020603050405020304" pitchFamily="18" charset="0"/>
               <a:ea typeface="DengXian Light" panose="020B0503020204020204" pitchFamily="2" charset="-122"/>
@@ -6727,40 +6781,10 @@
           </a:p>
           <a:p>
             <a:pPr marL="0" marR="0"/>
-            <a:r>
-              <a:rPr lang="vi-VN" sz="1300" dirty="0">
-                <a:solidFill>
-                  <a:srgbClr val="000000"/>
-                </a:solidFill>
-                <a:effectLst/>
-                <a:latin typeface="Times New Roman" panose="02020603050405020304" pitchFamily="18" charset="0"/>
-                <a:ea typeface="Times New Roman" panose="02020603050405020304" pitchFamily="18" charset="0"/>
-              </a:rPr>
-              <a:t>Doanh nghiệp sẽ dễ dàng tăng thu nhập data khách hàng khi tiến hành </a:t>
-            </a:r>
-            <a:r>
-              <a:rPr lang="vi-VN" sz="1300" b="0" dirty="0">
-                <a:solidFill>
-                  <a:srgbClr val="000000"/>
-                </a:solidFill>
-                <a:effectLst/>
-                <a:latin typeface="Times New Roman" panose="02020603050405020304" pitchFamily="18" charset="0"/>
-                <a:ea typeface="Times New Roman" panose="02020603050405020304" pitchFamily="18" charset="0"/>
-              </a:rPr>
-              <a:t>các bước làm website</a:t>
-            </a:r>
-            <a:r>
-              <a:rPr lang="vi-VN" sz="1300" dirty="0">
-                <a:solidFill>
-                  <a:srgbClr val="000000"/>
-                </a:solidFill>
-                <a:effectLst/>
-                <a:latin typeface="Times New Roman" panose="02020603050405020304" pitchFamily="18" charset="0"/>
-                <a:ea typeface="Times New Roman" panose="02020603050405020304" pitchFamily="18" charset="0"/>
-              </a:rPr>
-              <a:t> bán hàng một cách tối ưu và hiệu quả.</a:t>
-            </a:r>
-            <a:endParaRPr lang="en-US" sz="1300" dirty="0">
+            <a:endParaRPr lang="vi-VN" dirty="0">
+              <a:solidFill>
+                <a:srgbClr val="000000"/>
+              </a:solidFill>
               <a:effectLst/>
               <a:latin typeface="Times New Roman" panose="02020603050405020304" pitchFamily="18" charset="0"/>
               <a:ea typeface="Times New Roman" panose="02020603050405020304" pitchFamily="18" charset="0"/>
@@ -6776,7 +6800,7 @@
               </a:spcAft>
             </a:pPr>
             <a:r>
-              <a:rPr lang="en-US" sz="1300" b="1" i="1" kern="100" dirty="0">
+              <a:rPr lang="en-US" b="1" i="1" kern="100" dirty="0">
                 <a:solidFill>
                   <a:srgbClr val="000000"/>
                 </a:solidFill>
@@ -6784,10 +6808,10 @@
                 <a:ea typeface="DengXian Light" panose="020B0503020204020204" pitchFamily="2" charset="-122"/>
                 <a:cs typeface="Times New Roman" panose="02020603050405020304" pitchFamily="18" charset="0"/>
               </a:rPr>
-              <a:t>3</a:t>
-            </a:r>
-            <a:r>
-              <a:rPr lang="vi-VN" sz="1300" b="1" i="1" kern="100" dirty="0" smtClean="0">
+              <a:t>5</a:t>
+            </a:r>
+            <a:r>
+              <a:rPr lang="vi-VN" b="1" i="1" kern="100" dirty="0" smtClean="0">
                 <a:solidFill>
                   <a:srgbClr val="000000"/>
                 </a:solidFill>
@@ -6796,10 +6820,10 @@
                 <a:ea typeface="DengXian Light" panose="020B0503020204020204" pitchFamily="2" charset="-122"/>
                 <a:cs typeface="Times New Roman" panose="02020603050405020304" pitchFamily="18" charset="0"/>
               </a:rPr>
-              <a:t>. </a:t>
-            </a:r>
-            <a:r>
-              <a:rPr lang="vi-VN" sz="1300" b="1" i="1" kern="100" dirty="0">
+              <a:t>.Tiêu </a:t>
+            </a:r>
+            <a:r>
+              <a:rPr lang="vi-VN" b="1" i="1" kern="100" dirty="0">
                 <a:solidFill>
                   <a:srgbClr val="000000"/>
                 </a:solidFill>
@@ -6808,77 +6832,28 @@
                 <a:ea typeface="DengXian Light" panose="020B0503020204020204" pitchFamily="2" charset="-122"/>
                 <a:cs typeface="Times New Roman" panose="02020603050405020304" pitchFamily="18" charset="0"/>
               </a:rPr>
-              <a:t>Gia tăng tỷ lệ chuyển đổi, tỷ lệ mua hàng</a:t>
-            </a:r>
-            <a:endParaRPr lang="en-US" sz="1300" b="1" i="1" kern="100" dirty="0">
+              <a:t>chí khi thiết kế </a:t>
+            </a:r>
+            <a:r>
+              <a:rPr lang="vi-VN" b="1" i="1" kern="100" dirty="0" smtClean="0">
+                <a:solidFill>
+                  <a:srgbClr val="000000"/>
+                </a:solidFill>
+                <a:effectLst/>
+                <a:latin typeface="Times New Roman" panose="02020603050405020304" pitchFamily="18" charset="0"/>
+                <a:ea typeface="DengXian Light" panose="020B0503020204020204" pitchFamily="2" charset="-122"/>
+                <a:cs typeface="Times New Roman" panose="02020603050405020304" pitchFamily="18" charset="0"/>
+              </a:rPr>
+              <a:t>website</a:t>
+            </a:r>
+            <a:endParaRPr lang="en-US" b="1" i="1" kern="100" dirty="0" smtClean="0">
+              <a:solidFill>
+                <a:srgbClr val="000000"/>
+              </a:solidFill>
               <a:effectLst/>
               <a:latin typeface="Times New Roman" panose="02020603050405020304" pitchFamily="18" charset="0"/>
               <a:ea typeface="DengXian Light" panose="020B0503020204020204" pitchFamily="2" charset="-122"/>
               <a:cs typeface="Times New Roman" panose="02020603050405020304" pitchFamily="18" charset="0"/>
-            </a:endParaRPr>
-          </a:p>
-          <a:p>
-            <a:pPr marL="0" marR="0"/>
-            <a:r>
-              <a:rPr lang="vi-VN" sz="1300" dirty="0">
-                <a:solidFill>
-                  <a:srgbClr val="000000"/>
-                </a:solidFill>
-                <a:effectLst/>
-                <a:latin typeface="Times New Roman" panose="02020603050405020304" pitchFamily="18" charset="0"/>
-                <a:ea typeface="Times New Roman" panose="02020603050405020304" pitchFamily="18" charset="0"/>
-              </a:rPr>
-              <a:t>Việc tìm hiểu </a:t>
-            </a:r>
-            <a:r>
-              <a:rPr lang="vi-VN" sz="1300" b="0" dirty="0">
-                <a:solidFill>
-                  <a:srgbClr val="000000"/>
-                </a:solidFill>
-                <a:effectLst/>
-                <a:latin typeface="Times New Roman" panose="02020603050405020304" pitchFamily="18" charset="0"/>
-                <a:ea typeface="Times New Roman" panose="02020603050405020304" pitchFamily="18" charset="0"/>
-              </a:rPr>
-              <a:t>các bước xây dựng website</a:t>
-            </a:r>
-            <a:r>
-              <a:rPr lang="vi-VN" sz="1300" dirty="0">
-                <a:solidFill>
-                  <a:srgbClr val="000000"/>
-                </a:solidFill>
-                <a:effectLst/>
-                <a:latin typeface="Times New Roman" panose="02020603050405020304" pitchFamily="18" charset="0"/>
-                <a:ea typeface="Times New Roman" panose="02020603050405020304" pitchFamily="18" charset="0"/>
-              </a:rPr>
-              <a:t> bán hàng trực tuyến và </a:t>
-            </a:r>
-            <a:r>
-              <a:rPr lang="vi-VN" sz="1300" u="sng" dirty="0">
-                <a:solidFill>
-                  <a:srgbClr val="0000FF"/>
-                </a:solidFill>
-                <a:effectLst/>
-                <a:latin typeface="Times New Roman" panose="02020603050405020304" pitchFamily="18" charset="0"/>
-                <a:ea typeface="Times New Roman" panose="02020603050405020304" pitchFamily="18" charset="0"/>
-                <a:hlinkClick r:id="rId2"/>
-              </a:rPr>
-              <a:t>thiết kế web bán hàng chuẩn seo</a:t>
-            </a:r>
-            <a:r>
-              <a:rPr lang="vi-VN" sz="1300" dirty="0">
-                <a:solidFill>
-                  <a:srgbClr val="000000"/>
-                </a:solidFill>
-                <a:effectLst/>
-                <a:latin typeface="Times New Roman" panose="02020603050405020304" pitchFamily="18" charset="0"/>
-                <a:ea typeface="Times New Roman" panose="02020603050405020304" pitchFamily="18" charset="0"/>
-              </a:rPr>
-              <a:t> hiệu quả sẽ góp công lớn để gia tăng tỷ lệ mua hàng cho doanh nghiệp của bạn.</a:t>
-            </a:r>
-            <a:endParaRPr lang="en-US" sz="1300" dirty="0">
-              <a:effectLst/>
-              <a:latin typeface="Times New Roman" panose="02020603050405020304" pitchFamily="18" charset="0"/>
-              <a:ea typeface="Times New Roman" panose="02020603050405020304" pitchFamily="18" charset="0"/>
             </a:endParaRPr>
           </a:p>
           <a:p>
@@ -6890,61 +6865,12 @@
                 <a:spcPts val="0"/>
               </a:spcAft>
             </a:pPr>
-            <a:r>
-              <a:rPr lang="en-US" sz="1300" b="1" i="1" kern="100" dirty="0">
-                <a:solidFill>
-                  <a:srgbClr val="000000"/>
-                </a:solidFill>
-                <a:latin typeface="Times New Roman" panose="02020603050405020304" pitchFamily="18" charset="0"/>
-                <a:ea typeface="DengXian Light" panose="020B0503020204020204" pitchFamily="2" charset="-122"/>
-                <a:cs typeface="Times New Roman" panose="02020603050405020304" pitchFamily="18" charset="0"/>
-              </a:rPr>
-              <a:t>4</a:t>
-            </a:r>
-            <a:r>
-              <a:rPr lang="vi-VN" sz="1300" b="1" i="1" kern="100" dirty="0" smtClean="0">
-                <a:solidFill>
-                  <a:srgbClr val="000000"/>
-                </a:solidFill>
-                <a:effectLst/>
-                <a:latin typeface="Times New Roman" panose="02020603050405020304" pitchFamily="18" charset="0"/>
-                <a:ea typeface="DengXian Light" panose="020B0503020204020204" pitchFamily="2" charset="-122"/>
-                <a:cs typeface="Times New Roman" panose="02020603050405020304" pitchFamily="18" charset="0"/>
-              </a:rPr>
-              <a:t>.Xây </a:t>
-            </a:r>
-            <a:r>
-              <a:rPr lang="vi-VN" sz="1300" b="1" i="1" kern="100" dirty="0">
-                <a:solidFill>
-                  <a:srgbClr val="000000"/>
-                </a:solidFill>
-                <a:effectLst/>
-                <a:latin typeface="Times New Roman" panose="02020603050405020304" pitchFamily="18" charset="0"/>
-                <a:ea typeface="DengXian Light" panose="020B0503020204020204" pitchFamily="2" charset="-122"/>
-                <a:cs typeface="Times New Roman" panose="02020603050405020304" pitchFamily="18" charset="0"/>
-              </a:rPr>
-              <a:t>dựng hình ảnh chuyên nghiệp, đáng tin cậy</a:t>
-            </a:r>
-            <a:endParaRPr lang="en-US" sz="1300" b="1" i="1" kern="100" dirty="0">
+            <a:endParaRPr lang="en-US" b="1" i="1" kern="100" dirty="0">
               <a:effectLst/>
               <a:latin typeface="Times New Roman" panose="02020603050405020304" pitchFamily="18" charset="0"/>
               <a:ea typeface="DengXian Light" panose="020B0503020204020204" pitchFamily="2" charset="-122"/>
               <a:cs typeface="Times New Roman" panose="02020603050405020304" pitchFamily="18" charset="0"/>
             </a:endParaRPr>
-          </a:p>
-          <a:p>
-            <a:pPr marL="0" marR="0"/>
-            <a:r>
-              <a:rPr lang="vi-VN" sz="1300" dirty="0">
-                <a:solidFill>
-                  <a:srgbClr val="000000"/>
-                </a:solidFill>
-                <a:effectLst/>
-                <a:latin typeface="Times New Roman" panose="02020603050405020304" pitchFamily="18" charset="0"/>
-                <a:ea typeface="Times New Roman" panose="02020603050405020304" pitchFamily="18" charset="0"/>
-              </a:rPr>
-              <a:t>Hiện nay, khách hàng thường có thói quen tìm hiểu thông tin về doanh nghiệp, sản phẩm trước khi quyết định mua hàng. Trong đó, website là kênh tra cứu thông tin phổ biến thường được khách hàng tìm đến và sử dụng.</a:t>
-            </a:r>
           </a:p>
           <a:p>
             <a:pPr marL="0" marR="0">
@@ -6956,7 +6882,7 @@
               </a:spcAft>
             </a:pPr>
             <a:r>
-              <a:rPr lang="en-US" sz="1300" b="1" kern="100" dirty="0">
+              <a:rPr lang="en-US" b="1" i="1" kern="100" dirty="0" smtClean="0">
                 <a:solidFill>
                   <a:srgbClr val="000000"/>
                 </a:solidFill>
@@ -6964,10 +6890,10 @@
                 <a:ea typeface="DengXian Light" panose="020B0503020204020204" pitchFamily="2" charset="-122"/>
                 <a:cs typeface="Times New Roman" panose="02020603050405020304" pitchFamily="18" charset="0"/>
               </a:rPr>
-              <a:t>5</a:t>
-            </a:r>
-            <a:r>
-              <a:rPr lang="vi-VN" sz="1300" b="1" kern="100" dirty="0" smtClean="0">
+              <a:t>6</a:t>
+            </a:r>
+            <a:r>
+              <a:rPr lang="vi-VN" b="1" i="1" kern="100" dirty="0" smtClean="0">
                 <a:solidFill>
                   <a:srgbClr val="000000"/>
                 </a:solidFill>
@@ -6976,10 +6902,10 @@
                 <a:ea typeface="DengXian Light" panose="020B0503020204020204" pitchFamily="2" charset="-122"/>
                 <a:cs typeface="Times New Roman" panose="02020603050405020304" pitchFamily="18" charset="0"/>
               </a:rPr>
-              <a:t>.Tiêu </a:t>
-            </a:r>
-            <a:r>
-              <a:rPr lang="vi-VN" sz="1300" b="1" kern="100" dirty="0">
+              <a:t>.</a:t>
+            </a:r>
+            <a:r>
+              <a:rPr lang="en-US" b="1" i="1" kern="100" dirty="0">
                 <a:solidFill>
                   <a:srgbClr val="000000"/>
                 </a:solidFill>
@@ -6988,1391 +6914,97 @@
                 <a:ea typeface="DengXian Light" panose="020B0503020204020204" pitchFamily="2" charset="-122"/>
                 <a:cs typeface="Times New Roman" panose="02020603050405020304" pitchFamily="18" charset="0"/>
               </a:rPr>
-              <a:t>chí khi thiết kế website</a:t>
-            </a:r>
-            <a:endParaRPr lang="en-US" sz="1300" b="1" kern="100" dirty="0">
+              <a:t>Giao </a:t>
+            </a:r>
+            <a:r>
+              <a:rPr lang="en-US" b="1" i="1" kern="100" dirty="0" err="1">
+                <a:solidFill>
+                  <a:srgbClr val="000000"/>
+                </a:solidFill>
+                <a:effectLst/>
+                <a:latin typeface="Times New Roman" panose="02020603050405020304" pitchFamily="18" charset="0"/>
+                <a:ea typeface="DengXian Light" panose="020B0503020204020204" pitchFamily="2" charset="-122"/>
+                <a:cs typeface="Times New Roman" panose="02020603050405020304" pitchFamily="18" charset="0"/>
+              </a:rPr>
+              <a:t>diện</a:t>
+            </a:r>
+            <a:r>
+              <a:rPr lang="en-US" b="1" i="1" kern="100" dirty="0">
+                <a:solidFill>
+                  <a:srgbClr val="000000"/>
+                </a:solidFill>
+                <a:effectLst/>
+                <a:latin typeface="Times New Roman" panose="02020603050405020304" pitchFamily="18" charset="0"/>
+                <a:ea typeface="DengXian Light" panose="020B0503020204020204" pitchFamily="2" charset="-122"/>
+                <a:cs typeface="Times New Roman" panose="02020603050405020304" pitchFamily="18" charset="0"/>
+              </a:rPr>
+              <a:t> website </a:t>
+            </a:r>
+            <a:r>
+              <a:rPr lang="en-US" b="1" i="1" kern="100" dirty="0" err="1">
+                <a:solidFill>
+                  <a:srgbClr val="000000"/>
+                </a:solidFill>
+                <a:effectLst/>
+                <a:latin typeface="Times New Roman" panose="02020603050405020304" pitchFamily="18" charset="0"/>
+                <a:ea typeface="DengXian Light" panose="020B0503020204020204" pitchFamily="2" charset="-122"/>
+                <a:cs typeface="Times New Roman" panose="02020603050405020304" pitchFamily="18" charset="0"/>
+              </a:rPr>
+              <a:t>đẹp</a:t>
+            </a:r>
+            <a:r>
+              <a:rPr lang="en-US" b="1" i="1" kern="100" dirty="0">
+                <a:solidFill>
+                  <a:srgbClr val="000000"/>
+                </a:solidFill>
+                <a:effectLst/>
+                <a:latin typeface="Times New Roman" panose="02020603050405020304" pitchFamily="18" charset="0"/>
+                <a:ea typeface="DengXian Light" panose="020B0503020204020204" pitchFamily="2" charset="-122"/>
+                <a:cs typeface="Times New Roman" panose="02020603050405020304" pitchFamily="18" charset="0"/>
+              </a:rPr>
+              <a:t> – </a:t>
+            </a:r>
+            <a:r>
+              <a:rPr lang="en-US" b="1" i="1" kern="100" dirty="0" err="1">
+                <a:solidFill>
+                  <a:srgbClr val="000000"/>
+                </a:solidFill>
+                <a:effectLst/>
+                <a:latin typeface="Times New Roman" panose="02020603050405020304" pitchFamily="18" charset="0"/>
+                <a:ea typeface="DengXian Light" panose="020B0503020204020204" pitchFamily="2" charset="-122"/>
+                <a:cs typeface="Times New Roman" panose="02020603050405020304" pitchFamily="18" charset="0"/>
+              </a:rPr>
+              <a:t>thu</a:t>
+            </a:r>
+            <a:r>
+              <a:rPr lang="en-US" b="1" i="1" kern="100" dirty="0">
+                <a:solidFill>
+                  <a:srgbClr val="000000"/>
+                </a:solidFill>
+                <a:effectLst/>
+                <a:latin typeface="Times New Roman" panose="02020603050405020304" pitchFamily="18" charset="0"/>
+                <a:ea typeface="DengXian Light" panose="020B0503020204020204" pitchFamily="2" charset="-122"/>
+                <a:cs typeface="Times New Roman" panose="02020603050405020304" pitchFamily="18" charset="0"/>
+              </a:rPr>
+              <a:t> </a:t>
+            </a:r>
+            <a:r>
+              <a:rPr lang="en-US" b="1" i="1" kern="100" dirty="0" err="1">
+                <a:solidFill>
+                  <a:srgbClr val="000000"/>
+                </a:solidFill>
+                <a:effectLst/>
+                <a:latin typeface="Times New Roman" panose="02020603050405020304" pitchFamily="18" charset="0"/>
+                <a:ea typeface="DengXian Light" panose="020B0503020204020204" pitchFamily="2" charset="-122"/>
+                <a:cs typeface="Times New Roman" panose="02020603050405020304" pitchFamily="18" charset="0"/>
+              </a:rPr>
+              <a:t>hút</a:t>
+            </a:r>
+            <a:endParaRPr lang="en-US" b="1" i="1" kern="100" dirty="0">
               <a:effectLst/>
               <a:latin typeface="Times New Roman" panose="02020603050405020304" pitchFamily="18" charset="0"/>
               <a:ea typeface="DengXian Light" panose="020B0503020204020204" pitchFamily="2" charset="-122"/>
               <a:cs typeface="Times New Roman" panose="02020603050405020304" pitchFamily="18" charset="0"/>
-            </a:endParaRPr>
-          </a:p>
-          <a:p>
-            <a:pPr marL="0" marR="0"/>
-            <a:r>
-              <a:rPr lang="vi-VN" sz="1300" dirty="0">
-                <a:solidFill>
-                  <a:srgbClr val="000000"/>
-                </a:solidFill>
-                <a:effectLst/>
-                <a:latin typeface="Times New Roman" panose="02020603050405020304" pitchFamily="18" charset="0"/>
-                <a:ea typeface="Times New Roman" panose="02020603050405020304" pitchFamily="18" charset="0"/>
-              </a:rPr>
-              <a:t>Tech Agency là đơn vị </a:t>
-            </a:r>
-            <a:r>
-              <a:rPr lang="vi-VN" sz="1300" b="0" dirty="0">
-                <a:solidFill>
-                  <a:srgbClr val="000000"/>
-                </a:solidFill>
-                <a:effectLst/>
-                <a:latin typeface="Times New Roman" panose="02020603050405020304" pitchFamily="18" charset="0"/>
-                <a:ea typeface="Times New Roman" panose="02020603050405020304" pitchFamily="18" charset="0"/>
-              </a:rPr>
-              <a:t>thiết kế website Hồ Chí Minh</a:t>
-            </a:r>
-            <a:r>
-              <a:rPr lang="vi-VN" sz="1300" dirty="0">
-                <a:solidFill>
-                  <a:srgbClr val="000000"/>
-                </a:solidFill>
-                <a:effectLst/>
-                <a:latin typeface="Times New Roman" panose="02020603050405020304" pitchFamily="18" charset="0"/>
-                <a:ea typeface="Times New Roman" panose="02020603050405020304" pitchFamily="18" charset="0"/>
-              </a:rPr>
-              <a:t> uy tín và chuyên nghiệp hàng đầu. Sau nhiều năm hoạt động trên thị trường, chúng tôi đã hợp tác làm việc với nhiều cá nhân, tổ chức cả trong và ngoài nước.</a:t>
-            </a:r>
-          </a:p>
-          <a:p>
-            <a:pPr marL="0" marR="0">
-              <a:spcBef>
-                <a:spcPts val="200"/>
-              </a:spcBef>
-              <a:spcAft>
-                <a:spcPts val="0"/>
-              </a:spcAft>
-            </a:pPr>
-            <a:r>
-              <a:rPr lang="en-US" sz="1300" b="1" i="1" kern="100" dirty="0">
-                <a:solidFill>
-                  <a:srgbClr val="000000"/>
-                </a:solidFill>
-                <a:latin typeface="Times New Roman" panose="02020603050405020304" pitchFamily="18" charset="0"/>
-                <a:ea typeface="DengXian Light" panose="020B0503020204020204" pitchFamily="2" charset="-122"/>
-                <a:cs typeface="Times New Roman" panose="02020603050405020304" pitchFamily="18" charset="0"/>
-              </a:rPr>
-              <a:t>6</a:t>
-            </a:r>
-            <a:r>
-              <a:rPr lang="vi-VN" sz="1300" b="1" i="1" kern="100" dirty="0" smtClean="0">
-                <a:solidFill>
-                  <a:srgbClr val="000000"/>
-                </a:solidFill>
-                <a:effectLst/>
-                <a:latin typeface="Times New Roman" panose="02020603050405020304" pitchFamily="18" charset="0"/>
-                <a:ea typeface="DengXian Light" panose="020B0503020204020204" pitchFamily="2" charset="-122"/>
-                <a:cs typeface="Times New Roman" panose="02020603050405020304" pitchFamily="18" charset="0"/>
-              </a:rPr>
-              <a:t>.</a:t>
-            </a:r>
-            <a:r>
-              <a:rPr lang="en-US" sz="1300" b="1" i="1" kern="100" dirty="0">
-                <a:solidFill>
-                  <a:srgbClr val="000000"/>
-                </a:solidFill>
-                <a:effectLst/>
-                <a:latin typeface="Times New Roman" panose="02020603050405020304" pitchFamily="18" charset="0"/>
-                <a:ea typeface="DengXian Light" panose="020B0503020204020204" pitchFamily="2" charset="-122"/>
-                <a:cs typeface="Times New Roman" panose="02020603050405020304" pitchFamily="18" charset="0"/>
-              </a:rPr>
-              <a:t>Giao </a:t>
-            </a:r>
-            <a:r>
-              <a:rPr lang="en-US" sz="1300" b="1" i="1" kern="100" dirty="0" err="1">
-                <a:solidFill>
-                  <a:srgbClr val="000000"/>
-                </a:solidFill>
-                <a:effectLst/>
-                <a:latin typeface="Times New Roman" panose="02020603050405020304" pitchFamily="18" charset="0"/>
-                <a:ea typeface="DengXian Light" panose="020B0503020204020204" pitchFamily="2" charset="-122"/>
-                <a:cs typeface="Times New Roman" panose="02020603050405020304" pitchFamily="18" charset="0"/>
-              </a:rPr>
-              <a:t>diện</a:t>
-            </a:r>
-            <a:r>
-              <a:rPr lang="en-US" sz="1300" b="1" i="1" kern="100" dirty="0">
-                <a:solidFill>
-                  <a:srgbClr val="000000"/>
-                </a:solidFill>
-                <a:effectLst/>
-                <a:latin typeface="Times New Roman" panose="02020603050405020304" pitchFamily="18" charset="0"/>
-                <a:ea typeface="DengXian Light" panose="020B0503020204020204" pitchFamily="2" charset="-122"/>
-                <a:cs typeface="Times New Roman" panose="02020603050405020304" pitchFamily="18" charset="0"/>
-              </a:rPr>
-              <a:t> website </a:t>
-            </a:r>
-            <a:r>
-              <a:rPr lang="en-US" sz="1300" b="1" i="1" kern="100" dirty="0" err="1">
-                <a:solidFill>
-                  <a:srgbClr val="000000"/>
-                </a:solidFill>
-                <a:effectLst/>
-                <a:latin typeface="Times New Roman" panose="02020603050405020304" pitchFamily="18" charset="0"/>
-                <a:ea typeface="DengXian Light" panose="020B0503020204020204" pitchFamily="2" charset="-122"/>
-                <a:cs typeface="Times New Roman" panose="02020603050405020304" pitchFamily="18" charset="0"/>
-              </a:rPr>
-              <a:t>đẹp</a:t>
-            </a:r>
-            <a:r>
-              <a:rPr lang="en-US" sz="1300" b="1" i="1" kern="100" dirty="0">
-                <a:solidFill>
-                  <a:srgbClr val="000000"/>
-                </a:solidFill>
-                <a:effectLst/>
-                <a:latin typeface="Times New Roman" panose="02020603050405020304" pitchFamily="18" charset="0"/>
-                <a:ea typeface="DengXian Light" panose="020B0503020204020204" pitchFamily="2" charset="-122"/>
-                <a:cs typeface="Times New Roman" panose="02020603050405020304" pitchFamily="18" charset="0"/>
-              </a:rPr>
-              <a:t> – </a:t>
-            </a:r>
-            <a:r>
-              <a:rPr lang="en-US" sz="1300" b="1" i="1" kern="100" dirty="0" err="1">
-                <a:solidFill>
-                  <a:srgbClr val="000000"/>
-                </a:solidFill>
-                <a:effectLst/>
-                <a:latin typeface="Times New Roman" panose="02020603050405020304" pitchFamily="18" charset="0"/>
-                <a:ea typeface="DengXian Light" panose="020B0503020204020204" pitchFamily="2" charset="-122"/>
-                <a:cs typeface="Times New Roman" panose="02020603050405020304" pitchFamily="18" charset="0"/>
-              </a:rPr>
-              <a:t>thu</a:t>
-            </a:r>
-            <a:r>
-              <a:rPr lang="en-US" sz="1300" b="1" i="1" kern="100" dirty="0">
-                <a:solidFill>
-                  <a:srgbClr val="000000"/>
-                </a:solidFill>
-                <a:effectLst/>
-                <a:latin typeface="Times New Roman" panose="02020603050405020304" pitchFamily="18" charset="0"/>
-                <a:ea typeface="DengXian Light" panose="020B0503020204020204" pitchFamily="2" charset="-122"/>
-                <a:cs typeface="Times New Roman" panose="02020603050405020304" pitchFamily="18" charset="0"/>
-              </a:rPr>
-              <a:t> </a:t>
-            </a:r>
-            <a:r>
-              <a:rPr lang="en-US" sz="1300" b="1" i="1" kern="100" dirty="0" err="1">
-                <a:solidFill>
-                  <a:srgbClr val="000000"/>
-                </a:solidFill>
-                <a:effectLst/>
-                <a:latin typeface="Times New Roman" panose="02020603050405020304" pitchFamily="18" charset="0"/>
-                <a:ea typeface="DengXian Light" panose="020B0503020204020204" pitchFamily="2" charset="-122"/>
-                <a:cs typeface="Times New Roman" panose="02020603050405020304" pitchFamily="18" charset="0"/>
-              </a:rPr>
-              <a:t>hút</a:t>
-            </a:r>
-            <a:endParaRPr lang="en-US" sz="1300" b="1" i="1" kern="100" dirty="0">
-              <a:effectLst/>
-              <a:latin typeface="Times New Roman" panose="02020603050405020304" pitchFamily="18" charset="0"/>
-              <a:ea typeface="DengXian Light" panose="020B0503020204020204" pitchFamily="2" charset="-122"/>
-              <a:cs typeface="Times New Roman" panose="02020603050405020304" pitchFamily="18" charset="0"/>
-            </a:endParaRPr>
-          </a:p>
-          <a:p>
-            <a:pPr marL="0" marR="0"/>
-            <a:r>
-              <a:rPr lang="en-US" sz="1300" b="1" dirty="0">
-                <a:solidFill>
-                  <a:srgbClr val="000000"/>
-                </a:solidFill>
-                <a:effectLst/>
-                <a:latin typeface="Times New Roman" panose="02020603050405020304" pitchFamily="18" charset="0"/>
-                <a:ea typeface="Times New Roman" panose="02020603050405020304" pitchFamily="18" charset="0"/>
-              </a:rPr>
-              <a:t>Giao </a:t>
-            </a:r>
-            <a:r>
-              <a:rPr lang="en-US" sz="1300" b="1" dirty="0" err="1">
-                <a:solidFill>
-                  <a:srgbClr val="000000"/>
-                </a:solidFill>
-                <a:effectLst/>
-                <a:latin typeface="Times New Roman" panose="02020603050405020304" pitchFamily="18" charset="0"/>
-                <a:ea typeface="Times New Roman" panose="02020603050405020304" pitchFamily="18" charset="0"/>
-              </a:rPr>
-              <a:t>diện</a:t>
-            </a:r>
-            <a:r>
-              <a:rPr lang="en-US" sz="1300" b="1" dirty="0">
-                <a:solidFill>
-                  <a:srgbClr val="000000"/>
-                </a:solidFill>
-                <a:effectLst/>
-                <a:latin typeface="Times New Roman" panose="02020603050405020304" pitchFamily="18" charset="0"/>
-                <a:ea typeface="Times New Roman" panose="02020603050405020304" pitchFamily="18" charset="0"/>
-              </a:rPr>
-              <a:t> website </a:t>
-            </a:r>
-            <a:r>
-              <a:rPr lang="en-US" sz="1300" dirty="0" err="1">
-                <a:solidFill>
-                  <a:srgbClr val="000000"/>
-                </a:solidFill>
-                <a:effectLst/>
-                <a:latin typeface="Times New Roman" panose="02020603050405020304" pitchFamily="18" charset="0"/>
-                <a:ea typeface="Times New Roman" panose="02020603050405020304" pitchFamily="18" charset="0"/>
-              </a:rPr>
-              <a:t>ảnh</a:t>
-            </a:r>
-            <a:r>
-              <a:rPr lang="en-US" sz="1300" dirty="0">
-                <a:solidFill>
-                  <a:srgbClr val="000000"/>
-                </a:solidFill>
-                <a:effectLst/>
-                <a:latin typeface="Times New Roman" panose="02020603050405020304" pitchFamily="18" charset="0"/>
-                <a:ea typeface="Times New Roman" panose="02020603050405020304" pitchFamily="18" charset="0"/>
-              </a:rPr>
-              <a:t> </a:t>
-            </a:r>
-            <a:r>
-              <a:rPr lang="en-US" sz="1300" dirty="0" err="1">
-                <a:solidFill>
-                  <a:srgbClr val="000000"/>
-                </a:solidFill>
-                <a:effectLst/>
-                <a:latin typeface="Times New Roman" panose="02020603050405020304" pitchFamily="18" charset="0"/>
-                <a:ea typeface="Times New Roman" panose="02020603050405020304" pitchFamily="18" charset="0"/>
-              </a:rPr>
-              <a:t>hưởng</a:t>
-            </a:r>
-            <a:r>
-              <a:rPr lang="en-US" sz="1300" dirty="0">
-                <a:solidFill>
-                  <a:srgbClr val="000000"/>
-                </a:solidFill>
-                <a:effectLst/>
-                <a:latin typeface="Times New Roman" panose="02020603050405020304" pitchFamily="18" charset="0"/>
-                <a:ea typeface="Times New Roman" panose="02020603050405020304" pitchFamily="18" charset="0"/>
-              </a:rPr>
-              <a:t> </a:t>
-            </a:r>
-            <a:r>
-              <a:rPr lang="en-US" sz="1300" dirty="0" err="1">
-                <a:solidFill>
-                  <a:srgbClr val="000000"/>
-                </a:solidFill>
-                <a:effectLst/>
-                <a:latin typeface="Times New Roman" panose="02020603050405020304" pitchFamily="18" charset="0"/>
-                <a:ea typeface="Times New Roman" panose="02020603050405020304" pitchFamily="18" charset="0"/>
-              </a:rPr>
-              <a:t>trực</a:t>
-            </a:r>
-            <a:r>
-              <a:rPr lang="en-US" sz="1300" dirty="0">
-                <a:solidFill>
-                  <a:srgbClr val="000000"/>
-                </a:solidFill>
-                <a:effectLst/>
-                <a:latin typeface="Times New Roman" panose="02020603050405020304" pitchFamily="18" charset="0"/>
-                <a:ea typeface="Times New Roman" panose="02020603050405020304" pitchFamily="18" charset="0"/>
-              </a:rPr>
-              <a:t> </a:t>
-            </a:r>
-            <a:r>
-              <a:rPr lang="en-US" sz="1300" dirty="0" err="1">
-                <a:solidFill>
-                  <a:srgbClr val="000000"/>
-                </a:solidFill>
-                <a:effectLst/>
-                <a:latin typeface="Times New Roman" panose="02020603050405020304" pitchFamily="18" charset="0"/>
-                <a:ea typeface="Times New Roman" panose="02020603050405020304" pitchFamily="18" charset="0"/>
-              </a:rPr>
-              <a:t>tiếp</a:t>
-            </a:r>
-            <a:r>
-              <a:rPr lang="en-US" sz="1300" dirty="0">
-                <a:solidFill>
-                  <a:srgbClr val="000000"/>
-                </a:solidFill>
-                <a:effectLst/>
-                <a:latin typeface="Times New Roman" panose="02020603050405020304" pitchFamily="18" charset="0"/>
-                <a:ea typeface="Times New Roman" panose="02020603050405020304" pitchFamily="18" charset="0"/>
-              </a:rPr>
-              <a:t> </a:t>
-            </a:r>
-            <a:r>
-              <a:rPr lang="en-US" sz="1300" dirty="0" err="1">
-                <a:solidFill>
-                  <a:srgbClr val="000000"/>
-                </a:solidFill>
-                <a:effectLst/>
-                <a:latin typeface="Times New Roman" panose="02020603050405020304" pitchFamily="18" charset="0"/>
-                <a:ea typeface="Times New Roman" panose="02020603050405020304" pitchFamily="18" charset="0"/>
-              </a:rPr>
-              <a:t>đến</a:t>
-            </a:r>
-            <a:r>
-              <a:rPr lang="en-US" sz="1300" dirty="0">
-                <a:solidFill>
-                  <a:srgbClr val="000000"/>
-                </a:solidFill>
-                <a:effectLst/>
-                <a:latin typeface="Times New Roman" panose="02020603050405020304" pitchFamily="18" charset="0"/>
-                <a:ea typeface="Times New Roman" panose="02020603050405020304" pitchFamily="18" charset="0"/>
-              </a:rPr>
-              <a:t> </a:t>
-            </a:r>
-            <a:r>
-              <a:rPr lang="en-US" sz="1300" dirty="0" err="1">
-                <a:solidFill>
-                  <a:srgbClr val="000000"/>
-                </a:solidFill>
-                <a:effectLst/>
-                <a:latin typeface="Times New Roman" panose="02020603050405020304" pitchFamily="18" charset="0"/>
-                <a:ea typeface="Times New Roman" panose="02020603050405020304" pitchFamily="18" charset="0"/>
-              </a:rPr>
-              <a:t>cảm</a:t>
-            </a:r>
-            <a:r>
-              <a:rPr lang="en-US" sz="1300" dirty="0">
-                <a:solidFill>
-                  <a:srgbClr val="000000"/>
-                </a:solidFill>
-                <a:effectLst/>
-                <a:latin typeface="Times New Roman" panose="02020603050405020304" pitchFamily="18" charset="0"/>
-                <a:ea typeface="Times New Roman" panose="02020603050405020304" pitchFamily="18" charset="0"/>
-              </a:rPr>
-              <a:t> </a:t>
-            </a:r>
-            <a:r>
-              <a:rPr lang="en-US" sz="1300" dirty="0" err="1">
-                <a:solidFill>
-                  <a:srgbClr val="000000"/>
-                </a:solidFill>
-                <a:effectLst/>
-                <a:latin typeface="Times New Roman" panose="02020603050405020304" pitchFamily="18" charset="0"/>
-                <a:ea typeface="Times New Roman" panose="02020603050405020304" pitchFamily="18" charset="0"/>
-              </a:rPr>
-              <a:t>nhận</a:t>
-            </a:r>
-            <a:r>
-              <a:rPr lang="en-US" sz="1300" dirty="0">
-                <a:solidFill>
-                  <a:srgbClr val="000000"/>
-                </a:solidFill>
-                <a:effectLst/>
-                <a:latin typeface="Times New Roman" panose="02020603050405020304" pitchFamily="18" charset="0"/>
-                <a:ea typeface="Times New Roman" panose="02020603050405020304" pitchFamily="18" charset="0"/>
-              </a:rPr>
-              <a:t> </a:t>
-            </a:r>
-            <a:r>
-              <a:rPr lang="en-US" sz="1300" dirty="0" err="1">
-                <a:solidFill>
-                  <a:srgbClr val="000000"/>
-                </a:solidFill>
-                <a:effectLst/>
-                <a:latin typeface="Times New Roman" panose="02020603050405020304" pitchFamily="18" charset="0"/>
-                <a:ea typeface="Times New Roman" panose="02020603050405020304" pitchFamily="18" charset="0"/>
-              </a:rPr>
-              <a:t>và</a:t>
-            </a:r>
-            <a:r>
-              <a:rPr lang="en-US" sz="1300" dirty="0">
-                <a:solidFill>
-                  <a:srgbClr val="000000"/>
-                </a:solidFill>
-                <a:effectLst/>
-                <a:latin typeface="Times New Roman" panose="02020603050405020304" pitchFamily="18" charset="0"/>
-                <a:ea typeface="Times New Roman" panose="02020603050405020304" pitchFamily="18" charset="0"/>
-              </a:rPr>
-              <a:t> </a:t>
-            </a:r>
-            <a:r>
-              <a:rPr lang="en-US" sz="1300" dirty="0" err="1">
-                <a:solidFill>
-                  <a:srgbClr val="000000"/>
-                </a:solidFill>
-                <a:effectLst/>
-                <a:latin typeface="Times New Roman" panose="02020603050405020304" pitchFamily="18" charset="0"/>
-                <a:ea typeface="Times New Roman" panose="02020603050405020304" pitchFamily="18" charset="0"/>
-              </a:rPr>
-              <a:t>quyết</a:t>
-            </a:r>
-            <a:r>
-              <a:rPr lang="en-US" sz="1300" dirty="0">
-                <a:solidFill>
-                  <a:srgbClr val="000000"/>
-                </a:solidFill>
-                <a:effectLst/>
-                <a:latin typeface="Times New Roman" panose="02020603050405020304" pitchFamily="18" charset="0"/>
-                <a:ea typeface="Times New Roman" panose="02020603050405020304" pitchFamily="18" charset="0"/>
-              </a:rPr>
-              <a:t> </a:t>
-            </a:r>
-            <a:r>
-              <a:rPr lang="en-US" sz="1300" dirty="0" err="1">
-                <a:solidFill>
-                  <a:srgbClr val="000000"/>
-                </a:solidFill>
-                <a:effectLst/>
-                <a:latin typeface="Times New Roman" panose="02020603050405020304" pitchFamily="18" charset="0"/>
-                <a:ea typeface="Times New Roman" panose="02020603050405020304" pitchFamily="18" charset="0"/>
-              </a:rPr>
-              <a:t>định</a:t>
-            </a:r>
-            <a:r>
-              <a:rPr lang="en-US" sz="1300" dirty="0">
-                <a:solidFill>
-                  <a:srgbClr val="000000"/>
-                </a:solidFill>
-                <a:effectLst/>
-                <a:latin typeface="Times New Roman" panose="02020603050405020304" pitchFamily="18" charset="0"/>
-                <a:ea typeface="Times New Roman" panose="02020603050405020304" pitchFamily="18" charset="0"/>
-              </a:rPr>
-              <a:t> </a:t>
-            </a:r>
-            <a:r>
-              <a:rPr lang="en-US" sz="1300" dirty="0" err="1">
-                <a:solidFill>
-                  <a:srgbClr val="000000"/>
-                </a:solidFill>
-                <a:effectLst/>
-                <a:latin typeface="Times New Roman" panose="02020603050405020304" pitchFamily="18" charset="0"/>
-                <a:ea typeface="Times New Roman" panose="02020603050405020304" pitchFamily="18" charset="0"/>
-              </a:rPr>
-              <a:t>của</a:t>
-            </a:r>
-            <a:r>
-              <a:rPr lang="en-US" sz="1300" dirty="0">
-                <a:solidFill>
-                  <a:srgbClr val="000000"/>
-                </a:solidFill>
-                <a:effectLst/>
-                <a:latin typeface="Times New Roman" panose="02020603050405020304" pitchFamily="18" charset="0"/>
-                <a:ea typeface="Times New Roman" panose="02020603050405020304" pitchFamily="18" charset="0"/>
-              </a:rPr>
-              <a:t> </a:t>
-            </a:r>
-            <a:r>
-              <a:rPr lang="en-US" sz="1300" dirty="0" err="1">
-                <a:solidFill>
-                  <a:srgbClr val="000000"/>
-                </a:solidFill>
-                <a:effectLst/>
-                <a:latin typeface="Times New Roman" panose="02020603050405020304" pitchFamily="18" charset="0"/>
-                <a:ea typeface="Times New Roman" panose="02020603050405020304" pitchFamily="18" charset="0"/>
-              </a:rPr>
-              <a:t>khách</a:t>
-            </a:r>
-            <a:r>
-              <a:rPr lang="en-US" sz="1300" dirty="0">
-                <a:solidFill>
-                  <a:srgbClr val="000000"/>
-                </a:solidFill>
-                <a:effectLst/>
-                <a:latin typeface="Times New Roman" panose="02020603050405020304" pitchFamily="18" charset="0"/>
-                <a:ea typeface="Times New Roman" panose="02020603050405020304" pitchFamily="18" charset="0"/>
-              </a:rPr>
-              <a:t> </a:t>
-            </a:r>
-            <a:r>
-              <a:rPr lang="en-US" sz="1300" dirty="0" err="1">
-                <a:solidFill>
-                  <a:srgbClr val="000000"/>
-                </a:solidFill>
-                <a:effectLst/>
-                <a:latin typeface="Times New Roman" panose="02020603050405020304" pitchFamily="18" charset="0"/>
-                <a:ea typeface="Times New Roman" panose="02020603050405020304" pitchFamily="18" charset="0"/>
-              </a:rPr>
-              <a:t>hàng</a:t>
-            </a:r>
-            <a:r>
-              <a:rPr lang="en-US" sz="1300" dirty="0">
-                <a:solidFill>
-                  <a:srgbClr val="000000"/>
-                </a:solidFill>
-                <a:effectLst/>
-                <a:latin typeface="Times New Roman" panose="02020603050405020304" pitchFamily="18" charset="0"/>
-                <a:ea typeface="Times New Roman" panose="02020603050405020304" pitchFamily="18" charset="0"/>
-              </a:rPr>
-              <a:t>, </a:t>
-            </a:r>
-            <a:r>
-              <a:rPr lang="en-US" sz="1300" dirty="0" err="1">
-                <a:solidFill>
-                  <a:srgbClr val="000000"/>
-                </a:solidFill>
-                <a:effectLst/>
-                <a:latin typeface="Times New Roman" panose="02020603050405020304" pitchFamily="18" charset="0"/>
-                <a:ea typeface="Times New Roman" panose="02020603050405020304" pitchFamily="18" charset="0"/>
-              </a:rPr>
-              <a:t>thật</a:t>
-            </a:r>
-            <a:r>
-              <a:rPr lang="en-US" sz="1300" dirty="0">
-                <a:solidFill>
-                  <a:srgbClr val="000000"/>
-                </a:solidFill>
-                <a:effectLst/>
-                <a:latin typeface="Times New Roman" panose="02020603050405020304" pitchFamily="18" charset="0"/>
-                <a:ea typeface="Times New Roman" panose="02020603050405020304" pitchFamily="18" charset="0"/>
-              </a:rPr>
-              <a:t> </a:t>
-            </a:r>
-            <a:r>
-              <a:rPr lang="en-US" sz="1300" dirty="0" err="1">
-                <a:solidFill>
-                  <a:srgbClr val="000000"/>
-                </a:solidFill>
-                <a:effectLst/>
-                <a:latin typeface="Times New Roman" panose="02020603050405020304" pitchFamily="18" charset="0"/>
-                <a:ea typeface="Times New Roman" panose="02020603050405020304" pitchFamily="18" charset="0"/>
-              </a:rPr>
-              <a:t>ra</a:t>
-            </a:r>
-            <a:r>
-              <a:rPr lang="en-US" sz="1300" dirty="0">
-                <a:solidFill>
-                  <a:srgbClr val="000000"/>
-                </a:solidFill>
-                <a:effectLst/>
-                <a:latin typeface="Times New Roman" panose="02020603050405020304" pitchFamily="18" charset="0"/>
-                <a:ea typeface="Times New Roman" panose="02020603050405020304" pitchFamily="18" charset="0"/>
-              </a:rPr>
-              <a:t> </a:t>
-            </a:r>
-            <a:r>
-              <a:rPr lang="en-US" sz="1300" dirty="0" err="1">
-                <a:solidFill>
-                  <a:srgbClr val="000000"/>
-                </a:solidFill>
-                <a:effectLst/>
-                <a:latin typeface="Times New Roman" panose="02020603050405020304" pitchFamily="18" charset="0"/>
-                <a:ea typeface="Times New Roman" panose="02020603050405020304" pitchFamily="18" charset="0"/>
-              </a:rPr>
-              <a:t>bạn</a:t>
-            </a:r>
-            <a:r>
-              <a:rPr lang="en-US" sz="1300" dirty="0">
-                <a:solidFill>
-                  <a:srgbClr val="000000"/>
-                </a:solidFill>
-                <a:effectLst/>
-                <a:latin typeface="Times New Roman" panose="02020603050405020304" pitchFamily="18" charset="0"/>
-                <a:ea typeface="Times New Roman" panose="02020603050405020304" pitchFamily="18" charset="0"/>
-              </a:rPr>
-              <a:t> </a:t>
-            </a:r>
-            <a:r>
-              <a:rPr lang="en-US" sz="1300" dirty="0" err="1">
-                <a:solidFill>
-                  <a:srgbClr val="000000"/>
-                </a:solidFill>
-                <a:effectLst/>
-                <a:latin typeface="Times New Roman" panose="02020603050405020304" pitchFamily="18" charset="0"/>
-                <a:ea typeface="Times New Roman" panose="02020603050405020304" pitchFamily="18" charset="0"/>
-              </a:rPr>
-              <a:t>chỉ</a:t>
-            </a:r>
-            <a:r>
-              <a:rPr lang="en-US" sz="1300" dirty="0">
-                <a:solidFill>
-                  <a:srgbClr val="000000"/>
-                </a:solidFill>
-                <a:effectLst/>
-                <a:latin typeface="Times New Roman" panose="02020603050405020304" pitchFamily="18" charset="0"/>
-                <a:ea typeface="Times New Roman" panose="02020603050405020304" pitchFamily="18" charset="0"/>
-              </a:rPr>
-              <a:t> </a:t>
-            </a:r>
-            <a:r>
-              <a:rPr lang="en-US" sz="1300" dirty="0" err="1">
-                <a:solidFill>
-                  <a:srgbClr val="000000"/>
-                </a:solidFill>
-                <a:effectLst/>
-                <a:latin typeface="Times New Roman" panose="02020603050405020304" pitchFamily="18" charset="0"/>
-                <a:ea typeface="Times New Roman" panose="02020603050405020304" pitchFamily="18" charset="0"/>
-              </a:rPr>
-              <a:t>cần</a:t>
-            </a:r>
-            <a:r>
-              <a:rPr lang="en-US" sz="1300" dirty="0">
-                <a:solidFill>
-                  <a:srgbClr val="000000"/>
-                </a:solidFill>
-                <a:effectLst/>
-                <a:latin typeface="Times New Roman" panose="02020603050405020304" pitchFamily="18" charset="0"/>
-                <a:ea typeface="Times New Roman" panose="02020603050405020304" pitchFamily="18" charset="0"/>
-              </a:rPr>
-              <a:t> </a:t>
-            </a:r>
-            <a:r>
-              <a:rPr lang="en-US" sz="1300" dirty="0" err="1">
-                <a:solidFill>
-                  <a:srgbClr val="000000"/>
-                </a:solidFill>
-                <a:effectLst/>
-                <a:latin typeface="Times New Roman" panose="02020603050405020304" pitchFamily="18" charset="0"/>
-                <a:ea typeface="Times New Roman" panose="02020603050405020304" pitchFamily="18" charset="0"/>
-              </a:rPr>
-              <a:t>một</a:t>
-            </a:r>
-            <a:r>
-              <a:rPr lang="en-US" sz="1300" dirty="0">
-                <a:solidFill>
-                  <a:srgbClr val="000000"/>
-                </a:solidFill>
-                <a:effectLst/>
-                <a:latin typeface="Times New Roman" panose="02020603050405020304" pitchFamily="18" charset="0"/>
-                <a:ea typeface="Times New Roman" panose="02020603050405020304" pitchFamily="18" charset="0"/>
-              </a:rPr>
-              <a:t> </a:t>
-            </a:r>
-            <a:r>
-              <a:rPr lang="en-US" sz="1300" dirty="0" err="1">
-                <a:solidFill>
-                  <a:srgbClr val="000000"/>
-                </a:solidFill>
-                <a:effectLst/>
-                <a:latin typeface="Times New Roman" panose="02020603050405020304" pitchFamily="18" charset="0"/>
-                <a:ea typeface="Times New Roman" panose="02020603050405020304" pitchFamily="18" charset="0"/>
-              </a:rPr>
-              <a:t>giao</a:t>
-            </a:r>
-            <a:r>
-              <a:rPr lang="en-US" sz="1300" dirty="0">
-                <a:solidFill>
-                  <a:srgbClr val="000000"/>
-                </a:solidFill>
-                <a:effectLst/>
-                <a:latin typeface="Times New Roman" panose="02020603050405020304" pitchFamily="18" charset="0"/>
-                <a:ea typeface="Times New Roman" panose="02020603050405020304" pitchFamily="18" charset="0"/>
-              </a:rPr>
-              <a:t> </a:t>
-            </a:r>
-            <a:r>
-              <a:rPr lang="en-US" sz="1300" dirty="0" err="1">
-                <a:solidFill>
-                  <a:srgbClr val="000000"/>
-                </a:solidFill>
-                <a:effectLst/>
-                <a:latin typeface="Times New Roman" panose="02020603050405020304" pitchFamily="18" charset="0"/>
-                <a:ea typeface="Times New Roman" panose="02020603050405020304" pitchFamily="18" charset="0"/>
-              </a:rPr>
-              <a:t>diện</a:t>
-            </a:r>
-            <a:r>
-              <a:rPr lang="en-US" sz="1300" dirty="0">
-                <a:solidFill>
-                  <a:srgbClr val="000000"/>
-                </a:solidFill>
-                <a:effectLst/>
-                <a:latin typeface="Times New Roman" panose="02020603050405020304" pitchFamily="18" charset="0"/>
-                <a:ea typeface="Times New Roman" panose="02020603050405020304" pitchFamily="18" charset="0"/>
-              </a:rPr>
-              <a:t> </a:t>
-            </a:r>
-            <a:r>
-              <a:rPr lang="en-US" sz="1300" dirty="0" err="1">
-                <a:solidFill>
-                  <a:srgbClr val="000000"/>
-                </a:solidFill>
-                <a:effectLst/>
-                <a:latin typeface="Times New Roman" panose="02020603050405020304" pitchFamily="18" charset="0"/>
-                <a:ea typeface="Times New Roman" panose="02020603050405020304" pitchFamily="18" charset="0"/>
-              </a:rPr>
-              <a:t>dễ</a:t>
-            </a:r>
-            <a:r>
-              <a:rPr lang="en-US" sz="1300" dirty="0">
-                <a:solidFill>
-                  <a:srgbClr val="000000"/>
-                </a:solidFill>
-                <a:effectLst/>
-                <a:latin typeface="Times New Roman" panose="02020603050405020304" pitchFamily="18" charset="0"/>
-                <a:ea typeface="Times New Roman" panose="02020603050405020304" pitchFamily="18" charset="0"/>
-              </a:rPr>
-              <a:t> </a:t>
-            </a:r>
-            <a:r>
-              <a:rPr lang="en-US" sz="1300" dirty="0" err="1">
-                <a:solidFill>
-                  <a:srgbClr val="000000"/>
-                </a:solidFill>
-                <a:effectLst/>
-                <a:latin typeface="Times New Roman" panose="02020603050405020304" pitchFamily="18" charset="0"/>
-                <a:ea typeface="Times New Roman" panose="02020603050405020304" pitchFamily="18" charset="0"/>
-              </a:rPr>
-              <a:t>nhìn</a:t>
-            </a:r>
-            <a:r>
-              <a:rPr lang="en-US" sz="1300" dirty="0">
-                <a:solidFill>
-                  <a:srgbClr val="000000"/>
-                </a:solidFill>
-                <a:effectLst/>
-                <a:latin typeface="Times New Roman" panose="02020603050405020304" pitchFamily="18" charset="0"/>
-                <a:ea typeface="Times New Roman" panose="02020603050405020304" pitchFamily="18" charset="0"/>
-              </a:rPr>
-              <a:t> </a:t>
-            </a:r>
-            <a:r>
-              <a:rPr lang="en-US" sz="1300" dirty="0" err="1">
-                <a:solidFill>
-                  <a:srgbClr val="000000"/>
-                </a:solidFill>
-                <a:effectLst/>
-                <a:latin typeface="Times New Roman" panose="02020603050405020304" pitchFamily="18" charset="0"/>
-                <a:ea typeface="Times New Roman" panose="02020603050405020304" pitchFamily="18" charset="0"/>
-              </a:rPr>
-              <a:t>và</a:t>
-            </a:r>
-            <a:r>
-              <a:rPr lang="en-US" sz="1300" dirty="0">
-                <a:solidFill>
-                  <a:srgbClr val="000000"/>
-                </a:solidFill>
-                <a:effectLst/>
-                <a:latin typeface="Times New Roman" panose="02020603050405020304" pitchFamily="18" charset="0"/>
-                <a:ea typeface="Times New Roman" panose="02020603050405020304" pitchFamily="18" charset="0"/>
-              </a:rPr>
-              <a:t> </a:t>
-            </a:r>
-            <a:r>
-              <a:rPr lang="en-US" sz="1300" dirty="0" err="1">
-                <a:solidFill>
-                  <a:srgbClr val="000000"/>
-                </a:solidFill>
-                <a:effectLst/>
-                <a:latin typeface="Times New Roman" panose="02020603050405020304" pitchFamily="18" charset="0"/>
-                <a:ea typeface="Times New Roman" panose="02020603050405020304" pitchFamily="18" charset="0"/>
-              </a:rPr>
-              <a:t>gọn</a:t>
-            </a:r>
-            <a:r>
-              <a:rPr lang="en-US" sz="1300" dirty="0">
-                <a:solidFill>
-                  <a:srgbClr val="000000"/>
-                </a:solidFill>
-                <a:effectLst/>
-                <a:latin typeface="Times New Roman" panose="02020603050405020304" pitchFamily="18" charset="0"/>
-                <a:ea typeface="Times New Roman" panose="02020603050405020304" pitchFamily="18" charset="0"/>
-              </a:rPr>
-              <a:t> </a:t>
-            </a:r>
-            <a:r>
-              <a:rPr lang="en-US" sz="1300" dirty="0" err="1">
-                <a:solidFill>
-                  <a:srgbClr val="000000"/>
-                </a:solidFill>
-                <a:effectLst/>
-                <a:latin typeface="Times New Roman" panose="02020603050405020304" pitchFamily="18" charset="0"/>
-                <a:ea typeface="Times New Roman" panose="02020603050405020304" pitchFamily="18" charset="0"/>
-              </a:rPr>
-              <a:t>gàng</a:t>
-            </a:r>
-            <a:r>
-              <a:rPr lang="en-US" sz="1300" dirty="0">
-                <a:solidFill>
-                  <a:srgbClr val="000000"/>
-                </a:solidFill>
-                <a:effectLst/>
-                <a:latin typeface="Times New Roman" panose="02020603050405020304" pitchFamily="18" charset="0"/>
-                <a:ea typeface="Times New Roman" panose="02020603050405020304" pitchFamily="18" charset="0"/>
-              </a:rPr>
-              <a:t> </a:t>
-            </a:r>
-            <a:r>
-              <a:rPr lang="en-US" sz="1300" dirty="0" err="1">
-                <a:solidFill>
-                  <a:srgbClr val="000000"/>
-                </a:solidFill>
-                <a:effectLst/>
-                <a:latin typeface="Times New Roman" panose="02020603050405020304" pitchFamily="18" charset="0"/>
-                <a:ea typeface="Times New Roman" panose="02020603050405020304" pitchFamily="18" charset="0"/>
-              </a:rPr>
-              <a:t>là</a:t>
-            </a:r>
-            <a:r>
-              <a:rPr lang="en-US" sz="1300" dirty="0">
-                <a:solidFill>
-                  <a:srgbClr val="000000"/>
-                </a:solidFill>
-                <a:effectLst/>
-                <a:latin typeface="Times New Roman" panose="02020603050405020304" pitchFamily="18" charset="0"/>
-                <a:ea typeface="Times New Roman" panose="02020603050405020304" pitchFamily="18" charset="0"/>
-              </a:rPr>
-              <a:t> </a:t>
-            </a:r>
-            <a:r>
-              <a:rPr lang="en-US" sz="1300" dirty="0" err="1">
-                <a:solidFill>
-                  <a:srgbClr val="000000"/>
-                </a:solidFill>
-                <a:effectLst/>
-                <a:latin typeface="Times New Roman" panose="02020603050405020304" pitchFamily="18" charset="0"/>
-                <a:ea typeface="Times New Roman" panose="02020603050405020304" pitchFamily="18" charset="0"/>
-              </a:rPr>
-              <a:t>đủ</a:t>
-            </a:r>
-            <a:r>
-              <a:rPr lang="en-US" sz="1300" dirty="0">
-                <a:solidFill>
-                  <a:srgbClr val="000000"/>
-                </a:solidFill>
-                <a:effectLst/>
-                <a:latin typeface="Times New Roman" panose="02020603050405020304" pitchFamily="18" charset="0"/>
-                <a:ea typeface="Times New Roman" panose="02020603050405020304" pitchFamily="18" charset="0"/>
-              </a:rPr>
-              <a:t>. </a:t>
-            </a:r>
-            <a:r>
-              <a:rPr lang="en-US" sz="1300" dirty="0" err="1">
-                <a:solidFill>
-                  <a:srgbClr val="000000"/>
-                </a:solidFill>
-                <a:effectLst/>
-                <a:latin typeface="Times New Roman" panose="02020603050405020304" pitchFamily="18" charset="0"/>
-                <a:ea typeface="Times New Roman" panose="02020603050405020304" pitchFamily="18" charset="0"/>
-              </a:rPr>
-              <a:t>Tuy</a:t>
-            </a:r>
-            <a:r>
-              <a:rPr lang="en-US" sz="1300" dirty="0">
-                <a:solidFill>
-                  <a:srgbClr val="000000"/>
-                </a:solidFill>
-                <a:effectLst/>
-                <a:latin typeface="Times New Roman" panose="02020603050405020304" pitchFamily="18" charset="0"/>
-                <a:ea typeface="Times New Roman" panose="02020603050405020304" pitchFamily="18" charset="0"/>
-              </a:rPr>
-              <a:t> </a:t>
-            </a:r>
-            <a:r>
-              <a:rPr lang="en-US" sz="1300" dirty="0" err="1">
-                <a:solidFill>
-                  <a:srgbClr val="000000"/>
-                </a:solidFill>
-                <a:effectLst/>
-                <a:latin typeface="Times New Roman" panose="02020603050405020304" pitchFamily="18" charset="0"/>
-                <a:ea typeface="Times New Roman" panose="02020603050405020304" pitchFamily="18" charset="0"/>
-              </a:rPr>
-              <a:t>nhiên</a:t>
-            </a:r>
-            <a:r>
-              <a:rPr lang="en-US" sz="1300" dirty="0">
-                <a:solidFill>
-                  <a:srgbClr val="000000"/>
-                </a:solidFill>
-                <a:effectLst/>
-                <a:latin typeface="Times New Roman" panose="02020603050405020304" pitchFamily="18" charset="0"/>
-                <a:ea typeface="Times New Roman" panose="02020603050405020304" pitchFamily="18" charset="0"/>
-              </a:rPr>
-              <a:t>, </a:t>
-            </a:r>
-            <a:r>
-              <a:rPr lang="en-US" sz="1300" dirty="0" err="1">
-                <a:solidFill>
-                  <a:srgbClr val="000000"/>
-                </a:solidFill>
-                <a:effectLst/>
-                <a:latin typeface="Times New Roman" panose="02020603050405020304" pitchFamily="18" charset="0"/>
-                <a:ea typeface="Times New Roman" panose="02020603050405020304" pitchFamily="18" charset="0"/>
-              </a:rPr>
-              <a:t>thiết</a:t>
-            </a:r>
-            <a:r>
-              <a:rPr lang="en-US" sz="1300" dirty="0">
-                <a:solidFill>
-                  <a:srgbClr val="000000"/>
-                </a:solidFill>
-                <a:effectLst/>
-                <a:latin typeface="Times New Roman" panose="02020603050405020304" pitchFamily="18" charset="0"/>
-                <a:ea typeface="Times New Roman" panose="02020603050405020304" pitchFamily="18" charset="0"/>
-              </a:rPr>
-              <a:t> </a:t>
-            </a:r>
-            <a:r>
-              <a:rPr lang="en-US" sz="1300" dirty="0" err="1">
-                <a:solidFill>
-                  <a:srgbClr val="000000"/>
-                </a:solidFill>
-                <a:effectLst/>
-                <a:latin typeface="Times New Roman" panose="02020603050405020304" pitchFamily="18" charset="0"/>
-                <a:ea typeface="Times New Roman" panose="02020603050405020304" pitchFamily="18" charset="0"/>
-              </a:rPr>
-              <a:t>kế</a:t>
-            </a:r>
-            <a:r>
-              <a:rPr lang="en-US" sz="1300" dirty="0">
-                <a:solidFill>
-                  <a:srgbClr val="000000"/>
-                </a:solidFill>
-                <a:effectLst/>
-                <a:latin typeface="Times New Roman" panose="02020603050405020304" pitchFamily="18" charset="0"/>
-                <a:ea typeface="Times New Roman" panose="02020603050405020304" pitchFamily="18" charset="0"/>
-              </a:rPr>
-              <a:t> </a:t>
-            </a:r>
-            <a:r>
-              <a:rPr lang="en-US" sz="1300" dirty="0" err="1">
-                <a:solidFill>
-                  <a:srgbClr val="000000"/>
-                </a:solidFill>
-                <a:effectLst/>
-                <a:latin typeface="Times New Roman" panose="02020603050405020304" pitchFamily="18" charset="0"/>
-                <a:ea typeface="Times New Roman" panose="02020603050405020304" pitchFamily="18" charset="0"/>
-              </a:rPr>
-              <a:t>một</a:t>
-            </a:r>
-            <a:r>
-              <a:rPr lang="en-US" sz="1300" dirty="0">
-                <a:solidFill>
-                  <a:srgbClr val="000000"/>
-                </a:solidFill>
-                <a:effectLst/>
-                <a:latin typeface="Times New Roman" panose="02020603050405020304" pitchFamily="18" charset="0"/>
-                <a:ea typeface="Times New Roman" panose="02020603050405020304" pitchFamily="18" charset="0"/>
-              </a:rPr>
-              <a:t> </a:t>
-            </a:r>
-            <a:r>
-              <a:rPr lang="en-US" sz="1300" dirty="0" err="1">
-                <a:solidFill>
-                  <a:srgbClr val="000000"/>
-                </a:solidFill>
-                <a:effectLst/>
-                <a:latin typeface="Times New Roman" panose="02020603050405020304" pitchFamily="18" charset="0"/>
-                <a:ea typeface="Times New Roman" panose="02020603050405020304" pitchFamily="18" charset="0"/>
-              </a:rPr>
-              <a:t>giao</a:t>
-            </a:r>
-            <a:r>
-              <a:rPr lang="en-US" sz="1300" dirty="0">
-                <a:solidFill>
-                  <a:srgbClr val="000000"/>
-                </a:solidFill>
-                <a:effectLst/>
-                <a:latin typeface="Times New Roman" panose="02020603050405020304" pitchFamily="18" charset="0"/>
-                <a:ea typeface="Times New Roman" panose="02020603050405020304" pitchFamily="18" charset="0"/>
-              </a:rPr>
-              <a:t> </a:t>
-            </a:r>
-            <a:r>
-              <a:rPr lang="en-US" sz="1300" dirty="0" err="1">
-                <a:solidFill>
-                  <a:srgbClr val="000000"/>
-                </a:solidFill>
-                <a:effectLst/>
-                <a:latin typeface="Times New Roman" panose="02020603050405020304" pitchFamily="18" charset="0"/>
-                <a:ea typeface="Times New Roman" panose="02020603050405020304" pitchFamily="18" charset="0"/>
-              </a:rPr>
-              <a:t>diện</a:t>
-            </a:r>
-            <a:r>
-              <a:rPr lang="en-US" sz="1300" dirty="0">
-                <a:solidFill>
-                  <a:srgbClr val="000000"/>
-                </a:solidFill>
-                <a:effectLst/>
-                <a:latin typeface="Times New Roman" panose="02020603050405020304" pitchFamily="18" charset="0"/>
-                <a:ea typeface="Times New Roman" panose="02020603050405020304" pitchFamily="18" charset="0"/>
-              </a:rPr>
-              <a:t> </a:t>
-            </a:r>
-            <a:r>
-              <a:rPr lang="en-US" sz="1300" dirty="0" err="1">
-                <a:solidFill>
-                  <a:srgbClr val="000000"/>
-                </a:solidFill>
-                <a:effectLst/>
-                <a:latin typeface="Times New Roman" panose="02020603050405020304" pitchFamily="18" charset="0"/>
-                <a:ea typeface="Times New Roman" panose="02020603050405020304" pitchFamily="18" charset="0"/>
-              </a:rPr>
-              <a:t>theo</a:t>
-            </a:r>
-            <a:r>
-              <a:rPr lang="en-US" sz="1300" dirty="0">
-                <a:solidFill>
-                  <a:srgbClr val="000000"/>
-                </a:solidFill>
-                <a:effectLst/>
-                <a:latin typeface="Times New Roman" panose="02020603050405020304" pitchFamily="18" charset="0"/>
-                <a:ea typeface="Times New Roman" panose="02020603050405020304" pitchFamily="18" charset="0"/>
-              </a:rPr>
-              <a:t> </a:t>
-            </a:r>
-            <a:r>
-              <a:rPr lang="en-US" sz="1300" dirty="0" err="1">
-                <a:solidFill>
-                  <a:srgbClr val="000000"/>
-                </a:solidFill>
-                <a:effectLst/>
-                <a:latin typeface="Times New Roman" panose="02020603050405020304" pitchFamily="18" charset="0"/>
-                <a:ea typeface="Times New Roman" panose="02020603050405020304" pitchFamily="18" charset="0"/>
-              </a:rPr>
-              <a:t>kịp</a:t>
-            </a:r>
-            <a:r>
-              <a:rPr lang="en-US" sz="1300" dirty="0">
-                <a:solidFill>
-                  <a:srgbClr val="000000"/>
-                </a:solidFill>
-                <a:effectLst/>
-                <a:latin typeface="Times New Roman" panose="02020603050405020304" pitchFamily="18" charset="0"/>
-                <a:ea typeface="Times New Roman" panose="02020603050405020304" pitchFamily="18" charset="0"/>
-              </a:rPr>
-              <a:t> xu </a:t>
-            </a:r>
-            <a:r>
-              <a:rPr lang="en-US" sz="1300" dirty="0" err="1">
-                <a:solidFill>
-                  <a:srgbClr val="000000"/>
-                </a:solidFill>
-                <a:effectLst/>
-                <a:latin typeface="Times New Roman" panose="02020603050405020304" pitchFamily="18" charset="0"/>
-                <a:ea typeface="Times New Roman" panose="02020603050405020304" pitchFamily="18" charset="0"/>
-              </a:rPr>
-              <a:t>hướng</a:t>
-            </a:r>
-            <a:r>
-              <a:rPr lang="en-US" sz="1300" dirty="0">
-                <a:solidFill>
-                  <a:srgbClr val="000000"/>
-                </a:solidFill>
-                <a:effectLst/>
-                <a:latin typeface="Times New Roman" panose="02020603050405020304" pitchFamily="18" charset="0"/>
-                <a:ea typeface="Times New Roman" panose="02020603050405020304" pitchFamily="18" charset="0"/>
-              </a:rPr>
-              <a:t> </a:t>
-            </a:r>
-            <a:r>
-              <a:rPr lang="en-US" sz="1300" dirty="0" err="1">
-                <a:solidFill>
-                  <a:srgbClr val="000000"/>
-                </a:solidFill>
-                <a:effectLst/>
-                <a:latin typeface="Times New Roman" panose="02020603050405020304" pitchFamily="18" charset="0"/>
-                <a:ea typeface="Times New Roman" panose="02020603050405020304" pitchFamily="18" charset="0"/>
-              </a:rPr>
-              <a:t>hiện</a:t>
-            </a:r>
-            <a:r>
-              <a:rPr lang="en-US" sz="1300" dirty="0">
-                <a:solidFill>
-                  <a:srgbClr val="000000"/>
-                </a:solidFill>
-                <a:effectLst/>
-                <a:latin typeface="Times New Roman" panose="02020603050405020304" pitchFamily="18" charset="0"/>
-                <a:ea typeface="Times New Roman" panose="02020603050405020304" pitchFamily="18" charset="0"/>
-              </a:rPr>
-              <a:t> </a:t>
-            </a:r>
-            <a:r>
-              <a:rPr lang="en-US" sz="1300" dirty="0" err="1">
-                <a:solidFill>
-                  <a:srgbClr val="000000"/>
-                </a:solidFill>
-                <a:effectLst/>
-                <a:latin typeface="Times New Roman" panose="02020603050405020304" pitchFamily="18" charset="0"/>
-                <a:ea typeface="Times New Roman" panose="02020603050405020304" pitchFamily="18" charset="0"/>
-              </a:rPr>
-              <a:t>tại</a:t>
-            </a:r>
-            <a:r>
-              <a:rPr lang="en-US" sz="1300" dirty="0">
-                <a:solidFill>
-                  <a:srgbClr val="000000"/>
-                </a:solidFill>
-                <a:effectLst/>
-                <a:latin typeface="Times New Roman" panose="02020603050405020304" pitchFamily="18" charset="0"/>
-                <a:ea typeface="Times New Roman" panose="02020603050405020304" pitchFamily="18" charset="0"/>
-              </a:rPr>
-              <a:t> </a:t>
-            </a:r>
-            <a:r>
-              <a:rPr lang="en-US" sz="1300" dirty="0" err="1">
-                <a:solidFill>
-                  <a:srgbClr val="000000"/>
-                </a:solidFill>
-                <a:effectLst/>
-                <a:latin typeface="Times New Roman" panose="02020603050405020304" pitchFamily="18" charset="0"/>
-                <a:ea typeface="Times New Roman" panose="02020603050405020304" pitchFamily="18" charset="0"/>
-              </a:rPr>
-              <a:t>cũng</a:t>
-            </a:r>
-            <a:r>
-              <a:rPr lang="en-US" sz="1300" dirty="0">
-                <a:solidFill>
-                  <a:srgbClr val="000000"/>
-                </a:solidFill>
-                <a:effectLst/>
-                <a:latin typeface="Times New Roman" panose="02020603050405020304" pitchFamily="18" charset="0"/>
-                <a:ea typeface="Times New Roman" panose="02020603050405020304" pitchFamily="18" charset="0"/>
-              </a:rPr>
-              <a:t> </a:t>
-            </a:r>
-            <a:r>
-              <a:rPr lang="en-US" sz="1300" dirty="0" err="1">
-                <a:solidFill>
-                  <a:srgbClr val="000000"/>
-                </a:solidFill>
-                <a:effectLst/>
-                <a:latin typeface="Times New Roman" panose="02020603050405020304" pitchFamily="18" charset="0"/>
-                <a:ea typeface="Times New Roman" panose="02020603050405020304" pitchFamily="18" charset="0"/>
-              </a:rPr>
-              <a:t>sẽ</a:t>
-            </a:r>
-            <a:r>
-              <a:rPr lang="en-US" sz="1300" dirty="0">
-                <a:solidFill>
-                  <a:srgbClr val="000000"/>
-                </a:solidFill>
-                <a:effectLst/>
-                <a:latin typeface="Times New Roman" panose="02020603050405020304" pitchFamily="18" charset="0"/>
-                <a:ea typeface="Times New Roman" panose="02020603050405020304" pitchFamily="18" charset="0"/>
-              </a:rPr>
-              <a:t> </a:t>
-            </a:r>
-            <a:r>
-              <a:rPr lang="en-US" sz="1300" dirty="0" err="1">
-                <a:solidFill>
-                  <a:srgbClr val="000000"/>
-                </a:solidFill>
-                <a:effectLst/>
-                <a:latin typeface="Times New Roman" panose="02020603050405020304" pitchFamily="18" charset="0"/>
-                <a:ea typeface="Times New Roman" panose="02020603050405020304" pitchFamily="18" charset="0"/>
-              </a:rPr>
-              <a:t>giúp</a:t>
-            </a:r>
-            <a:r>
-              <a:rPr lang="en-US" sz="1300" dirty="0">
-                <a:solidFill>
-                  <a:srgbClr val="000000"/>
-                </a:solidFill>
-                <a:effectLst/>
-                <a:latin typeface="Times New Roman" panose="02020603050405020304" pitchFamily="18" charset="0"/>
-                <a:ea typeface="Times New Roman" panose="02020603050405020304" pitchFamily="18" charset="0"/>
-              </a:rPr>
-              <a:t> website </a:t>
-            </a:r>
-            <a:r>
-              <a:rPr lang="en-US" sz="1300" dirty="0" err="1">
-                <a:solidFill>
-                  <a:srgbClr val="000000"/>
-                </a:solidFill>
-                <a:effectLst/>
-                <a:latin typeface="Times New Roman" panose="02020603050405020304" pitchFamily="18" charset="0"/>
-                <a:ea typeface="Times New Roman" panose="02020603050405020304" pitchFamily="18" charset="0"/>
-              </a:rPr>
-              <a:t>của</a:t>
-            </a:r>
-            <a:r>
-              <a:rPr lang="en-US" sz="1300" dirty="0">
-                <a:solidFill>
-                  <a:srgbClr val="000000"/>
-                </a:solidFill>
-                <a:effectLst/>
-                <a:latin typeface="Times New Roman" panose="02020603050405020304" pitchFamily="18" charset="0"/>
-                <a:ea typeface="Times New Roman" panose="02020603050405020304" pitchFamily="18" charset="0"/>
-              </a:rPr>
-              <a:t> </a:t>
-            </a:r>
-            <a:r>
-              <a:rPr lang="en-US" sz="1300" dirty="0" err="1">
-                <a:solidFill>
-                  <a:srgbClr val="000000"/>
-                </a:solidFill>
-                <a:effectLst/>
-                <a:latin typeface="Times New Roman" panose="02020603050405020304" pitchFamily="18" charset="0"/>
-                <a:ea typeface="Times New Roman" panose="02020603050405020304" pitchFamily="18" charset="0"/>
-              </a:rPr>
-              <a:t>bạn</a:t>
-            </a:r>
-            <a:r>
-              <a:rPr lang="en-US" sz="1300" dirty="0">
-                <a:solidFill>
-                  <a:srgbClr val="000000"/>
-                </a:solidFill>
-                <a:effectLst/>
-                <a:latin typeface="Times New Roman" panose="02020603050405020304" pitchFamily="18" charset="0"/>
-                <a:ea typeface="Times New Roman" panose="02020603050405020304" pitchFamily="18" charset="0"/>
-              </a:rPr>
-              <a:t> </a:t>
-            </a:r>
-            <a:r>
-              <a:rPr lang="en-US" sz="1300" dirty="0" err="1">
-                <a:solidFill>
-                  <a:srgbClr val="000000"/>
-                </a:solidFill>
-                <a:effectLst/>
-                <a:latin typeface="Times New Roman" panose="02020603050405020304" pitchFamily="18" charset="0"/>
-                <a:ea typeface="Times New Roman" panose="02020603050405020304" pitchFamily="18" charset="0"/>
-              </a:rPr>
-              <a:t>trở</a:t>
-            </a:r>
-            <a:r>
-              <a:rPr lang="en-US" sz="1300" dirty="0">
-                <a:solidFill>
-                  <a:srgbClr val="000000"/>
-                </a:solidFill>
-                <a:effectLst/>
-                <a:latin typeface="Times New Roman" panose="02020603050405020304" pitchFamily="18" charset="0"/>
-                <a:ea typeface="Times New Roman" panose="02020603050405020304" pitchFamily="18" charset="0"/>
-              </a:rPr>
-              <a:t> </a:t>
-            </a:r>
-            <a:r>
-              <a:rPr lang="en-US" sz="1300" dirty="0" err="1">
-                <a:solidFill>
-                  <a:srgbClr val="000000"/>
-                </a:solidFill>
-                <a:effectLst/>
-                <a:latin typeface="Times New Roman" panose="02020603050405020304" pitchFamily="18" charset="0"/>
-                <a:ea typeface="Times New Roman" panose="02020603050405020304" pitchFamily="18" charset="0"/>
-              </a:rPr>
-              <a:t>nên</a:t>
-            </a:r>
-            <a:r>
-              <a:rPr lang="en-US" sz="1300" dirty="0">
-                <a:solidFill>
-                  <a:srgbClr val="000000"/>
-                </a:solidFill>
-                <a:effectLst/>
-                <a:latin typeface="Times New Roman" panose="02020603050405020304" pitchFamily="18" charset="0"/>
-                <a:ea typeface="Times New Roman" panose="02020603050405020304" pitchFamily="18" charset="0"/>
-              </a:rPr>
-              <a:t> </a:t>
-            </a:r>
-            <a:r>
-              <a:rPr lang="en-US" sz="1300" dirty="0" err="1">
-                <a:solidFill>
-                  <a:srgbClr val="000000"/>
-                </a:solidFill>
-                <a:effectLst/>
-                <a:latin typeface="Times New Roman" panose="02020603050405020304" pitchFamily="18" charset="0"/>
-                <a:ea typeface="Times New Roman" panose="02020603050405020304" pitchFamily="18" charset="0"/>
-              </a:rPr>
-              <a:t>nổi</a:t>
-            </a:r>
-            <a:r>
-              <a:rPr lang="en-US" sz="1300" dirty="0">
-                <a:solidFill>
-                  <a:srgbClr val="000000"/>
-                </a:solidFill>
-                <a:effectLst/>
-                <a:latin typeface="Times New Roman" panose="02020603050405020304" pitchFamily="18" charset="0"/>
-                <a:ea typeface="Times New Roman" panose="02020603050405020304" pitchFamily="18" charset="0"/>
-              </a:rPr>
-              <a:t> </a:t>
-            </a:r>
-            <a:r>
-              <a:rPr lang="en-US" sz="1300" dirty="0" err="1">
-                <a:solidFill>
-                  <a:srgbClr val="000000"/>
-                </a:solidFill>
-                <a:effectLst/>
-                <a:latin typeface="Times New Roman" panose="02020603050405020304" pitchFamily="18" charset="0"/>
-                <a:ea typeface="Times New Roman" panose="02020603050405020304" pitchFamily="18" charset="0"/>
-              </a:rPr>
-              <a:t>bật</a:t>
-            </a:r>
-            <a:r>
-              <a:rPr lang="en-US" sz="1300" dirty="0">
-                <a:solidFill>
-                  <a:srgbClr val="000000"/>
-                </a:solidFill>
-                <a:effectLst/>
-                <a:latin typeface="Times New Roman" panose="02020603050405020304" pitchFamily="18" charset="0"/>
-                <a:ea typeface="Times New Roman" panose="02020603050405020304" pitchFamily="18" charset="0"/>
-              </a:rPr>
-              <a:t> </a:t>
-            </a:r>
-            <a:r>
-              <a:rPr lang="en-US" sz="1300" dirty="0" err="1">
-                <a:solidFill>
-                  <a:srgbClr val="000000"/>
-                </a:solidFill>
-                <a:effectLst/>
-                <a:latin typeface="Times New Roman" panose="02020603050405020304" pitchFamily="18" charset="0"/>
-                <a:ea typeface="Times New Roman" panose="02020603050405020304" pitchFamily="18" charset="0"/>
-              </a:rPr>
-              <a:t>và</a:t>
-            </a:r>
-            <a:r>
-              <a:rPr lang="en-US" sz="1300" dirty="0">
-                <a:solidFill>
-                  <a:srgbClr val="000000"/>
-                </a:solidFill>
-                <a:effectLst/>
-                <a:latin typeface="Times New Roman" panose="02020603050405020304" pitchFamily="18" charset="0"/>
-                <a:ea typeface="Times New Roman" panose="02020603050405020304" pitchFamily="18" charset="0"/>
-              </a:rPr>
-              <a:t> </a:t>
-            </a:r>
-            <a:r>
-              <a:rPr lang="en-US" sz="1300" dirty="0" err="1">
-                <a:solidFill>
-                  <a:srgbClr val="000000"/>
-                </a:solidFill>
-                <a:effectLst/>
-                <a:latin typeface="Times New Roman" panose="02020603050405020304" pitchFamily="18" charset="0"/>
-                <a:ea typeface="Times New Roman" panose="02020603050405020304" pitchFamily="18" charset="0"/>
-              </a:rPr>
-              <a:t>thu</a:t>
-            </a:r>
-            <a:r>
-              <a:rPr lang="en-US" sz="1300" dirty="0">
-                <a:solidFill>
-                  <a:srgbClr val="000000"/>
-                </a:solidFill>
-                <a:effectLst/>
-                <a:latin typeface="Times New Roman" panose="02020603050405020304" pitchFamily="18" charset="0"/>
-                <a:ea typeface="Times New Roman" panose="02020603050405020304" pitchFamily="18" charset="0"/>
-              </a:rPr>
-              <a:t> </a:t>
-            </a:r>
-            <a:r>
-              <a:rPr lang="en-US" sz="1300" dirty="0" err="1">
-                <a:solidFill>
-                  <a:srgbClr val="000000"/>
-                </a:solidFill>
-                <a:effectLst/>
-                <a:latin typeface="Times New Roman" panose="02020603050405020304" pitchFamily="18" charset="0"/>
-                <a:ea typeface="Times New Roman" panose="02020603050405020304" pitchFamily="18" charset="0"/>
-              </a:rPr>
-              <a:t>hút</a:t>
-            </a:r>
-            <a:r>
-              <a:rPr lang="en-US" sz="1300" dirty="0">
-                <a:solidFill>
-                  <a:srgbClr val="000000"/>
-                </a:solidFill>
-                <a:effectLst/>
-                <a:latin typeface="Times New Roman" panose="02020603050405020304" pitchFamily="18" charset="0"/>
-                <a:ea typeface="Times New Roman" panose="02020603050405020304" pitchFamily="18" charset="0"/>
-              </a:rPr>
-              <a:t> </a:t>
-            </a:r>
-            <a:r>
-              <a:rPr lang="en-US" sz="1300" dirty="0" err="1">
-                <a:solidFill>
-                  <a:srgbClr val="000000"/>
-                </a:solidFill>
-                <a:effectLst/>
-                <a:latin typeface="Times New Roman" panose="02020603050405020304" pitchFamily="18" charset="0"/>
-                <a:ea typeface="Times New Roman" panose="02020603050405020304" pitchFamily="18" charset="0"/>
-              </a:rPr>
-              <a:t>hơn</a:t>
-            </a:r>
-            <a:r>
-              <a:rPr lang="en-US" sz="1300" dirty="0">
-                <a:solidFill>
-                  <a:srgbClr val="000000"/>
-                </a:solidFill>
-                <a:effectLst/>
-                <a:latin typeface="Times New Roman" panose="02020603050405020304" pitchFamily="18" charset="0"/>
-                <a:ea typeface="Times New Roman" panose="02020603050405020304" pitchFamily="18" charset="0"/>
-              </a:rPr>
-              <a:t>.</a:t>
-            </a:r>
-            <a:endParaRPr lang="en-US" sz="1300" dirty="0">
-              <a:effectLst/>
-              <a:latin typeface="Times New Roman" panose="02020603050405020304" pitchFamily="18" charset="0"/>
-              <a:ea typeface="Times New Roman" panose="02020603050405020304" pitchFamily="18" charset="0"/>
             </a:endParaRPr>
           </a:p>
           <a:p>
@@ -8506,7 +7138,7 @@
         <p:spPr>
           <a:xfrm>
             <a:off x="355954" y="567522"/>
-            <a:ext cx="11338559" cy="4411464"/>
+            <a:ext cx="11338559" cy="5827236"/>
           </a:xfrm>
           <a:prstGeom prst="rect">
             <a:avLst/>
@@ -8528,7 +7160,7 @@
               </a:spcAft>
             </a:pPr>
             <a:r>
-              <a:rPr lang="vi-VN" sz="1800" b="1" kern="100" dirty="0" smtClean="0">
+              <a:rPr lang="vi-VN" sz="2400" b="1" kern="100" dirty="0" smtClean="0">
                 <a:effectLst/>
                 <a:latin typeface="Times New Roman" panose="02020603050405020304" pitchFamily="18" charset="0"/>
                 <a:ea typeface="DengXian Light" panose="020B0503020204020204" pitchFamily="2" charset="-122"/>
@@ -8537,7 +7169,7 @@
               <a:t>5.</a:t>
             </a:r>
             <a:r>
-              <a:rPr lang="en-US" sz="1800" b="1" kern="100" dirty="0" smtClean="0">
+              <a:rPr lang="en-US" sz="2400" b="1" kern="100" dirty="0" smtClean="0">
                 <a:effectLst/>
                 <a:latin typeface="Times New Roman" panose="02020603050405020304" pitchFamily="18" charset="0"/>
                 <a:ea typeface="DengXian Light" panose="020B0503020204020204" pitchFamily="2" charset="-122"/>
@@ -8546,7 +7178,7 @@
               <a:t>2</a:t>
             </a:r>
             <a:r>
-              <a:rPr lang="vi-VN" sz="1800" b="1" kern="100" dirty="0" smtClean="0">
+              <a:rPr lang="vi-VN" sz="2400" b="1" kern="100" dirty="0" smtClean="0">
                 <a:effectLst/>
                 <a:latin typeface="Times New Roman" panose="02020603050405020304" pitchFamily="18" charset="0"/>
                 <a:ea typeface="DengXian Light" panose="020B0503020204020204" pitchFamily="2" charset="-122"/>
@@ -8555,7 +7187,7 @@
               <a:t>.</a:t>
             </a:r>
             <a:r>
-              <a:rPr lang="vi-VN" sz="1800" b="1" kern="100" dirty="0" smtClean="0">
+              <a:rPr lang="vi-VN" sz="2400" b="1" kern="100" dirty="0" smtClean="0">
                 <a:solidFill>
                   <a:srgbClr val="000000"/>
                 </a:solidFill>
@@ -8567,7 +7199,7 @@
               <a:t> </a:t>
             </a:r>
             <a:r>
-              <a:rPr lang="vi-VN" sz="1800" b="1" kern="100" dirty="0">
+              <a:rPr lang="vi-VN" sz="2400" b="1" kern="100" dirty="0">
                 <a:effectLst/>
                 <a:latin typeface="Times New Roman" panose="02020603050405020304" pitchFamily="18" charset="0"/>
                 <a:ea typeface="DengXian Light" panose="020B0503020204020204" pitchFamily="2" charset="-122"/>
@@ -8576,7 +7208,7 @@
               <a:t>Hướng dẫn về vai trò và trách nhiệm của từng thành viên trong nhóm, bao gồm</a:t>
             </a:r>
             <a:br>
-              <a:rPr lang="vi-VN" sz="1800" b="1" kern="100" dirty="0">
+              <a:rPr lang="vi-VN" sz="2400" b="1" kern="100" dirty="0">
                 <a:effectLst/>
                 <a:latin typeface="Times New Roman" panose="02020603050405020304" pitchFamily="18" charset="0"/>
                 <a:ea typeface="DengXian Light" panose="020B0503020204020204" pitchFamily="2" charset="-122"/>
@@ -8584,7 +7216,7 @@
               </a:rPr>
             </a:br>
             <a:r>
-              <a:rPr lang="vi-VN" sz="1800" b="1" kern="100" dirty="0">
+              <a:rPr lang="vi-VN" sz="2400" b="1" kern="100" dirty="0">
                 <a:effectLst/>
                 <a:latin typeface="Times New Roman" panose="02020603050405020304" pitchFamily="18" charset="0"/>
                 <a:ea typeface="DengXian Light" panose="020B0503020204020204" pitchFamily="2" charset="-122"/>
@@ -8592,7 +7224,7 @@
               </a:rPr>
               <a:t>quản lý dự án và phát triển.</a:t>
             </a:r>
-            <a:endParaRPr lang="en-US" sz="1800" b="1" kern="100" dirty="0">
+            <a:endParaRPr lang="en-US" sz="2400" b="1" kern="100" dirty="0">
               <a:effectLst/>
               <a:latin typeface="Times New Roman" panose="02020603050405020304" pitchFamily="18" charset="0"/>
               <a:ea typeface="DengXian Light" panose="020B0503020204020204" pitchFamily="2" charset="-122"/>
@@ -8609,7 +7241,7 @@
               </a:spcAft>
             </a:pPr>
             <a:r>
-              <a:rPr lang="vi-VN" sz="1300" b="1" i="1" kern="100" dirty="0" smtClean="0">
+              <a:rPr lang="vi-VN" sz="1600" b="1" i="1" kern="100" dirty="0" smtClean="0">
                 <a:effectLst/>
                 <a:latin typeface="Times New Roman" panose="02020603050405020304" pitchFamily="18" charset="0"/>
                 <a:ea typeface="DengXian Light" panose="020B0503020204020204" pitchFamily="2" charset="-122"/>
@@ -8618,7 +7250,7 @@
               <a:t>5.</a:t>
             </a:r>
             <a:r>
-              <a:rPr lang="en-US" sz="1300" b="1" i="1" kern="100" dirty="0" smtClean="0">
+              <a:rPr lang="en-US" sz="1600" b="1" i="1" kern="100" dirty="0" smtClean="0">
                 <a:effectLst/>
                 <a:latin typeface="Times New Roman" panose="02020603050405020304" pitchFamily="18" charset="0"/>
                 <a:ea typeface="DengXian Light" panose="020B0503020204020204" pitchFamily="2" charset="-122"/>
@@ -8627,7 +7259,7 @@
               <a:t>2</a:t>
             </a:r>
             <a:r>
-              <a:rPr lang="vi-VN" sz="1300" b="1" i="1" kern="100" dirty="0" smtClean="0">
+              <a:rPr lang="vi-VN" sz="1600" b="1" i="1" kern="100" dirty="0" smtClean="0">
                 <a:effectLst/>
                 <a:latin typeface="Times New Roman" panose="02020603050405020304" pitchFamily="18" charset="0"/>
                 <a:ea typeface="DengXian Light" panose="020B0503020204020204" pitchFamily="2" charset="-122"/>
@@ -8636,7 +7268,7 @@
               <a:t>.1</a:t>
             </a:r>
             <a:r>
-              <a:rPr lang="vi-VN" sz="1300" b="1" i="1" kern="100" dirty="0">
+              <a:rPr lang="vi-VN" sz="1600" b="1" i="1" kern="100" dirty="0">
                 <a:effectLst/>
                 <a:latin typeface="Times New Roman" panose="02020603050405020304" pitchFamily="18" charset="0"/>
                 <a:ea typeface="DengXian Light" panose="020B0503020204020204" pitchFamily="2" charset="-122"/>
@@ -8644,7 +7276,7 @@
               </a:rPr>
               <a:t>. Quản lý dự án</a:t>
             </a:r>
-            <a:endParaRPr lang="en-US" sz="1300" b="1" i="1" kern="100" dirty="0">
+            <a:endParaRPr lang="en-US" sz="1600" b="1" i="1" kern="100" dirty="0">
               <a:effectLst/>
               <a:latin typeface="Times New Roman" panose="02020603050405020304" pitchFamily="18" charset="0"/>
               <a:ea typeface="DengXian Light" panose="020B0503020204020204" pitchFamily="2" charset="-122"/>
@@ -8661,7 +7293,7 @@
               </a:spcAft>
             </a:pPr>
             <a:r>
-              <a:rPr lang="vi-VN" sz="1300" kern="100" dirty="0">
+              <a:rPr lang="vi-VN" sz="1600" kern="100" dirty="0">
                 <a:effectLst/>
                 <a:latin typeface="Times New Roman" panose="02020603050405020304" pitchFamily="18" charset="0"/>
                 <a:ea typeface="Calibri" panose="020F0502020204030204" pitchFamily="34" charset="0"/>
@@ -8669,7 +7301,7 @@
               </a:rPr>
               <a:t>- Trưởng nhóm: Đóng vai trò lãnh đạo, phân phối công việc, quản lý công việc và thiết lập các mốc thời gian quan trọng cho dự án. </a:t>
             </a:r>
-            <a:endParaRPr lang="en-US" sz="1300" kern="100" dirty="0">
+            <a:endParaRPr lang="en-US" sz="1600" kern="100" dirty="0">
               <a:effectLst/>
               <a:latin typeface="Calibri" panose="020F0502020204030204" pitchFamily="34" charset="0"/>
               <a:ea typeface="Calibri" panose="020F0502020204030204" pitchFamily="34" charset="0"/>
@@ -8686,7 +7318,7 @@
               </a:spcAft>
             </a:pPr>
             <a:r>
-              <a:rPr lang="vi-VN" sz="1300" kern="100" dirty="0">
+              <a:rPr lang="vi-VN" sz="1600" kern="100" dirty="0">
                 <a:effectLst/>
                 <a:latin typeface="Times New Roman" panose="02020603050405020304" pitchFamily="18" charset="0"/>
                 <a:ea typeface="Calibri" panose="020F0502020204030204" pitchFamily="34" charset="0"/>
@@ -8694,7 +7326,7 @@
               </a:rPr>
               <a:t>- Quản lý dự án: Chịu trách nhiệm chủ động lập kế hoạch, định hướng và giám sát toàn bộ quá trình dự án, bao gồm quản lý nguồn lực, theo dõi tiến độ, và đảm bảo việc hoàn thành dự án đúng theo yêu cầu và thời gian.</a:t>
             </a:r>
-            <a:endParaRPr lang="en-US" sz="1300" kern="100" dirty="0">
+            <a:endParaRPr lang="en-US" sz="1600" kern="100" dirty="0">
               <a:effectLst/>
               <a:latin typeface="Calibri" panose="020F0502020204030204" pitchFamily="34" charset="0"/>
               <a:ea typeface="Calibri" panose="020F0502020204030204" pitchFamily="34" charset="0"/>
@@ -8711,7 +7343,7 @@
               </a:spcAft>
             </a:pPr>
             <a:r>
-              <a:rPr lang="vi-VN" sz="1300" kern="100" dirty="0">
+              <a:rPr lang="vi-VN" sz="1600" kern="100" dirty="0">
                 <a:effectLst/>
                 <a:latin typeface="Times New Roman" panose="02020603050405020304" pitchFamily="18" charset="0"/>
                 <a:ea typeface="Calibri" panose="020F0502020204030204" pitchFamily="34" charset="0"/>
@@ -8719,7 +7351,7 @@
               </a:rPr>
               <a:t>- Quản lý chất lượng: Đảm bảo chất lượng của công việc được thực hiện đúng theo yêu cầu khách hàng và tiêu chuẩn đã đề ra trong dự án.</a:t>
             </a:r>
-            <a:endParaRPr lang="en-US" sz="1300" kern="100" dirty="0">
+            <a:endParaRPr lang="en-US" sz="1600" kern="100" dirty="0">
               <a:effectLst/>
               <a:latin typeface="Calibri" panose="020F0502020204030204" pitchFamily="34" charset="0"/>
               <a:ea typeface="Calibri" panose="020F0502020204030204" pitchFamily="34" charset="0"/>
@@ -8736,7 +7368,7 @@
               </a:spcAft>
             </a:pPr>
             <a:r>
-              <a:rPr lang="vi-VN" sz="1300" b="1" i="1" kern="100" dirty="0" smtClean="0">
+              <a:rPr lang="vi-VN" sz="1600" b="1" i="1" kern="100" dirty="0" smtClean="0">
                 <a:effectLst/>
                 <a:latin typeface="Times New Roman" panose="02020603050405020304" pitchFamily="18" charset="0"/>
                 <a:ea typeface="DengXian Light" panose="020B0503020204020204" pitchFamily="2" charset="-122"/>
@@ -8745,7 +7377,7 @@
               <a:t>5.</a:t>
             </a:r>
             <a:r>
-              <a:rPr lang="en-US" sz="1300" b="1" i="1" kern="100" dirty="0" smtClean="0">
+              <a:rPr lang="en-US" sz="1600" b="1" i="1" kern="100" dirty="0" smtClean="0">
                 <a:effectLst/>
                 <a:latin typeface="Times New Roman" panose="02020603050405020304" pitchFamily="18" charset="0"/>
                 <a:ea typeface="DengXian Light" panose="020B0503020204020204" pitchFamily="2" charset="-122"/>
@@ -8754,7 +7386,7 @@
               <a:t>2</a:t>
             </a:r>
             <a:r>
-              <a:rPr lang="vi-VN" sz="1300" b="1" i="1" kern="100" dirty="0" smtClean="0">
+              <a:rPr lang="vi-VN" sz="1600" b="1" i="1" kern="100" dirty="0" smtClean="0">
                 <a:effectLst/>
                 <a:latin typeface="Times New Roman" panose="02020603050405020304" pitchFamily="18" charset="0"/>
                 <a:ea typeface="DengXian Light" panose="020B0503020204020204" pitchFamily="2" charset="-122"/>
@@ -8763,7 +7395,7 @@
               <a:t>.2</a:t>
             </a:r>
             <a:r>
-              <a:rPr lang="vi-VN" sz="1300" b="1" i="1" kern="100" dirty="0">
+              <a:rPr lang="vi-VN" sz="1600" b="1" i="1" kern="100" dirty="0">
                 <a:effectLst/>
                 <a:latin typeface="Times New Roman" panose="02020603050405020304" pitchFamily="18" charset="0"/>
                 <a:ea typeface="DengXian Light" panose="020B0503020204020204" pitchFamily="2" charset="-122"/>
@@ -8771,7 +7403,7 @@
               </a:rPr>
               <a:t>. Phát triển</a:t>
             </a:r>
-            <a:endParaRPr lang="en-US" sz="1300" b="1" i="1" kern="100" dirty="0">
+            <a:endParaRPr lang="en-US" sz="1600" b="1" i="1" kern="100" dirty="0">
               <a:effectLst/>
               <a:latin typeface="Times New Roman" panose="02020603050405020304" pitchFamily="18" charset="0"/>
               <a:ea typeface="DengXian Light" panose="020B0503020204020204" pitchFamily="2" charset="-122"/>
@@ -8788,7 +7420,7 @@
               </a:spcAft>
             </a:pPr>
             <a:r>
-              <a:rPr lang="vi-VN" sz="1300" kern="100" dirty="0">
+              <a:rPr lang="vi-VN" sz="1600" kern="100" dirty="0">
                 <a:effectLst/>
                 <a:latin typeface="Times New Roman" panose="02020603050405020304" pitchFamily="18" charset="0"/>
                 <a:ea typeface="Calibri" panose="020F0502020204030204" pitchFamily="34" charset="0"/>
@@ -8796,7 +7428,7 @@
               </a:rPr>
               <a:t>- Kiến trúc sư: Thiết kế, phân tích và xác định kiến trúc và cấu trúc tổ chức cho dự án. Kiến trúc sư tạo ra các sơ đồ, bản thiết kế và hướng dẫn cho các thành viên khác để phát triển sản phẩm, viết đặc tả, lựa chọn công nghệ, ngôn ngữ lập trình phù hợp cho dự án.</a:t>
             </a:r>
-            <a:endParaRPr lang="en-US" sz="1300" kern="100" dirty="0">
+            <a:endParaRPr lang="en-US" sz="1600" kern="100" dirty="0">
               <a:effectLst/>
               <a:latin typeface="Calibri" panose="020F0502020204030204" pitchFamily="34" charset="0"/>
               <a:ea typeface="Calibri" panose="020F0502020204030204" pitchFamily="34" charset="0"/>
@@ -8813,7 +7445,7 @@
               </a:spcAft>
             </a:pPr>
             <a:r>
-              <a:rPr lang="vi-VN" sz="1300" kern="100" dirty="0">
+              <a:rPr lang="vi-VN" sz="1600" kern="100" dirty="0">
                 <a:effectLst/>
                 <a:latin typeface="Times New Roman" panose="02020603050405020304" pitchFamily="18" charset="0"/>
                 <a:ea typeface="Calibri" panose="020F0502020204030204" pitchFamily="34" charset="0"/>
@@ -8821,7 +7453,7 @@
               </a:rPr>
               <a:t>- Nhà phát triển: Làm Bố cục trang web - một bản phác họa đồ họa hoặc một thiết kế đồ họa thực tế. Chức năng chính của bố cục là thể hiện cấu trúc thông tin, trực quan hóa nội dung và các chức năng cơ bản. Nhà phát triển là người thực hiện trực tiếp công việc lập trình và đảm bảo mã nguồn được viết theo tiêu chuẩn và đúng mục tiêu của dự án.</a:t>
             </a:r>
-            <a:endParaRPr lang="en-US" sz="1300" kern="100" dirty="0">
+            <a:endParaRPr lang="en-US" sz="1600" kern="100" dirty="0">
               <a:effectLst/>
               <a:latin typeface="Calibri" panose="020F0502020204030204" pitchFamily="34" charset="0"/>
               <a:ea typeface="Calibri" panose="020F0502020204030204" pitchFamily="34" charset="0"/>
@@ -8830,7 +7462,7 @@
           </a:p>
           <a:p>
             <a:r>
-              <a:rPr lang="vi-VN" sz="1300" dirty="0">
+              <a:rPr lang="vi-VN" sz="1600" dirty="0">
                 <a:effectLst/>
                 <a:latin typeface="Times New Roman" panose="02020603050405020304" pitchFamily="18" charset="0"/>
                 <a:ea typeface="Calibri" panose="020F0502020204030204" pitchFamily="34" charset="0"/>
@@ -8838,7 +7470,7 @@
               <a:t>- Kiểm thử viên: Kiểm tra mọi biểu mẫu, mọi câu lệnh và kiểm tra lỗi chính tả của toàn bộ trang web. Sử dụng các tiêu chuẩn web chung để kiểm tra xem mã nguồn có đảm bảo sự tương thích giữa các trình duyệt hay không. Sau khi đã kiểm thử xong, ta sẽ triển khai trang web lên máy chủ (server). Sau khi triển khai xong mã nguồn lên máy chủ, chúng ta nên </a:t>
             </a:r>
             <a:r>
-              <a:rPr lang="vi-VN" sz="1300" kern="100" dirty="0">
+              <a:rPr lang="vi-VN" sz="1600" kern="100" dirty="0">
                 <a:effectLst/>
                 <a:latin typeface="Times New Roman" panose="02020603050405020304" pitchFamily="18" charset="0"/>
                 <a:ea typeface="Calibri" panose="020F0502020204030204" pitchFamily="34" charset="0"/>
@@ -8846,7 +7478,7 @@
               </a:rPr>
               <a:t>chạy thêm một bài kiểm tra cuối cùng để đảm bảo rằng các mã nguồn đã được cài đặt chính xác.</a:t>
             </a:r>
-            <a:endParaRPr lang="en-US" sz="1300" kern="100" dirty="0">
+            <a:endParaRPr lang="en-US" sz="1600" kern="100" dirty="0">
               <a:effectLst/>
               <a:latin typeface="Calibri" panose="020F0502020204030204" pitchFamily="34" charset="0"/>
               <a:ea typeface="Calibri" panose="020F0502020204030204" pitchFamily="34" charset="0"/>
@@ -8854,14 +7486,14 @@
             </a:endParaRPr>
           </a:p>
           <a:p>
-            <a:endParaRPr lang="vi-VN" sz="1300" dirty="0">
+            <a:endParaRPr lang="vi-VN" sz="1600" dirty="0">
               <a:effectLst/>
               <a:latin typeface="Times New Roman" panose="02020603050405020304" pitchFamily="18" charset="0"/>
               <a:ea typeface="Calibri" panose="020F0502020204030204" pitchFamily="34" charset="0"/>
             </a:endParaRPr>
           </a:p>
           <a:p>
-            <a:endParaRPr lang="en-US" sz="1300" dirty="0"/>
+            <a:endParaRPr lang="en-US" sz="1600" dirty="0"/>
           </a:p>
         </p:txBody>
       </p:sp>
@@ -9010,34 +7642,46 @@
         </p:nvSpPr>
         <p:spPr/>
         <p:txBody>
-          <a:bodyPr/>
+          <a:bodyPr>
+            <a:normAutofit/>
+          </a:bodyPr>
           <a:lstStyle/>
           <a:p>
             <a:pPr marL="45720" indent="0">
               <a:buNone/>
             </a:pPr>
             <a:r>
-              <a:rPr lang="vi-VN" dirty="0"/>
+              <a:rPr lang="vi-VN" sz="2800" dirty="0">
+                <a:latin typeface="+mj-lt"/>
+              </a:rPr>
               <a:t>1. Giới thiệu về HTML</a:t>
             </a:r>
-            <a:endParaRPr lang="en-US" dirty="0"/>
+            <a:endParaRPr lang="en-US" sz="2800" dirty="0">
+              <a:latin typeface="+mj-lt"/>
+            </a:endParaRPr>
           </a:p>
           <a:p>
             <a:pPr marL="45720" indent="0">
               <a:buNone/>
             </a:pPr>
             <a:r>
-              <a:rPr lang="vi-VN" dirty="0"/>
+              <a:rPr lang="vi-VN" sz="2800" dirty="0">
+                <a:latin typeface="+mj-lt"/>
+              </a:rPr>
               <a:t>2. Cơ bản về CSS</a:t>
             </a:r>
-            <a:endParaRPr lang="en-US" dirty="0"/>
+            <a:endParaRPr lang="en-US" sz="2800" dirty="0">
+              <a:latin typeface="+mj-lt"/>
+            </a:endParaRPr>
           </a:p>
           <a:p>
             <a:pPr marL="45720" indent="0">
               <a:buNone/>
             </a:pPr>
             <a:r>
-              <a:rPr lang="vi-VN" dirty="0"/>
+              <a:rPr lang="vi-VN" sz="2800" dirty="0">
+                <a:latin typeface="+mj-lt"/>
+              </a:rPr>
               <a:t>3. JavaScript cơ bản</a:t>
             </a:r>
           </a:p>
@@ -9046,7 +7690,9 @@
               <a:buNone/>
             </a:pPr>
             <a:r>
-              <a:rPr lang="vi-VN" dirty="0"/>
+              <a:rPr lang="vi-VN" sz="2800" dirty="0">
+                <a:latin typeface="+mj-lt"/>
+              </a:rPr>
               <a:t>4. HTML Forms và Input Elements</a:t>
             </a:r>
           </a:p>
@@ -9055,10 +7701,14 @@
               <a:buNone/>
             </a:pPr>
             <a:r>
-              <a:rPr lang="vi-VN" dirty="0"/>
+              <a:rPr lang="vi-VN" sz="2800" dirty="0">
+                <a:latin typeface="+mj-lt"/>
+              </a:rPr>
               <a:t>5. Quy trình phát triển web</a:t>
             </a:r>
-            <a:endParaRPr lang="en-US" dirty="0"/>
+            <a:endParaRPr lang="en-US" sz="2800" dirty="0">
+              <a:latin typeface="+mj-lt"/>
+            </a:endParaRPr>
           </a:p>
         </p:txBody>
       </p:sp>
@@ -9348,7 +7998,7 @@
         <p:spPr>
           <a:xfrm>
             <a:off x="156755" y="351234"/>
-            <a:ext cx="12078788" cy="4693593"/>
+            <a:ext cx="12078788" cy="5570756"/>
           </a:xfrm>
           <a:prstGeom prst="rect">
             <a:avLst/>
@@ -9370,7 +8020,7 @@
               </a:spcAft>
             </a:pPr>
             <a:r>
-              <a:rPr lang="vi-VN" sz="1800" b="1" kern="100" dirty="0" smtClean="0">
+              <a:rPr lang="vi-VN" sz="2400" b="1" kern="100" dirty="0" smtClean="0">
                 <a:effectLst/>
                 <a:latin typeface="Times New Roman" panose="02020603050405020304" pitchFamily="18" charset="0"/>
                 <a:ea typeface="DengXian Light" panose="020B0503020204020204" pitchFamily="2" charset="-122"/>
@@ -9379,7 +8029,7 @@
               <a:t>1.</a:t>
             </a:r>
             <a:r>
-              <a:rPr lang="en-US" sz="1800" b="1" kern="100" dirty="0" smtClean="0">
+              <a:rPr lang="en-US" sz="2400" b="1" kern="100" dirty="0" smtClean="0">
                 <a:effectLst/>
                 <a:latin typeface="Times New Roman" panose="02020603050405020304" pitchFamily="18" charset="0"/>
                 <a:ea typeface="DengXian Light" panose="020B0503020204020204" pitchFamily="2" charset="-122"/>
@@ -9388,7 +8038,7 @@
               <a:t>1</a:t>
             </a:r>
             <a:r>
-              <a:rPr lang="vi-VN" sz="1800" b="1" kern="100" dirty="0" smtClean="0">
+              <a:rPr lang="vi-VN" sz="2400" b="1" kern="100" dirty="0" smtClean="0">
                 <a:effectLst/>
                 <a:latin typeface="Times New Roman" panose="02020603050405020304" pitchFamily="18" charset="0"/>
                 <a:ea typeface="DengXian Light" panose="020B0503020204020204" pitchFamily="2" charset="-122"/>
@@ -9396,7 +8046,7 @@
               </a:rPr>
               <a:t>. Tạo trang web với tiêu đề ,đoạn văn ,hình ảnh và siêu liên kết </a:t>
             </a:r>
-            <a:endParaRPr lang="en-US" sz="1800" b="1" kern="100" dirty="0" smtClean="0">
+            <a:endParaRPr lang="en-US" sz="2400" b="1" kern="100" dirty="0" smtClean="0">
               <a:effectLst/>
               <a:latin typeface="Times New Roman" panose="02020603050405020304" pitchFamily="18" charset="0"/>
               <a:ea typeface="DengXian Light" panose="020B0503020204020204" pitchFamily="2" charset="-122"/>
@@ -9413,7 +8063,7 @@
               </a:spcAft>
             </a:pPr>
             <a:r>
-              <a:rPr lang="vi-VN" sz="1500" b="1" kern="100" dirty="0" smtClean="0">
+              <a:rPr lang="vi-VN" b="1" kern="100" dirty="0" smtClean="0">
                 <a:effectLst/>
                 <a:latin typeface="Times New Roman" panose="02020603050405020304" pitchFamily="18" charset="0"/>
                 <a:ea typeface="Calibri" panose="020F0502020204030204" pitchFamily="34" charset="0"/>
@@ -9421,7 +8071,7 @@
               </a:rPr>
               <a:t>* Tiêu đề:</a:t>
             </a:r>
-            <a:endParaRPr lang="en-US" sz="1500" kern="100" dirty="0" smtClean="0">
+            <a:endParaRPr lang="en-US" kern="100" dirty="0" smtClean="0">
               <a:effectLst/>
               <a:latin typeface="Calibri" panose="020F0502020204030204" pitchFamily="34" charset="0"/>
               <a:ea typeface="Calibri" panose="020F0502020204030204" pitchFamily="34" charset="0"/>
@@ -9438,7 +8088,7 @@
               </a:spcAft>
             </a:pPr>
             <a:r>
-              <a:rPr lang="vi-VN" sz="1500" kern="100" dirty="0" smtClean="0">
+              <a:rPr lang="vi-VN" kern="100" dirty="0" smtClean="0">
                 <a:effectLst/>
                 <a:latin typeface="Times New Roman" panose="02020603050405020304" pitchFamily="18" charset="0"/>
                 <a:ea typeface="Calibri" panose="020F0502020204030204" pitchFamily="34" charset="0"/>
@@ -9457,7 +8107,7 @@
               </a:spcAft>
             </a:pPr>
             <a:r>
-              <a:rPr lang="vi-VN" sz="1500" kern="100" dirty="0" smtClean="0">
+              <a:rPr lang="vi-VN" kern="100" dirty="0" smtClean="0">
                 <a:effectLst/>
                 <a:latin typeface="Times New Roman" panose="02020603050405020304" pitchFamily="18" charset="0"/>
                 <a:ea typeface="Calibri" panose="020F0502020204030204" pitchFamily="34" charset="0"/>
@@ -9465,7 +8115,7 @@
               </a:rPr>
               <a:t>-Thẻ tiêu đề (Heading): được xác định bằng thẻ đánh dấu từ &lt;h1&gt; tới &lt;h6&gt;, trong đó &lt;h1&gt; là tiêu đề quan trọng nhất còn &lt;h6&gt; là ít quan trọng nhất.</a:t>
             </a:r>
-            <a:endParaRPr lang="en-US" sz="1500" kern="100" dirty="0" smtClean="0">
+            <a:endParaRPr lang="en-US" kern="100" dirty="0" smtClean="0">
               <a:effectLst/>
               <a:latin typeface="Calibri" panose="020F0502020204030204" pitchFamily="34" charset="0"/>
               <a:ea typeface="Calibri" panose="020F0502020204030204" pitchFamily="34" charset="0"/>
@@ -9482,7 +8132,7 @@
               </a:spcAft>
             </a:pPr>
             <a:r>
-              <a:rPr lang="vi-VN" sz="1500" b="1" kern="100" dirty="0" smtClean="0">
+              <a:rPr lang="vi-VN" b="1" kern="100" dirty="0" smtClean="0">
                 <a:effectLst/>
                 <a:latin typeface="Times New Roman" panose="02020603050405020304" pitchFamily="18" charset="0"/>
                 <a:ea typeface="Calibri" panose="020F0502020204030204" pitchFamily="34" charset="0"/>
@@ -9490,7 +8140,7 @@
               </a:rPr>
               <a:t>* Đoạn văn bản:</a:t>
             </a:r>
-            <a:endParaRPr lang="en-US" sz="1500" kern="100" dirty="0" smtClean="0">
+            <a:endParaRPr lang="en-US" kern="100" dirty="0" smtClean="0">
               <a:effectLst/>
               <a:latin typeface="Calibri" panose="020F0502020204030204" pitchFamily="34" charset="0"/>
               <a:ea typeface="Calibri" panose="020F0502020204030204" pitchFamily="34" charset="0"/>
@@ -9507,7 +8157,7 @@
               </a:spcAft>
             </a:pPr>
             <a:r>
-              <a:rPr lang="vi-VN" sz="1500" kern="100" dirty="0" smtClean="0">
+              <a:rPr lang="vi-VN" kern="100" dirty="0" smtClean="0">
                 <a:effectLst/>
                 <a:latin typeface="Times New Roman" panose="02020603050405020304" pitchFamily="18" charset="0"/>
                 <a:ea typeface="Calibri" panose="020F0502020204030204" pitchFamily="34" charset="0"/>
@@ -9515,7 +8165,7 @@
               </a:rPr>
               <a:t>- Thẻ văn bản &lt;p&gt; : được dùng để thêm đoạn văn cho trang.</a:t>
             </a:r>
-            <a:endParaRPr lang="en-US" sz="1500" kern="100" dirty="0" smtClean="0">
+            <a:endParaRPr lang="en-US" kern="100" dirty="0" smtClean="0">
               <a:effectLst/>
               <a:latin typeface="Calibri" panose="020F0502020204030204" pitchFamily="34" charset="0"/>
               <a:ea typeface="Calibri" panose="020F0502020204030204" pitchFamily="34" charset="0"/>
@@ -9532,7 +8182,7 @@
               </a:spcAft>
             </a:pPr>
             <a:r>
-              <a:rPr lang="vi-VN" sz="1500" b="1" kern="100" dirty="0" smtClean="0">
+              <a:rPr lang="vi-VN" b="1" kern="100" dirty="0" smtClean="0">
                 <a:effectLst/>
                 <a:latin typeface="Times New Roman" panose="02020603050405020304" pitchFamily="18" charset="0"/>
                 <a:ea typeface="Calibri" panose="020F0502020204030204" pitchFamily="34" charset="0"/>
@@ -9540,7 +8190,7 @@
               </a:rPr>
               <a:t>* Hình ảnh:</a:t>
             </a:r>
-            <a:endParaRPr lang="en-US" sz="1500" kern="100" dirty="0" smtClean="0">
+            <a:endParaRPr lang="en-US" kern="100" dirty="0" smtClean="0">
               <a:effectLst/>
               <a:latin typeface="Calibri" panose="020F0502020204030204" pitchFamily="34" charset="0"/>
               <a:ea typeface="Calibri" panose="020F0502020204030204" pitchFamily="34" charset="0"/>
@@ -9557,7 +8207,7 @@
               </a:spcAft>
             </a:pPr>
             <a:r>
-              <a:rPr lang="vi-VN" sz="1500" kern="100" dirty="0" smtClean="0">
+              <a:rPr lang="vi-VN" kern="100" dirty="0" smtClean="0">
                 <a:effectLst/>
                 <a:latin typeface="Times New Roman" panose="02020603050405020304" pitchFamily="18" charset="0"/>
                 <a:ea typeface="Calibri" panose="020F0502020204030204" pitchFamily="34" charset="0"/>
@@ -9565,7 +8215,7 @@
               </a:rPr>
               <a:t>- Thẻ hình ảnh &lt;img&gt;: là một thẻ trống và chỉ có thể chứa danh sách các thuộc tính và không có thẻ đóng.</a:t>
             </a:r>
-            <a:endParaRPr lang="en-US" sz="1500" kern="100" dirty="0" smtClean="0">
+            <a:endParaRPr lang="en-US" kern="100" dirty="0" smtClean="0">
               <a:effectLst/>
               <a:latin typeface="Calibri" panose="020F0502020204030204" pitchFamily="34" charset="0"/>
               <a:ea typeface="Calibri" panose="020F0502020204030204" pitchFamily="34" charset="0"/>
@@ -9582,7 +8232,7 @@
               </a:spcAft>
             </a:pPr>
             <a:r>
-              <a:rPr lang="vi-VN" sz="1500" kern="100" dirty="0" smtClean="0">
+              <a:rPr lang="vi-VN" kern="100" dirty="0" smtClean="0">
                 <a:effectLst/>
                 <a:latin typeface="Times New Roman" panose="02020603050405020304" pitchFamily="18" charset="0"/>
                 <a:ea typeface="Calibri" panose="020F0502020204030204" pitchFamily="34" charset="0"/>
@@ -9590,7 +8240,7 @@
               </a:rPr>
               <a:t>- Cấu trúc: &lt;img src="đường dẫn url chứa hình ảnh" ... alt=" "/&gt;</a:t>
             </a:r>
-            <a:endParaRPr lang="en-US" sz="1500" kern="100" dirty="0" smtClean="0">
+            <a:endParaRPr lang="en-US" kern="100" dirty="0" smtClean="0">
               <a:effectLst/>
               <a:latin typeface="Calibri" panose="020F0502020204030204" pitchFamily="34" charset="0"/>
               <a:ea typeface="Calibri" panose="020F0502020204030204" pitchFamily="34" charset="0"/>
@@ -9607,7 +8257,7 @@
               </a:spcAft>
             </a:pPr>
             <a:r>
-              <a:rPr lang="vi-VN" sz="1500" b="1" kern="100" dirty="0" smtClean="0">
+              <a:rPr lang="vi-VN" b="1" kern="100" dirty="0" smtClean="0">
                 <a:effectLst/>
                 <a:latin typeface="Times New Roman" panose="02020603050405020304" pitchFamily="18" charset="0"/>
                 <a:ea typeface="Calibri" panose="020F0502020204030204" pitchFamily="34" charset="0"/>
@@ -9615,7 +8265,7 @@
               </a:rPr>
               <a:t>* Siêu liên kết: chứa liên kết điều hướng</a:t>
             </a:r>
-            <a:endParaRPr lang="en-US" sz="1500" kern="100" dirty="0" smtClean="0">
+            <a:endParaRPr lang="en-US" kern="100" dirty="0" smtClean="0">
               <a:effectLst/>
               <a:latin typeface="Calibri" panose="020F0502020204030204" pitchFamily="34" charset="0"/>
               <a:ea typeface="Calibri" panose="020F0502020204030204" pitchFamily="34" charset="0"/>
@@ -9632,7 +8282,7 @@
               </a:spcAft>
             </a:pPr>
             <a:r>
-              <a:rPr lang="vi-VN" sz="1500" kern="100" dirty="0" smtClean="0">
+              <a:rPr lang="vi-VN" kern="100" dirty="0" smtClean="0">
                 <a:effectLst/>
                 <a:latin typeface="Times New Roman" panose="02020603050405020304" pitchFamily="18" charset="0"/>
                 <a:ea typeface="Calibri" panose="020F0502020204030204" pitchFamily="34" charset="0"/>
@@ -9640,7 +8290,7 @@
               </a:rPr>
               <a:t>- Cấu trúc: &lt;a href="duong-dan-lien-ket.html"&gt;Siêu liên kết của bạn&lt;/a&gt;</a:t>
             </a:r>
-            <a:endParaRPr lang="en-US" sz="1500" kern="100" dirty="0" smtClean="0">
+            <a:endParaRPr lang="en-US" kern="100" dirty="0" smtClean="0">
               <a:effectLst/>
               <a:latin typeface="Calibri" panose="020F0502020204030204" pitchFamily="34" charset="0"/>
               <a:ea typeface="Calibri" panose="020F0502020204030204" pitchFamily="34" charset="0"/>
@@ -9657,7 +8307,7 @@
               </a:spcAft>
             </a:pPr>
             <a:r>
-              <a:rPr lang="vi-VN" sz="1500" kern="100" dirty="0" smtClean="0">
+              <a:rPr lang="vi-VN" kern="100" dirty="0" smtClean="0">
                 <a:effectLst/>
                 <a:latin typeface="Times New Roman" panose="02020603050405020304" pitchFamily="18" charset="0"/>
                 <a:ea typeface="Calibri" panose="020F0502020204030204" pitchFamily="34" charset="0"/>
@@ -9665,7 +8315,7 @@
               </a:rPr>
               <a:t>=&gt; Tóm lại, ví dụ trang web với tiêu đề, đoạn văn, hình ảnh và siêu liên kết:</a:t>
             </a:r>
-            <a:endParaRPr lang="en-US" sz="1500" kern="100" dirty="0" smtClean="0">
+            <a:endParaRPr lang="en-US" kern="100" dirty="0" smtClean="0">
               <a:effectLst/>
               <a:latin typeface="Calibri" panose="020F0502020204030204" pitchFamily="34" charset="0"/>
               <a:ea typeface="Calibri" panose="020F0502020204030204" pitchFamily="34" charset="0"/>
@@ -9759,7 +8409,7 @@
         <p:spPr>
           <a:xfrm>
             <a:off x="534682" y="1144484"/>
-            <a:ext cx="11422940" cy="2308324"/>
+            <a:ext cx="11422940" cy="2277547"/>
           </a:xfrm>
           <a:prstGeom prst="rect">
             <a:avLst/>
@@ -9773,213 +8423,214 @@
           <a:lstStyle/>
           <a:p>
             <a:r>
-              <a:rPr lang="en-US" sz="1800" b="1" dirty="0" smtClean="0">
-                <a:effectLst/>
-                <a:latin typeface="Calibri" panose="020F0502020204030204" pitchFamily="34" charset="0"/>
-                <a:ea typeface="Calibri" panose="020F0502020204030204" pitchFamily="34" charset="0"/>
+              <a:rPr lang="en-US" sz="3200" b="1" dirty="0" smtClean="0">
+                <a:effectLst/>
+                <a:latin typeface="Times New Roman" panose="02020603050405020304" pitchFamily="18" charset="0"/>
+                <a:ea typeface="Tahoma" panose="020B0604030504040204" pitchFamily="34" charset="0"/>
                 <a:cs typeface="Times New Roman" panose="02020603050405020304" pitchFamily="18" charset="0"/>
               </a:rPr>
               <a:t>1.2. </a:t>
             </a:r>
             <a:r>
-              <a:rPr lang="en-US" sz="1800" b="1" dirty="0" err="1">
-                <a:effectLst/>
-                <a:latin typeface="Calibri" panose="020F0502020204030204" pitchFamily="34" charset="0"/>
-                <a:ea typeface="Calibri" panose="020F0502020204030204" pitchFamily="34" charset="0"/>
+              <a:rPr lang="en-US" sz="3200" b="1" dirty="0" err="1">
+                <a:effectLst/>
+                <a:latin typeface="Times New Roman" panose="02020603050405020304" pitchFamily="18" charset="0"/>
+                <a:ea typeface="Tahoma" panose="020B0604030504040204" pitchFamily="34" charset="0"/>
                 <a:cs typeface="Times New Roman" panose="02020603050405020304" pitchFamily="18" charset="0"/>
               </a:rPr>
               <a:t>Hướng</a:t>
             </a:r>
             <a:r>
-              <a:rPr lang="en-US" sz="1800" b="1" dirty="0">
-                <a:effectLst/>
-                <a:latin typeface="Calibri" panose="020F0502020204030204" pitchFamily="34" charset="0"/>
-                <a:ea typeface="Calibri" panose="020F0502020204030204" pitchFamily="34" charset="0"/>
-                <a:cs typeface="Times New Roman" panose="02020603050405020304" pitchFamily="18" charset="0"/>
-              </a:rPr>
-              <a:t> </a:t>
-            </a:r>
-            <a:r>
-              <a:rPr lang="en-US" sz="1800" b="1" dirty="0" err="1">
-                <a:effectLst/>
-                <a:latin typeface="Calibri" panose="020F0502020204030204" pitchFamily="34" charset="0"/>
-                <a:ea typeface="Calibri" panose="020F0502020204030204" pitchFamily="34" charset="0"/>
+              <a:rPr lang="en-US" sz="3200" b="1" dirty="0">
+                <a:effectLst/>
+                <a:latin typeface="Times New Roman" panose="02020603050405020304" pitchFamily="18" charset="0"/>
+                <a:ea typeface="Tahoma" panose="020B0604030504040204" pitchFamily="34" charset="0"/>
+                <a:cs typeface="Times New Roman" panose="02020603050405020304" pitchFamily="18" charset="0"/>
+              </a:rPr>
+              <a:t> </a:t>
+            </a:r>
+            <a:r>
+              <a:rPr lang="en-US" sz="3200" b="1" dirty="0" err="1">
+                <a:effectLst/>
+                <a:latin typeface="Times New Roman" panose="02020603050405020304" pitchFamily="18" charset="0"/>
+                <a:ea typeface="Tahoma" panose="020B0604030504040204" pitchFamily="34" charset="0"/>
                 <a:cs typeface="Times New Roman" panose="02020603050405020304" pitchFamily="18" charset="0"/>
               </a:rPr>
               <a:t>dẫn</a:t>
             </a:r>
             <a:r>
-              <a:rPr lang="en-US" sz="1800" b="1" dirty="0">
-                <a:effectLst/>
-                <a:latin typeface="Calibri" panose="020F0502020204030204" pitchFamily="34" charset="0"/>
-                <a:ea typeface="Calibri" panose="020F0502020204030204" pitchFamily="34" charset="0"/>
-                <a:cs typeface="Times New Roman" panose="02020603050405020304" pitchFamily="18" charset="0"/>
-              </a:rPr>
-              <a:t> </a:t>
-            </a:r>
-            <a:r>
-              <a:rPr lang="en-US" sz="1800" b="1" dirty="0" err="1">
-                <a:effectLst/>
-                <a:latin typeface="Calibri" panose="020F0502020204030204" pitchFamily="34" charset="0"/>
-                <a:ea typeface="Calibri" panose="020F0502020204030204" pitchFamily="34" charset="0"/>
+              <a:rPr lang="en-US" sz="3200" b="1" dirty="0">
+                <a:effectLst/>
+                <a:latin typeface="Times New Roman" panose="02020603050405020304" pitchFamily="18" charset="0"/>
+                <a:ea typeface="Tahoma" panose="020B0604030504040204" pitchFamily="34" charset="0"/>
+                <a:cs typeface="Times New Roman" panose="02020603050405020304" pitchFamily="18" charset="0"/>
+              </a:rPr>
+              <a:t> </a:t>
+            </a:r>
+            <a:r>
+              <a:rPr lang="en-US" sz="3200" b="1" dirty="0" err="1">
+                <a:effectLst/>
+                <a:latin typeface="Times New Roman" panose="02020603050405020304" pitchFamily="18" charset="0"/>
+                <a:ea typeface="Tahoma" panose="020B0604030504040204" pitchFamily="34" charset="0"/>
                 <a:cs typeface="Times New Roman" panose="02020603050405020304" pitchFamily="18" charset="0"/>
               </a:rPr>
               <a:t>về</a:t>
             </a:r>
             <a:r>
-              <a:rPr lang="en-US" sz="1800" b="1" dirty="0">
-                <a:effectLst/>
-                <a:latin typeface="Calibri" panose="020F0502020204030204" pitchFamily="34" charset="0"/>
-                <a:ea typeface="Calibri" panose="020F0502020204030204" pitchFamily="34" charset="0"/>
-                <a:cs typeface="Times New Roman" panose="02020603050405020304" pitchFamily="18" charset="0"/>
-              </a:rPr>
-              <a:t> </a:t>
-            </a:r>
-            <a:r>
-              <a:rPr lang="en-US" sz="1800" b="1" dirty="0" err="1">
-                <a:effectLst/>
-                <a:latin typeface="Calibri" panose="020F0502020204030204" pitchFamily="34" charset="0"/>
-                <a:ea typeface="Calibri" panose="020F0502020204030204" pitchFamily="34" charset="0"/>
+              <a:rPr lang="en-US" sz="3200" b="1" dirty="0">
+                <a:effectLst/>
+                <a:latin typeface="Times New Roman" panose="02020603050405020304" pitchFamily="18" charset="0"/>
+                <a:ea typeface="Tahoma" panose="020B0604030504040204" pitchFamily="34" charset="0"/>
+                <a:cs typeface="Times New Roman" panose="02020603050405020304" pitchFamily="18" charset="0"/>
+              </a:rPr>
+              <a:t> </a:t>
+            </a:r>
+            <a:r>
+              <a:rPr lang="en-US" sz="3200" b="1" dirty="0" err="1">
+                <a:effectLst/>
+                <a:latin typeface="Times New Roman" panose="02020603050405020304" pitchFamily="18" charset="0"/>
+                <a:ea typeface="Tahoma" panose="020B0604030504040204" pitchFamily="34" charset="0"/>
                 <a:cs typeface="Times New Roman" panose="02020603050405020304" pitchFamily="18" charset="0"/>
               </a:rPr>
               <a:t>cú</a:t>
             </a:r>
             <a:r>
-              <a:rPr lang="en-US" sz="1800" b="1" dirty="0">
-                <a:effectLst/>
-                <a:latin typeface="Calibri" panose="020F0502020204030204" pitchFamily="34" charset="0"/>
-                <a:ea typeface="Calibri" panose="020F0502020204030204" pitchFamily="34" charset="0"/>
-                <a:cs typeface="Times New Roman" panose="02020603050405020304" pitchFamily="18" charset="0"/>
-              </a:rPr>
-              <a:t> </a:t>
-            </a:r>
-            <a:r>
-              <a:rPr lang="en-US" sz="1800" b="1" dirty="0" err="1">
-                <a:effectLst/>
-                <a:latin typeface="Calibri" panose="020F0502020204030204" pitchFamily="34" charset="0"/>
-                <a:ea typeface="Calibri" panose="020F0502020204030204" pitchFamily="34" charset="0"/>
+              <a:rPr lang="en-US" sz="3200" b="1" dirty="0">
+                <a:effectLst/>
+                <a:latin typeface="Times New Roman" panose="02020603050405020304" pitchFamily="18" charset="0"/>
+                <a:ea typeface="Tahoma" panose="020B0604030504040204" pitchFamily="34" charset="0"/>
+                <a:cs typeface="Times New Roman" panose="02020603050405020304" pitchFamily="18" charset="0"/>
+              </a:rPr>
+              <a:t> </a:t>
+            </a:r>
+            <a:r>
+              <a:rPr lang="en-US" sz="3200" b="1" dirty="0" err="1">
+                <a:effectLst/>
+                <a:latin typeface="Times New Roman" panose="02020603050405020304" pitchFamily="18" charset="0"/>
+                <a:ea typeface="Tahoma" panose="020B0604030504040204" pitchFamily="34" charset="0"/>
                 <a:cs typeface="Times New Roman" panose="02020603050405020304" pitchFamily="18" charset="0"/>
               </a:rPr>
               <a:t>pháp</a:t>
             </a:r>
             <a:r>
-              <a:rPr lang="en-US" sz="1800" b="1" dirty="0">
-                <a:effectLst/>
-                <a:latin typeface="Calibri" panose="020F0502020204030204" pitchFamily="34" charset="0"/>
-                <a:ea typeface="Calibri" panose="020F0502020204030204" pitchFamily="34" charset="0"/>
-                <a:cs typeface="Times New Roman" panose="02020603050405020304" pitchFamily="18" charset="0"/>
-              </a:rPr>
-              <a:t> </a:t>
-            </a:r>
-            <a:r>
-              <a:rPr lang="en-US" sz="1800" b="1" dirty="0" err="1">
-                <a:effectLst/>
-                <a:latin typeface="Calibri" panose="020F0502020204030204" pitchFamily="34" charset="0"/>
-                <a:ea typeface="Calibri" panose="020F0502020204030204" pitchFamily="34" charset="0"/>
+              <a:rPr lang="en-US" sz="3200" b="1" dirty="0">
+                <a:effectLst/>
+                <a:latin typeface="Times New Roman" panose="02020603050405020304" pitchFamily="18" charset="0"/>
+                <a:ea typeface="Tahoma" panose="020B0604030504040204" pitchFamily="34" charset="0"/>
+                <a:cs typeface="Times New Roman" panose="02020603050405020304" pitchFamily="18" charset="0"/>
+              </a:rPr>
+              <a:t> </a:t>
+            </a:r>
+            <a:r>
+              <a:rPr lang="en-US" sz="3200" b="1" dirty="0" err="1">
+                <a:effectLst/>
+                <a:latin typeface="Times New Roman" panose="02020603050405020304" pitchFamily="18" charset="0"/>
+                <a:ea typeface="Tahoma" panose="020B0604030504040204" pitchFamily="34" charset="0"/>
                 <a:cs typeface="Times New Roman" panose="02020603050405020304" pitchFamily="18" charset="0"/>
               </a:rPr>
               <a:t>và</a:t>
             </a:r>
             <a:r>
-              <a:rPr lang="en-US" sz="1800" b="1" dirty="0">
-                <a:effectLst/>
-                <a:latin typeface="Calibri" panose="020F0502020204030204" pitchFamily="34" charset="0"/>
-                <a:ea typeface="Calibri" panose="020F0502020204030204" pitchFamily="34" charset="0"/>
-                <a:cs typeface="Times New Roman" panose="02020603050405020304" pitchFamily="18" charset="0"/>
-              </a:rPr>
-              <a:t> </a:t>
-            </a:r>
-            <a:r>
-              <a:rPr lang="en-US" sz="1800" b="1" dirty="0" err="1">
-                <a:effectLst/>
-                <a:latin typeface="Calibri" panose="020F0502020204030204" pitchFamily="34" charset="0"/>
-                <a:ea typeface="Calibri" panose="020F0502020204030204" pitchFamily="34" charset="0"/>
+              <a:rPr lang="en-US" sz="3200" b="1" dirty="0">
+                <a:effectLst/>
+                <a:latin typeface="Times New Roman" panose="02020603050405020304" pitchFamily="18" charset="0"/>
+                <a:ea typeface="Tahoma" panose="020B0604030504040204" pitchFamily="34" charset="0"/>
+                <a:cs typeface="Times New Roman" panose="02020603050405020304" pitchFamily="18" charset="0"/>
+              </a:rPr>
+              <a:t> </a:t>
+            </a:r>
+            <a:r>
+              <a:rPr lang="en-US" sz="3200" b="1" dirty="0" err="1">
+                <a:effectLst/>
+                <a:latin typeface="Times New Roman" panose="02020603050405020304" pitchFamily="18" charset="0"/>
+                <a:ea typeface="Tahoma" panose="020B0604030504040204" pitchFamily="34" charset="0"/>
                 <a:cs typeface="Times New Roman" panose="02020603050405020304" pitchFamily="18" charset="0"/>
               </a:rPr>
               <a:t>các</a:t>
             </a:r>
             <a:r>
-              <a:rPr lang="en-US" sz="1800" b="1" dirty="0">
-                <a:effectLst/>
-                <a:latin typeface="Calibri" panose="020F0502020204030204" pitchFamily="34" charset="0"/>
-                <a:ea typeface="Calibri" panose="020F0502020204030204" pitchFamily="34" charset="0"/>
-                <a:cs typeface="Times New Roman" panose="02020603050405020304" pitchFamily="18" charset="0"/>
-              </a:rPr>
-              <a:t> </a:t>
-            </a:r>
-            <a:r>
-              <a:rPr lang="en-US" sz="1800" b="1" dirty="0" err="1">
-                <a:effectLst/>
-                <a:latin typeface="Calibri" panose="020F0502020204030204" pitchFamily="34" charset="0"/>
-                <a:ea typeface="Calibri" panose="020F0502020204030204" pitchFamily="34" charset="0"/>
+              <a:rPr lang="en-US" sz="3200" b="1" dirty="0">
+                <a:effectLst/>
+                <a:latin typeface="Times New Roman" panose="02020603050405020304" pitchFamily="18" charset="0"/>
+                <a:ea typeface="Tahoma" panose="020B0604030504040204" pitchFamily="34" charset="0"/>
+                <a:cs typeface="Times New Roman" panose="02020603050405020304" pitchFamily="18" charset="0"/>
+              </a:rPr>
+              <a:t> </a:t>
+            </a:r>
+            <a:r>
+              <a:rPr lang="en-US" sz="3200" b="1" dirty="0" err="1">
+                <a:effectLst/>
+                <a:latin typeface="Times New Roman" panose="02020603050405020304" pitchFamily="18" charset="0"/>
+                <a:ea typeface="Tahoma" panose="020B0604030504040204" pitchFamily="34" charset="0"/>
                 <a:cs typeface="Times New Roman" panose="02020603050405020304" pitchFamily="18" charset="0"/>
               </a:rPr>
               <a:t>phần</a:t>
             </a:r>
             <a:r>
-              <a:rPr lang="en-US" sz="1800" b="1" dirty="0">
-                <a:effectLst/>
-                <a:latin typeface="Calibri" panose="020F0502020204030204" pitchFamily="34" charset="0"/>
-                <a:ea typeface="Calibri" panose="020F0502020204030204" pitchFamily="34" charset="0"/>
-                <a:cs typeface="Times New Roman" panose="02020603050405020304" pitchFamily="18" charset="0"/>
-              </a:rPr>
-              <a:t> </a:t>
-            </a:r>
-            <a:r>
-              <a:rPr lang="en-US" sz="1800" b="1" dirty="0" err="1">
-                <a:effectLst/>
-                <a:latin typeface="Calibri" panose="020F0502020204030204" pitchFamily="34" charset="0"/>
-                <a:ea typeface="Calibri" panose="020F0502020204030204" pitchFamily="34" charset="0"/>
+              <a:rPr lang="en-US" sz="3200" b="1" dirty="0">
+                <a:effectLst/>
+                <a:latin typeface="Times New Roman" panose="02020603050405020304" pitchFamily="18" charset="0"/>
+                <a:ea typeface="Tahoma" panose="020B0604030504040204" pitchFamily="34" charset="0"/>
+                <a:cs typeface="Times New Roman" panose="02020603050405020304" pitchFamily="18" charset="0"/>
+              </a:rPr>
+              <a:t> </a:t>
+            </a:r>
+            <a:r>
+              <a:rPr lang="en-US" sz="3200" b="1" dirty="0" err="1">
+                <a:effectLst/>
+                <a:latin typeface="Times New Roman" panose="02020603050405020304" pitchFamily="18" charset="0"/>
+                <a:ea typeface="Tahoma" panose="020B0604030504040204" pitchFamily="34" charset="0"/>
                 <a:cs typeface="Times New Roman" panose="02020603050405020304" pitchFamily="18" charset="0"/>
               </a:rPr>
               <a:t>tử</a:t>
             </a:r>
             <a:r>
-              <a:rPr lang="en-US" sz="1800" b="1" dirty="0">
-                <a:effectLst/>
-                <a:latin typeface="Calibri" panose="020F0502020204030204" pitchFamily="34" charset="0"/>
-                <a:ea typeface="Calibri" panose="020F0502020204030204" pitchFamily="34" charset="0"/>
+              <a:rPr lang="en-US" sz="3200" b="1" dirty="0">
+                <a:effectLst/>
+                <a:latin typeface="Times New Roman" panose="02020603050405020304" pitchFamily="18" charset="0"/>
+                <a:ea typeface="Tahoma" panose="020B0604030504040204" pitchFamily="34" charset="0"/>
                 <a:cs typeface="Times New Roman" panose="02020603050405020304" pitchFamily="18" charset="0"/>
               </a:rPr>
               <a:t> HTML </a:t>
             </a:r>
             <a:r>
-              <a:rPr lang="en-US" sz="1800" b="1" dirty="0" err="1">
-                <a:effectLst/>
-                <a:latin typeface="Calibri" panose="020F0502020204030204" pitchFamily="34" charset="0"/>
-                <a:ea typeface="Calibri" panose="020F0502020204030204" pitchFamily="34" charset="0"/>
+              <a:rPr lang="en-US" sz="3200" b="1" dirty="0" err="1">
+                <a:effectLst/>
+                <a:latin typeface="Times New Roman" panose="02020603050405020304" pitchFamily="18" charset="0"/>
+                <a:ea typeface="Tahoma" panose="020B0604030504040204" pitchFamily="34" charset="0"/>
                 <a:cs typeface="Times New Roman" panose="02020603050405020304" pitchFamily="18" charset="0"/>
               </a:rPr>
               <a:t>cơ</a:t>
             </a:r>
             <a:r>
-              <a:rPr lang="en-US" sz="1800" b="1" dirty="0">
-                <a:effectLst/>
-                <a:latin typeface="Calibri" panose="020F0502020204030204" pitchFamily="34" charset="0"/>
-                <a:ea typeface="Calibri" panose="020F0502020204030204" pitchFamily="34" charset="0"/>
-                <a:cs typeface="Times New Roman" panose="02020603050405020304" pitchFamily="18" charset="0"/>
-              </a:rPr>
-              <a:t> </a:t>
-            </a:r>
-            <a:r>
-              <a:rPr lang="en-US" sz="1800" b="1" dirty="0" err="1">
-                <a:effectLst/>
-                <a:latin typeface="Calibri" panose="020F0502020204030204" pitchFamily="34" charset="0"/>
-                <a:ea typeface="Calibri" panose="020F0502020204030204" pitchFamily="34" charset="0"/>
+              <a:rPr lang="en-US" sz="3200" b="1" dirty="0">
+                <a:effectLst/>
+                <a:latin typeface="Times New Roman" panose="02020603050405020304" pitchFamily="18" charset="0"/>
+                <a:ea typeface="Tahoma" panose="020B0604030504040204" pitchFamily="34" charset="0"/>
+                <a:cs typeface="Times New Roman" panose="02020603050405020304" pitchFamily="18" charset="0"/>
+              </a:rPr>
+              <a:t> </a:t>
+            </a:r>
+            <a:r>
+              <a:rPr lang="en-US" sz="3200" b="1" dirty="0" err="1">
+                <a:effectLst/>
+                <a:latin typeface="Times New Roman" panose="02020603050405020304" pitchFamily="18" charset="0"/>
+                <a:ea typeface="Tahoma" panose="020B0604030504040204" pitchFamily="34" charset="0"/>
                 <a:cs typeface="Times New Roman" panose="02020603050405020304" pitchFamily="18" charset="0"/>
               </a:rPr>
               <a:t>bản</a:t>
             </a:r>
-            <a:endParaRPr lang="vi-VN" sz="1800" b="1" dirty="0">
+            <a:endParaRPr lang="vi-VN" sz="3200" b="1" dirty="0">
               <a:effectLst/>
-              <a:latin typeface="Calibri" panose="020F0502020204030204" pitchFamily="34" charset="0"/>
-              <a:ea typeface="Calibri" panose="020F0502020204030204" pitchFamily="34" charset="0"/>
+              <a:latin typeface="Times New Roman" panose="02020603050405020304" pitchFamily="18" charset="0"/>
+              <a:ea typeface="Tahoma" panose="020B0604030504040204" pitchFamily="34" charset="0"/>
               <a:cs typeface="Times New Roman" panose="02020603050405020304" pitchFamily="18" charset="0"/>
             </a:endParaRPr>
           </a:p>
           <a:p>
-            <a:endParaRPr lang="vi-VN" b="1" dirty="0">
-              <a:latin typeface="Calibri" panose="020F0502020204030204" pitchFamily="34" charset="0"/>
+            <a:endParaRPr lang="vi-VN" sz="3200" b="1" dirty="0">
+              <a:latin typeface="Times New Roman" panose="02020603050405020304" pitchFamily="18" charset="0"/>
+              <a:ea typeface="Tahoma" panose="020B0604030504040204" pitchFamily="34" charset="0"/>
               <a:cs typeface="Times New Roman" panose="02020603050405020304" pitchFamily="18" charset="0"/>
             </a:endParaRPr>
           </a:p>
@@ -9989,12 +8640,14 @@
               <a:buChar char="•"/>
             </a:pPr>
             <a:r>
-              <a:rPr lang="vi-VN" b="0" i="0" dirty="0">
+              <a:rPr lang="vi-VN" sz="2000" b="0" i="0" dirty="0">
                 <a:solidFill>
                   <a:srgbClr val="111111"/>
                 </a:solidFill>
                 <a:effectLst/>
-                <a:latin typeface="Roboto" panose="02000000000000000000" pitchFamily="2" charset="0"/>
+                <a:latin typeface="Times New Roman" panose="02020603050405020304" pitchFamily="18" charset="0"/>
+                <a:ea typeface="Tahoma" panose="020B0604030504040204" pitchFamily="34" charset="0"/>
+                <a:cs typeface="Times New Roman" panose="02020603050405020304" pitchFamily="18" charset="0"/>
               </a:rPr>
               <a:t>Cú pháp cơ bản của HTML Cấu trúc của một trang HTML Một trang HTML bao gồm các thành phần chính sau: Định dạng tiêu đề: &lt;!DOCTYPE html&gt; Thẻ html: &lt;html&gt; Thẻ đầu trang (head): &lt;head&gt; ...</a:t>
             </a:r>
@@ -10005,12 +8658,14 @@
               <a:buChar char="•"/>
             </a:pPr>
             <a:r>
-              <a:rPr lang="vi-VN" b="0" i="0" dirty="0">
+              <a:rPr lang="vi-VN" sz="2000" b="0" i="0" dirty="0">
                 <a:solidFill>
                   <a:srgbClr val="111111"/>
                 </a:solidFill>
                 <a:effectLst/>
-                <a:latin typeface="Roboto" panose="02000000000000000000" pitchFamily="2" charset="0"/>
+                <a:latin typeface="Times New Roman" panose="02020603050405020304" pitchFamily="18" charset="0"/>
+                <a:ea typeface="Tahoma" panose="020B0604030504040204" pitchFamily="34" charset="0"/>
+                <a:cs typeface="Times New Roman" panose="02020603050405020304" pitchFamily="18" charset="0"/>
               </a:rPr>
               <a:t>Ví dụ về HTML Dưới đây là một đoạn mã HTML đơn giản để tạo ra một trang web cơ bản: ...</a:t>
             </a:r>
@@ -10118,7 +8773,7 @@
         <p:spPr>
           <a:xfrm>
             <a:off x="288567" y="380484"/>
-            <a:ext cx="10440140" cy="4667945"/>
+            <a:ext cx="10440140" cy="4360168"/>
           </a:xfrm>
           <a:prstGeom prst="rect">
             <a:avLst/>
@@ -10139,6 +8794,7 @@
                 </a:solidFill>
                 <a:latin typeface="Times New Roman" panose="02020603050405020304" pitchFamily="18" charset="0"/>
                 <a:ea typeface="Verdana" panose="020B0604030504040204" pitchFamily="34" charset="0"/>
+                <a:cs typeface="Times New Roman" panose="02020603050405020304" pitchFamily="18" charset="0"/>
               </a:rPr>
               <a:t>2. </a:t>
             </a:r>
@@ -10147,7 +8803,7 @@
                 <a:solidFill>
                   <a:srgbClr val="000000"/>
                 </a:solidFill>
-                <a:latin typeface="Verdana" panose="020B0604030504040204" pitchFamily="34" charset="0"/>
+                <a:latin typeface="Times New Roman" panose="02020603050405020304" pitchFamily="18" charset="0"/>
                 <a:ea typeface="Verdana" panose="020B0604030504040204" pitchFamily="34" charset="0"/>
                 <a:cs typeface="Times New Roman" panose="02020603050405020304" pitchFamily="18" charset="0"/>
               </a:rPr>
@@ -10158,7 +8814,7 @@
                 <a:solidFill>
                   <a:srgbClr val="000000"/>
                 </a:solidFill>
-                <a:latin typeface="Verdana" panose="020B0604030504040204" pitchFamily="34" charset="0"/>
+                <a:latin typeface="Times New Roman" panose="02020603050405020304" pitchFamily="18" charset="0"/>
                 <a:ea typeface="Verdana" panose="020B0604030504040204" pitchFamily="34" charset="0"/>
                 <a:cs typeface="Times New Roman" panose="02020603050405020304" pitchFamily="18" charset="0"/>
               </a:rPr>
@@ -10169,7 +8825,7 @@
                 <a:solidFill>
                   <a:srgbClr val="000000"/>
                 </a:solidFill>
-                <a:latin typeface="Verdana" panose="020B0604030504040204" pitchFamily="34" charset="0"/>
+                <a:latin typeface="Times New Roman" panose="02020603050405020304" pitchFamily="18" charset="0"/>
                 <a:ea typeface="Verdana" panose="020B0604030504040204" pitchFamily="34" charset="0"/>
                 <a:cs typeface="Times New Roman" panose="02020603050405020304" pitchFamily="18" charset="0"/>
               </a:rPr>
@@ -10181,7 +8837,7 @@
                   <a:srgbClr val="000000"/>
                 </a:solidFill>
                 <a:effectLst/>
-                <a:latin typeface="Verdana" panose="020B0604030504040204" pitchFamily="34" charset="0"/>
+                <a:latin typeface="Times New Roman" panose="02020603050405020304" pitchFamily="18" charset="0"/>
                 <a:ea typeface="Verdana" panose="020B0604030504040204" pitchFamily="34" charset="0"/>
                 <a:cs typeface="Times New Roman" panose="02020603050405020304" pitchFamily="18" charset="0"/>
               </a:rPr>
@@ -10189,60 +8845,91 @@
             </a:r>
             <a:endParaRPr lang="en-US" sz="2600" dirty="0">
               <a:effectLst/>
-              <a:latin typeface="Verdana" panose="020B0604030504040204" pitchFamily="34" charset="0"/>
+              <a:latin typeface="Times New Roman" panose="02020603050405020304" pitchFamily="18" charset="0"/>
               <a:ea typeface="Verdana" panose="020B0604030504040204" pitchFamily="34" charset="0"/>
               <a:cs typeface="Times New Roman" panose="02020603050405020304" pitchFamily="18" charset="0"/>
             </a:endParaRPr>
           </a:p>
           <a:p>
             <a:r>
-              <a:rPr lang="vi-VN" sz="2000" b="1" dirty="0"/>
+              <a:rPr lang="vi-VN" sz="2000" b="1" dirty="0">
+                <a:latin typeface="Times New Roman" panose="02020603050405020304" pitchFamily="18" charset="0"/>
+                <a:cs typeface="Times New Roman" panose="02020603050405020304" pitchFamily="18" charset="0"/>
+              </a:rPr>
               <a:t>CSS</a:t>
             </a:r>
             <a:r>
-              <a:rPr lang="vi-VN" sz="2000" dirty="0"/>
+              <a:rPr lang="vi-VN" sz="2000" dirty="0">
+                <a:latin typeface="Times New Roman" panose="02020603050405020304" pitchFamily="18" charset="0"/>
+                <a:cs typeface="Times New Roman" panose="02020603050405020304" pitchFamily="18" charset="0"/>
+              </a:rPr>
               <a:t> là chữ viết tắt của Cascading Style Sheets, nó là một ngôn ngữ được sử dụng để </a:t>
             </a:r>
             <a:r>
-              <a:rPr lang="vi-VN" sz="2000" b="1" dirty="0"/>
+              <a:rPr lang="vi-VN" sz="2000" b="1" dirty="0">
+                <a:latin typeface="Times New Roman" panose="02020603050405020304" pitchFamily="18" charset="0"/>
+                <a:cs typeface="Times New Roman" panose="02020603050405020304" pitchFamily="18" charset="0"/>
+              </a:rPr>
               <a:t>tìm và định dạng</a:t>
             </a:r>
             <a:r>
-              <a:rPr lang="vi-VN" sz="2000" dirty="0"/>
+              <a:rPr lang="vi-VN" sz="2000" dirty="0">
+                <a:latin typeface="Times New Roman" panose="02020603050405020304" pitchFamily="18" charset="0"/>
+                <a:cs typeface="Times New Roman" panose="02020603050405020304" pitchFamily="18" charset="0"/>
+              </a:rPr>
               <a:t> lại các phần tử được tạo ra bởi các ngôn ngữ đánh dấu (</a:t>
             </a:r>
             <a:r>
               <a:rPr lang="vi-VN" sz="2000" dirty="0">
+                <a:latin typeface="Times New Roman" panose="02020603050405020304" pitchFamily="18" charset="0"/>
+                <a:cs typeface="Times New Roman" panose="02020603050405020304" pitchFamily="18" charset="0"/>
                 <a:hlinkClick r:id="rId2"/>
               </a:rPr>
               <a:t>HTML</a:t>
             </a:r>
             <a:r>
-              <a:rPr lang="vi-VN" sz="2000" dirty="0"/>
+              <a:rPr lang="vi-VN" sz="2000" dirty="0">
+                <a:latin typeface="Times New Roman" panose="02020603050405020304" pitchFamily="18" charset="0"/>
+                <a:cs typeface="Times New Roman" panose="02020603050405020304" pitchFamily="18" charset="0"/>
+              </a:rPr>
               <a:t>). Nói ngắn gọn hơn là ngôn ngữ tạo phong cách cho trang web. Bạn có thể hiểu đơn giản rằng, nếu HTML đóng vai trò định dạng các phần tử trên website như việc tạo ra các đoạn văn bản, các tiêu đề, bảng,…thì CSS sẽ giúp chúng ta có thể thêm style vào các phần tử HTML đó như đổi bố cục, màu sắc trang, đổi màu chữ, font chữ, thay đổi cấu trúc…</a:t>
             </a:r>
           </a:p>
           <a:p>
             <a:r>
-              <a:rPr lang="vi-VN" sz="2000" dirty="0"/>
+              <a:rPr lang="vi-VN" sz="2000" dirty="0">
+                <a:latin typeface="Times New Roman" panose="02020603050405020304" pitchFamily="18" charset="0"/>
+                <a:cs typeface="Times New Roman" panose="02020603050405020304" pitchFamily="18" charset="0"/>
+              </a:rPr>
               <a:t>CSS được phát triển bởi </a:t>
             </a:r>
             <a:r>
-              <a:rPr lang="vi-VN" sz="2000" b="1" dirty="0"/>
+              <a:rPr lang="vi-VN" sz="2000" b="1" dirty="0">
+                <a:latin typeface="Times New Roman" panose="02020603050405020304" pitchFamily="18" charset="0"/>
+                <a:cs typeface="Times New Roman" panose="02020603050405020304" pitchFamily="18" charset="0"/>
+              </a:rPr>
               <a:t>W3C</a:t>
             </a:r>
             <a:r>
-              <a:rPr lang="vi-VN" sz="2000" dirty="0"/>
+              <a:rPr lang="vi-VN" sz="2000" dirty="0">
+                <a:latin typeface="Times New Roman" panose="02020603050405020304" pitchFamily="18" charset="0"/>
+                <a:cs typeface="Times New Roman" panose="02020603050405020304" pitchFamily="18" charset="0"/>
+              </a:rPr>
               <a:t> (</a:t>
             </a:r>
             <a:r>
               <a:rPr lang="vi-VN" sz="2000" dirty="0">
+                <a:latin typeface="Times New Roman" panose="02020603050405020304" pitchFamily="18" charset="0"/>
+                <a:cs typeface="Times New Roman" panose="02020603050405020304" pitchFamily="18" charset="0"/>
                 <a:hlinkClick r:id="rId3"/>
               </a:rPr>
               <a:t>World Wide Web Consortium</a:t>
             </a:r>
             <a:r>
-              <a:rPr lang="vi-VN" sz="2000" dirty="0"/>
+              <a:rPr lang="vi-VN" sz="2000" dirty="0">
+                <a:latin typeface="Times New Roman" panose="02020603050405020304" pitchFamily="18" charset="0"/>
+                <a:cs typeface="Times New Roman" panose="02020603050405020304" pitchFamily="18" charset="0"/>
+              </a:rPr>
               <a:t>) vào năm 1996, vì HTML không được thiết kế để gắn tag để giúp định dạng trang web.</a:t>
             </a:r>
           </a:p>
@@ -10259,6 +8946,7 @@
               <a:effectLst/>
               <a:latin typeface="Times New Roman" panose="02020603050405020304" pitchFamily="18" charset="0"/>
               <a:ea typeface="Times New Roman" panose="02020603050405020304" pitchFamily="18" charset="0"/>
+              <a:cs typeface="Times New Roman" panose="02020603050405020304" pitchFamily="18" charset="0"/>
             </a:endParaRPr>
           </a:p>
           <a:p>
@@ -11229,8 +9917,8 @@
         </p:nvSpPr>
         <p:spPr bwMode="auto">
           <a:xfrm>
-            <a:off x="664918" y="478516"/>
-            <a:ext cx="10464805" cy="1579912"/>
+            <a:off x="708880" y="873002"/>
+            <a:ext cx="10464805" cy="2549408"/>
           </a:xfrm>
           <a:prstGeom prst="rect">
             <a:avLst/>
@@ -11295,7 +9983,7 @@
               <a:tabLst/>
             </a:pPr>
             <a:r>
-              <a:rPr kumimoji="0" lang="vi-VN" altLang="en-US" b="1" i="0" u="none" strike="noStrike" cap="none" normalizeH="0" baseline="0" dirty="0">
+              <a:rPr kumimoji="0" lang="vi-VN" altLang="en-US" sz="2800" b="1" i="0" u="none" strike="noStrike" cap="none" normalizeH="0" baseline="0" dirty="0">
                 <a:ln>
                   <a:noFill/>
                 </a:ln>
@@ -11310,7 +9998,7 @@
               <a:t>3</a:t>
             </a:r>
             <a:r>
-              <a:rPr kumimoji="0" lang="vi-VN" altLang="en-US" b="1" i="0" u="none" strike="noStrike" cap="none" normalizeH="0" baseline="0" dirty="0" bmk="">
+              <a:rPr kumimoji="0" lang="vi-VN" altLang="en-US" sz="2800" b="1" i="0" u="none" strike="noStrike" cap="none" normalizeH="0" baseline="0" dirty="0" bmk="">
                 <a:ln>
                   <a:noFill/>
                 </a:ln>
@@ -11324,7 +10012,7 @@
               </a:rPr>
               <a:t>. JavaScript Cơ bản </a:t>
             </a:r>
-            <a:endParaRPr kumimoji="0" lang="en-US" altLang="en-US" b="1" i="0" u="none" strike="noStrike" cap="none" normalizeH="0" baseline="0" dirty="0" bmk="">
+            <a:endParaRPr kumimoji="0" lang="en-US" altLang="en-US" sz="2800" b="1" i="0" u="none" strike="noStrike" cap="none" normalizeH="0" baseline="0" dirty="0" bmk="">
               <a:ln>
                 <a:noFill/>
               </a:ln>
@@ -11354,7 +10042,7 @@
               <a:buNone/>
               <a:tabLst/>
             </a:pPr>
-            <a:endParaRPr kumimoji="0" lang="vi-VN" altLang="en-US" sz="1300" b="1" i="0" u="none" strike="noStrike" cap="none" normalizeH="0" baseline="0" dirty="0" bmk="">
+            <a:endParaRPr kumimoji="0" lang="vi-VN" altLang="en-US" b="1" i="0" u="none" strike="noStrike" cap="none" normalizeH="0" baseline="0" dirty="0" bmk="">
               <a:ln>
                 <a:noFill/>
               </a:ln>
@@ -11385,7 +10073,7 @@
               <a:tabLst/>
             </a:pPr>
             <a:r>
-              <a:rPr kumimoji="0" lang="vi-VN" altLang="en-US" sz="1300" b="1" i="0" u="none" strike="noStrike" cap="none" normalizeH="0" baseline="0" dirty="0" bmk="">
+              <a:rPr kumimoji="0" lang="vi-VN" altLang="en-US" b="1" i="0" u="none" strike="noStrike" cap="none" normalizeH="0" baseline="0" dirty="0" bmk="">
                 <a:ln>
                   <a:noFill/>
                 </a:ln>
@@ -11400,7 +10088,7 @@
               <a:t>3.1. Giới thiệu cú pháp JavaScript cơ bản</a:t>
             </a:r>
             <a:r>
-              <a:rPr kumimoji="0" lang="vi-VN" altLang="en-US" sz="1300" b="1" i="0" u="none" strike="noStrike" cap="none" normalizeH="0" baseline="0" dirty="0">
+              <a:rPr kumimoji="0" lang="vi-VN" altLang="en-US" b="1" i="0" u="none" strike="noStrike" cap="none" normalizeH="0" baseline="0" dirty="0">
                 <a:ln>
                   <a:noFill/>
                 </a:ln>
@@ -11433,7 +10121,7 @@
               <a:tabLst/>
             </a:pPr>
             <a:r>
-              <a:rPr kumimoji="0" lang="vi-VN" altLang="en-US" sz="1300" b="0" i="0" u="none" strike="noStrike" cap="none" normalizeH="0" baseline="0" dirty="0">
+              <a:rPr kumimoji="0" lang="vi-VN" altLang="en-US" b="0" i="0" u="none" strike="noStrike" cap="none" normalizeH="0" baseline="0" dirty="0">
                 <a:ln>
                   <a:noFill/>
                 </a:ln>
@@ -11448,7 +10136,7 @@
               <a:t>- Một chương tr</a:t>
             </a:r>
             <a:r>
-              <a:rPr kumimoji="0" lang="vi-VN" altLang="en-US" sz="1300" b="0" i="0" u="none" strike="noStrike" cap="none" normalizeH="0" baseline="0" dirty="0">
+              <a:rPr kumimoji="0" lang="vi-VN" altLang="en-US" b="0" i="0" u="none" strike="noStrike" cap="none" normalizeH="0" baseline="0" dirty="0">
                 <a:ln>
                   <a:noFill/>
                 </a:ln>
@@ -11463,7 +10151,7 @@
               <a:t>ì</a:t>
             </a:r>
             <a:r>
-              <a:rPr kumimoji="0" lang="vi-VN" altLang="en-US" sz="1300" b="0" i="0" u="none" strike="noStrike" cap="none" normalizeH="0" baseline="0" dirty="0">
+              <a:rPr kumimoji="0" lang="vi-VN" altLang="en-US" b="0" i="0" u="none" strike="noStrike" cap="none" normalizeH="0" baseline="0" dirty="0">
                 <a:ln>
                   <a:noFill/>
                 </a:ln>
@@ -11478,7 +10166,7 @@
               <a:t>nh m</a:t>
             </a:r>
             <a:r>
-              <a:rPr kumimoji="0" lang="vi-VN" altLang="en-US" sz="1300" b="0" i="0" u="none" strike="noStrike" cap="none" normalizeH="0" baseline="0" dirty="0">
+              <a:rPr kumimoji="0" lang="vi-VN" altLang="en-US" b="0" i="0" u="none" strike="noStrike" cap="none" normalizeH="0" baseline="0" dirty="0">
                 <a:ln>
                   <a:noFill/>
                 </a:ln>
@@ -11493,7 +10181,7 @@
               <a:t>á</a:t>
             </a:r>
             <a:r>
-              <a:rPr kumimoji="0" lang="vi-VN" altLang="en-US" sz="1300" b="0" i="0" u="none" strike="noStrike" cap="none" normalizeH="0" baseline="0" dirty="0">
+              <a:rPr kumimoji="0" lang="vi-VN" altLang="en-US" b="0" i="0" u="none" strike="noStrike" cap="none" normalizeH="0" baseline="0" dirty="0">
                 <a:ln>
                   <a:noFill/>
                 </a:ln>
@@ -11508,7 +10196,7 @@
               <a:t>y t</a:t>
             </a:r>
             <a:r>
-              <a:rPr kumimoji="0" lang="vi-VN" altLang="en-US" sz="1300" b="0" i="0" u="none" strike="noStrike" cap="none" normalizeH="0" baseline="0" dirty="0">
+              <a:rPr kumimoji="0" lang="vi-VN" altLang="en-US" b="0" i="0" u="none" strike="noStrike" cap="none" normalizeH="0" baseline="0" dirty="0">
                 <a:ln>
                   <a:noFill/>
                 </a:ln>
@@ -11523,7 +10211,7 @@
               <a:t>í</a:t>
             </a:r>
             <a:r>
-              <a:rPr kumimoji="0" lang="vi-VN" altLang="en-US" sz="1300" b="0" i="0" u="none" strike="noStrike" cap="none" normalizeH="0" baseline="0" dirty="0">
+              <a:rPr kumimoji="0" lang="vi-VN" altLang="en-US" b="0" i="0" u="none" strike="noStrike" cap="none" normalizeH="0" baseline="0" dirty="0">
                 <a:ln>
                   <a:noFill/>
                 </a:ln>
@@ -11538,7 +10226,7 @@
               <a:t>nh l</a:t>
             </a:r>
             <a:r>
-              <a:rPr kumimoji="0" lang="vi-VN" altLang="en-US" sz="1300" b="0" i="0" u="none" strike="noStrike" cap="none" normalizeH="0" baseline="0" dirty="0">
+              <a:rPr kumimoji="0" lang="vi-VN" altLang="en-US" b="0" i="0" u="none" strike="noStrike" cap="none" normalizeH="0" baseline="0" dirty="0">
                 <a:ln>
                   <a:noFill/>
                 </a:ln>
@@ -11553,7 +10241,7 @@
               <a:t>à</a:t>
             </a:r>
             <a:r>
-              <a:rPr kumimoji="0" lang="vi-VN" altLang="en-US" sz="1300" b="0" i="0" u="none" strike="noStrike" cap="none" normalizeH="0" baseline="0" dirty="0">
+              <a:rPr kumimoji="0" lang="vi-VN" altLang="en-US" b="0" i="0" u="none" strike="noStrike" cap="none" normalizeH="0" baseline="0" dirty="0">
                 <a:ln>
                   <a:noFill/>
                 </a:ln>
@@ -11568,7 +10256,7 @@
               <a:t> một tập danh s</a:t>
             </a:r>
             <a:r>
-              <a:rPr kumimoji="0" lang="vi-VN" altLang="en-US" sz="1300" b="0" i="0" u="none" strike="noStrike" cap="none" normalizeH="0" baseline="0" dirty="0">
+              <a:rPr kumimoji="0" lang="vi-VN" altLang="en-US" b="0" i="0" u="none" strike="noStrike" cap="none" normalizeH="0" baseline="0" dirty="0">
                 <a:ln>
                   <a:noFill/>
                 </a:ln>
@@ -11583,7 +10271,7 @@
               <a:t>á</a:t>
             </a:r>
             <a:r>
-              <a:rPr kumimoji="0" lang="vi-VN" altLang="en-US" sz="1300" b="0" i="0" u="none" strike="noStrike" cap="none" normalizeH="0" baseline="0" dirty="0">
+              <a:rPr kumimoji="0" lang="vi-VN" altLang="en-US" b="0" i="0" u="none" strike="noStrike" cap="none" normalizeH="0" baseline="0" dirty="0">
                 <a:ln>
                   <a:noFill/>
                 </a:ln>
@@ -11598,7 +10286,7 @@
               <a:t>ch c</a:t>
             </a:r>
             <a:r>
-              <a:rPr kumimoji="0" lang="vi-VN" altLang="en-US" sz="1300" b="0" i="0" u="none" strike="noStrike" cap="none" normalizeH="0" baseline="0" dirty="0">
+              <a:rPr kumimoji="0" lang="vi-VN" altLang="en-US" b="0" i="0" u="none" strike="noStrike" cap="none" normalizeH="0" baseline="0" dirty="0">
                 <a:ln>
                   <a:noFill/>
                 </a:ln>
@@ -11613,7 +10301,7 @@
               <a:t>á</a:t>
             </a:r>
             <a:r>
-              <a:rPr kumimoji="0" lang="vi-VN" altLang="en-US" sz="1300" b="0" i="0" u="none" strike="noStrike" cap="none" normalizeH="0" baseline="0" dirty="0">
+              <a:rPr kumimoji="0" lang="vi-VN" altLang="en-US" b="0" i="0" u="none" strike="noStrike" cap="none" normalizeH="0" baseline="0" dirty="0">
                 <a:ln>
                   <a:noFill/>
                 </a:ln>
@@ -11628,7 +10316,7 @@
               <a:t>c hướng dẫn (statements) để m</a:t>
             </a:r>
             <a:r>
-              <a:rPr kumimoji="0" lang="vi-VN" altLang="en-US" sz="1300" b="0" i="0" u="none" strike="noStrike" cap="none" normalizeH="0" baseline="0" dirty="0">
+              <a:rPr kumimoji="0" lang="vi-VN" altLang="en-US" b="0" i="0" u="none" strike="noStrike" cap="none" normalizeH="0" baseline="0" dirty="0">
                 <a:ln>
                   <a:noFill/>
                 </a:ln>
@@ -11643,7 +10331,7 @@
               <a:t>á</a:t>
             </a:r>
             <a:r>
-              <a:rPr kumimoji="0" lang="vi-VN" altLang="en-US" sz="1300" b="0" i="0" u="none" strike="noStrike" cap="none" normalizeH="0" baseline="0" dirty="0">
+              <a:rPr kumimoji="0" lang="vi-VN" altLang="en-US" b="0" i="0" u="none" strike="noStrike" cap="none" normalizeH="0" baseline="0" dirty="0">
                 <a:ln>
                   <a:noFill/>
                 </a:ln>
@@ -11658,7 +10346,7 @@
               <a:t>y t</a:t>
             </a:r>
             <a:r>
-              <a:rPr kumimoji="0" lang="vi-VN" altLang="en-US" sz="1300" b="0" i="0" u="none" strike="noStrike" cap="none" normalizeH="0" baseline="0" dirty="0">
+              <a:rPr kumimoji="0" lang="vi-VN" altLang="en-US" b="0" i="0" u="none" strike="noStrike" cap="none" normalizeH="0" baseline="0" dirty="0">
                 <a:ln>
                   <a:noFill/>
                 </a:ln>
@@ -11673,7 +10361,7 @@
               <a:t>í</a:t>
             </a:r>
             <a:r>
-              <a:rPr kumimoji="0" lang="vi-VN" altLang="en-US" sz="1300" b="0" i="0" u="none" strike="noStrike" cap="none" normalizeH="0" baseline="0" dirty="0">
+              <a:rPr kumimoji="0" lang="vi-VN" altLang="en-US" b="0" i="0" u="none" strike="noStrike" cap="none" normalizeH="0" baseline="0" dirty="0">
                 <a:ln>
                   <a:noFill/>
                 </a:ln>
@@ -11688,7 +10376,7 @@
               <a:t>nh thực thi. V</a:t>
             </a:r>
             <a:r>
-              <a:rPr kumimoji="0" lang="vi-VN" altLang="en-US" sz="1300" b="0" i="0" u="none" strike="noStrike" cap="none" normalizeH="0" baseline="0" dirty="0">
+              <a:rPr kumimoji="0" lang="vi-VN" altLang="en-US" b="0" i="0" u="none" strike="noStrike" cap="none" normalizeH="0" baseline="0" dirty="0">
                 <a:ln>
                   <a:noFill/>
                 </a:ln>
@@ -11703,7 +10391,7 @@
               <a:t>à</a:t>
             </a:r>
             <a:r>
-              <a:rPr kumimoji="0" lang="vi-VN" altLang="en-US" sz="1300" b="0" i="0" u="none" strike="noStrike" cap="none" normalizeH="0" baseline="0" dirty="0">
+              <a:rPr kumimoji="0" lang="vi-VN" altLang="en-US" b="0" i="0" u="none" strike="noStrike" cap="none" normalizeH="0" baseline="0" dirty="0">
                 <a:ln>
                   <a:noFill/>
                 </a:ln>
@@ -11718,7 +10406,7 @@
               <a:t> Javascript cũng vậy nhưng kh</a:t>
             </a:r>
             <a:r>
-              <a:rPr kumimoji="0" lang="vi-VN" altLang="en-US" sz="1300" b="0" i="0" u="none" strike="noStrike" cap="none" normalizeH="0" baseline="0" dirty="0">
+              <a:rPr kumimoji="0" lang="vi-VN" altLang="en-US" b="0" i="0" u="none" strike="noStrike" cap="none" normalizeH="0" baseline="0" dirty="0">
                 <a:ln>
                   <a:noFill/>
                 </a:ln>
@@ -11733,7 +10421,7 @@
               <a:t>á</a:t>
             </a:r>
             <a:r>
-              <a:rPr kumimoji="0" lang="vi-VN" altLang="en-US" sz="1300" b="0" i="0" u="none" strike="noStrike" cap="none" normalizeH="0" baseline="0" dirty="0">
+              <a:rPr kumimoji="0" lang="vi-VN" altLang="en-US" b="0" i="0" u="none" strike="noStrike" cap="none" normalizeH="0" baseline="0" dirty="0">
                 <a:ln>
                   <a:noFill/>
                 </a:ln>
@@ -11748,7 +10436,7 @@
               <a:t>c một điều l</a:t>
             </a:r>
             <a:r>
-              <a:rPr kumimoji="0" lang="vi-VN" altLang="en-US" sz="1300" b="0" i="0" u="none" strike="noStrike" cap="none" normalizeH="0" baseline="0" dirty="0">
+              <a:rPr kumimoji="0" lang="vi-VN" altLang="en-US" b="0" i="0" u="none" strike="noStrike" cap="none" normalizeH="0" baseline="0" dirty="0">
                 <a:ln>
                   <a:noFill/>
                 </a:ln>
@@ -11763,7 +10451,7 @@
               <a:t>à</a:t>
             </a:r>
             <a:r>
-              <a:rPr kumimoji="0" lang="vi-VN" altLang="en-US" sz="1300" b="0" i="0" u="none" strike="noStrike" cap="none" normalizeH="0" baseline="0" dirty="0">
+              <a:rPr kumimoji="0" lang="vi-VN" altLang="en-US" b="0" i="0" u="none" strike="noStrike" cap="none" normalizeH="0" baseline="0" dirty="0">
                 <a:ln>
                   <a:noFill/>
                 </a:ln>
@@ -11778,7 +10466,7 @@
               <a:t> c</a:t>
             </a:r>
             <a:r>
-              <a:rPr kumimoji="0" lang="vi-VN" altLang="en-US" sz="1300" b="0" i="0" u="none" strike="noStrike" cap="none" normalizeH="0" baseline="0" dirty="0">
+              <a:rPr kumimoji="0" lang="vi-VN" altLang="en-US" b="0" i="0" u="none" strike="noStrike" cap="none" normalizeH="0" baseline="0" dirty="0">
                 <a:ln>
                   <a:noFill/>
                 </a:ln>
@@ -11793,7 +10481,7 @@
               <a:t>á</a:t>
             </a:r>
             <a:r>
-              <a:rPr kumimoji="0" lang="vi-VN" altLang="en-US" sz="1300" b="0" i="0" u="none" strike="noStrike" cap="none" normalizeH="0" baseline="0" dirty="0">
+              <a:rPr kumimoji="0" lang="vi-VN" altLang="en-US" b="0" i="0" u="none" strike="noStrike" cap="none" normalizeH="0" baseline="0" dirty="0">
                 <a:ln>
                   <a:noFill/>
                 </a:ln>
@@ -11808,7 +10496,7 @@
               <a:t>c tập lệnh n</a:t>
             </a:r>
             <a:r>
-              <a:rPr kumimoji="0" lang="vi-VN" altLang="en-US" sz="1300" b="0" i="0" u="none" strike="noStrike" cap="none" normalizeH="0" baseline="0" dirty="0">
+              <a:rPr kumimoji="0" lang="vi-VN" altLang="en-US" b="0" i="0" u="none" strike="noStrike" cap="none" normalizeH="0" baseline="0" dirty="0">
                 <a:ln>
                   <a:noFill/>
                 </a:ln>
@@ -11823,7 +10511,7 @@
               <a:t>à</a:t>
             </a:r>
             <a:r>
-              <a:rPr kumimoji="0" lang="vi-VN" altLang="en-US" sz="1300" b="0" i="0" u="none" strike="noStrike" cap="none" normalizeH="0" baseline="0" dirty="0">
+              <a:rPr kumimoji="0" lang="vi-VN" altLang="en-US" b="0" i="0" u="none" strike="noStrike" cap="none" normalizeH="0" baseline="0" dirty="0">
                 <a:ln>
                   <a:noFill/>
                 </a:ln>
@@ -11838,7 +10526,7 @@
               <a:t>y cho</a:t>
             </a:r>
             <a:r>
-              <a:rPr kumimoji="0" lang="vi-VN" altLang="en-US" sz="1300" b="0" i="0" u="none" strike="noStrike" cap="none" normalizeH="0" baseline="0" dirty="0">
+              <a:rPr kumimoji="0" lang="vi-VN" altLang="en-US" b="0" i="0" u="none" strike="noStrike" cap="none" normalizeH="0" baseline="0" dirty="0">
                 <a:ln>
                   <a:noFill/>
                 </a:ln>
@@ -11853,7 +10541,7 @@
               <a:t> </a:t>
             </a:r>
             <a:r>
-              <a:rPr kumimoji="0" lang="vi-VN" altLang="en-US" sz="1300" b="0" i="0" u="none" strike="noStrike" cap="none" normalizeH="0" baseline="0" dirty="0">
+              <a:rPr kumimoji="0" lang="vi-VN" altLang="en-US" b="0" i="0" u="none" strike="noStrike" cap="none" normalizeH="0" baseline="0" dirty="0">
                 <a:ln>
                   <a:noFill/>
                 </a:ln>
@@ -11868,7 +10556,7 @@
               <a:t>tr</a:t>
             </a:r>
             <a:r>
-              <a:rPr kumimoji="0" lang="vi-VN" altLang="en-US" sz="1300" b="0" i="0" u="none" strike="noStrike" cap="none" normalizeH="0" baseline="0" dirty="0">
+              <a:rPr kumimoji="0" lang="vi-VN" altLang="en-US" b="0" i="0" u="none" strike="noStrike" cap="none" normalizeH="0" baseline="0" dirty="0">
                 <a:ln>
                   <a:noFill/>
                 </a:ln>
@@ -11883,7 +10571,7 @@
               <a:t>ì</a:t>
             </a:r>
             <a:r>
-              <a:rPr kumimoji="0" lang="vi-VN" altLang="en-US" sz="1300" b="0" i="0" u="none" strike="noStrike" cap="none" normalizeH="0" baseline="0" dirty="0">
+              <a:rPr kumimoji="0" lang="vi-VN" altLang="en-US" b="0" i="0" u="none" strike="noStrike" cap="none" normalizeH="0" baseline="0" dirty="0">
                 <a:ln>
                   <a:noFill/>
                 </a:ln>
@@ -11898,7 +10586,7 @@
               <a:t>nh duyệt thực hiện thay v</a:t>
             </a:r>
             <a:r>
-              <a:rPr kumimoji="0" lang="vi-VN" altLang="en-US" sz="1300" b="0" i="0" u="none" strike="noStrike" cap="none" normalizeH="0" baseline="0" dirty="0">
+              <a:rPr kumimoji="0" lang="vi-VN" altLang="en-US" b="0" i="0" u="none" strike="noStrike" cap="none" normalizeH="0" baseline="0" dirty="0">
                 <a:ln>
                   <a:noFill/>
                 </a:ln>
@@ -11913,7 +10601,7 @@
               <a:t>ì</a:t>
             </a:r>
             <a:r>
-              <a:rPr kumimoji="0" lang="vi-VN" altLang="en-US" sz="1300" b="0" i="0" u="none" strike="noStrike" cap="none" normalizeH="0" baseline="0" dirty="0">
+              <a:rPr kumimoji="0" lang="vi-VN" altLang="en-US" b="0" i="0" u="none" strike="noStrike" cap="none" normalizeH="0" baseline="0" dirty="0">
                 <a:ln>
                   <a:noFill/>
                 </a:ln>
@@ -11928,7 +10616,7 @@
               <a:t> m</a:t>
             </a:r>
             <a:r>
-              <a:rPr kumimoji="0" lang="vi-VN" altLang="en-US" sz="1300" b="0" i="0" u="none" strike="noStrike" cap="none" normalizeH="0" baseline="0" dirty="0">
+              <a:rPr kumimoji="0" lang="vi-VN" altLang="en-US" b="0" i="0" u="none" strike="noStrike" cap="none" normalizeH="0" baseline="0" dirty="0">
                 <a:ln>
                   <a:noFill/>
                 </a:ln>
@@ -11943,7 +10631,7 @@
               <a:t>á</a:t>
             </a:r>
             <a:r>
-              <a:rPr kumimoji="0" lang="vi-VN" altLang="en-US" sz="1300" b="0" i="0" u="none" strike="noStrike" cap="none" normalizeH="0" baseline="0" dirty="0">
+              <a:rPr kumimoji="0" lang="vi-VN" altLang="en-US" b="0" i="0" u="none" strike="noStrike" cap="none" normalizeH="0" baseline="0" dirty="0">
                 <a:ln>
                   <a:noFill/>
                 </a:ln>
@@ -11958,7 +10646,7 @@
               <a:t>y t</a:t>
             </a:r>
             <a:r>
-              <a:rPr kumimoji="0" lang="vi-VN" altLang="en-US" sz="1300" b="0" i="0" u="none" strike="noStrike" cap="none" normalizeH="0" baseline="0" dirty="0">
+              <a:rPr kumimoji="0" lang="vi-VN" altLang="en-US" b="0" i="0" u="none" strike="noStrike" cap="none" normalizeH="0" baseline="0" dirty="0">
                 <a:ln>
                   <a:noFill/>
                 </a:ln>
@@ -11973,7 +10661,7 @@
               <a:t>í</a:t>
             </a:r>
             <a:r>
-              <a:rPr kumimoji="0" lang="vi-VN" altLang="en-US" sz="1300" b="0" i="0" u="none" strike="noStrike" cap="none" normalizeH="0" baseline="0" dirty="0">
+              <a:rPr kumimoji="0" lang="vi-VN" altLang="en-US" b="0" i="0" u="none" strike="noStrike" cap="none" normalizeH="0" baseline="0" dirty="0">
                 <a:ln>
                   <a:noFill/>
                 </a:ln>
@@ -11987,7 +10675,7 @@
               </a:rPr>
               <a:t>nh.</a:t>
             </a:r>
-            <a:endParaRPr kumimoji="0" lang="en-US" altLang="en-US" sz="800" b="0" i="0" u="none" strike="noStrike" cap="none" normalizeH="0" baseline="0" dirty="0">
+            <a:endParaRPr kumimoji="0" lang="en-US" altLang="en-US" sz="1050" b="0" i="0" u="none" strike="noStrike" cap="none" normalizeH="0" baseline="0" dirty="0">
               <a:ln>
                 <a:noFill/>
               </a:ln>
@@ -12015,7 +10703,7 @@
               <a:tabLst/>
             </a:pPr>
             <a:r>
-              <a:rPr kumimoji="0" lang="vi-VN" altLang="en-US" sz="1300" b="0" i="0" u="none" strike="noStrike" cap="none" normalizeH="0" baseline="0" dirty="0">
+              <a:rPr kumimoji="0" lang="vi-VN" altLang="en-US" b="0" i="0" u="none" strike="noStrike" cap="none" normalizeH="0" baseline="0" dirty="0">
                 <a:ln>
                   <a:noFill/>
                 </a:ln>
@@ -12030,7 +10718,7 @@
               <a:t>- C</a:t>
             </a:r>
             <a:r>
-              <a:rPr kumimoji="0" lang="vi-VN" altLang="en-US" sz="1300" b="0" i="0" u="none" strike="noStrike" cap="none" normalizeH="0" baseline="0" dirty="0">
+              <a:rPr kumimoji="0" lang="vi-VN" altLang="en-US" b="0" i="0" u="none" strike="noStrike" cap="none" normalizeH="0" baseline="0" dirty="0">
                 <a:ln>
                   <a:noFill/>
                 </a:ln>
@@ -12045,7 +10733,7 @@
               <a:t>á</a:t>
             </a:r>
             <a:r>
-              <a:rPr kumimoji="0" lang="vi-VN" altLang="en-US" sz="1300" b="0" i="0" u="none" strike="noStrike" cap="none" normalizeH="0" baseline="0" dirty="0">
+              <a:rPr kumimoji="0" lang="vi-VN" altLang="en-US" b="0" i="0" u="none" strike="noStrike" cap="none" normalizeH="0" baseline="0" dirty="0">
                 <a:ln>
                   <a:noFill/>
                 </a:ln>
@@ -12060,7 +10748,7 @@
               <a:t>c câu lệnh Javascript không cần phải đặt trong dấu ngoặc đơn, hay ngoặc nhọn v</a:t>
             </a:r>
             <a:r>
-              <a:rPr kumimoji="0" lang="vi-VN" altLang="en-US" sz="1300" b="0" i="0" u="none" strike="noStrike" cap="none" normalizeH="0" baseline="0" dirty="0">
+              <a:rPr kumimoji="0" lang="vi-VN" altLang="en-US" b="0" i="0" u="none" strike="noStrike" cap="none" normalizeH="0" baseline="0" dirty="0">
                 <a:ln>
                   <a:noFill/>
                 </a:ln>
@@ -12075,7 +10763,7 @@
               <a:t>à</a:t>
             </a:r>
             <a:r>
-              <a:rPr kumimoji="0" lang="vi-VN" altLang="en-US" sz="1300" b="0" i="0" u="none" strike="noStrike" cap="none" normalizeH="0" baseline="0" dirty="0">
+              <a:rPr kumimoji="0" lang="vi-VN" altLang="en-US" b="0" i="0" u="none" strike="noStrike" cap="none" normalizeH="0" baseline="0" dirty="0">
                 <a:ln>
                   <a:noFill/>
                 </a:ln>
@@ -12089,7 +10777,7 @@
               </a:rPr>
               <a:t> cuối mỗi câu lệnh cũng không cần dấu chấm phẩy.</a:t>
             </a:r>
-            <a:endParaRPr kumimoji="0" lang="en-US" altLang="en-US" sz="800" b="0" i="0" u="none" strike="noStrike" cap="none" normalizeH="0" baseline="0" dirty="0">
+            <a:endParaRPr kumimoji="0" lang="en-US" altLang="en-US" sz="1050" b="0" i="0" u="none" strike="noStrike" cap="none" normalizeH="0" baseline="0" dirty="0">
               <a:ln>
                 <a:noFill/>
               </a:ln>
@@ -12116,7 +10804,7 @@
               <a:buNone/>
               <a:tabLst/>
             </a:pPr>
-            <a:endParaRPr kumimoji="0" lang="en-US" altLang="en-US" sz="1800" b="0" i="0" u="none" strike="noStrike" cap="none" normalizeH="0" baseline="0" dirty="0">
+            <a:endParaRPr kumimoji="0" lang="en-US" altLang="en-US" sz="2800" b="0" i="0" u="none" strike="noStrike" cap="none" normalizeH="0" baseline="0" dirty="0">
               <a:ln>
                 <a:noFill/>
               </a:ln>
@@ -12158,8 +10846,8 @@
         </p:blipFill>
         <p:spPr bwMode="auto">
           <a:xfrm>
-            <a:off x="1520049" y="2291501"/>
-            <a:ext cx="4685442" cy="1410486"/>
+            <a:off x="1423335" y="3496046"/>
+            <a:ext cx="8013610" cy="2412384"/>
           </a:xfrm>
           <a:prstGeom prst="rect">
             <a:avLst/>
@@ -12302,7 +10990,7 @@
         <p:spPr>
           <a:xfrm>
             <a:off x="391294" y="477956"/>
-            <a:ext cx="10558049" cy="1405513"/>
+            <a:ext cx="10558049" cy="1713290"/>
           </a:xfrm>
           <a:prstGeom prst="rect">
             <a:avLst/>
@@ -12324,7 +11012,7 @@
               </a:spcAft>
             </a:pPr>
             <a:r>
-              <a:rPr lang="vi-VN" sz="1800" b="1" kern="100" dirty="0">
+              <a:rPr lang="vi-VN" sz="2800" b="1" kern="100" dirty="0">
                 <a:effectLst/>
                 <a:latin typeface="Times New Roman" panose="02020603050405020304" pitchFamily="18" charset="0"/>
                 <a:ea typeface="DengXian Light" panose="020B0503020204020204" pitchFamily="2" charset="-122"/>
@@ -12332,7 +11020,7 @@
               </a:rPr>
               <a:t>3.2. Hướng dẫn tạo biến ,hàm và sử dụng sự kiện </a:t>
             </a:r>
-            <a:endParaRPr lang="en-US" sz="1800" b="1" kern="100" dirty="0">
+            <a:endParaRPr lang="en-US" sz="2800" b="1" kern="100" dirty="0">
               <a:effectLst/>
               <a:latin typeface="Times New Roman" panose="02020603050405020304" pitchFamily="18" charset="0"/>
               <a:ea typeface="DengXian Light" panose="020B0503020204020204" pitchFamily="2" charset="-122"/>
@@ -12350,7 +11038,7 @@
               <a:buAutoNum type="alphaLcPeriod"/>
             </a:pPr>
             <a:r>
-              <a:rPr lang="vi-VN" sz="1800" b="1" kern="100" dirty="0">
+              <a:rPr lang="vi-VN" sz="2800" b="1" kern="100" dirty="0">
                 <a:effectLst/>
                 <a:latin typeface="Times New Roman" panose="02020603050405020304" pitchFamily="18" charset="0"/>
                 <a:ea typeface="Calibri" panose="020F0502020204030204" pitchFamily="34" charset="0"/>
@@ -12396,8 +11084,8 @@
         </p:nvSpPr>
         <p:spPr bwMode="auto">
           <a:xfrm>
-            <a:off x="775063" y="1407306"/>
-            <a:ext cx="8316687" cy="1000274"/>
+            <a:off x="483576" y="1386726"/>
+            <a:ext cx="10199078" cy="1384995"/>
           </a:xfrm>
           <a:prstGeom prst="rect">
             <a:avLst/>
@@ -12457,7 +11145,7 @@
               <a:tabLst/>
             </a:pPr>
             <a:r>
-              <a:rPr kumimoji="0" lang="vi-VN" altLang="en-US" sz="1300" b="0" i="0" u="none" strike="noStrike" cap="none" normalizeH="0" baseline="0" dirty="0">
+              <a:rPr kumimoji="0" lang="vi-VN" altLang="en-US" b="0" i="0" u="none" strike="noStrike" cap="none" normalizeH="0" baseline="0" dirty="0" smtClean="0">
                 <a:ln>
                   <a:noFill/>
                 </a:ln>
@@ -12472,7 +11160,7 @@
               <a:t>Kh</a:t>
             </a:r>
             <a:r>
-              <a:rPr kumimoji="0" lang="vi-VN" altLang="en-US" sz="1300" b="0" i="0" u="none" strike="noStrike" cap="none" normalizeH="0" baseline="0" dirty="0">
+              <a:rPr kumimoji="0" lang="en-US" altLang="en-US" b="0" i="0" u="none" strike="noStrike" cap="none" normalizeH="0" baseline="0" dirty="0" smtClean="0">
                 <a:ln>
                   <a:noFill/>
                 </a:ln>
@@ -12480,14 +11168,14 @@
                   <a:schemeClr val="tx1"/>
                 </a:solidFill>
                 <a:effectLst/>
-                <a:latin typeface="Calibri" panose="020F0502020204030204" pitchFamily="34" charset="0"/>
-                <a:ea typeface="Calibri" panose="020F0502020204030204" pitchFamily="34" charset="0"/>
-                <a:cs typeface="Times New Roman" panose="02020603050405020304" pitchFamily="18" charset="0"/>
-              </a:rPr>
-              <a:t>á</a:t>
-            </a:r>
-            <a:r>
-              <a:rPr kumimoji="0" lang="vi-VN" altLang="en-US" sz="1300" b="0" i="0" u="none" strike="noStrike" cap="none" normalizeH="0" baseline="0" dirty="0">
+                <a:latin typeface="Times New Roman" panose="02020603050405020304" pitchFamily="18" charset="0"/>
+                <a:ea typeface="Calibri" panose="020F0502020204030204" pitchFamily="34" charset="0"/>
+                <a:cs typeface="Times New Roman" panose="02020603050405020304" pitchFamily="18" charset="0"/>
+              </a:rPr>
+              <a:t>a</a:t>
+            </a:r>
+            <a:r>
+              <a:rPr kumimoji="0" lang="vi-VN" altLang="en-US" b="0" i="0" u="none" strike="noStrike" cap="none" normalizeH="0" baseline="0" dirty="0" smtClean="0">
                 <a:ln>
                   <a:noFill/>
                 </a:ln>
@@ -12499,10 +11187,10 @@
                 <a:ea typeface="Calibri" panose="020F0502020204030204" pitchFamily="34" charset="0"/>
                 <a:cs typeface="Times New Roman" panose="02020603050405020304" pitchFamily="18" charset="0"/>
               </a:rPr>
-              <a:t>i b</a:t>
-            </a:r>
-            <a:r>
-              <a:rPr kumimoji="0" lang="vi-VN" altLang="en-US" sz="1300" b="0" i="0" u="none" strike="noStrike" cap="none" normalizeH="0" baseline="0" dirty="0">
+              <a:t>i </a:t>
+            </a:r>
+            <a:r>
+              <a:rPr kumimoji="0" lang="vi-VN" altLang="en-US" b="0" i="0" u="none" strike="noStrike" cap="none" normalizeH="0" baseline="0" dirty="0">
                 <a:ln>
                   <a:noFill/>
                 </a:ln>
@@ -12510,58 +11198,13 @@
                   <a:schemeClr val="tx1"/>
                 </a:solidFill>
                 <a:effectLst/>
-                <a:latin typeface="Calibri" panose="020F0502020204030204" pitchFamily="34" charset="0"/>
-                <a:ea typeface="Calibri" panose="020F0502020204030204" pitchFamily="34" charset="0"/>
-                <a:cs typeface="Times New Roman" panose="02020603050405020304" pitchFamily="18" charset="0"/>
-              </a:rPr>
-              <a:t>á</a:t>
-            </a:r>
-            <a:r>
-              <a:rPr kumimoji="0" lang="vi-VN" altLang="en-US" sz="1300" b="0" i="0" u="none" strike="noStrike" cap="none" normalizeH="0" baseline="0" dirty="0">
-                <a:ln>
-                  <a:noFill/>
-                </a:ln>
-                <a:solidFill>
-                  <a:schemeClr val="tx1"/>
-                </a:solidFill>
-                <a:effectLst/>
-                <a:latin typeface="Times New Roman" panose="02020603050405020304" pitchFamily="18" charset="0"/>
-                <a:ea typeface="Calibri" panose="020F0502020204030204" pitchFamily="34" charset="0"/>
-                <a:cs typeface="Times New Roman" panose="02020603050405020304" pitchFamily="18" charset="0"/>
-              </a:rPr>
-              <a:t>o v</a:t>
-            </a:r>
-            <a:r>
-              <a:rPr kumimoji="0" lang="vi-VN" altLang="en-US" sz="1300" b="0" i="0" u="none" strike="noStrike" cap="none" normalizeH="0" baseline="0" dirty="0">
-                <a:ln>
-                  <a:noFill/>
-                </a:ln>
-                <a:solidFill>
-                  <a:schemeClr val="tx1"/>
-                </a:solidFill>
-                <a:effectLst/>
-                <a:latin typeface="Calibri" panose="020F0502020204030204" pitchFamily="34" charset="0"/>
-                <a:ea typeface="Calibri" panose="020F0502020204030204" pitchFamily="34" charset="0"/>
-                <a:cs typeface="Times New Roman" panose="02020603050405020304" pitchFamily="18" charset="0"/>
-              </a:rPr>
-              <a:t>à</a:t>
-            </a:r>
-            <a:r>
-              <a:rPr kumimoji="0" lang="vi-VN" altLang="en-US" sz="1300" b="0" i="0" u="none" strike="noStrike" cap="none" normalizeH="0" baseline="0" dirty="0">
-                <a:ln>
-                  <a:noFill/>
-                </a:ln>
-                <a:solidFill>
-                  <a:schemeClr val="tx1"/>
-                </a:solidFill>
-                <a:effectLst/>
-                <a:latin typeface="Times New Roman" panose="02020603050405020304" pitchFamily="18" charset="0"/>
-                <a:ea typeface="Calibri" panose="020F0502020204030204" pitchFamily="34" charset="0"/>
-                <a:cs typeface="Times New Roman" panose="02020603050405020304" pitchFamily="18" charset="0"/>
-              </a:rPr>
-              <a:t> khởi tạo biến </a:t>
-            </a:r>
-            <a:endParaRPr kumimoji="0" lang="en-US" altLang="en-US" sz="800" b="0" i="0" u="none" strike="noStrike" cap="none" normalizeH="0" baseline="0" dirty="0">
+                <a:latin typeface="Times New Roman" panose="02020603050405020304" pitchFamily="18" charset="0"/>
+                <a:ea typeface="Calibri" panose="020F0502020204030204" pitchFamily="34" charset="0"/>
+                <a:cs typeface="Times New Roman" panose="02020603050405020304" pitchFamily="18" charset="0"/>
+              </a:rPr>
+              <a:t>báo và khởi tạo biến </a:t>
+            </a:r>
+            <a:endParaRPr kumimoji="0" lang="en-US" altLang="en-US" b="0" i="0" u="none" strike="noStrike" cap="none" normalizeH="0" baseline="0" dirty="0">
               <a:ln>
                 <a:noFill/>
               </a:ln>
@@ -12569,6 +11212,8 @@
                 <a:schemeClr val="tx1"/>
               </a:solidFill>
               <a:effectLst/>
+              <a:latin typeface="Times New Roman" panose="02020603050405020304" pitchFamily="18" charset="0"/>
+              <a:cs typeface="Times New Roman" panose="02020603050405020304" pitchFamily="18" charset="0"/>
             </a:endParaRPr>
           </a:p>
           <a:p>
@@ -12589,7 +11234,7 @@
               <a:tabLst/>
             </a:pPr>
             <a:r>
-              <a:rPr kumimoji="0" lang="vi-VN" altLang="en-US" sz="1300" b="1" i="0" u="none" strike="noStrike" cap="none" normalizeH="0" baseline="0" dirty="0">
+              <a:rPr kumimoji="0" lang="vi-VN" altLang="en-US" b="1" i="0" u="none" strike="noStrike" cap="none" normalizeH="0" baseline="0" dirty="0">
                 <a:ln>
                   <a:noFill/>
                 </a:ln>
@@ -12604,7 +11249,7 @@
               <a:t>var</a:t>
             </a:r>
             <a:r>
-              <a:rPr kumimoji="0" lang="vi-VN" altLang="en-US" sz="1300" b="0" i="0" u="none" strike="noStrike" cap="none" normalizeH="0" baseline="0" dirty="0">
+              <a:rPr kumimoji="0" lang="vi-VN" altLang="en-US" b="0" i="0" u="none" strike="noStrike" cap="none" normalizeH="0" baseline="0" dirty="0">
                 <a:ln>
                   <a:noFill/>
                 </a:ln>
@@ -12619,7 +11264,7 @@
               <a:t> varName1 = </a:t>
             </a:r>
             <a:r>
-              <a:rPr kumimoji="0" lang="vi-VN" altLang="en-US" sz="1300" b="0" i="0" u="none" strike="noStrike" cap="none" normalizeH="0" baseline="0" dirty="0">
+              <a:rPr kumimoji="0" lang="vi-VN" altLang="en-US" b="0" i="0" u="none" strike="noStrike" cap="none" normalizeH="0" baseline="0" dirty="0">
                 <a:ln>
                   <a:noFill/>
                 </a:ln>
@@ -12634,7 +11279,7 @@
               <a:t>10</a:t>
             </a:r>
             <a:r>
-              <a:rPr kumimoji="0" lang="vi-VN" altLang="en-US" sz="1300" b="0" i="0" u="none" strike="noStrike" cap="none" normalizeH="0" baseline="0" dirty="0">
+              <a:rPr kumimoji="0" lang="vi-VN" altLang="en-US" b="0" i="0" u="none" strike="noStrike" cap="none" normalizeH="0" baseline="0" dirty="0">
                 <a:ln>
                   <a:noFill/>
                 </a:ln>
@@ -12649,7 +11294,7 @@
               <a:t>;    </a:t>
             </a:r>
             <a:r>
-              <a:rPr kumimoji="0" lang="vi-VN" altLang="en-US" sz="1300" b="0" i="0" u="none" strike="noStrike" cap="none" normalizeH="0" baseline="0" dirty="0">
+              <a:rPr kumimoji="0" lang="vi-VN" altLang="en-US" b="0" i="0" u="none" strike="noStrike" cap="none" normalizeH="0" baseline="0" dirty="0">
                 <a:ln>
                   <a:noFill/>
                 </a:ln>
@@ -12682,7 +11327,7 @@
               <a:tabLst/>
             </a:pPr>
             <a:r>
-              <a:rPr kumimoji="0" lang="vi-VN" altLang="en-US" sz="1300" b="1" i="0" u="none" strike="noStrike" cap="none" normalizeH="0" baseline="0" dirty="0">
+              <a:rPr kumimoji="0" lang="vi-VN" altLang="en-US" b="1" i="0" u="none" strike="noStrike" cap="none" normalizeH="0" baseline="0" dirty="0">
                 <a:ln>
                   <a:noFill/>
                 </a:ln>
@@ -12697,7 +11342,7 @@
               <a:t>let</a:t>
             </a:r>
             <a:r>
-              <a:rPr kumimoji="0" lang="vi-VN" altLang="en-US" sz="1300" b="0" i="0" u="none" strike="noStrike" cap="none" normalizeH="0" baseline="0" dirty="0">
+              <a:rPr kumimoji="0" lang="vi-VN" altLang="en-US" b="0" i="0" u="none" strike="noStrike" cap="none" normalizeH="0" baseline="0" dirty="0">
                 <a:ln>
                   <a:noFill/>
                 </a:ln>
@@ -12712,7 +11357,7 @@
               <a:t> </a:t>
             </a:r>
             <a:r>
-              <a:rPr lang="vi-VN" altLang="en-US" sz="1300" dirty="0">
+              <a:rPr lang="vi-VN" altLang="en-US" dirty="0">
                 <a:solidFill>
                   <a:srgbClr val="444444"/>
                 </a:solidFill>
@@ -12723,7 +11368,7 @@
               <a:t>v</a:t>
             </a:r>
             <a:r>
-              <a:rPr kumimoji="0" lang="vi-VN" altLang="en-US" sz="1300" b="0" i="0" u="none" strike="noStrike" cap="none" normalizeH="0" baseline="0" dirty="0">
+              <a:rPr kumimoji="0" lang="vi-VN" altLang="en-US" b="0" i="0" u="none" strike="noStrike" cap="none" normalizeH="0" baseline="0" dirty="0">
                 <a:ln>
                   <a:noFill/>
                 </a:ln>
@@ -12738,7 +11383,7 @@
               <a:t>arName2;        </a:t>
             </a:r>
             <a:r>
-              <a:rPr kumimoji="0" lang="vi-VN" altLang="en-US" sz="1300" b="0" i="0" u="none" strike="noStrike" cap="none" normalizeH="0" baseline="0" dirty="0">
+              <a:rPr kumimoji="0" lang="vi-VN" altLang="en-US" b="0" i="0" u="none" strike="noStrike" cap="none" normalizeH="0" baseline="0" dirty="0">
                 <a:ln>
                   <a:noFill/>
                 </a:ln>
@@ -12771,7 +11416,7 @@
               <a:tabLst/>
             </a:pPr>
             <a:r>
-              <a:rPr kumimoji="0" lang="vi-VN" altLang="en-US" sz="1300" b="0" i="0" u="none" strike="noStrike" cap="none" normalizeH="0" baseline="0" dirty="0">
+              <a:rPr kumimoji="0" lang="vi-VN" altLang="en-US" b="0" i="0" u="none" strike="noStrike" cap="none" normalizeH="0" baseline="0" dirty="0">
                 <a:ln>
                   <a:noFill/>
                 </a:ln>
@@ -12786,7 +11431,7 @@
               <a:t>varName2 = </a:t>
             </a:r>
             <a:r>
-              <a:rPr kumimoji="0" lang="vi-VN" altLang="en-US" sz="1300" b="0" i="0" u="none" strike="noStrike" cap="none" normalizeH="0" baseline="0" dirty="0">
+              <a:rPr kumimoji="0" lang="vi-VN" altLang="en-US" b="0" i="0" u="none" strike="noStrike" cap="none" normalizeH="0" baseline="0" dirty="0">
                 <a:ln>
                   <a:noFill/>
                 </a:ln>
@@ -12801,7 +11446,7 @@
               <a:t>10</a:t>
             </a:r>
             <a:r>
-              <a:rPr kumimoji="0" lang="vi-VN" altLang="en-US" sz="1300" b="0" i="0" u="none" strike="noStrike" cap="none" normalizeH="0" baseline="0" dirty="0">
+              <a:rPr kumimoji="0" lang="vi-VN" altLang="en-US" b="0" i="0" u="none" strike="noStrike" cap="none" normalizeH="0" baseline="0" dirty="0">
                 <a:ln>
                   <a:noFill/>
                 </a:ln>
@@ -12816,7 +11461,7 @@
               <a:t>;       </a:t>
             </a:r>
             <a:r>
-              <a:rPr kumimoji="0" lang="vi-VN" altLang="en-US" sz="1300" b="0" i="0" u="none" strike="noStrike" cap="none" normalizeH="0" baseline="0" dirty="0">
+              <a:rPr kumimoji="0" lang="vi-VN" altLang="en-US" b="0" i="0" u="none" strike="noStrike" cap="none" normalizeH="0" baseline="0" dirty="0">
                 <a:ln>
                   <a:noFill/>
                 </a:ln>
@@ -12849,7 +11494,7 @@
               <a:tabLst/>
             </a:pPr>
             <a:r>
-              <a:rPr kumimoji="0" lang="vi-VN" altLang="en-US" sz="1300" b="1" i="0" u="none" strike="noStrike" cap="none" normalizeH="0" baseline="0" dirty="0">
+              <a:rPr kumimoji="0" lang="vi-VN" altLang="en-US" b="1" i="0" u="none" strike="noStrike" cap="none" normalizeH="0" baseline="0" dirty="0">
                 <a:ln>
                   <a:noFill/>
                 </a:ln>
@@ -12864,7 +11509,7 @@
               <a:t>const</a:t>
             </a:r>
             <a:r>
-              <a:rPr kumimoji="0" lang="vi-VN" altLang="en-US" sz="1300" b="0" i="0" u="none" strike="noStrike" cap="none" normalizeH="0" baseline="0" dirty="0">
+              <a:rPr kumimoji="0" lang="vi-VN" altLang="en-US" b="0" i="0" u="none" strike="noStrike" cap="none" normalizeH="0" baseline="0" dirty="0">
                 <a:ln>
                   <a:noFill/>
                 </a:ln>
@@ -12879,7 +11524,7 @@
               <a:t> </a:t>
             </a:r>
             <a:r>
-              <a:rPr lang="vi-VN" altLang="en-US" sz="1300" dirty="0">
+              <a:rPr lang="vi-VN" altLang="en-US" dirty="0">
                 <a:solidFill>
                   <a:srgbClr val="444444"/>
                 </a:solidFill>
@@ -12890,7 +11535,7 @@
               <a:t>v</a:t>
             </a:r>
             <a:r>
-              <a:rPr kumimoji="0" lang="vi-VN" altLang="en-US" sz="1300" b="0" i="0" u="none" strike="noStrike" cap="none" normalizeH="0" baseline="0" dirty="0">
+              <a:rPr kumimoji="0" lang="vi-VN" altLang="en-US" b="0" i="0" u="none" strike="noStrike" cap="none" normalizeH="0" baseline="0" dirty="0">
                 <a:ln>
                   <a:noFill/>
                 </a:ln>
@@ -12905,7 +11550,7 @@
               <a:t>arName3 = </a:t>
             </a:r>
             <a:r>
-              <a:rPr kumimoji="0" lang="vi-VN" altLang="en-US" sz="1300" b="0" i="0" u="none" strike="noStrike" cap="none" normalizeH="0" baseline="0" dirty="0">
+              <a:rPr kumimoji="0" lang="vi-VN" altLang="en-US" b="0" i="0" u="none" strike="noStrike" cap="none" normalizeH="0" baseline="0" dirty="0">
                 <a:ln>
                   <a:noFill/>
                 </a:ln>
@@ -12920,7 +11565,7 @@
               <a:t>10</a:t>
             </a:r>
             <a:r>
-              <a:rPr kumimoji="0" lang="vi-VN" altLang="en-US" sz="1300" b="0" i="0" u="none" strike="noStrike" cap="none" normalizeH="0" baseline="0" dirty="0">
+              <a:rPr kumimoji="0" lang="vi-VN" altLang="en-US" b="0" i="0" u="none" strike="noStrike" cap="none" normalizeH="0" baseline="0" dirty="0">
                 <a:ln>
                   <a:noFill/>
                 </a:ln>
@@ -12935,7 +11580,7 @@
               <a:t>;  </a:t>
             </a:r>
             <a:r>
-              <a:rPr lang="vi-VN" altLang="en-US" sz="1300" dirty="0">
+              <a:rPr lang="vi-VN" altLang="en-US" dirty="0">
                 <a:solidFill>
                   <a:srgbClr val="444444"/>
                 </a:solidFill>
@@ -12946,7 +11591,7 @@
               <a:t>/</a:t>
             </a:r>
             <a:r>
-              <a:rPr kumimoji="0" lang="vi-VN" altLang="en-US" sz="1300" b="0" i="0" u="none" strike="noStrike" cap="none" normalizeH="0" baseline="0" dirty="0">
+              <a:rPr kumimoji="0" lang="vi-VN" altLang="en-US" b="0" i="0" u="none" strike="noStrike" cap="none" normalizeH="0" baseline="0" dirty="0">
                 <a:ln>
                   <a:noFill/>
                 </a:ln>
@@ -12960,7 +11605,7 @@
               </a:rPr>
               <a:t>/ khai báo và khởi tạo biến với từ khóa const</a:t>
             </a:r>
-            <a:endParaRPr kumimoji="0" lang="vi-VN" altLang="en-US" sz="1800" b="0" i="0" u="none" strike="noStrike" cap="none" normalizeH="0" baseline="0" dirty="0">
+            <a:endParaRPr kumimoji="0" lang="vi-VN" altLang="en-US" b="0" i="0" u="none" strike="noStrike" cap="none" normalizeH="0" baseline="0" dirty="0">
               <a:ln>
                 <a:noFill/>
               </a:ln>
@@ -12968,7 +11613,8 @@
                 <a:schemeClr val="tx1"/>
               </a:solidFill>
               <a:effectLst/>
-              <a:latin typeface="Arial" panose="020B0604020202020204" pitchFamily="34" charset="0"/>
+              <a:latin typeface="Times New Roman" panose="02020603050405020304" pitchFamily="18" charset="0"/>
+              <a:cs typeface="Times New Roman" panose="02020603050405020304" pitchFamily="18" charset="0"/>
             </a:endParaRPr>
           </a:p>
         </p:txBody>
@@ -12987,8 +11633,8 @@
         </p:nvSpPr>
         <p:spPr>
           <a:xfrm>
-            <a:off x="391294" y="2536105"/>
-            <a:ext cx="11156272" cy="2882840"/>
+            <a:off x="391294" y="2910253"/>
+            <a:ext cx="11214552" cy="4283224"/>
           </a:xfrm>
           <a:prstGeom prst="rect">
             <a:avLst/>
@@ -13016,9 +11662,18 @@
                 <a:ea typeface="Calibri" panose="020F0502020204030204" pitchFamily="34" charset="0"/>
                 <a:cs typeface="Times New Roman" panose="02020603050405020304" pitchFamily="18" charset="0"/>
               </a:rPr>
-              <a:t> b. Tạo hàm JavaScript </a:t>
-            </a:r>
-            <a:endParaRPr lang="en-US" sz="1800" kern="100" dirty="0">
+              <a:t> </a:t>
+            </a:r>
+            <a:r>
+              <a:rPr lang="vi-VN" sz="2800" b="1" kern="100" dirty="0">
+                <a:effectLst/>
+                <a:latin typeface="Times New Roman" panose="02020603050405020304" pitchFamily="18" charset="0"/>
+                <a:ea typeface="Calibri" panose="020F0502020204030204" pitchFamily="34" charset="0"/>
+                <a:cs typeface="Times New Roman" panose="02020603050405020304" pitchFamily="18" charset="0"/>
+              </a:rPr>
+              <a:t>b. Tạo hàm JavaScript </a:t>
+            </a:r>
+            <a:endParaRPr lang="en-US" sz="2800" kern="100" dirty="0">
               <a:effectLst/>
               <a:latin typeface="Calibri" panose="020F0502020204030204" pitchFamily="34" charset="0"/>
               <a:ea typeface="Calibri" panose="020F0502020204030204" pitchFamily="34" charset="0"/>
@@ -13035,7 +11690,7 @@
               </a:spcAft>
             </a:pPr>
             <a:r>
-              <a:rPr lang="vi-VN" sz="1300" kern="0" dirty="0">
+              <a:rPr lang="vi-VN" kern="0" dirty="0">
                 <a:solidFill>
                   <a:srgbClr val="6A737D"/>
                 </a:solidFill>
@@ -13046,7 +11701,7 @@
               </a:rPr>
               <a:t>     // Khai báo hàm</a:t>
             </a:r>
-            <a:endParaRPr lang="en-US" sz="1300" kern="100" dirty="0">
+            <a:endParaRPr lang="en-US" kern="100" dirty="0">
               <a:effectLst/>
               <a:latin typeface="Calibri" panose="020F0502020204030204" pitchFamily="34" charset="0"/>
               <a:ea typeface="Calibri" panose="020F0502020204030204" pitchFamily="34" charset="0"/>
@@ -13063,7 +11718,7 @@
               </a:spcAft>
             </a:pPr>
             <a:r>
-              <a:rPr lang="vi-VN" sz="1300" kern="0" dirty="0">
+              <a:rPr lang="vi-VN" kern="0" dirty="0">
                 <a:solidFill>
                   <a:srgbClr val="D73A49"/>
                 </a:solidFill>
@@ -13075,7 +11730,7 @@
               <a:t>        </a:t>
             </a:r>
             <a:r>
-              <a:rPr lang="en-US" sz="1300" kern="0" dirty="0">
+              <a:rPr lang="en-US" kern="0" dirty="0">
                 <a:solidFill>
                   <a:srgbClr val="D73A49"/>
                 </a:solidFill>
@@ -13087,7 +11742,7 @@
               <a:t>function</a:t>
             </a:r>
             <a:r>
-              <a:rPr lang="en-US" sz="1300" kern="0" dirty="0">
+              <a:rPr lang="en-US" kern="0" dirty="0">
                 <a:solidFill>
                   <a:srgbClr val="24292E"/>
                 </a:solidFill>
@@ -13099,7 +11754,7 @@
               <a:t> </a:t>
             </a:r>
             <a:r>
-              <a:rPr lang="en-US" sz="1300" kern="0" dirty="0" err="1">
+              <a:rPr lang="en-US" kern="0" dirty="0" err="1">
                 <a:solidFill>
                   <a:srgbClr val="6F42C1"/>
                 </a:solidFill>
@@ -13111,7 +11766,7 @@
               <a:t>isEven</a:t>
             </a:r>
             <a:r>
-              <a:rPr lang="en-US" sz="1300" kern="0" dirty="0">
+              <a:rPr lang="en-US" kern="0" dirty="0">
                 <a:solidFill>
                   <a:srgbClr val="24292E"/>
                 </a:solidFill>
@@ -13122,7 +11777,7 @@
               </a:rPr>
               <a:t>(num) {</a:t>
             </a:r>
-            <a:endParaRPr lang="vi-VN" sz="1300" kern="0" dirty="0">
+            <a:endParaRPr lang="vi-VN" kern="0" dirty="0">
               <a:solidFill>
                 <a:srgbClr val="24292E"/>
               </a:solidFill>
@@ -13142,7 +11797,7 @@
               </a:spcAft>
             </a:pPr>
             <a:r>
-              <a:rPr lang="en-US" sz="1300" kern="0" dirty="0">
+              <a:rPr lang="en-US" kern="0" dirty="0">
                 <a:solidFill>
                   <a:srgbClr val="D73A49"/>
                 </a:solidFill>
@@ -13154,7 +11809,7 @@
               <a:t>return</a:t>
             </a:r>
             <a:r>
-              <a:rPr lang="en-US" sz="1300" kern="0" dirty="0">
+              <a:rPr lang="en-US" kern="0" dirty="0">
                 <a:solidFill>
                   <a:srgbClr val="24292E"/>
                 </a:solidFill>
@@ -13166,7 +11821,7 @@
               <a:t> num </a:t>
             </a:r>
             <a:r>
-              <a:rPr lang="en-US" sz="1300" kern="0" dirty="0">
+              <a:rPr lang="en-US" kern="0" dirty="0">
                 <a:solidFill>
                   <a:srgbClr val="D73A49"/>
                 </a:solidFill>
@@ -13178,7 +11833,7 @@
               <a:t>%</a:t>
             </a:r>
             <a:r>
-              <a:rPr lang="en-US" sz="1300" kern="0" dirty="0">
+              <a:rPr lang="en-US" kern="0" dirty="0">
                 <a:solidFill>
                   <a:srgbClr val="24292E"/>
                 </a:solidFill>
@@ -13190,7 +11845,7 @@
               <a:t> </a:t>
             </a:r>
             <a:r>
-              <a:rPr lang="en-US" sz="1300" kern="0" dirty="0">
+              <a:rPr lang="en-US" kern="0" dirty="0">
                 <a:solidFill>
                   <a:srgbClr val="005CC5"/>
                 </a:solidFill>
@@ -13202,7 +11857,7 @@
               <a:t>2</a:t>
             </a:r>
             <a:r>
-              <a:rPr lang="en-US" sz="1300" kern="0" dirty="0">
+              <a:rPr lang="en-US" kern="0" dirty="0">
                 <a:solidFill>
                   <a:srgbClr val="24292E"/>
                 </a:solidFill>
@@ -13214,7 +11869,7 @@
               <a:t> </a:t>
             </a:r>
             <a:r>
-              <a:rPr lang="en-US" sz="1300" kern="0" dirty="0">
+              <a:rPr lang="en-US" kern="0" dirty="0">
                 <a:solidFill>
                   <a:srgbClr val="D73A49"/>
                 </a:solidFill>
@@ -13226,7 +11881,7 @@
               <a:t>===</a:t>
             </a:r>
             <a:r>
-              <a:rPr lang="en-US" sz="1300" kern="0" dirty="0">
+              <a:rPr lang="en-US" kern="0" dirty="0">
                 <a:solidFill>
                   <a:srgbClr val="24292E"/>
                 </a:solidFill>
@@ -13238,7 +11893,7 @@
               <a:t> </a:t>
             </a:r>
             <a:r>
-              <a:rPr lang="en-US" sz="1300" kern="0" dirty="0">
+              <a:rPr lang="en-US" kern="0" dirty="0">
                 <a:solidFill>
                   <a:srgbClr val="005CC5"/>
                 </a:solidFill>
@@ -13250,7 +11905,7 @@
               <a:t>0</a:t>
             </a:r>
             <a:r>
-              <a:rPr lang="en-US" sz="1300" kern="0" dirty="0">
+              <a:rPr lang="en-US" kern="0" dirty="0">
                 <a:solidFill>
                   <a:srgbClr val="24292E"/>
                 </a:solidFill>
@@ -13261,7 +11916,7 @@
               </a:rPr>
               <a:t>;</a:t>
             </a:r>
-            <a:endParaRPr lang="en-US" sz="1300" kern="100" dirty="0">
+            <a:endParaRPr lang="en-US" kern="100" dirty="0">
               <a:effectLst/>
               <a:latin typeface="Calibri" panose="020F0502020204030204" pitchFamily="34" charset="0"/>
               <a:ea typeface="Calibri" panose="020F0502020204030204" pitchFamily="34" charset="0"/>
@@ -13278,7 +11933,7 @@
               </a:spcAft>
             </a:pPr>
             <a:r>
-              <a:rPr lang="en-US" sz="1300" kern="0" dirty="0">
+              <a:rPr lang="en-US" kern="0" dirty="0">
                 <a:solidFill>
                   <a:srgbClr val="24292E"/>
                 </a:solidFill>
@@ -13289,7 +11944,7 @@
               </a:rPr>
               <a:t>}</a:t>
             </a:r>
-            <a:endParaRPr lang="en-US" sz="1300" kern="100" dirty="0">
+            <a:endParaRPr lang="en-US" kern="100" dirty="0">
               <a:effectLst/>
               <a:latin typeface="Calibri" panose="020F0502020204030204" pitchFamily="34" charset="0"/>
               <a:ea typeface="Calibri" panose="020F0502020204030204" pitchFamily="34" charset="0"/>
@@ -13306,7 +11961,7 @@
               </a:spcAft>
             </a:pPr>
             <a:r>
-              <a:rPr lang="en-US" sz="1300" kern="0" dirty="0" err="1">
+              <a:rPr lang="en-US" kern="0" dirty="0" err="1">
                 <a:solidFill>
                   <a:srgbClr val="6F42C1"/>
                 </a:solidFill>
@@ -13318,7 +11973,7 @@
               <a:t>isEven</a:t>
             </a:r>
             <a:r>
-              <a:rPr lang="en-US" sz="1300" kern="0" dirty="0">
+              <a:rPr lang="en-US" kern="0" dirty="0">
                 <a:solidFill>
                   <a:srgbClr val="24292E"/>
                 </a:solidFill>
@@ -13330,7 +11985,7 @@
               <a:t>(</a:t>
             </a:r>
             <a:r>
-              <a:rPr lang="en-US" sz="1300" kern="0" dirty="0">
+              <a:rPr lang="en-US" kern="0" dirty="0">
                 <a:solidFill>
                   <a:srgbClr val="005CC5"/>
                 </a:solidFill>
@@ -13342,7 +11997,7 @@
               <a:t>24</a:t>
             </a:r>
             <a:r>
-              <a:rPr lang="en-US" sz="1300" kern="0" dirty="0">
+              <a:rPr lang="en-US" kern="0" dirty="0">
                 <a:solidFill>
                   <a:srgbClr val="24292E"/>
                 </a:solidFill>
@@ -13354,7 +12009,7 @@
               <a:t>); </a:t>
             </a:r>
             <a:r>
-              <a:rPr lang="en-US" sz="1300" kern="0" dirty="0">
+              <a:rPr lang="en-US" kern="0" dirty="0">
                 <a:solidFill>
                   <a:srgbClr val="6A737D"/>
                 </a:solidFill>
@@ -13365,7 +12020,7 @@
               </a:rPr>
               <a:t>// =&gt; true  </a:t>
             </a:r>
-            <a:endParaRPr lang="en-US" sz="1300" kern="100" dirty="0">
+            <a:endParaRPr lang="en-US" kern="100" dirty="0">
               <a:effectLst/>
               <a:latin typeface="Calibri" panose="020F0502020204030204" pitchFamily="34" charset="0"/>
               <a:ea typeface="Calibri" panose="020F0502020204030204" pitchFamily="34" charset="0"/>
@@ -13382,7 +12037,7 @@
               </a:spcAft>
             </a:pPr>
             <a:r>
-              <a:rPr lang="en-US" sz="1300" kern="0" dirty="0" err="1">
+              <a:rPr lang="en-US" kern="0" dirty="0" err="1">
                 <a:solidFill>
                   <a:srgbClr val="6F42C1"/>
                 </a:solidFill>
@@ -13394,7 +12049,7 @@
               <a:t>isEven</a:t>
             </a:r>
             <a:r>
-              <a:rPr lang="en-US" sz="1300" kern="0" dirty="0">
+              <a:rPr lang="en-US" kern="0" dirty="0">
                 <a:solidFill>
                   <a:srgbClr val="24292E"/>
                 </a:solidFill>
@@ -13406,7 +12061,7 @@
               <a:t>(</a:t>
             </a:r>
             <a:r>
-              <a:rPr lang="en-US" sz="1300" kern="0" dirty="0">
+              <a:rPr lang="en-US" kern="0" dirty="0">
                 <a:solidFill>
                   <a:srgbClr val="005CC5"/>
                 </a:solidFill>
@@ -13418,7 +12073,7 @@
               <a:t>11</a:t>
             </a:r>
             <a:r>
-              <a:rPr lang="en-US" sz="1300" kern="0" dirty="0">
+              <a:rPr lang="en-US" kern="0" dirty="0">
                 <a:solidFill>
                   <a:srgbClr val="24292E"/>
                 </a:solidFill>
@@ -13430,7 +12085,7 @@
               <a:t>); </a:t>
             </a:r>
             <a:r>
-              <a:rPr lang="en-US" sz="1300" kern="0" dirty="0">
+              <a:rPr lang="en-US" kern="0" dirty="0">
                 <a:solidFill>
                   <a:srgbClr val="6A737D"/>
                 </a:solidFill>
@@ -13441,7 +12096,7 @@
               </a:rPr>
               <a:t>// =&gt; false  </a:t>
             </a:r>
-            <a:endParaRPr lang="en-US" sz="1300" kern="100" dirty="0">
+            <a:endParaRPr lang="en-US" kern="100" dirty="0">
               <a:effectLst/>
               <a:latin typeface="Calibri" panose="020F0502020204030204" pitchFamily="34" charset="0"/>
               <a:ea typeface="Calibri" panose="020F0502020204030204" pitchFamily="34" charset="0"/>
@@ -13464,7 +12119,7 @@
               </a:tabLst>
             </a:pPr>
             <a:r>
-              <a:rPr lang="en-US" sz="1300" kern="0" dirty="0" err="1">
+              <a:rPr lang="en-US" kern="0" dirty="0" err="1">
                 <a:solidFill>
                   <a:srgbClr val="1B1B1B"/>
                 </a:solidFill>
@@ -13476,19 +12131,19 @@
               <a:t>Khai</a:t>
             </a:r>
             <a:r>
-              <a:rPr lang="en-US" sz="1300" kern="0" dirty="0">
-                <a:solidFill>
-                  <a:srgbClr val="1B1B1B"/>
-                </a:solidFill>
-                <a:effectLst/>
-                <a:latin typeface="Times New Roman" panose="02020603050405020304" pitchFamily="18" charset="0"/>
-                <a:ea typeface="Times New Roman" panose="02020603050405020304" pitchFamily="18" charset="0"/>
-                <a:cs typeface="Times New Roman" panose="02020603050405020304" pitchFamily="18" charset="0"/>
-              </a:rPr>
-              <a:t> </a:t>
-            </a:r>
-            <a:r>
-              <a:rPr lang="en-US" sz="1300" kern="0" dirty="0" err="1">
+              <a:rPr lang="en-US" kern="0" dirty="0">
+                <a:solidFill>
+                  <a:srgbClr val="1B1B1B"/>
+                </a:solidFill>
+                <a:effectLst/>
+                <a:latin typeface="Times New Roman" panose="02020603050405020304" pitchFamily="18" charset="0"/>
+                <a:ea typeface="Times New Roman" panose="02020603050405020304" pitchFamily="18" charset="0"/>
+                <a:cs typeface="Times New Roman" panose="02020603050405020304" pitchFamily="18" charset="0"/>
+              </a:rPr>
+              <a:t> </a:t>
+            </a:r>
+            <a:r>
+              <a:rPr lang="en-US" kern="0" dirty="0" err="1">
                 <a:solidFill>
                   <a:srgbClr val="1B1B1B"/>
                 </a:solidFill>
@@ -13500,19 +12155,19 @@
               <a:t>báo</a:t>
             </a:r>
             <a:r>
-              <a:rPr lang="en-US" sz="1300" kern="0" dirty="0">
-                <a:solidFill>
-                  <a:srgbClr val="1B1B1B"/>
-                </a:solidFill>
-                <a:effectLst/>
-                <a:latin typeface="Times New Roman" panose="02020603050405020304" pitchFamily="18" charset="0"/>
-                <a:ea typeface="Times New Roman" panose="02020603050405020304" pitchFamily="18" charset="0"/>
-                <a:cs typeface="Times New Roman" panose="02020603050405020304" pitchFamily="18" charset="0"/>
-              </a:rPr>
-              <a:t> </a:t>
-            </a:r>
-            <a:r>
-              <a:rPr lang="en-US" sz="1300" kern="0" dirty="0" err="1">
+              <a:rPr lang="en-US" kern="0" dirty="0">
+                <a:solidFill>
+                  <a:srgbClr val="1B1B1B"/>
+                </a:solidFill>
+                <a:effectLst/>
+                <a:latin typeface="Times New Roman" panose="02020603050405020304" pitchFamily="18" charset="0"/>
+                <a:ea typeface="Times New Roman" panose="02020603050405020304" pitchFamily="18" charset="0"/>
+                <a:cs typeface="Times New Roman" panose="02020603050405020304" pitchFamily="18" charset="0"/>
+              </a:rPr>
+              <a:t> </a:t>
+            </a:r>
+            <a:r>
+              <a:rPr lang="en-US" kern="0" dirty="0" err="1">
                 <a:solidFill>
                   <a:srgbClr val="1B1B1B"/>
                 </a:solidFill>
@@ -13524,19 +12179,19 @@
               <a:t>tạo</a:t>
             </a:r>
             <a:r>
-              <a:rPr lang="en-US" sz="1300" kern="0" dirty="0">
-                <a:solidFill>
-                  <a:srgbClr val="1B1B1B"/>
-                </a:solidFill>
-                <a:effectLst/>
-                <a:latin typeface="Times New Roman" panose="02020603050405020304" pitchFamily="18" charset="0"/>
-                <a:ea typeface="Times New Roman" panose="02020603050405020304" pitchFamily="18" charset="0"/>
-                <a:cs typeface="Times New Roman" panose="02020603050405020304" pitchFamily="18" charset="0"/>
-              </a:rPr>
-              <a:t> </a:t>
-            </a:r>
-            <a:r>
-              <a:rPr lang="en-US" sz="1300" kern="0" dirty="0" err="1">
+              <a:rPr lang="en-US" kern="0" dirty="0">
+                <a:solidFill>
+                  <a:srgbClr val="1B1B1B"/>
+                </a:solidFill>
+                <a:effectLst/>
+                <a:latin typeface="Times New Roman" panose="02020603050405020304" pitchFamily="18" charset="0"/>
+                <a:ea typeface="Times New Roman" panose="02020603050405020304" pitchFamily="18" charset="0"/>
+                <a:cs typeface="Times New Roman" panose="02020603050405020304" pitchFamily="18" charset="0"/>
+              </a:rPr>
+              <a:t> </a:t>
+            </a:r>
+            <a:r>
+              <a:rPr lang="en-US" kern="0" dirty="0" err="1">
                 <a:solidFill>
                   <a:srgbClr val="1B1B1B"/>
                 </a:solidFill>
@@ -13548,19 +12203,19 @@
               <a:t>một</a:t>
             </a:r>
             <a:r>
-              <a:rPr lang="en-US" sz="1300" kern="0" dirty="0">
-                <a:solidFill>
-                  <a:srgbClr val="1B1B1B"/>
-                </a:solidFill>
-                <a:effectLst/>
-                <a:latin typeface="Times New Roman" panose="02020603050405020304" pitchFamily="18" charset="0"/>
-                <a:ea typeface="Times New Roman" panose="02020603050405020304" pitchFamily="18" charset="0"/>
-                <a:cs typeface="Times New Roman" panose="02020603050405020304" pitchFamily="18" charset="0"/>
-              </a:rPr>
-              <a:t> </a:t>
-            </a:r>
-            <a:r>
-              <a:rPr lang="en-US" sz="1300" kern="0" dirty="0" err="1">
+              <a:rPr lang="en-US" kern="0" dirty="0">
+                <a:solidFill>
+                  <a:srgbClr val="1B1B1B"/>
+                </a:solidFill>
+                <a:effectLst/>
+                <a:latin typeface="Times New Roman" panose="02020603050405020304" pitchFamily="18" charset="0"/>
+                <a:ea typeface="Times New Roman" panose="02020603050405020304" pitchFamily="18" charset="0"/>
+                <a:cs typeface="Times New Roman" panose="02020603050405020304" pitchFamily="18" charset="0"/>
+              </a:rPr>
+              <a:t> </a:t>
+            </a:r>
+            <a:r>
+              <a:rPr lang="en-US" kern="0" dirty="0" err="1">
                 <a:solidFill>
                   <a:srgbClr val="1B1B1B"/>
                 </a:solidFill>
@@ -13572,19 +12227,19 @@
               <a:t>hàm</a:t>
             </a:r>
             <a:r>
-              <a:rPr lang="en-US" sz="1300" kern="0" dirty="0">
-                <a:solidFill>
-                  <a:srgbClr val="1B1B1B"/>
-                </a:solidFill>
-                <a:effectLst/>
-                <a:latin typeface="Times New Roman" panose="02020603050405020304" pitchFamily="18" charset="0"/>
-                <a:ea typeface="Times New Roman" panose="02020603050405020304" pitchFamily="18" charset="0"/>
-                <a:cs typeface="Times New Roman" panose="02020603050405020304" pitchFamily="18" charset="0"/>
-              </a:rPr>
-              <a:t> </a:t>
-            </a:r>
-            <a:r>
-              <a:rPr lang="en-US" sz="1300" kern="0" dirty="0" err="1">
+              <a:rPr lang="en-US" kern="0" dirty="0">
+                <a:solidFill>
+                  <a:srgbClr val="1B1B1B"/>
+                </a:solidFill>
+                <a:effectLst/>
+                <a:latin typeface="Times New Roman" panose="02020603050405020304" pitchFamily="18" charset="0"/>
+                <a:ea typeface="Times New Roman" panose="02020603050405020304" pitchFamily="18" charset="0"/>
+                <a:cs typeface="Times New Roman" panose="02020603050405020304" pitchFamily="18" charset="0"/>
+              </a:rPr>
+              <a:t> </a:t>
+            </a:r>
+            <a:r>
+              <a:rPr lang="en-US" kern="0" dirty="0" err="1">
                 <a:solidFill>
                   <a:srgbClr val="1B1B1B"/>
                 </a:solidFill>
@@ -13596,19 +12251,19 @@
               <a:t>trong</a:t>
             </a:r>
             <a:r>
-              <a:rPr lang="en-US" sz="1300" kern="0" dirty="0">
-                <a:solidFill>
-                  <a:srgbClr val="1B1B1B"/>
-                </a:solidFill>
-                <a:effectLst/>
-                <a:latin typeface="Times New Roman" panose="02020603050405020304" pitchFamily="18" charset="0"/>
-                <a:ea typeface="Times New Roman" panose="02020603050405020304" pitchFamily="18" charset="0"/>
-                <a:cs typeface="Times New Roman" panose="02020603050405020304" pitchFamily="18" charset="0"/>
-              </a:rPr>
-              <a:t> </a:t>
-            </a:r>
-            <a:r>
-              <a:rPr lang="en-US" sz="1300" kern="0" dirty="0" err="1">
+              <a:rPr lang="en-US" kern="0" dirty="0">
+                <a:solidFill>
+                  <a:srgbClr val="1B1B1B"/>
+                </a:solidFill>
+                <a:effectLst/>
+                <a:latin typeface="Times New Roman" panose="02020603050405020304" pitchFamily="18" charset="0"/>
+                <a:ea typeface="Times New Roman" panose="02020603050405020304" pitchFamily="18" charset="0"/>
+                <a:cs typeface="Times New Roman" panose="02020603050405020304" pitchFamily="18" charset="0"/>
+              </a:rPr>
+              <a:t> </a:t>
+            </a:r>
+            <a:r>
+              <a:rPr lang="en-US" kern="0" dirty="0" err="1">
                 <a:solidFill>
                   <a:srgbClr val="1B1B1B"/>
                 </a:solidFill>
@@ -13620,7 +12275,7 @@
               <a:t>phạm</a:t>
             </a:r>
             <a:r>
-              <a:rPr lang="en-US" sz="1300" kern="0" dirty="0">
+              <a:rPr lang="en-US" kern="0" dirty="0">
                 <a:solidFill>
                   <a:srgbClr val="1B1B1B"/>
                 </a:solidFill>
@@ -13632,7 +12287,7 @@
               <a:t> vi </a:t>
             </a:r>
             <a:r>
-              <a:rPr lang="en-US" sz="1300" kern="0" dirty="0" err="1">
+              <a:rPr lang="en-US" kern="0" dirty="0" err="1">
                 <a:solidFill>
                   <a:srgbClr val="1B1B1B"/>
                 </a:solidFill>
@@ -13644,19 +12299,19 @@
               <a:t>hiện</a:t>
             </a:r>
             <a:r>
-              <a:rPr lang="en-US" sz="1300" kern="0" dirty="0">
-                <a:solidFill>
-                  <a:srgbClr val="1B1B1B"/>
-                </a:solidFill>
-                <a:effectLst/>
-                <a:latin typeface="Times New Roman" panose="02020603050405020304" pitchFamily="18" charset="0"/>
-                <a:ea typeface="Times New Roman" panose="02020603050405020304" pitchFamily="18" charset="0"/>
-                <a:cs typeface="Times New Roman" panose="02020603050405020304" pitchFamily="18" charset="0"/>
-              </a:rPr>
-              <a:t> </a:t>
-            </a:r>
-            <a:r>
-              <a:rPr lang="en-US" sz="1300" kern="0" dirty="0" err="1">
+              <a:rPr lang="en-US" kern="0" dirty="0">
+                <a:solidFill>
+                  <a:srgbClr val="1B1B1B"/>
+                </a:solidFill>
+                <a:effectLst/>
+                <a:latin typeface="Times New Roman" panose="02020603050405020304" pitchFamily="18" charset="0"/>
+                <a:ea typeface="Times New Roman" panose="02020603050405020304" pitchFamily="18" charset="0"/>
+                <a:cs typeface="Times New Roman" panose="02020603050405020304" pitchFamily="18" charset="0"/>
+              </a:rPr>
+              <a:t> </a:t>
+            </a:r>
+            <a:r>
+              <a:rPr lang="en-US" kern="0" dirty="0" err="1">
                 <a:solidFill>
                   <a:srgbClr val="1B1B1B"/>
                 </a:solidFill>
@@ -13668,19 +12323,19 @@
               <a:t>tại</a:t>
             </a:r>
             <a:r>
-              <a:rPr lang="en-US" sz="1300" kern="0" dirty="0">
-                <a:solidFill>
-                  <a:srgbClr val="1B1B1B"/>
-                </a:solidFill>
-                <a:effectLst/>
-                <a:latin typeface="Times New Roman" panose="02020603050405020304" pitchFamily="18" charset="0"/>
-                <a:ea typeface="Times New Roman" panose="02020603050405020304" pitchFamily="18" charset="0"/>
-                <a:cs typeface="Times New Roman" panose="02020603050405020304" pitchFamily="18" charset="0"/>
-              </a:rPr>
-              <a:t> </a:t>
-            </a:r>
-            <a:r>
-              <a:rPr lang="en-US" sz="1300" kern="0" dirty="0" err="1">
+              <a:rPr lang="en-US" kern="0" dirty="0">
+                <a:solidFill>
+                  <a:srgbClr val="1B1B1B"/>
+                </a:solidFill>
+                <a:effectLst/>
+                <a:latin typeface="Times New Roman" panose="02020603050405020304" pitchFamily="18" charset="0"/>
+                <a:ea typeface="Times New Roman" panose="02020603050405020304" pitchFamily="18" charset="0"/>
+                <a:cs typeface="Times New Roman" panose="02020603050405020304" pitchFamily="18" charset="0"/>
+              </a:rPr>
+              <a:t> </a:t>
+            </a:r>
+            <a:r>
+              <a:rPr lang="en-US" kern="0" dirty="0" err="1">
                 <a:solidFill>
                   <a:srgbClr val="1B1B1B"/>
                 </a:solidFill>
@@ -13692,19 +12347,19 @@
               <a:t>với</a:t>
             </a:r>
             <a:r>
-              <a:rPr lang="en-US" sz="1300" kern="0" dirty="0">
-                <a:solidFill>
-                  <a:srgbClr val="1B1B1B"/>
-                </a:solidFill>
-                <a:effectLst/>
-                <a:latin typeface="Times New Roman" panose="02020603050405020304" pitchFamily="18" charset="0"/>
-                <a:ea typeface="Times New Roman" panose="02020603050405020304" pitchFamily="18" charset="0"/>
-                <a:cs typeface="Times New Roman" panose="02020603050405020304" pitchFamily="18" charset="0"/>
-              </a:rPr>
-              <a:t> </a:t>
-            </a:r>
-            <a:r>
-              <a:rPr lang="en-US" sz="1300" kern="0" dirty="0" err="1">
+              <a:rPr lang="en-US" kern="0" dirty="0">
+                <a:solidFill>
+                  <a:srgbClr val="1B1B1B"/>
+                </a:solidFill>
+                <a:effectLst/>
+                <a:latin typeface="Times New Roman" panose="02020603050405020304" pitchFamily="18" charset="0"/>
+                <a:ea typeface="Times New Roman" panose="02020603050405020304" pitchFamily="18" charset="0"/>
+                <a:cs typeface="Times New Roman" panose="02020603050405020304" pitchFamily="18" charset="0"/>
+              </a:rPr>
+              <a:t> </a:t>
+            </a:r>
+            <a:r>
+              <a:rPr lang="en-US" kern="0" dirty="0" err="1">
                 <a:solidFill>
                   <a:srgbClr val="1B1B1B"/>
                 </a:solidFill>
@@ -13716,19 +12371,19 @@
               <a:t>mã</a:t>
             </a:r>
             <a:r>
-              <a:rPr lang="en-US" sz="1300" kern="0" dirty="0">
-                <a:solidFill>
-                  <a:srgbClr val="1B1B1B"/>
-                </a:solidFill>
-                <a:effectLst/>
-                <a:latin typeface="Times New Roman" panose="02020603050405020304" pitchFamily="18" charset="0"/>
-                <a:ea typeface="Times New Roman" panose="02020603050405020304" pitchFamily="18" charset="0"/>
-                <a:cs typeface="Times New Roman" panose="02020603050405020304" pitchFamily="18" charset="0"/>
-              </a:rPr>
-              <a:t> </a:t>
-            </a:r>
-            <a:r>
-              <a:rPr lang="en-US" sz="1300" kern="0" dirty="0" err="1">
+              <a:rPr lang="en-US" kern="0" dirty="0">
+                <a:solidFill>
+                  <a:srgbClr val="1B1B1B"/>
+                </a:solidFill>
+                <a:effectLst/>
+                <a:latin typeface="Times New Roman" panose="02020603050405020304" pitchFamily="18" charset="0"/>
+                <a:ea typeface="Times New Roman" panose="02020603050405020304" pitchFamily="18" charset="0"/>
+                <a:cs typeface="Times New Roman" panose="02020603050405020304" pitchFamily="18" charset="0"/>
+              </a:rPr>
+              <a:t> </a:t>
+            </a:r>
+            <a:r>
+              <a:rPr lang="en-US" kern="0" dirty="0" err="1">
                 <a:solidFill>
                   <a:srgbClr val="1B1B1B"/>
                 </a:solidFill>
@@ -13740,19 +12395,19 @@
               <a:t>định</a:t>
             </a:r>
             <a:r>
-              <a:rPr lang="en-US" sz="1300" kern="0" dirty="0">
-                <a:solidFill>
-                  <a:srgbClr val="1B1B1B"/>
-                </a:solidFill>
-                <a:effectLst/>
-                <a:latin typeface="Times New Roman" panose="02020603050405020304" pitchFamily="18" charset="0"/>
-                <a:ea typeface="Times New Roman" panose="02020603050405020304" pitchFamily="18" charset="0"/>
-                <a:cs typeface="Times New Roman" panose="02020603050405020304" pitchFamily="18" charset="0"/>
-              </a:rPr>
-              <a:t> </a:t>
-            </a:r>
-            <a:r>
-              <a:rPr lang="en-US" sz="1300" kern="0" dirty="0" err="1">
+              <a:rPr lang="en-US" kern="0" dirty="0">
+                <a:solidFill>
+                  <a:srgbClr val="1B1B1B"/>
+                </a:solidFill>
+                <a:effectLst/>
+                <a:latin typeface="Times New Roman" panose="02020603050405020304" pitchFamily="18" charset="0"/>
+                <a:ea typeface="Times New Roman" panose="02020603050405020304" pitchFamily="18" charset="0"/>
+                <a:cs typeface="Times New Roman" panose="02020603050405020304" pitchFamily="18" charset="0"/>
+              </a:rPr>
+              <a:t> </a:t>
+            </a:r>
+            <a:r>
+              <a:rPr lang="en-US" kern="0" dirty="0" err="1">
                 <a:solidFill>
                   <a:srgbClr val="1B1B1B"/>
                 </a:solidFill>
@@ -13764,19 +12419,19 @@
               <a:t>nghĩa</a:t>
             </a:r>
             <a:r>
-              <a:rPr lang="en-US" sz="1300" kern="0" dirty="0">
-                <a:solidFill>
-                  <a:srgbClr val="1B1B1B"/>
-                </a:solidFill>
-                <a:effectLst/>
-                <a:latin typeface="Times New Roman" panose="02020603050405020304" pitchFamily="18" charset="0"/>
-                <a:ea typeface="Times New Roman" panose="02020603050405020304" pitchFamily="18" charset="0"/>
-                <a:cs typeface="Times New Roman" panose="02020603050405020304" pitchFamily="18" charset="0"/>
-              </a:rPr>
-              <a:t> </a:t>
-            </a:r>
-            <a:r>
-              <a:rPr lang="en-US" sz="1300" kern="0" dirty="0" err="1">
+              <a:rPr lang="en-US" kern="0" dirty="0">
+                <a:solidFill>
+                  <a:srgbClr val="1B1B1B"/>
+                </a:solidFill>
+                <a:effectLst/>
+                <a:latin typeface="Times New Roman" panose="02020603050405020304" pitchFamily="18" charset="0"/>
+                <a:ea typeface="Times New Roman" panose="02020603050405020304" pitchFamily="18" charset="0"/>
+                <a:cs typeface="Times New Roman" panose="02020603050405020304" pitchFamily="18" charset="0"/>
+              </a:rPr>
+              <a:t> </a:t>
+            </a:r>
+            <a:r>
+              <a:rPr lang="en-US" kern="0" dirty="0" err="1">
                 <a:solidFill>
                   <a:srgbClr val="1B1B1B"/>
                 </a:solidFill>
@@ -13788,19 +12443,19 @@
               <a:t>bằng</a:t>
             </a:r>
             <a:r>
-              <a:rPr lang="en-US" sz="1300" kern="0" dirty="0">
-                <a:solidFill>
-                  <a:srgbClr val="1B1B1B"/>
-                </a:solidFill>
-                <a:effectLst/>
-                <a:latin typeface="Times New Roman" panose="02020603050405020304" pitchFamily="18" charset="0"/>
-                <a:ea typeface="Times New Roman" panose="02020603050405020304" pitchFamily="18" charset="0"/>
-                <a:cs typeface="Times New Roman" panose="02020603050405020304" pitchFamily="18" charset="0"/>
-              </a:rPr>
-              <a:t> </a:t>
-            </a:r>
-            <a:r>
-              <a:rPr lang="en-US" sz="1300" kern="0" dirty="0" err="1">
+              <a:rPr lang="en-US" kern="0" dirty="0">
+                <a:solidFill>
+                  <a:srgbClr val="1B1B1B"/>
+                </a:solidFill>
+                <a:effectLst/>
+                <a:latin typeface="Times New Roman" panose="02020603050405020304" pitchFamily="18" charset="0"/>
+                <a:ea typeface="Times New Roman" panose="02020603050405020304" pitchFamily="18" charset="0"/>
+                <a:cs typeface="Times New Roman" panose="02020603050405020304" pitchFamily="18" charset="0"/>
+              </a:rPr>
+              <a:t> </a:t>
+            </a:r>
+            <a:r>
+              <a:rPr lang="en-US" kern="0" dirty="0" err="1">
                 <a:solidFill>
                   <a:srgbClr val="1B1B1B"/>
                 </a:solidFill>
@@ -13812,19 +12467,19 @@
               <a:t>hàm</a:t>
             </a:r>
             <a:r>
-              <a:rPr lang="en-US" sz="1300" kern="0" dirty="0">
-                <a:solidFill>
-                  <a:srgbClr val="1B1B1B"/>
-                </a:solidFill>
-                <a:effectLst/>
-                <a:latin typeface="Times New Roman" panose="02020603050405020304" pitchFamily="18" charset="0"/>
-                <a:ea typeface="Times New Roman" panose="02020603050405020304" pitchFamily="18" charset="0"/>
-                <a:cs typeface="Times New Roman" panose="02020603050405020304" pitchFamily="18" charset="0"/>
-              </a:rPr>
-              <a:t> </a:t>
-            </a:r>
-            <a:r>
-              <a:rPr lang="en-US" sz="1300" kern="0" dirty="0" err="1">
+              <a:rPr lang="en-US" kern="0" dirty="0">
+                <a:solidFill>
+                  <a:srgbClr val="1B1B1B"/>
+                </a:solidFill>
+                <a:effectLst/>
+                <a:latin typeface="Times New Roman" panose="02020603050405020304" pitchFamily="18" charset="0"/>
+                <a:ea typeface="Times New Roman" panose="02020603050405020304" pitchFamily="18" charset="0"/>
+                <a:cs typeface="Times New Roman" panose="02020603050405020304" pitchFamily="18" charset="0"/>
+              </a:rPr>
+              <a:t> </a:t>
+            </a:r>
+            <a:r>
+              <a:rPr lang="en-US" kern="0" dirty="0" err="1">
                 <a:solidFill>
                   <a:srgbClr val="1B1B1B"/>
                 </a:solidFill>
@@ -13836,7 +12491,7 @@
               <a:t>tên</a:t>
             </a:r>
             <a:r>
-              <a:rPr lang="en-US" sz="1300" kern="0" dirty="0">
+              <a:rPr lang="en-US" kern="0" dirty="0">
                 <a:solidFill>
                   <a:srgbClr val="1B1B1B"/>
                 </a:solidFill>
@@ -13848,7 +12503,7 @@
               <a:t>. </a:t>
             </a:r>
             <a:r>
-              <a:rPr lang="en-US" sz="1300" kern="0" dirty="0" err="1">
+              <a:rPr lang="en-US" kern="0" dirty="0" err="1">
                 <a:solidFill>
                   <a:srgbClr val="1B1B1B"/>
                 </a:solidFill>
@@ -13860,19 +12515,19 @@
               <a:t>Biến</a:t>
             </a:r>
             <a:r>
-              <a:rPr lang="en-US" sz="1300" kern="0" dirty="0">
-                <a:solidFill>
-                  <a:srgbClr val="1B1B1B"/>
-                </a:solidFill>
-                <a:effectLst/>
-                <a:latin typeface="Times New Roman" panose="02020603050405020304" pitchFamily="18" charset="0"/>
-                <a:ea typeface="Times New Roman" panose="02020603050405020304" pitchFamily="18" charset="0"/>
-                <a:cs typeface="Times New Roman" panose="02020603050405020304" pitchFamily="18" charset="0"/>
-              </a:rPr>
-              <a:t> </a:t>
-            </a:r>
-            <a:r>
-              <a:rPr lang="en-US" sz="1300" kern="0" dirty="0" err="1">
+              <a:rPr lang="en-US" kern="0" dirty="0">
+                <a:solidFill>
+                  <a:srgbClr val="1B1B1B"/>
+                </a:solidFill>
+                <a:effectLst/>
+                <a:latin typeface="Times New Roman" panose="02020603050405020304" pitchFamily="18" charset="0"/>
+                <a:ea typeface="Times New Roman" panose="02020603050405020304" pitchFamily="18" charset="0"/>
+                <a:cs typeface="Times New Roman" panose="02020603050405020304" pitchFamily="18" charset="0"/>
+              </a:rPr>
+              <a:t> </a:t>
+            </a:r>
+            <a:r>
+              <a:rPr lang="en-US" kern="0" dirty="0" err="1">
                 <a:solidFill>
                   <a:srgbClr val="1B1B1B"/>
                 </a:solidFill>
@@ -13884,19 +12539,19 @@
               <a:t>này</a:t>
             </a:r>
             <a:r>
-              <a:rPr lang="en-US" sz="1300" kern="0" dirty="0">
-                <a:solidFill>
-                  <a:srgbClr val="1B1B1B"/>
-                </a:solidFill>
-                <a:effectLst/>
-                <a:latin typeface="Times New Roman" panose="02020603050405020304" pitchFamily="18" charset="0"/>
-                <a:ea typeface="Times New Roman" panose="02020603050405020304" pitchFamily="18" charset="0"/>
-                <a:cs typeface="Times New Roman" panose="02020603050405020304" pitchFamily="18" charset="0"/>
-              </a:rPr>
-              <a:t> </a:t>
-            </a:r>
-            <a:r>
-              <a:rPr lang="en-US" sz="1300" kern="0" dirty="0" err="1">
+              <a:rPr lang="en-US" kern="0" dirty="0">
+                <a:solidFill>
+                  <a:srgbClr val="1B1B1B"/>
+                </a:solidFill>
+                <a:effectLst/>
+                <a:latin typeface="Times New Roman" panose="02020603050405020304" pitchFamily="18" charset="0"/>
+                <a:ea typeface="Times New Roman" panose="02020603050405020304" pitchFamily="18" charset="0"/>
+                <a:cs typeface="Times New Roman" panose="02020603050405020304" pitchFamily="18" charset="0"/>
+              </a:rPr>
+              <a:t> </a:t>
+            </a:r>
+            <a:r>
+              <a:rPr lang="en-US" kern="0" dirty="0" err="1">
                 <a:solidFill>
                   <a:srgbClr val="1B1B1B"/>
                 </a:solidFill>
@@ -13908,19 +12563,19 @@
               <a:t>chứa</a:t>
             </a:r>
             <a:r>
-              <a:rPr lang="en-US" sz="1300" kern="0" dirty="0">
-                <a:solidFill>
-                  <a:srgbClr val="1B1B1B"/>
-                </a:solidFill>
-                <a:effectLst/>
-                <a:latin typeface="Times New Roman" panose="02020603050405020304" pitchFamily="18" charset="0"/>
-                <a:ea typeface="Times New Roman" panose="02020603050405020304" pitchFamily="18" charset="0"/>
-                <a:cs typeface="Times New Roman" panose="02020603050405020304" pitchFamily="18" charset="0"/>
-              </a:rPr>
-              <a:t> </a:t>
-            </a:r>
-            <a:r>
-              <a:rPr lang="en-US" sz="1300" kern="0" dirty="0" err="1">
+              <a:rPr lang="en-US" kern="0" dirty="0">
+                <a:solidFill>
+                  <a:srgbClr val="1B1B1B"/>
+                </a:solidFill>
+                <a:effectLst/>
+                <a:latin typeface="Times New Roman" panose="02020603050405020304" pitchFamily="18" charset="0"/>
+                <a:ea typeface="Times New Roman" panose="02020603050405020304" pitchFamily="18" charset="0"/>
+                <a:cs typeface="Times New Roman" panose="02020603050405020304" pitchFamily="18" charset="0"/>
+              </a:rPr>
+              <a:t> </a:t>
+            </a:r>
+            <a:r>
+              <a:rPr lang="en-US" kern="0" dirty="0" err="1">
                 <a:solidFill>
                   <a:srgbClr val="1B1B1B"/>
                 </a:solidFill>
@@ -13932,7 +12587,7 @@
               <a:t>hàm</a:t>
             </a:r>
             <a:r>
-              <a:rPr lang="en-US" sz="1300" kern="0" dirty="0">
+              <a:rPr lang="en-US" kern="0" dirty="0">
                 <a:solidFill>
                   <a:srgbClr val="1B1B1B"/>
                 </a:solidFill>
@@ -13943,7 +12598,7 @@
               </a:rPr>
               <a:t> object.</a:t>
             </a:r>
-            <a:endParaRPr lang="en-US" sz="1300" kern="100" dirty="0">
+            <a:endParaRPr lang="en-US" kern="100" dirty="0">
               <a:solidFill>
                 <a:srgbClr val="1B1B1B"/>
               </a:solidFill>
@@ -13969,7 +12624,7 @@
               </a:tabLst>
             </a:pPr>
             <a:r>
-              <a:rPr lang="en-US" sz="1300" kern="0" dirty="0" err="1">
+              <a:rPr lang="en-US" kern="0" dirty="0" err="1">
                 <a:solidFill>
                   <a:srgbClr val="1B1B1B"/>
                 </a:solidFill>
@@ -13981,19 +12636,19 @@
               <a:t>Đồng</a:t>
             </a:r>
             <a:r>
-              <a:rPr lang="en-US" sz="1300" kern="0" dirty="0">
-                <a:solidFill>
-                  <a:srgbClr val="1B1B1B"/>
-                </a:solidFill>
-                <a:effectLst/>
-                <a:latin typeface="Times New Roman" panose="02020603050405020304" pitchFamily="18" charset="0"/>
-                <a:ea typeface="Times New Roman" panose="02020603050405020304" pitchFamily="18" charset="0"/>
-                <a:cs typeface="Times New Roman" panose="02020603050405020304" pitchFamily="18" charset="0"/>
-              </a:rPr>
-              <a:t> </a:t>
-            </a:r>
-            <a:r>
-              <a:rPr lang="en-US" sz="1300" kern="0" dirty="0" err="1">
+              <a:rPr lang="en-US" kern="0" dirty="0">
+                <a:solidFill>
+                  <a:srgbClr val="1B1B1B"/>
+                </a:solidFill>
+                <a:effectLst/>
+                <a:latin typeface="Times New Roman" panose="02020603050405020304" pitchFamily="18" charset="0"/>
+                <a:ea typeface="Times New Roman" panose="02020603050405020304" pitchFamily="18" charset="0"/>
+                <a:cs typeface="Times New Roman" panose="02020603050405020304" pitchFamily="18" charset="0"/>
+              </a:rPr>
+              <a:t> </a:t>
+            </a:r>
+            <a:r>
+              <a:rPr lang="en-US" kern="0" dirty="0" err="1">
                 <a:solidFill>
                   <a:srgbClr val="1B1B1B"/>
                 </a:solidFill>
@@ -14005,7 +12660,7 @@
               <a:t>thời</a:t>
             </a:r>
             <a:r>
-              <a:rPr lang="en-US" sz="1300" kern="0" dirty="0">
+              <a:rPr lang="en-US" kern="0" dirty="0">
                 <a:solidFill>
                   <a:srgbClr val="1B1B1B"/>
                 </a:solidFill>
@@ -14017,7 +12672,7 @@
               <a:t>, </a:t>
             </a:r>
             <a:r>
-              <a:rPr lang="en-US" sz="1300" kern="0" dirty="0" err="1">
+              <a:rPr lang="en-US" kern="0" dirty="0" err="1">
                 <a:solidFill>
                   <a:srgbClr val="1B1B1B"/>
                 </a:solidFill>
@@ -14029,19 +12684,19 @@
               <a:t>biến</a:t>
             </a:r>
             <a:r>
-              <a:rPr lang="en-US" sz="1300" kern="0" dirty="0">
-                <a:solidFill>
-                  <a:srgbClr val="1B1B1B"/>
-                </a:solidFill>
-                <a:effectLst/>
-                <a:latin typeface="Times New Roman" panose="02020603050405020304" pitchFamily="18" charset="0"/>
-                <a:ea typeface="Times New Roman" panose="02020603050405020304" pitchFamily="18" charset="0"/>
-                <a:cs typeface="Times New Roman" panose="02020603050405020304" pitchFamily="18" charset="0"/>
-              </a:rPr>
-              <a:t> </a:t>
-            </a:r>
-            <a:r>
-              <a:rPr lang="en-US" sz="1300" kern="0" dirty="0" err="1">
+              <a:rPr lang="en-US" kern="0" dirty="0">
+                <a:solidFill>
+                  <a:srgbClr val="1B1B1B"/>
+                </a:solidFill>
+                <a:effectLst/>
+                <a:latin typeface="Times New Roman" panose="02020603050405020304" pitchFamily="18" charset="0"/>
+                <a:ea typeface="Times New Roman" panose="02020603050405020304" pitchFamily="18" charset="0"/>
+                <a:cs typeface="Times New Roman" panose="02020603050405020304" pitchFamily="18" charset="0"/>
+              </a:rPr>
+              <a:t> </a:t>
+            </a:r>
+            <a:r>
+              <a:rPr lang="en-US" kern="0" dirty="0" err="1">
                 <a:solidFill>
                   <a:srgbClr val="1B1B1B"/>
                 </a:solidFill>
@@ -14053,19 +12708,19 @@
               <a:t>này</a:t>
             </a:r>
             <a:r>
-              <a:rPr lang="en-US" sz="1300" kern="0" dirty="0">
-                <a:solidFill>
-                  <a:srgbClr val="1B1B1B"/>
-                </a:solidFill>
-                <a:effectLst/>
-                <a:latin typeface="Times New Roman" panose="02020603050405020304" pitchFamily="18" charset="0"/>
-                <a:ea typeface="Times New Roman" panose="02020603050405020304" pitchFamily="18" charset="0"/>
-                <a:cs typeface="Times New Roman" panose="02020603050405020304" pitchFamily="18" charset="0"/>
-              </a:rPr>
-              <a:t> </a:t>
-            </a:r>
-            <a:r>
-              <a:rPr lang="en-US" sz="1300" kern="0" dirty="0" err="1">
+              <a:rPr lang="en-US" kern="0" dirty="0">
+                <a:solidFill>
+                  <a:srgbClr val="1B1B1B"/>
+                </a:solidFill>
+                <a:effectLst/>
+                <a:latin typeface="Times New Roman" panose="02020603050405020304" pitchFamily="18" charset="0"/>
+                <a:ea typeface="Times New Roman" panose="02020603050405020304" pitchFamily="18" charset="0"/>
+                <a:cs typeface="Times New Roman" panose="02020603050405020304" pitchFamily="18" charset="0"/>
+              </a:rPr>
+              <a:t> </a:t>
+            </a:r>
+            <a:r>
+              <a:rPr lang="en-US" kern="0" dirty="0" err="1">
                 <a:solidFill>
                   <a:srgbClr val="1B1B1B"/>
                 </a:solidFill>
@@ -14077,19 +12732,19 @@
               <a:t>sẽ</a:t>
             </a:r>
             <a:r>
-              <a:rPr lang="en-US" sz="1300" kern="0" dirty="0">
-                <a:solidFill>
-                  <a:srgbClr val="1B1B1B"/>
-                </a:solidFill>
-                <a:effectLst/>
-                <a:latin typeface="Times New Roman" panose="02020603050405020304" pitchFamily="18" charset="0"/>
-                <a:ea typeface="Times New Roman" panose="02020603050405020304" pitchFamily="18" charset="0"/>
-                <a:cs typeface="Times New Roman" panose="02020603050405020304" pitchFamily="18" charset="0"/>
-              </a:rPr>
-              <a:t> </a:t>
-            </a:r>
-            <a:r>
-              <a:rPr lang="en-US" sz="1300" kern="0" dirty="0" err="1">
+              <a:rPr lang="en-US" kern="0" dirty="0">
+                <a:solidFill>
+                  <a:srgbClr val="1B1B1B"/>
+                </a:solidFill>
+                <a:effectLst/>
+                <a:latin typeface="Times New Roman" panose="02020603050405020304" pitchFamily="18" charset="0"/>
+                <a:ea typeface="Times New Roman" panose="02020603050405020304" pitchFamily="18" charset="0"/>
+                <a:cs typeface="Times New Roman" panose="02020603050405020304" pitchFamily="18" charset="0"/>
+              </a:rPr>
+              <a:t> </a:t>
+            </a:r>
+            <a:r>
+              <a:rPr lang="en-US" kern="0" dirty="0" err="1">
                 <a:solidFill>
                   <a:srgbClr val="1B1B1B"/>
                 </a:solidFill>
@@ -14101,7 +12756,7 @@
               <a:t>được</a:t>
             </a:r>
             <a:r>
-              <a:rPr lang="en-US" sz="1300" kern="0" dirty="0">
+              <a:rPr lang="en-US" kern="0" dirty="0">
                 <a:solidFill>
                   <a:srgbClr val="1B1B1B"/>
                 </a:solidFill>
@@ -14113,7 +12768,7 @@
               <a:t> </a:t>
             </a:r>
             <a:r>
-              <a:rPr lang="en-US" sz="1300" b="1" kern="0" dirty="0" err="1">
+              <a:rPr lang="en-US" b="1" kern="0" dirty="0" err="1">
                 <a:solidFill>
                   <a:srgbClr val="1B1B1B"/>
                 </a:solidFill>
@@ -14125,19 +12780,19 @@
               <a:t>nâng</a:t>
             </a:r>
             <a:r>
-              <a:rPr lang="en-US" sz="1300" b="1" kern="0" dirty="0">
-                <a:solidFill>
-                  <a:srgbClr val="1B1B1B"/>
-                </a:solidFill>
-                <a:effectLst/>
-                <a:latin typeface="Times New Roman" panose="02020603050405020304" pitchFamily="18" charset="0"/>
-                <a:ea typeface="Times New Roman" panose="02020603050405020304" pitchFamily="18" charset="0"/>
-                <a:cs typeface="Times New Roman" panose="02020603050405020304" pitchFamily="18" charset="0"/>
-              </a:rPr>
-              <a:t> </a:t>
-            </a:r>
-            <a:r>
-              <a:rPr lang="en-US" sz="1300" b="1" kern="0" dirty="0" err="1">
+              <a:rPr lang="en-US" b="1" kern="0" dirty="0">
+                <a:solidFill>
+                  <a:srgbClr val="1B1B1B"/>
+                </a:solidFill>
+                <a:effectLst/>
+                <a:latin typeface="Times New Roman" panose="02020603050405020304" pitchFamily="18" charset="0"/>
+                <a:ea typeface="Times New Roman" panose="02020603050405020304" pitchFamily="18" charset="0"/>
+                <a:cs typeface="Times New Roman" panose="02020603050405020304" pitchFamily="18" charset="0"/>
+              </a:rPr>
+              <a:t> </a:t>
+            </a:r>
+            <a:r>
+              <a:rPr lang="en-US" b="1" kern="0" dirty="0" err="1">
                 <a:solidFill>
                   <a:srgbClr val="1B1B1B"/>
                 </a:solidFill>
@@ -14149,7 +12804,7 @@
               <a:t>lên</a:t>
             </a:r>
             <a:r>
-              <a:rPr lang="en-US" sz="1300" kern="0" dirty="0">
+              <a:rPr lang="en-US" kern="0" dirty="0">
                 <a:solidFill>
                   <a:srgbClr val="1B1B1B"/>
                 </a:solidFill>
@@ -14161,7 +12816,7 @@
               <a:t> </a:t>
             </a:r>
             <a:r>
-              <a:rPr lang="en-US" sz="1300" kern="0" dirty="0" err="1">
+              <a:rPr lang="en-US" kern="0" dirty="0" err="1">
                 <a:solidFill>
                   <a:srgbClr val="1B1B1B"/>
                 </a:solidFill>
@@ -14173,19 +12828,19 @@
               <a:t>trong</a:t>
             </a:r>
             <a:r>
-              <a:rPr lang="en-US" sz="1300" kern="0" dirty="0">
-                <a:solidFill>
-                  <a:srgbClr val="1B1B1B"/>
-                </a:solidFill>
-                <a:effectLst/>
-                <a:latin typeface="Times New Roman" panose="02020603050405020304" pitchFamily="18" charset="0"/>
-                <a:ea typeface="Times New Roman" panose="02020603050405020304" pitchFamily="18" charset="0"/>
-                <a:cs typeface="Times New Roman" panose="02020603050405020304" pitchFamily="18" charset="0"/>
-              </a:rPr>
-              <a:t> </a:t>
-            </a:r>
-            <a:r>
-              <a:rPr lang="en-US" sz="1300" kern="0" dirty="0" err="1">
+              <a:rPr lang="en-US" kern="0" dirty="0">
+                <a:solidFill>
+                  <a:srgbClr val="1B1B1B"/>
+                </a:solidFill>
+                <a:effectLst/>
+                <a:latin typeface="Times New Roman" panose="02020603050405020304" pitchFamily="18" charset="0"/>
+                <a:ea typeface="Times New Roman" panose="02020603050405020304" pitchFamily="18" charset="0"/>
+                <a:cs typeface="Times New Roman" panose="02020603050405020304" pitchFamily="18" charset="0"/>
+              </a:rPr>
+              <a:t> </a:t>
+            </a:r>
+            <a:r>
+              <a:rPr lang="en-US" kern="0" dirty="0" err="1">
                 <a:solidFill>
                   <a:srgbClr val="1B1B1B"/>
                 </a:solidFill>
@@ -14197,7 +12852,7 @@
               <a:t>phạm</a:t>
             </a:r>
             <a:r>
-              <a:rPr lang="en-US" sz="1300" kern="0" dirty="0">
+              <a:rPr lang="en-US" kern="0" dirty="0">
                 <a:solidFill>
                   <a:srgbClr val="1B1B1B"/>
                 </a:solidFill>
@@ -14209,7 +12864,7 @@
               <a:t> vi </a:t>
             </a:r>
             <a:r>
-              <a:rPr lang="en-US" sz="1300" kern="0" dirty="0" err="1">
+              <a:rPr lang="en-US" kern="0" dirty="0" err="1">
                 <a:solidFill>
                   <a:srgbClr val="1B1B1B"/>
                 </a:solidFill>
@@ -14221,19 +12876,19 @@
               <a:t>hiện</a:t>
             </a:r>
             <a:r>
-              <a:rPr lang="en-US" sz="1300" kern="0" dirty="0">
-                <a:solidFill>
-                  <a:srgbClr val="1B1B1B"/>
-                </a:solidFill>
-                <a:effectLst/>
-                <a:latin typeface="Times New Roman" panose="02020603050405020304" pitchFamily="18" charset="0"/>
-                <a:ea typeface="Times New Roman" panose="02020603050405020304" pitchFamily="18" charset="0"/>
-                <a:cs typeface="Times New Roman" panose="02020603050405020304" pitchFamily="18" charset="0"/>
-              </a:rPr>
-              <a:t> </a:t>
-            </a:r>
-            <a:r>
-              <a:rPr lang="en-US" sz="1300" kern="0" dirty="0" err="1">
+              <a:rPr lang="en-US" kern="0" dirty="0">
+                <a:solidFill>
+                  <a:srgbClr val="1B1B1B"/>
+                </a:solidFill>
+                <a:effectLst/>
+                <a:latin typeface="Times New Roman" panose="02020603050405020304" pitchFamily="18" charset="0"/>
+                <a:ea typeface="Times New Roman" panose="02020603050405020304" pitchFamily="18" charset="0"/>
+                <a:cs typeface="Times New Roman" panose="02020603050405020304" pitchFamily="18" charset="0"/>
+              </a:rPr>
+              <a:t> </a:t>
+            </a:r>
+            <a:r>
+              <a:rPr lang="en-US" kern="0" dirty="0" err="1">
                 <a:solidFill>
                   <a:srgbClr val="1B1B1B"/>
                 </a:solidFill>
@@ -14245,7 +12900,7 @@
               <a:t>tại</a:t>
             </a:r>
             <a:r>
-              <a:rPr lang="en-US" sz="1300" kern="0" dirty="0">
+              <a:rPr lang="en-US" kern="0" dirty="0">
                 <a:solidFill>
                   <a:srgbClr val="1B1B1B"/>
                 </a:solidFill>
@@ -14257,7 +12912,7 @@
               <a:t>, </a:t>
             </a:r>
             <a:r>
-              <a:rPr lang="en-US" sz="1300" kern="0" dirty="0" err="1">
+              <a:rPr lang="en-US" kern="0" dirty="0" err="1">
                 <a:solidFill>
                   <a:srgbClr val="1B1B1B"/>
                 </a:solidFill>
@@ -14269,19 +12924,19 @@
               <a:t>nhờ</a:t>
             </a:r>
             <a:r>
-              <a:rPr lang="en-US" sz="1300" kern="0" dirty="0">
-                <a:solidFill>
-                  <a:srgbClr val="1B1B1B"/>
-                </a:solidFill>
-                <a:effectLst/>
-                <a:latin typeface="Times New Roman" panose="02020603050405020304" pitchFamily="18" charset="0"/>
-                <a:ea typeface="Times New Roman" panose="02020603050405020304" pitchFamily="18" charset="0"/>
-                <a:cs typeface="Times New Roman" panose="02020603050405020304" pitchFamily="18" charset="0"/>
-              </a:rPr>
-              <a:t> </a:t>
-            </a:r>
-            <a:r>
-              <a:rPr lang="en-US" sz="1300" kern="0" dirty="0" err="1">
+              <a:rPr lang="en-US" kern="0" dirty="0">
+                <a:solidFill>
+                  <a:srgbClr val="1B1B1B"/>
+                </a:solidFill>
+                <a:effectLst/>
+                <a:latin typeface="Times New Roman" panose="02020603050405020304" pitchFamily="18" charset="0"/>
+                <a:ea typeface="Times New Roman" panose="02020603050405020304" pitchFamily="18" charset="0"/>
+                <a:cs typeface="Times New Roman" panose="02020603050405020304" pitchFamily="18" charset="0"/>
+              </a:rPr>
+              <a:t> </a:t>
+            </a:r>
+            <a:r>
+              <a:rPr lang="en-US" kern="0" dirty="0" err="1">
                 <a:solidFill>
                   <a:srgbClr val="1B1B1B"/>
                 </a:solidFill>
@@ -14293,7 +12948,7 @@
               <a:t>đó</a:t>
             </a:r>
             <a:r>
-              <a:rPr lang="en-US" sz="1300" kern="0" dirty="0">
+              <a:rPr lang="en-US" kern="0" dirty="0">
                 <a:solidFill>
                   <a:srgbClr val="1B1B1B"/>
                 </a:solidFill>
@@ -14305,7 +12960,7 @@
               <a:t> ta </a:t>
             </a:r>
             <a:r>
-              <a:rPr lang="en-US" sz="1300" kern="0" dirty="0" err="1">
+              <a:rPr lang="en-US" kern="0" dirty="0" err="1">
                 <a:solidFill>
                   <a:srgbClr val="1B1B1B"/>
                 </a:solidFill>
@@ -14317,19 +12972,19 @@
               <a:t>có</a:t>
             </a:r>
             <a:r>
-              <a:rPr lang="en-US" sz="1300" kern="0" dirty="0">
-                <a:solidFill>
-                  <a:srgbClr val="1B1B1B"/>
-                </a:solidFill>
-                <a:effectLst/>
-                <a:latin typeface="Times New Roman" panose="02020603050405020304" pitchFamily="18" charset="0"/>
-                <a:ea typeface="Times New Roman" panose="02020603050405020304" pitchFamily="18" charset="0"/>
-                <a:cs typeface="Times New Roman" panose="02020603050405020304" pitchFamily="18" charset="0"/>
-              </a:rPr>
-              <a:t> </a:t>
-            </a:r>
-            <a:r>
-              <a:rPr lang="en-US" sz="1300" kern="0" dirty="0" err="1">
+              <a:rPr lang="en-US" kern="0" dirty="0">
+                <a:solidFill>
+                  <a:srgbClr val="1B1B1B"/>
+                </a:solidFill>
+                <a:effectLst/>
+                <a:latin typeface="Times New Roman" panose="02020603050405020304" pitchFamily="18" charset="0"/>
+                <a:ea typeface="Times New Roman" panose="02020603050405020304" pitchFamily="18" charset="0"/>
+                <a:cs typeface="Times New Roman" panose="02020603050405020304" pitchFamily="18" charset="0"/>
+              </a:rPr>
+              <a:t> </a:t>
+            </a:r>
+            <a:r>
+              <a:rPr lang="en-US" kern="0" dirty="0" err="1">
                 <a:solidFill>
                   <a:srgbClr val="1B1B1B"/>
                 </a:solidFill>
@@ -14341,19 +12996,19 @@
               <a:t>thể</a:t>
             </a:r>
             <a:r>
-              <a:rPr lang="en-US" sz="1300" kern="0" dirty="0">
-                <a:solidFill>
-                  <a:srgbClr val="1B1B1B"/>
-                </a:solidFill>
-                <a:effectLst/>
-                <a:latin typeface="Times New Roman" panose="02020603050405020304" pitchFamily="18" charset="0"/>
-                <a:ea typeface="Times New Roman" panose="02020603050405020304" pitchFamily="18" charset="0"/>
-                <a:cs typeface="Times New Roman" panose="02020603050405020304" pitchFamily="18" charset="0"/>
-              </a:rPr>
-              <a:t> </a:t>
-            </a:r>
-            <a:r>
-              <a:rPr lang="en-US" sz="1300" kern="0" dirty="0" err="1">
+              <a:rPr lang="en-US" kern="0" dirty="0">
+                <a:solidFill>
+                  <a:srgbClr val="1B1B1B"/>
+                </a:solidFill>
+                <a:effectLst/>
+                <a:latin typeface="Times New Roman" panose="02020603050405020304" pitchFamily="18" charset="0"/>
+                <a:ea typeface="Times New Roman" panose="02020603050405020304" pitchFamily="18" charset="0"/>
+                <a:cs typeface="Times New Roman" panose="02020603050405020304" pitchFamily="18" charset="0"/>
+              </a:rPr>
+              <a:t> </a:t>
+            </a:r>
+            <a:r>
+              <a:rPr lang="en-US" kern="0" dirty="0" err="1">
                 <a:solidFill>
                   <a:srgbClr val="1B1B1B"/>
                 </a:solidFill>
@@ -14365,19 +13020,19 @@
               <a:t>gọi</a:t>
             </a:r>
             <a:r>
-              <a:rPr lang="en-US" sz="1300" kern="0" dirty="0">
-                <a:solidFill>
-                  <a:srgbClr val="1B1B1B"/>
-                </a:solidFill>
-                <a:effectLst/>
-                <a:latin typeface="Times New Roman" panose="02020603050405020304" pitchFamily="18" charset="0"/>
-                <a:ea typeface="Times New Roman" panose="02020603050405020304" pitchFamily="18" charset="0"/>
-                <a:cs typeface="Times New Roman" panose="02020603050405020304" pitchFamily="18" charset="0"/>
-              </a:rPr>
-              <a:t> </a:t>
-            </a:r>
-            <a:r>
-              <a:rPr lang="en-US" sz="1300" kern="0" dirty="0" err="1">
+              <a:rPr lang="en-US" kern="0" dirty="0">
+                <a:solidFill>
+                  <a:srgbClr val="1B1B1B"/>
+                </a:solidFill>
+                <a:effectLst/>
+                <a:latin typeface="Times New Roman" panose="02020603050405020304" pitchFamily="18" charset="0"/>
+                <a:ea typeface="Times New Roman" panose="02020603050405020304" pitchFamily="18" charset="0"/>
+                <a:cs typeface="Times New Roman" panose="02020603050405020304" pitchFamily="18" charset="0"/>
+              </a:rPr>
+              <a:t> </a:t>
+            </a:r>
+            <a:r>
+              <a:rPr lang="en-US" kern="0" dirty="0" err="1">
                 <a:solidFill>
                   <a:srgbClr val="1B1B1B"/>
                 </a:solidFill>
@@ -14389,19 +13044,19 @@
               <a:t>và</a:t>
             </a:r>
             <a:r>
-              <a:rPr lang="en-US" sz="1300" kern="0" dirty="0">
-                <a:solidFill>
-                  <a:srgbClr val="1B1B1B"/>
-                </a:solidFill>
-                <a:effectLst/>
-                <a:latin typeface="Times New Roman" panose="02020603050405020304" pitchFamily="18" charset="0"/>
-                <a:ea typeface="Times New Roman" panose="02020603050405020304" pitchFamily="18" charset="0"/>
-                <a:cs typeface="Times New Roman" panose="02020603050405020304" pitchFamily="18" charset="0"/>
-              </a:rPr>
-              <a:t> </a:t>
-            </a:r>
-            <a:r>
-              <a:rPr lang="en-US" sz="1300" kern="0" dirty="0" err="1">
+              <a:rPr lang="en-US" kern="0" dirty="0">
+                <a:solidFill>
+                  <a:srgbClr val="1B1B1B"/>
+                </a:solidFill>
+                <a:effectLst/>
+                <a:latin typeface="Times New Roman" panose="02020603050405020304" pitchFamily="18" charset="0"/>
+                <a:ea typeface="Times New Roman" panose="02020603050405020304" pitchFamily="18" charset="0"/>
+                <a:cs typeface="Times New Roman" panose="02020603050405020304" pitchFamily="18" charset="0"/>
+              </a:rPr>
+              <a:t> </a:t>
+            </a:r>
+            <a:r>
+              <a:rPr lang="en-US" kern="0" dirty="0" err="1">
                 <a:solidFill>
                   <a:srgbClr val="1B1B1B"/>
                 </a:solidFill>
@@ -14413,19 +13068,19 @@
               <a:t>sử</a:t>
             </a:r>
             <a:r>
-              <a:rPr lang="en-US" sz="1300" kern="0" dirty="0">
-                <a:solidFill>
-                  <a:srgbClr val="1B1B1B"/>
-                </a:solidFill>
-                <a:effectLst/>
-                <a:latin typeface="Times New Roman" panose="02020603050405020304" pitchFamily="18" charset="0"/>
-                <a:ea typeface="Times New Roman" panose="02020603050405020304" pitchFamily="18" charset="0"/>
-                <a:cs typeface="Times New Roman" panose="02020603050405020304" pitchFamily="18" charset="0"/>
-              </a:rPr>
-              <a:t> </a:t>
-            </a:r>
-            <a:r>
-              <a:rPr lang="en-US" sz="1300" kern="0" dirty="0" err="1">
+              <a:rPr lang="en-US" kern="0" dirty="0">
+                <a:solidFill>
+                  <a:srgbClr val="1B1B1B"/>
+                </a:solidFill>
+                <a:effectLst/>
+                <a:latin typeface="Times New Roman" panose="02020603050405020304" pitchFamily="18" charset="0"/>
+                <a:ea typeface="Times New Roman" panose="02020603050405020304" pitchFamily="18" charset="0"/>
+                <a:cs typeface="Times New Roman" panose="02020603050405020304" pitchFamily="18" charset="0"/>
+              </a:rPr>
+              <a:t> </a:t>
+            </a:r>
+            <a:r>
+              <a:rPr lang="en-US" kern="0" dirty="0" err="1">
                 <a:solidFill>
                   <a:srgbClr val="1B1B1B"/>
                 </a:solidFill>
@@ -14437,19 +13092,19 @@
               <a:t>dụng</a:t>
             </a:r>
             <a:r>
-              <a:rPr lang="en-US" sz="1300" kern="0" dirty="0">
-                <a:solidFill>
-                  <a:srgbClr val="1B1B1B"/>
-                </a:solidFill>
-                <a:effectLst/>
-                <a:latin typeface="Times New Roman" panose="02020603050405020304" pitchFamily="18" charset="0"/>
-                <a:ea typeface="Times New Roman" panose="02020603050405020304" pitchFamily="18" charset="0"/>
-                <a:cs typeface="Times New Roman" panose="02020603050405020304" pitchFamily="18" charset="0"/>
-              </a:rPr>
-              <a:t> </a:t>
-            </a:r>
-            <a:r>
-              <a:rPr lang="en-US" sz="1300" kern="0" dirty="0" err="1">
+              <a:rPr lang="en-US" kern="0" dirty="0">
+                <a:solidFill>
+                  <a:srgbClr val="1B1B1B"/>
+                </a:solidFill>
+                <a:effectLst/>
+                <a:latin typeface="Times New Roman" panose="02020603050405020304" pitchFamily="18" charset="0"/>
+                <a:ea typeface="Times New Roman" panose="02020603050405020304" pitchFamily="18" charset="0"/>
+                <a:cs typeface="Times New Roman" panose="02020603050405020304" pitchFamily="18" charset="0"/>
+              </a:rPr>
+              <a:t> </a:t>
+            </a:r>
+            <a:r>
+              <a:rPr lang="en-US" kern="0" dirty="0" err="1">
                 <a:solidFill>
                   <a:srgbClr val="1B1B1B"/>
                 </a:solidFill>
@@ -14461,19 +13116,19 @@
               <a:t>hàm</a:t>
             </a:r>
             <a:r>
-              <a:rPr lang="en-US" sz="1300" kern="0" dirty="0">
-                <a:solidFill>
-                  <a:srgbClr val="1B1B1B"/>
-                </a:solidFill>
-                <a:effectLst/>
-                <a:latin typeface="Times New Roman" panose="02020603050405020304" pitchFamily="18" charset="0"/>
-                <a:ea typeface="Times New Roman" panose="02020603050405020304" pitchFamily="18" charset="0"/>
-                <a:cs typeface="Times New Roman" panose="02020603050405020304" pitchFamily="18" charset="0"/>
-              </a:rPr>
-              <a:t> </a:t>
-            </a:r>
-            <a:r>
-              <a:rPr lang="en-US" sz="1300" kern="0" dirty="0" err="1">
+              <a:rPr lang="en-US" kern="0" dirty="0">
+                <a:solidFill>
+                  <a:srgbClr val="1B1B1B"/>
+                </a:solidFill>
+                <a:effectLst/>
+                <a:latin typeface="Times New Roman" panose="02020603050405020304" pitchFamily="18" charset="0"/>
+                <a:ea typeface="Times New Roman" panose="02020603050405020304" pitchFamily="18" charset="0"/>
+                <a:cs typeface="Times New Roman" panose="02020603050405020304" pitchFamily="18" charset="0"/>
+              </a:rPr>
+              <a:t> </a:t>
+            </a:r>
+            <a:r>
+              <a:rPr lang="en-US" kern="0" dirty="0" err="1">
                 <a:solidFill>
                   <a:srgbClr val="1B1B1B"/>
                 </a:solidFill>
@@ -14485,19 +13140,19 @@
               <a:t>trước</a:t>
             </a:r>
             <a:r>
-              <a:rPr lang="en-US" sz="1300" kern="0" dirty="0">
-                <a:solidFill>
-                  <a:srgbClr val="1B1B1B"/>
-                </a:solidFill>
-                <a:effectLst/>
-                <a:latin typeface="Times New Roman" panose="02020603050405020304" pitchFamily="18" charset="0"/>
-                <a:ea typeface="Times New Roman" panose="02020603050405020304" pitchFamily="18" charset="0"/>
-                <a:cs typeface="Times New Roman" panose="02020603050405020304" pitchFamily="18" charset="0"/>
-              </a:rPr>
-              <a:t> </a:t>
-            </a:r>
-            <a:r>
-              <a:rPr lang="en-US" sz="1300" kern="0" dirty="0" err="1">
+              <a:rPr lang="en-US" kern="0" dirty="0">
+                <a:solidFill>
+                  <a:srgbClr val="1B1B1B"/>
+                </a:solidFill>
+                <a:effectLst/>
+                <a:latin typeface="Times New Roman" panose="02020603050405020304" pitchFamily="18" charset="0"/>
+                <a:ea typeface="Times New Roman" panose="02020603050405020304" pitchFamily="18" charset="0"/>
+                <a:cs typeface="Times New Roman" panose="02020603050405020304" pitchFamily="18" charset="0"/>
+              </a:rPr>
+              <a:t> </a:t>
+            </a:r>
+            <a:r>
+              <a:rPr lang="en-US" kern="0" dirty="0" err="1">
                 <a:solidFill>
                   <a:srgbClr val="1B1B1B"/>
                 </a:solidFill>
@@ -14509,19 +13164,19 @@
               <a:t>khi</a:t>
             </a:r>
             <a:r>
-              <a:rPr lang="en-US" sz="1300" kern="0" dirty="0">
-                <a:solidFill>
-                  <a:srgbClr val="1B1B1B"/>
-                </a:solidFill>
-                <a:effectLst/>
-                <a:latin typeface="Times New Roman" panose="02020603050405020304" pitchFamily="18" charset="0"/>
-                <a:ea typeface="Times New Roman" panose="02020603050405020304" pitchFamily="18" charset="0"/>
-                <a:cs typeface="Times New Roman" panose="02020603050405020304" pitchFamily="18" charset="0"/>
-              </a:rPr>
-              <a:t> </a:t>
-            </a:r>
-            <a:r>
-              <a:rPr lang="en-US" sz="1300" kern="0" dirty="0" err="1">
+              <a:rPr lang="en-US" kern="0" dirty="0">
+                <a:solidFill>
+                  <a:srgbClr val="1B1B1B"/>
+                </a:solidFill>
+                <a:effectLst/>
+                <a:latin typeface="Times New Roman" panose="02020603050405020304" pitchFamily="18" charset="0"/>
+                <a:ea typeface="Times New Roman" panose="02020603050405020304" pitchFamily="18" charset="0"/>
+                <a:cs typeface="Times New Roman" panose="02020603050405020304" pitchFamily="18" charset="0"/>
+              </a:rPr>
+              <a:t> </a:t>
+            </a:r>
+            <a:r>
+              <a:rPr lang="en-US" kern="0" dirty="0" err="1">
                 <a:solidFill>
                   <a:srgbClr val="1B1B1B"/>
                 </a:solidFill>
@@ -14533,19 +13188,19 @@
               <a:t>khai</a:t>
             </a:r>
             <a:r>
-              <a:rPr lang="en-US" sz="1300" kern="0" dirty="0">
-                <a:solidFill>
-                  <a:srgbClr val="1B1B1B"/>
-                </a:solidFill>
-                <a:effectLst/>
-                <a:latin typeface="Times New Roman" panose="02020603050405020304" pitchFamily="18" charset="0"/>
-                <a:ea typeface="Times New Roman" panose="02020603050405020304" pitchFamily="18" charset="0"/>
-                <a:cs typeface="Times New Roman" panose="02020603050405020304" pitchFamily="18" charset="0"/>
-              </a:rPr>
-              <a:t> </a:t>
-            </a:r>
-            <a:r>
-              <a:rPr lang="en-US" sz="1300" kern="0" dirty="0" err="1">
+              <a:rPr lang="en-US" kern="0" dirty="0">
+                <a:solidFill>
+                  <a:srgbClr val="1B1B1B"/>
+                </a:solidFill>
+                <a:effectLst/>
+                <a:latin typeface="Times New Roman" panose="02020603050405020304" pitchFamily="18" charset="0"/>
+                <a:ea typeface="Times New Roman" panose="02020603050405020304" pitchFamily="18" charset="0"/>
+                <a:cs typeface="Times New Roman" panose="02020603050405020304" pitchFamily="18" charset="0"/>
+              </a:rPr>
+              <a:t> </a:t>
+            </a:r>
+            <a:r>
+              <a:rPr lang="en-US" kern="0" dirty="0" err="1">
                 <a:solidFill>
                   <a:srgbClr val="1B1B1B"/>
                 </a:solidFill>
@@ -14557,7 +13212,7 @@
               <a:t>báo</a:t>
             </a:r>
             <a:r>
-              <a:rPr lang="en-US" sz="1300" kern="0" dirty="0">
+              <a:rPr lang="en-US" kern="0" dirty="0">
                 <a:solidFill>
                   <a:srgbClr val="1B1B1B"/>
                 </a:solidFill>
@@ -14568,7 +13223,7 @@
               </a:rPr>
               <a:t>.</a:t>
             </a:r>
-            <a:endParaRPr lang="en-US" sz="1300" kern="100" dirty="0">
+            <a:endParaRPr lang="en-US" kern="100" dirty="0">
               <a:solidFill>
                 <a:srgbClr val="1B1B1B"/>
               </a:solidFill>
@@ -14594,7 +13249,7 @@
               </a:tabLst>
             </a:pPr>
             <a:r>
-              <a:rPr lang="en-US" sz="1300" kern="0" dirty="0" err="1">
+              <a:rPr lang="en-US" kern="0" dirty="0" err="1">
                 <a:solidFill>
                   <a:srgbClr val="1B1B1B"/>
                 </a:solidFill>
@@ -14606,19 +13261,19 @@
               <a:t>Hàm</a:t>
             </a:r>
             <a:r>
-              <a:rPr lang="en-US" sz="1300" kern="0" dirty="0">
-                <a:solidFill>
-                  <a:srgbClr val="1B1B1B"/>
-                </a:solidFill>
-                <a:effectLst/>
-                <a:latin typeface="Times New Roman" panose="02020603050405020304" pitchFamily="18" charset="0"/>
-                <a:ea typeface="Times New Roman" panose="02020603050405020304" pitchFamily="18" charset="0"/>
-                <a:cs typeface="Times New Roman" panose="02020603050405020304" pitchFamily="18" charset="0"/>
-              </a:rPr>
-              <a:t> </a:t>
-            </a:r>
-            <a:r>
-              <a:rPr lang="en-US" sz="1300" kern="0" dirty="0" err="1">
+              <a:rPr lang="en-US" kern="0" dirty="0">
+                <a:solidFill>
+                  <a:srgbClr val="1B1B1B"/>
+                </a:solidFill>
+                <a:effectLst/>
+                <a:latin typeface="Times New Roman" panose="02020603050405020304" pitchFamily="18" charset="0"/>
+                <a:ea typeface="Times New Roman" panose="02020603050405020304" pitchFamily="18" charset="0"/>
+                <a:cs typeface="Times New Roman" panose="02020603050405020304" pitchFamily="18" charset="0"/>
+              </a:rPr>
+              <a:t> </a:t>
+            </a:r>
+            <a:r>
+              <a:rPr lang="en-US" kern="0" dirty="0" err="1">
                 <a:solidFill>
                   <a:srgbClr val="1B1B1B"/>
                 </a:solidFill>
@@ -14630,19 +13285,19 @@
               <a:t>được</a:t>
             </a:r>
             <a:r>
-              <a:rPr lang="en-US" sz="1300" kern="0" dirty="0">
-                <a:solidFill>
-                  <a:srgbClr val="1B1B1B"/>
-                </a:solidFill>
-                <a:effectLst/>
-                <a:latin typeface="Times New Roman" panose="02020603050405020304" pitchFamily="18" charset="0"/>
-                <a:ea typeface="Times New Roman" panose="02020603050405020304" pitchFamily="18" charset="0"/>
-                <a:cs typeface="Times New Roman" panose="02020603050405020304" pitchFamily="18" charset="0"/>
-              </a:rPr>
-              <a:t> </a:t>
-            </a:r>
-            <a:r>
-              <a:rPr lang="en-US" sz="1300" kern="0" dirty="0" err="1">
+              <a:rPr lang="en-US" kern="0" dirty="0">
+                <a:solidFill>
+                  <a:srgbClr val="1B1B1B"/>
+                </a:solidFill>
+                <a:effectLst/>
+                <a:latin typeface="Times New Roman" panose="02020603050405020304" pitchFamily="18" charset="0"/>
+                <a:ea typeface="Times New Roman" panose="02020603050405020304" pitchFamily="18" charset="0"/>
+                <a:cs typeface="Times New Roman" panose="02020603050405020304" pitchFamily="18" charset="0"/>
+              </a:rPr>
+              <a:t> </a:t>
+            </a:r>
+            <a:r>
+              <a:rPr lang="en-US" kern="0" dirty="0" err="1">
                 <a:solidFill>
                   <a:srgbClr val="1B1B1B"/>
                 </a:solidFill>
@@ -14654,19 +13309,19 @@
               <a:t>tạo</a:t>
             </a:r>
             <a:r>
-              <a:rPr lang="en-US" sz="1300" kern="0" dirty="0">
-                <a:solidFill>
-                  <a:srgbClr val="1B1B1B"/>
-                </a:solidFill>
-                <a:effectLst/>
-                <a:latin typeface="Times New Roman" panose="02020603050405020304" pitchFamily="18" charset="0"/>
-                <a:ea typeface="Times New Roman" panose="02020603050405020304" pitchFamily="18" charset="0"/>
-                <a:cs typeface="Times New Roman" panose="02020603050405020304" pitchFamily="18" charset="0"/>
-              </a:rPr>
-              <a:t> </a:t>
-            </a:r>
-            <a:r>
-              <a:rPr lang="en-US" sz="1300" kern="0" dirty="0" err="1">
+              <a:rPr lang="en-US" kern="0" dirty="0">
+                <a:solidFill>
+                  <a:srgbClr val="1B1B1B"/>
+                </a:solidFill>
+                <a:effectLst/>
+                <a:latin typeface="Times New Roman" panose="02020603050405020304" pitchFamily="18" charset="0"/>
+                <a:ea typeface="Times New Roman" panose="02020603050405020304" pitchFamily="18" charset="0"/>
+                <a:cs typeface="Times New Roman" panose="02020603050405020304" pitchFamily="18" charset="0"/>
+              </a:rPr>
+              <a:t> </a:t>
+            </a:r>
+            <a:r>
+              <a:rPr lang="en-US" kern="0" dirty="0" err="1">
                 <a:solidFill>
                   <a:srgbClr val="1B1B1B"/>
                 </a:solidFill>
@@ -14678,19 +13333,19 @@
               <a:t>ra</a:t>
             </a:r>
             <a:r>
-              <a:rPr lang="en-US" sz="1300" kern="0" dirty="0">
-                <a:solidFill>
-                  <a:srgbClr val="1B1B1B"/>
-                </a:solidFill>
-                <a:effectLst/>
-                <a:latin typeface="Times New Roman" panose="02020603050405020304" pitchFamily="18" charset="0"/>
-                <a:ea typeface="Times New Roman" panose="02020603050405020304" pitchFamily="18" charset="0"/>
-                <a:cs typeface="Times New Roman" panose="02020603050405020304" pitchFamily="18" charset="0"/>
-              </a:rPr>
-              <a:t> </a:t>
-            </a:r>
-            <a:r>
-              <a:rPr lang="en-US" sz="1300" kern="0" dirty="0" err="1">
+              <a:rPr lang="en-US" kern="0" dirty="0">
+                <a:solidFill>
+                  <a:srgbClr val="1B1B1B"/>
+                </a:solidFill>
+                <a:effectLst/>
+                <a:latin typeface="Times New Roman" panose="02020603050405020304" pitchFamily="18" charset="0"/>
+                <a:ea typeface="Times New Roman" panose="02020603050405020304" pitchFamily="18" charset="0"/>
+                <a:cs typeface="Times New Roman" panose="02020603050405020304" pitchFamily="18" charset="0"/>
+              </a:rPr>
+              <a:t> </a:t>
+            </a:r>
+            <a:r>
+              <a:rPr lang="en-US" kern="0" dirty="0" err="1">
                 <a:solidFill>
                   <a:srgbClr val="1B1B1B"/>
                 </a:solidFill>
@@ -14702,19 +13357,19 @@
               <a:t>có</a:t>
             </a:r>
             <a:r>
-              <a:rPr lang="en-US" sz="1300" kern="0" dirty="0">
-                <a:solidFill>
-                  <a:srgbClr val="1B1B1B"/>
-                </a:solidFill>
-                <a:effectLst/>
-                <a:latin typeface="Times New Roman" panose="02020603050405020304" pitchFamily="18" charset="0"/>
-                <a:ea typeface="Times New Roman" panose="02020603050405020304" pitchFamily="18" charset="0"/>
-                <a:cs typeface="Times New Roman" panose="02020603050405020304" pitchFamily="18" charset="0"/>
-              </a:rPr>
-              <a:t> </a:t>
-            </a:r>
-            <a:r>
-              <a:rPr lang="en-US" sz="1300" kern="0" dirty="0" err="1">
+              <a:rPr lang="en-US" kern="0" dirty="0">
+                <a:solidFill>
+                  <a:srgbClr val="1B1B1B"/>
+                </a:solidFill>
+                <a:effectLst/>
+                <a:latin typeface="Times New Roman" panose="02020603050405020304" pitchFamily="18" charset="0"/>
+                <a:ea typeface="Times New Roman" panose="02020603050405020304" pitchFamily="18" charset="0"/>
+                <a:cs typeface="Times New Roman" panose="02020603050405020304" pitchFamily="18" charset="0"/>
+              </a:rPr>
+              <a:t> </a:t>
+            </a:r>
+            <a:r>
+              <a:rPr lang="en-US" kern="0" dirty="0" err="1">
                 <a:solidFill>
                   <a:srgbClr val="1B1B1B"/>
                 </a:solidFill>
@@ -14726,19 +13381,19 @@
               <a:t>nghĩa</a:t>
             </a:r>
             <a:r>
-              <a:rPr lang="en-US" sz="1300" kern="0" dirty="0">
-                <a:solidFill>
-                  <a:srgbClr val="1B1B1B"/>
-                </a:solidFill>
-                <a:effectLst/>
-                <a:latin typeface="Times New Roman" panose="02020603050405020304" pitchFamily="18" charset="0"/>
-                <a:ea typeface="Times New Roman" panose="02020603050405020304" pitchFamily="18" charset="0"/>
-                <a:cs typeface="Times New Roman" panose="02020603050405020304" pitchFamily="18" charset="0"/>
-              </a:rPr>
-              <a:t> </a:t>
-            </a:r>
-            <a:r>
-              <a:rPr lang="en-US" sz="1300" kern="0" dirty="0" err="1">
+              <a:rPr lang="en-US" kern="0" dirty="0">
+                <a:solidFill>
+                  <a:srgbClr val="1B1B1B"/>
+                </a:solidFill>
+                <a:effectLst/>
+                <a:latin typeface="Times New Roman" panose="02020603050405020304" pitchFamily="18" charset="0"/>
+                <a:ea typeface="Times New Roman" panose="02020603050405020304" pitchFamily="18" charset="0"/>
+                <a:cs typeface="Times New Roman" panose="02020603050405020304" pitchFamily="18" charset="0"/>
+              </a:rPr>
+              <a:t> </a:t>
+            </a:r>
+            <a:r>
+              <a:rPr lang="en-US" kern="0" dirty="0" err="1">
                 <a:solidFill>
                   <a:srgbClr val="1B1B1B"/>
                 </a:solidFill>
@@ -14750,19 +13405,19 @@
               <a:t>là</a:t>
             </a:r>
             <a:r>
-              <a:rPr lang="en-US" sz="1300" kern="0" dirty="0">
-                <a:solidFill>
-                  <a:srgbClr val="1B1B1B"/>
-                </a:solidFill>
-                <a:effectLst/>
-                <a:latin typeface="Times New Roman" panose="02020603050405020304" pitchFamily="18" charset="0"/>
-                <a:ea typeface="Times New Roman" panose="02020603050405020304" pitchFamily="18" charset="0"/>
-                <a:cs typeface="Times New Roman" panose="02020603050405020304" pitchFamily="18" charset="0"/>
-              </a:rPr>
-              <a:t> </a:t>
-            </a:r>
-            <a:r>
-              <a:rPr lang="en-US" sz="1300" kern="0" dirty="0" err="1">
+              <a:rPr lang="en-US" kern="0" dirty="0">
+                <a:solidFill>
+                  <a:srgbClr val="1B1B1B"/>
+                </a:solidFill>
+                <a:effectLst/>
+                <a:latin typeface="Times New Roman" panose="02020603050405020304" pitchFamily="18" charset="0"/>
+                <a:ea typeface="Times New Roman" panose="02020603050405020304" pitchFamily="18" charset="0"/>
+                <a:cs typeface="Times New Roman" panose="02020603050405020304" pitchFamily="18" charset="0"/>
+              </a:rPr>
+              <a:t> </a:t>
+            </a:r>
+            <a:r>
+              <a:rPr lang="en-US" kern="0" dirty="0" err="1">
                 <a:solidFill>
                   <a:srgbClr val="1B1B1B"/>
                 </a:solidFill>
@@ -14774,19 +13429,19 @@
               <a:t>tên</a:t>
             </a:r>
             <a:r>
-              <a:rPr lang="en-US" sz="1300" kern="0" dirty="0">
-                <a:solidFill>
-                  <a:srgbClr val="1B1B1B"/>
-                </a:solidFill>
-                <a:effectLst/>
-                <a:latin typeface="Times New Roman" panose="02020603050405020304" pitchFamily="18" charset="0"/>
-                <a:ea typeface="Times New Roman" panose="02020603050405020304" pitchFamily="18" charset="0"/>
-                <a:cs typeface="Times New Roman" panose="02020603050405020304" pitchFamily="18" charset="0"/>
-              </a:rPr>
-              <a:t> </a:t>
-            </a:r>
-            <a:r>
-              <a:rPr lang="en-US" sz="1300" kern="0" dirty="0" err="1">
+              <a:rPr lang="en-US" kern="0" dirty="0">
+                <a:solidFill>
+                  <a:srgbClr val="1B1B1B"/>
+                </a:solidFill>
+                <a:effectLst/>
+                <a:latin typeface="Times New Roman" panose="02020603050405020304" pitchFamily="18" charset="0"/>
+                <a:ea typeface="Times New Roman" panose="02020603050405020304" pitchFamily="18" charset="0"/>
+                <a:cs typeface="Times New Roman" panose="02020603050405020304" pitchFamily="18" charset="0"/>
+              </a:rPr>
+              <a:t> </a:t>
+            </a:r>
+            <a:r>
+              <a:rPr lang="en-US" kern="0" dirty="0" err="1">
                 <a:solidFill>
                   <a:srgbClr val="1B1B1B"/>
                 </a:solidFill>
@@ -14798,19 +13453,19 @@
               <a:t>thuộc</a:t>
             </a:r>
             <a:r>
-              <a:rPr lang="en-US" sz="1300" kern="0" dirty="0">
-                <a:solidFill>
-                  <a:srgbClr val="1B1B1B"/>
-                </a:solidFill>
-                <a:effectLst/>
-                <a:latin typeface="Times New Roman" panose="02020603050405020304" pitchFamily="18" charset="0"/>
-                <a:ea typeface="Times New Roman" panose="02020603050405020304" pitchFamily="18" charset="0"/>
-                <a:cs typeface="Times New Roman" panose="02020603050405020304" pitchFamily="18" charset="0"/>
-              </a:rPr>
-              <a:t> </a:t>
-            </a:r>
-            <a:r>
-              <a:rPr lang="en-US" sz="1300" kern="0" dirty="0" err="1">
+              <a:rPr lang="en-US" kern="0" dirty="0">
+                <a:solidFill>
+                  <a:srgbClr val="1B1B1B"/>
+                </a:solidFill>
+                <a:effectLst/>
+                <a:latin typeface="Times New Roman" panose="02020603050405020304" pitchFamily="18" charset="0"/>
+                <a:ea typeface="Times New Roman" panose="02020603050405020304" pitchFamily="18" charset="0"/>
+                <a:cs typeface="Times New Roman" panose="02020603050405020304" pitchFamily="18" charset="0"/>
+              </a:rPr>
+              <a:t> </a:t>
+            </a:r>
+            <a:r>
+              <a:rPr lang="en-US" kern="0" dirty="0" err="1">
                 <a:solidFill>
                   <a:srgbClr val="1B1B1B"/>
                 </a:solidFill>
@@ -14822,19 +13477,19 @@
               <a:t>tính</a:t>
             </a:r>
             <a:r>
-              <a:rPr lang="en-US" sz="1300" kern="0" dirty="0">
-                <a:solidFill>
-                  <a:srgbClr val="1B1B1B"/>
-                </a:solidFill>
-                <a:effectLst/>
-                <a:latin typeface="Times New Roman" panose="02020603050405020304" pitchFamily="18" charset="0"/>
-                <a:ea typeface="Times New Roman" panose="02020603050405020304" pitchFamily="18" charset="0"/>
-                <a:cs typeface="Times New Roman" panose="02020603050405020304" pitchFamily="18" charset="0"/>
-              </a:rPr>
-              <a:t> </a:t>
-            </a:r>
-            <a:r>
-              <a:rPr lang="en-US" sz="1300" kern="0" dirty="0" err="1">
+              <a:rPr lang="en-US" kern="0" dirty="0">
+                <a:solidFill>
+                  <a:srgbClr val="1B1B1B"/>
+                </a:solidFill>
+                <a:effectLst/>
+                <a:latin typeface="Times New Roman" panose="02020603050405020304" pitchFamily="18" charset="0"/>
+                <a:ea typeface="Times New Roman" panose="02020603050405020304" pitchFamily="18" charset="0"/>
+                <a:cs typeface="Times New Roman" panose="02020603050405020304" pitchFamily="18" charset="0"/>
+              </a:rPr>
+              <a:t> </a:t>
+            </a:r>
+            <a:r>
+              <a:rPr lang="en-US" kern="0" dirty="0" err="1">
                 <a:solidFill>
                   <a:srgbClr val="1B1B1B"/>
                 </a:solidFill>
@@ -14846,19 +13501,19 @@
               <a:t>của</a:t>
             </a:r>
             <a:r>
-              <a:rPr lang="en-US" sz="1300" kern="0" dirty="0">
-                <a:solidFill>
-                  <a:srgbClr val="1B1B1B"/>
-                </a:solidFill>
-                <a:effectLst/>
-                <a:latin typeface="Times New Roman" panose="02020603050405020304" pitchFamily="18" charset="0"/>
-                <a:ea typeface="Times New Roman" panose="02020603050405020304" pitchFamily="18" charset="0"/>
-                <a:cs typeface="Times New Roman" panose="02020603050405020304" pitchFamily="18" charset="0"/>
-              </a:rPr>
-              <a:t> </a:t>
-            </a:r>
-            <a:r>
-              <a:rPr lang="en-US" sz="1300" kern="0" dirty="0" err="1">
+              <a:rPr lang="en-US" kern="0" dirty="0">
+                <a:solidFill>
+                  <a:srgbClr val="1B1B1B"/>
+                </a:solidFill>
+                <a:effectLst/>
+                <a:latin typeface="Times New Roman" panose="02020603050405020304" pitchFamily="18" charset="0"/>
+                <a:ea typeface="Times New Roman" panose="02020603050405020304" pitchFamily="18" charset="0"/>
+                <a:cs typeface="Times New Roman" panose="02020603050405020304" pitchFamily="18" charset="0"/>
+              </a:rPr>
+              <a:t> </a:t>
+            </a:r>
+            <a:r>
+              <a:rPr lang="en-US" kern="0" dirty="0" err="1">
                 <a:solidFill>
                   <a:srgbClr val="1B1B1B"/>
                 </a:solidFill>
@@ -14870,19 +13525,19 @@
               <a:t>hàm</a:t>
             </a:r>
             <a:r>
-              <a:rPr lang="en-US" sz="1300" kern="0" dirty="0">
-                <a:solidFill>
-                  <a:srgbClr val="1B1B1B"/>
-                </a:solidFill>
-                <a:effectLst/>
-                <a:latin typeface="Times New Roman" panose="02020603050405020304" pitchFamily="18" charset="0"/>
-                <a:ea typeface="Times New Roman" panose="02020603050405020304" pitchFamily="18" charset="0"/>
-                <a:cs typeface="Times New Roman" panose="02020603050405020304" pitchFamily="18" charset="0"/>
-              </a:rPr>
-              <a:t> </a:t>
-            </a:r>
-            <a:r>
-              <a:rPr lang="en-US" sz="1300" kern="0" dirty="0" err="1">
+              <a:rPr lang="en-US" kern="0" dirty="0">
+                <a:solidFill>
+                  <a:srgbClr val="1B1B1B"/>
+                </a:solidFill>
+                <a:effectLst/>
+                <a:latin typeface="Times New Roman" panose="02020603050405020304" pitchFamily="18" charset="0"/>
+                <a:ea typeface="Times New Roman" panose="02020603050405020304" pitchFamily="18" charset="0"/>
+                <a:cs typeface="Times New Roman" panose="02020603050405020304" pitchFamily="18" charset="0"/>
+              </a:rPr>
+              <a:t> </a:t>
+            </a:r>
+            <a:r>
+              <a:rPr lang="en-US" kern="0" dirty="0" err="1">
                 <a:solidFill>
                   <a:srgbClr val="1B1B1B"/>
                 </a:solidFill>
@@ -14894,19 +13549,19 @@
               <a:t>chứa</a:t>
             </a:r>
             <a:r>
-              <a:rPr lang="en-US" sz="1300" kern="0" dirty="0">
-                <a:solidFill>
-                  <a:srgbClr val="1B1B1B"/>
-                </a:solidFill>
-                <a:effectLst/>
-                <a:latin typeface="Times New Roman" panose="02020603050405020304" pitchFamily="18" charset="0"/>
-                <a:ea typeface="Times New Roman" panose="02020603050405020304" pitchFamily="18" charset="0"/>
-                <a:cs typeface="Times New Roman" panose="02020603050405020304" pitchFamily="18" charset="0"/>
-              </a:rPr>
-              <a:t> </a:t>
-            </a:r>
-            <a:r>
-              <a:rPr lang="en-US" sz="1300" kern="0" dirty="0" err="1">
+              <a:rPr lang="en-US" kern="0" dirty="0">
+                <a:solidFill>
+                  <a:srgbClr val="1B1B1B"/>
+                </a:solidFill>
+                <a:effectLst/>
+                <a:latin typeface="Times New Roman" panose="02020603050405020304" pitchFamily="18" charset="0"/>
+                <a:ea typeface="Times New Roman" panose="02020603050405020304" pitchFamily="18" charset="0"/>
+                <a:cs typeface="Times New Roman" panose="02020603050405020304" pitchFamily="18" charset="0"/>
+              </a:rPr>
+              <a:t> </a:t>
+            </a:r>
+            <a:r>
+              <a:rPr lang="en-US" kern="0" dirty="0" err="1">
                 <a:solidFill>
                   <a:srgbClr val="1B1B1B"/>
                 </a:solidFill>
@@ -14918,19 +13573,19 @@
               <a:t>tên</a:t>
             </a:r>
             <a:r>
-              <a:rPr lang="en-US" sz="1300" kern="0" dirty="0">
-                <a:solidFill>
-                  <a:srgbClr val="1B1B1B"/>
-                </a:solidFill>
-                <a:effectLst/>
-                <a:latin typeface="Times New Roman" panose="02020603050405020304" pitchFamily="18" charset="0"/>
-                <a:ea typeface="Times New Roman" panose="02020603050405020304" pitchFamily="18" charset="0"/>
-                <a:cs typeface="Times New Roman" panose="02020603050405020304" pitchFamily="18" charset="0"/>
-              </a:rPr>
-              <a:t> </a:t>
-            </a:r>
-            <a:r>
-              <a:rPr lang="en-US" sz="1300" kern="0" dirty="0" err="1">
+              <a:rPr lang="en-US" kern="0" dirty="0">
+                <a:solidFill>
+                  <a:srgbClr val="1B1B1B"/>
+                </a:solidFill>
+                <a:effectLst/>
+                <a:latin typeface="Times New Roman" panose="02020603050405020304" pitchFamily="18" charset="0"/>
+                <a:ea typeface="Times New Roman" panose="02020603050405020304" pitchFamily="18" charset="0"/>
+                <a:cs typeface="Times New Roman" panose="02020603050405020304" pitchFamily="18" charset="0"/>
+              </a:rPr>
+              <a:t> </a:t>
+            </a:r>
+            <a:r>
+              <a:rPr lang="en-US" kern="0" dirty="0" err="1">
                 <a:solidFill>
                   <a:srgbClr val="1B1B1B"/>
                 </a:solidFill>
@@ -14942,19 +13597,19 @@
               <a:t>đối</a:t>
             </a:r>
             <a:r>
-              <a:rPr lang="en-US" sz="1300" kern="0" dirty="0">
-                <a:solidFill>
-                  <a:srgbClr val="1B1B1B"/>
-                </a:solidFill>
-                <a:effectLst/>
-                <a:latin typeface="Times New Roman" panose="02020603050405020304" pitchFamily="18" charset="0"/>
-                <a:ea typeface="Times New Roman" panose="02020603050405020304" pitchFamily="18" charset="0"/>
-                <a:cs typeface="Times New Roman" panose="02020603050405020304" pitchFamily="18" charset="0"/>
-              </a:rPr>
-              <a:t> </a:t>
-            </a:r>
-            <a:r>
-              <a:rPr lang="en-US" sz="1300" kern="0" dirty="0" err="1">
+              <a:rPr lang="en-US" kern="0" dirty="0">
+                <a:solidFill>
+                  <a:srgbClr val="1B1B1B"/>
+                </a:solidFill>
+                <a:effectLst/>
+                <a:latin typeface="Times New Roman" panose="02020603050405020304" pitchFamily="18" charset="0"/>
+                <a:ea typeface="Times New Roman" panose="02020603050405020304" pitchFamily="18" charset="0"/>
+                <a:cs typeface="Times New Roman" panose="02020603050405020304" pitchFamily="18" charset="0"/>
+              </a:rPr>
+              <a:t> </a:t>
+            </a:r>
+            <a:r>
+              <a:rPr lang="en-US" kern="0" dirty="0" err="1">
                 <a:solidFill>
                   <a:srgbClr val="1B1B1B"/>
                 </a:solidFill>
@@ -14966,7 +13621,7 @@
               <a:t>tượng</a:t>
             </a:r>
             <a:r>
-              <a:rPr lang="en-US" sz="1300" kern="0" dirty="0">
+              <a:rPr lang="en-US" kern="0" dirty="0">
                 <a:solidFill>
                   <a:srgbClr val="1B1B1B"/>
                 </a:solidFill>
@@ -14978,7 +13633,7 @@
               <a:t>. </a:t>
             </a:r>
             <a:r>
-              <a:rPr lang="en-US" sz="1300" kern="0" dirty="0" err="1">
+              <a:rPr lang="en-US" kern="0" dirty="0" err="1">
                 <a:solidFill>
                   <a:srgbClr val="1B1B1B"/>
                 </a:solidFill>
@@ -14990,19 +13645,19 @@
               <a:t>Nó</a:t>
             </a:r>
             <a:r>
-              <a:rPr lang="en-US" sz="1300" kern="0" dirty="0">
-                <a:solidFill>
-                  <a:srgbClr val="1B1B1B"/>
-                </a:solidFill>
-                <a:effectLst/>
-                <a:latin typeface="Times New Roman" panose="02020603050405020304" pitchFamily="18" charset="0"/>
-                <a:ea typeface="Times New Roman" panose="02020603050405020304" pitchFamily="18" charset="0"/>
-                <a:cs typeface="Times New Roman" panose="02020603050405020304" pitchFamily="18" charset="0"/>
-              </a:rPr>
-              <a:t> </a:t>
-            </a:r>
-            <a:r>
-              <a:rPr lang="en-US" sz="1300" kern="0" dirty="0" err="1">
+              <a:rPr lang="en-US" kern="0" dirty="0">
+                <a:solidFill>
+                  <a:srgbClr val="1B1B1B"/>
+                </a:solidFill>
+                <a:effectLst/>
+                <a:latin typeface="Times New Roman" panose="02020603050405020304" pitchFamily="18" charset="0"/>
+                <a:ea typeface="Times New Roman" panose="02020603050405020304" pitchFamily="18" charset="0"/>
+                <a:cs typeface="Times New Roman" panose="02020603050405020304" pitchFamily="18" charset="0"/>
+              </a:rPr>
+              <a:t> </a:t>
+            </a:r>
+            <a:r>
+              <a:rPr lang="en-US" kern="0" dirty="0" err="1">
                 <a:solidFill>
                   <a:srgbClr val="1B1B1B"/>
                 </a:solidFill>
@@ -15014,19 +13669,19 @@
               <a:t>rất</a:t>
             </a:r>
             <a:r>
-              <a:rPr lang="en-US" sz="1300" kern="0" dirty="0">
-                <a:solidFill>
-                  <a:srgbClr val="1B1B1B"/>
-                </a:solidFill>
-                <a:effectLst/>
-                <a:latin typeface="Times New Roman" panose="02020603050405020304" pitchFamily="18" charset="0"/>
-                <a:ea typeface="Times New Roman" panose="02020603050405020304" pitchFamily="18" charset="0"/>
-                <a:cs typeface="Times New Roman" panose="02020603050405020304" pitchFamily="18" charset="0"/>
-              </a:rPr>
-              <a:t> </a:t>
-            </a:r>
-            <a:r>
-              <a:rPr lang="en-US" sz="1300" kern="0" dirty="0" err="1">
+              <a:rPr lang="en-US" kern="0" dirty="0">
+                <a:solidFill>
+                  <a:srgbClr val="1B1B1B"/>
+                </a:solidFill>
+                <a:effectLst/>
+                <a:latin typeface="Times New Roman" panose="02020603050405020304" pitchFamily="18" charset="0"/>
+                <a:ea typeface="Times New Roman" panose="02020603050405020304" pitchFamily="18" charset="0"/>
+                <a:cs typeface="Times New Roman" panose="02020603050405020304" pitchFamily="18" charset="0"/>
+              </a:rPr>
+              <a:t> </a:t>
+            </a:r>
+            <a:r>
+              <a:rPr lang="en-US" kern="0" dirty="0" err="1">
                 <a:solidFill>
                   <a:srgbClr val="1B1B1B"/>
                 </a:solidFill>
@@ -15038,19 +13693,19 @@
               <a:t>hữu</a:t>
             </a:r>
             <a:r>
-              <a:rPr lang="en-US" sz="1300" kern="0" dirty="0">
-                <a:solidFill>
-                  <a:srgbClr val="1B1B1B"/>
-                </a:solidFill>
-                <a:effectLst/>
-                <a:latin typeface="Times New Roman" panose="02020603050405020304" pitchFamily="18" charset="0"/>
-                <a:ea typeface="Times New Roman" panose="02020603050405020304" pitchFamily="18" charset="0"/>
-                <a:cs typeface="Times New Roman" panose="02020603050405020304" pitchFamily="18" charset="0"/>
-              </a:rPr>
-              <a:t> </a:t>
-            </a:r>
-            <a:r>
-              <a:rPr lang="en-US" sz="1300" kern="0" dirty="0" err="1">
+              <a:rPr lang="en-US" kern="0" dirty="0">
+                <a:solidFill>
+                  <a:srgbClr val="1B1B1B"/>
+                </a:solidFill>
+                <a:effectLst/>
+                <a:latin typeface="Times New Roman" panose="02020603050405020304" pitchFamily="18" charset="0"/>
+                <a:ea typeface="Times New Roman" panose="02020603050405020304" pitchFamily="18" charset="0"/>
+                <a:cs typeface="Times New Roman" panose="02020603050405020304" pitchFamily="18" charset="0"/>
+              </a:rPr>
+              <a:t> </a:t>
+            </a:r>
+            <a:r>
+              <a:rPr lang="en-US" kern="0" dirty="0" err="1">
                 <a:solidFill>
                   <a:srgbClr val="1B1B1B"/>
                 </a:solidFill>
@@ -15062,19 +13717,19 @@
               <a:t>ích</a:t>
             </a:r>
             <a:r>
-              <a:rPr lang="en-US" sz="1300" kern="0" dirty="0">
-                <a:solidFill>
-                  <a:srgbClr val="1B1B1B"/>
-                </a:solidFill>
-                <a:effectLst/>
-                <a:latin typeface="Times New Roman" panose="02020603050405020304" pitchFamily="18" charset="0"/>
-                <a:ea typeface="Times New Roman" panose="02020603050405020304" pitchFamily="18" charset="0"/>
-                <a:cs typeface="Times New Roman" panose="02020603050405020304" pitchFamily="18" charset="0"/>
-              </a:rPr>
-              <a:t> </a:t>
-            </a:r>
-            <a:r>
-              <a:rPr lang="en-US" sz="1300" kern="0" dirty="0" err="1">
+              <a:rPr lang="en-US" kern="0" dirty="0">
+                <a:solidFill>
+                  <a:srgbClr val="1B1B1B"/>
+                </a:solidFill>
+                <a:effectLst/>
+                <a:latin typeface="Times New Roman" panose="02020603050405020304" pitchFamily="18" charset="0"/>
+                <a:ea typeface="Times New Roman" panose="02020603050405020304" pitchFamily="18" charset="0"/>
+                <a:cs typeface="Times New Roman" panose="02020603050405020304" pitchFamily="18" charset="0"/>
+              </a:rPr>
+              <a:t> </a:t>
+            </a:r>
+            <a:r>
+              <a:rPr lang="en-US" kern="0" dirty="0" err="1">
                 <a:solidFill>
                   <a:srgbClr val="1B1B1B"/>
                 </a:solidFill>
@@ -15086,19 +13741,19 @@
               <a:t>khi</a:t>
             </a:r>
             <a:r>
-              <a:rPr lang="en-US" sz="1300" kern="0" dirty="0">
-                <a:solidFill>
-                  <a:srgbClr val="1B1B1B"/>
-                </a:solidFill>
-                <a:effectLst/>
-                <a:latin typeface="Times New Roman" panose="02020603050405020304" pitchFamily="18" charset="0"/>
-                <a:ea typeface="Times New Roman" panose="02020603050405020304" pitchFamily="18" charset="0"/>
-                <a:cs typeface="Times New Roman" panose="02020603050405020304" pitchFamily="18" charset="0"/>
-              </a:rPr>
-              <a:t> </a:t>
-            </a:r>
-            <a:r>
-              <a:rPr lang="en-US" sz="1300" kern="0" dirty="0" err="1">
+              <a:rPr lang="en-US" kern="0" dirty="0">
+                <a:solidFill>
+                  <a:srgbClr val="1B1B1B"/>
+                </a:solidFill>
+                <a:effectLst/>
+                <a:latin typeface="Times New Roman" panose="02020603050405020304" pitchFamily="18" charset="0"/>
+                <a:ea typeface="Times New Roman" panose="02020603050405020304" pitchFamily="18" charset="0"/>
+                <a:cs typeface="Times New Roman" panose="02020603050405020304" pitchFamily="18" charset="0"/>
+              </a:rPr>
+              <a:t> </a:t>
+            </a:r>
+            <a:r>
+              <a:rPr lang="en-US" kern="0" dirty="0" err="1">
                 <a:solidFill>
                   <a:srgbClr val="1B1B1B"/>
                 </a:solidFill>
@@ -15110,19 +13765,19 @@
               <a:t>xem</a:t>
             </a:r>
             <a:r>
-              <a:rPr lang="en-US" sz="1300" kern="0" dirty="0">
-                <a:solidFill>
-                  <a:srgbClr val="1B1B1B"/>
-                </a:solidFill>
-                <a:effectLst/>
-                <a:latin typeface="Times New Roman" panose="02020603050405020304" pitchFamily="18" charset="0"/>
-                <a:ea typeface="Times New Roman" panose="02020603050405020304" pitchFamily="18" charset="0"/>
-                <a:cs typeface="Times New Roman" panose="02020603050405020304" pitchFamily="18" charset="0"/>
-              </a:rPr>
-              <a:t> </a:t>
-            </a:r>
-            <a:r>
-              <a:rPr lang="en-US" sz="1300" kern="0" dirty="0" err="1">
+              <a:rPr lang="en-US" kern="0" dirty="0">
+                <a:solidFill>
+                  <a:srgbClr val="1B1B1B"/>
+                </a:solidFill>
+                <a:effectLst/>
+                <a:latin typeface="Times New Roman" panose="02020603050405020304" pitchFamily="18" charset="0"/>
+                <a:ea typeface="Times New Roman" panose="02020603050405020304" pitchFamily="18" charset="0"/>
+                <a:cs typeface="Times New Roman" panose="02020603050405020304" pitchFamily="18" charset="0"/>
+              </a:rPr>
+              <a:t> </a:t>
+            </a:r>
+            <a:r>
+              <a:rPr lang="en-US" kern="0" dirty="0" err="1">
                 <a:solidFill>
                   <a:srgbClr val="1B1B1B"/>
                 </a:solidFill>
@@ -15134,19 +13789,19 @@
               <a:t>cuộc</a:t>
             </a:r>
             <a:r>
-              <a:rPr lang="en-US" sz="1300" kern="0" dirty="0">
-                <a:solidFill>
-                  <a:srgbClr val="1B1B1B"/>
-                </a:solidFill>
-                <a:effectLst/>
-                <a:latin typeface="Times New Roman" panose="02020603050405020304" pitchFamily="18" charset="0"/>
-                <a:ea typeface="Times New Roman" panose="02020603050405020304" pitchFamily="18" charset="0"/>
-                <a:cs typeface="Times New Roman" panose="02020603050405020304" pitchFamily="18" charset="0"/>
-              </a:rPr>
-              <a:t> </a:t>
-            </a:r>
-            <a:r>
-              <a:rPr lang="en-US" sz="1300" kern="0" dirty="0" err="1">
+              <a:rPr lang="en-US" kern="0" dirty="0">
+                <a:solidFill>
+                  <a:srgbClr val="1B1B1B"/>
+                </a:solidFill>
+                <a:effectLst/>
+                <a:latin typeface="Times New Roman" panose="02020603050405020304" pitchFamily="18" charset="0"/>
+                <a:ea typeface="Times New Roman" panose="02020603050405020304" pitchFamily="18" charset="0"/>
+                <a:cs typeface="Times New Roman" panose="02020603050405020304" pitchFamily="18" charset="0"/>
+              </a:rPr>
+              <a:t> </a:t>
+            </a:r>
+            <a:r>
+              <a:rPr lang="en-US" kern="0" dirty="0" err="1">
                 <a:solidFill>
                   <a:srgbClr val="1B1B1B"/>
                 </a:solidFill>
@@ -15158,7 +13813,7 @@
               <a:t>gọi</a:t>
             </a:r>
             <a:r>
-              <a:rPr lang="en-US" sz="1300" kern="0" dirty="0">
+              <a:rPr lang="en-US" kern="0" dirty="0">
                 <a:solidFill>
                   <a:srgbClr val="1B1B1B"/>
                 </a:solidFill>
@@ -15170,7 +13825,7 @@
               <a:t>: </a:t>
             </a:r>
             <a:r>
-              <a:rPr lang="en-US" sz="1300" kern="0" dirty="0" err="1">
+              <a:rPr lang="en-US" kern="0" dirty="0" err="1">
                 <a:solidFill>
                   <a:srgbClr val="1B1B1B"/>
                 </a:solidFill>
@@ -15182,19 +13837,19 @@
               <a:t>trong</a:t>
             </a:r>
             <a:r>
-              <a:rPr lang="en-US" sz="1300" kern="0" dirty="0">
-                <a:solidFill>
-                  <a:srgbClr val="1B1B1B"/>
-                </a:solidFill>
-                <a:effectLst/>
-                <a:latin typeface="Times New Roman" panose="02020603050405020304" pitchFamily="18" charset="0"/>
-                <a:ea typeface="Times New Roman" panose="02020603050405020304" pitchFamily="18" charset="0"/>
-                <a:cs typeface="Times New Roman" panose="02020603050405020304" pitchFamily="18" charset="0"/>
-              </a:rPr>
-              <a:t> </a:t>
-            </a:r>
-            <a:r>
-              <a:rPr lang="en-US" sz="1300" kern="0" dirty="0" err="1">
+              <a:rPr lang="en-US" kern="0" dirty="0">
+                <a:solidFill>
+                  <a:srgbClr val="1B1B1B"/>
+                </a:solidFill>
+                <a:effectLst/>
+                <a:latin typeface="Times New Roman" panose="02020603050405020304" pitchFamily="18" charset="0"/>
+                <a:ea typeface="Times New Roman" panose="02020603050405020304" pitchFamily="18" charset="0"/>
+                <a:cs typeface="Times New Roman" panose="02020603050405020304" pitchFamily="18" charset="0"/>
+              </a:rPr>
+              <a:t> </a:t>
+            </a:r>
+            <a:r>
+              <a:rPr lang="en-US" kern="0" dirty="0" err="1">
                 <a:solidFill>
                   <a:srgbClr val="1B1B1B"/>
                 </a:solidFill>
@@ -15206,19 +13861,19 @@
               <a:t>quá</a:t>
             </a:r>
             <a:r>
-              <a:rPr lang="en-US" sz="1300" kern="0" dirty="0">
-                <a:solidFill>
-                  <a:srgbClr val="1B1B1B"/>
-                </a:solidFill>
-                <a:effectLst/>
-                <a:latin typeface="Times New Roman" panose="02020603050405020304" pitchFamily="18" charset="0"/>
-                <a:ea typeface="Times New Roman" panose="02020603050405020304" pitchFamily="18" charset="0"/>
-                <a:cs typeface="Times New Roman" panose="02020603050405020304" pitchFamily="18" charset="0"/>
-              </a:rPr>
-              <a:t> </a:t>
-            </a:r>
-            <a:r>
-              <a:rPr lang="en-US" sz="1300" kern="0" dirty="0" err="1">
+              <a:rPr lang="en-US" kern="0" dirty="0">
+                <a:solidFill>
+                  <a:srgbClr val="1B1B1B"/>
+                </a:solidFill>
+                <a:effectLst/>
+                <a:latin typeface="Times New Roman" panose="02020603050405020304" pitchFamily="18" charset="0"/>
+                <a:ea typeface="Times New Roman" panose="02020603050405020304" pitchFamily="18" charset="0"/>
+                <a:cs typeface="Times New Roman" panose="02020603050405020304" pitchFamily="18" charset="0"/>
+              </a:rPr>
+              <a:t> </a:t>
+            </a:r>
+            <a:r>
+              <a:rPr lang="en-US" kern="0" dirty="0" err="1">
                 <a:solidFill>
                   <a:srgbClr val="1B1B1B"/>
                 </a:solidFill>
@@ -15230,19 +13885,19 @@
               <a:t>trình</a:t>
             </a:r>
             <a:r>
-              <a:rPr lang="en-US" sz="1300" kern="0" dirty="0">
-                <a:solidFill>
-                  <a:srgbClr val="1B1B1B"/>
-                </a:solidFill>
-                <a:effectLst/>
-                <a:latin typeface="Times New Roman" panose="02020603050405020304" pitchFamily="18" charset="0"/>
-                <a:ea typeface="Times New Roman" panose="02020603050405020304" pitchFamily="18" charset="0"/>
-                <a:cs typeface="Times New Roman" panose="02020603050405020304" pitchFamily="18" charset="0"/>
-              </a:rPr>
-              <a:t> </a:t>
-            </a:r>
-            <a:r>
-              <a:rPr lang="en-US" sz="1300" kern="0" dirty="0" err="1">
+              <a:rPr lang="en-US" kern="0" dirty="0">
+                <a:solidFill>
+                  <a:srgbClr val="1B1B1B"/>
+                </a:solidFill>
+                <a:effectLst/>
+                <a:latin typeface="Times New Roman" panose="02020603050405020304" pitchFamily="18" charset="0"/>
+                <a:ea typeface="Times New Roman" panose="02020603050405020304" pitchFamily="18" charset="0"/>
+                <a:cs typeface="Times New Roman" panose="02020603050405020304" pitchFamily="18" charset="0"/>
+              </a:rPr>
+              <a:t> </a:t>
+            </a:r>
+            <a:r>
+              <a:rPr lang="en-US" kern="0" dirty="0" err="1">
                 <a:solidFill>
                   <a:srgbClr val="1B1B1B"/>
                 </a:solidFill>
@@ -15254,19 +13909,19 @@
               <a:t>gỡ</a:t>
             </a:r>
             <a:r>
-              <a:rPr lang="en-US" sz="1300" kern="0" dirty="0">
-                <a:solidFill>
-                  <a:srgbClr val="1B1B1B"/>
-                </a:solidFill>
-                <a:effectLst/>
-                <a:latin typeface="Times New Roman" panose="02020603050405020304" pitchFamily="18" charset="0"/>
-                <a:ea typeface="Times New Roman" panose="02020603050405020304" pitchFamily="18" charset="0"/>
-                <a:cs typeface="Times New Roman" panose="02020603050405020304" pitchFamily="18" charset="0"/>
-              </a:rPr>
-              <a:t> </a:t>
-            </a:r>
-            <a:r>
-              <a:rPr lang="en-US" sz="1300" kern="0" dirty="0" err="1">
+              <a:rPr lang="en-US" kern="0" dirty="0">
+                <a:solidFill>
+                  <a:srgbClr val="1B1B1B"/>
+                </a:solidFill>
+                <a:effectLst/>
+                <a:latin typeface="Times New Roman" panose="02020603050405020304" pitchFamily="18" charset="0"/>
+                <a:ea typeface="Times New Roman" panose="02020603050405020304" pitchFamily="18" charset="0"/>
+                <a:cs typeface="Times New Roman" panose="02020603050405020304" pitchFamily="18" charset="0"/>
+              </a:rPr>
+              <a:t> </a:t>
+            </a:r>
+            <a:r>
+              <a:rPr lang="en-US" kern="0" dirty="0" err="1">
                 <a:solidFill>
                   <a:srgbClr val="1B1B1B"/>
                 </a:solidFill>
@@ -15278,19 +13933,19 @@
               <a:t>lỗi</a:t>
             </a:r>
             <a:r>
-              <a:rPr lang="en-US" sz="1300" kern="0" dirty="0">
-                <a:solidFill>
-                  <a:srgbClr val="1B1B1B"/>
-                </a:solidFill>
-                <a:effectLst/>
-                <a:latin typeface="Times New Roman" panose="02020603050405020304" pitchFamily="18" charset="0"/>
-                <a:ea typeface="Times New Roman" panose="02020603050405020304" pitchFamily="18" charset="0"/>
-                <a:cs typeface="Times New Roman" panose="02020603050405020304" pitchFamily="18" charset="0"/>
-              </a:rPr>
-              <a:t> </a:t>
-            </a:r>
-            <a:r>
-              <a:rPr lang="en-US" sz="1300" kern="0" dirty="0" err="1">
+              <a:rPr lang="en-US" kern="0" dirty="0">
+                <a:solidFill>
+                  <a:srgbClr val="1B1B1B"/>
+                </a:solidFill>
+                <a:effectLst/>
+                <a:latin typeface="Times New Roman" panose="02020603050405020304" pitchFamily="18" charset="0"/>
+                <a:ea typeface="Times New Roman" panose="02020603050405020304" pitchFamily="18" charset="0"/>
+                <a:cs typeface="Times New Roman" panose="02020603050405020304" pitchFamily="18" charset="0"/>
+              </a:rPr>
+              <a:t> </a:t>
+            </a:r>
+            <a:r>
+              <a:rPr lang="en-US" kern="0" dirty="0" err="1">
                 <a:solidFill>
                   <a:srgbClr val="1B1B1B"/>
                 </a:solidFill>
@@ -15302,19 +13957,19 @@
               <a:t>hoặc</a:t>
             </a:r>
             <a:r>
-              <a:rPr lang="en-US" sz="1300" kern="0" dirty="0">
-                <a:solidFill>
-                  <a:srgbClr val="1B1B1B"/>
-                </a:solidFill>
-                <a:effectLst/>
-                <a:latin typeface="Times New Roman" panose="02020603050405020304" pitchFamily="18" charset="0"/>
-                <a:ea typeface="Times New Roman" panose="02020603050405020304" pitchFamily="18" charset="0"/>
-                <a:cs typeface="Times New Roman" panose="02020603050405020304" pitchFamily="18" charset="0"/>
-              </a:rPr>
-              <a:t> </a:t>
-            </a:r>
-            <a:r>
-              <a:rPr lang="en-US" sz="1300" kern="0" dirty="0" err="1">
+              <a:rPr lang="en-US" kern="0" dirty="0">
+                <a:solidFill>
+                  <a:srgbClr val="1B1B1B"/>
+                </a:solidFill>
+                <a:effectLst/>
+                <a:latin typeface="Times New Roman" panose="02020603050405020304" pitchFamily="18" charset="0"/>
+                <a:ea typeface="Times New Roman" panose="02020603050405020304" pitchFamily="18" charset="0"/>
+                <a:cs typeface="Times New Roman" panose="02020603050405020304" pitchFamily="18" charset="0"/>
+              </a:rPr>
+              <a:t> </a:t>
+            </a:r>
+            <a:r>
+              <a:rPr lang="en-US" kern="0" dirty="0" err="1">
                 <a:solidFill>
                   <a:srgbClr val="1B1B1B"/>
                 </a:solidFill>
@@ -15326,19 +13981,19 @@
               <a:t>đọc</a:t>
             </a:r>
             <a:r>
-              <a:rPr lang="en-US" sz="1300" kern="0" dirty="0">
-                <a:solidFill>
-                  <a:srgbClr val="1B1B1B"/>
-                </a:solidFill>
-                <a:effectLst/>
-                <a:latin typeface="Times New Roman" panose="02020603050405020304" pitchFamily="18" charset="0"/>
-                <a:ea typeface="Times New Roman" panose="02020603050405020304" pitchFamily="18" charset="0"/>
-                <a:cs typeface="Times New Roman" panose="02020603050405020304" pitchFamily="18" charset="0"/>
-              </a:rPr>
-              <a:t> </a:t>
-            </a:r>
-            <a:r>
-              <a:rPr lang="en-US" sz="1300" kern="0" dirty="0" err="1">
+              <a:rPr lang="en-US" kern="0" dirty="0">
+                <a:solidFill>
+                  <a:srgbClr val="1B1B1B"/>
+                </a:solidFill>
+                <a:effectLst/>
+                <a:latin typeface="Times New Roman" panose="02020603050405020304" pitchFamily="18" charset="0"/>
+                <a:ea typeface="Times New Roman" panose="02020603050405020304" pitchFamily="18" charset="0"/>
+                <a:cs typeface="Times New Roman" panose="02020603050405020304" pitchFamily="18" charset="0"/>
+              </a:rPr>
+              <a:t> </a:t>
+            </a:r>
+            <a:r>
+              <a:rPr lang="en-US" kern="0" dirty="0" err="1">
                 <a:solidFill>
                   <a:srgbClr val="1B1B1B"/>
                 </a:solidFill>
@@ -15350,19 +14005,19 @@
               <a:t>thông</a:t>
             </a:r>
             <a:r>
-              <a:rPr lang="en-US" sz="1300" kern="0" dirty="0">
-                <a:solidFill>
-                  <a:srgbClr val="1B1B1B"/>
-                </a:solidFill>
-                <a:effectLst/>
-                <a:latin typeface="Times New Roman" panose="02020603050405020304" pitchFamily="18" charset="0"/>
-                <a:ea typeface="Times New Roman" panose="02020603050405020304" pitchFamily="18" charset="0"/>
-                <a:cs typeface="Times New Roman" panose="02020603050405020304" pitchFamily="18" charset="0"/>
-              </a:rPr>
-              <a:t> </a:t>
-            </a:r>
-            <a:r>
-              <a:rPr lang="en-US" sz="1300" kern="0" dirty="0" err="1">
+              <a:rPr lang="en-US" kern="0" dirty="0">
+                <a:solidFill>
+                  <a:srgbClr val="1B1B1B"/>
+                </a:solidFill>
+                <a:effectLst/>
+                <a:latin typeface="Times New Roman" panose="02020603050405020304" pitchFamily="18" charset="0"/>
+                <a:ea typeface="Times New Roman" panose="02020603050405020304" pitchFamily="18" charset="0"/>
+                <a:cs typeface="Times New Roman" panose="02020603050405020304" pitchFamily="18" charset="0"/>
+              </a:rPr>
+              <a:t> </a:t>
+            </a:r>
+            <a:r>
+              <a:rPr lang="en-US" kern="0" dirty="0" err="1">
                 <a:solidFill>
                   <a:srgbClr val="1B1B1B"/>
                 </a:solidFill>
@@ -15374,19 +14029,19 @@
               <a:t>báo</a:t>
             </a:r>
             <a:r>
-              <a:rPr lang="en-US" sz="1300" kern="0" dirty="0">
-                <a:solidFill>
-                  <a:srgbClr val="1B1B1B"/>
-                </a:solidFill>
-                <a:effectLst/>
-                <a:latin typeface="Times New Roman" panose="02020603050405020304" pitchFamily="18" charset="0"/>
-                <a:ea typeface="Times New Roman" panose="02020603050405020304" pitchFamily="18" charset="0"/>
-                <a:cs typeface="Times New Roman" panose="02020603050405020304" pitchFamily="18" charset="0"/>
-              </a:rPr>
-              <a:t> </a:t>
-            </a:r>
-            <a:r>
-              <a:rPr lang="en-US" sz="1300" kern="0" dirty="0" err="1">
+              <a:rPr lang="en-US" kern="0" dirty="0">
+                <a:solidFill>
+                  <a:srgbClr val="1B1B1B"/>
+                </a:solidFill>
+                <a:effectLst/>
+                <a:latin typeface="Times New Roman" panose="02020603050405020304" pitchFamily="18" charset="0"/>
+                <a:ea typeface="Times New Roman" panose="02020603050405020304" pitchFamily="18" charset="0"/>
+                <a:cs typeface="Times New Roman" panose="02020603050405020304" pitchFamily="18" charset="0"/>
+              </a:rPr>
+              <a:t> </a:t>
+            </a:r>
+            <a:r>
+              <a:rPr lang="en-US" kern="0" dirty="0" err="1">
                 <a:solidFill>
                   <a:srgbClr val="1B1B1B"/>
                 </a:solidFill>
@@ -15398,7 +14053,7 @@
               <a:t>lỗi</a:t>
             </a:r>
             <a:r>
-              <a:rPr lang="en-US" sz="1300" kern="0" dirty="0">
+              <a:rPr lang="en-US" kern="0" dirty="0">
                 <a:solidFill>
                   <a:srgbClr val="1B1B1B"/>
                 </a:solidFill>
@@ -15410,7 +14065,7 @@
               <a:t>.</a:t>
             </a:r>
             <a:r>
-              <a:rPr lang="en-US" sz="1300" kern="0" dirty="0">
+              <a:rPr lang="en-US" kern="0" dirty="0">
                 <a:solidFill>
                   <a:srgbClr val="24292E"/>
                 </a:solidFill>
@@ -15421,7 +14076,7 @@
               </a:rPr>
               <a:t>  </a:t>
             </a:r>
-            <a:endParaRPr lang="en-US" sz="1300" kern="100" dirty="0">
+            <a:endParaRPr lang="en-US" kern="100" dirty="0">
               <a:effectLst/>
               <a:latin typeface="Calibri" panose="020F0502020204030204" pitchFamily="34" charset="0"/>
               <a:ea typeface="Calibri" panose="020F0502020204030204" pitchFamily="34" charset="0"/>

--- a/NHÓM-7-CÔNG-NGHỆ-WEB.pptx
+++ b/NHÓM-7-CÔNG-NGHỆ-WEB.pptx
@@ -15,13 +15,13 @@
     <p:sldId id="267" r:id="rId3"/>
     <p:sldId id="273" r:id="rId4"/>
     <p:sldId id="274" r:id="rId5"/>
-    <p:sldId id="278" r:id="rId6"/>
-    <p:sldId id="279" r:id="rId7"/>
-    <p:sldId id="280" r:id="rId8"/>
-    <p:sldId id="281" r:id="rId9"/>
-    <p:sldId id="282" r:id="rId10"/>
-    <p:sldId id="283" r:id="rId11"/>
-    <p:sldId id="284" r:id="rId12"/>
+    <p:sldId id="289" r:id="rId6"/>
+    <p:sldId id="278" r:id="rId7"/>
+    <p:sldId id="279" r:id="rId8"/>
+    <p:sldId id="280" r:id="rId9"/>
+    <p:sldId id="281" r:id="rId10"/>
+    <p:sldId id="282" r:id="rId11"/>
+    <p:sldId id="283" r:id="rId12"/>
     <p:sldId id="286" r:id="rId13"/>
     <p:sldId id="287" r:id="rId14"/>
     <p:sldId id="288" r:id="rId15"/>
@@ -4424,10 +4424,856 @@
       </p:transition>
     </mc:Fallback>
   </mc:AlternateContent>
+  <p:timing>
+    <p:tnLst>
+      <p:par>
+        <p:cTn id="1" dur="indefinite" restart="never" nodeType="tmRoot"/>
+      </p:par>
+    </p:tnLst>
+  </p:timing>
 </p:sld>
 </file>
 
 <file path=ppt/slides/slide10.xml><?xml version="1.0" encoding="utf-8"?>
+<p:sld xmlns:a="http://schemas.openxmlformats.org/drawingml/2006/main" xmlns:r="http://schemas.openxmlformats.org/officeDocument/2006/relationships" xmlns:p="http://schemas.openxmlformats.org/presentationml/2006/main">
+  <p:cSld>
+    <p:spTree>
+      <p:nvGrpSpPr>
+        <p:cNvPr id="1" name=""/>
+        <p:cNvGrpSpPr/>
+        <p:nvPr/>
+      </p:nvGrpSpPr>
+      <p:grpSpPr>
+        <a:xfrm>
+          <a:off x="0" y="0"/>
+          <a:ext cx="0" cy="0"/>
+          <a:chOff x="0" y="0"/>
+          <a:chExt cx="0" cy="0"/>
+        </a:xfrm>
+      </p:grpSpPr>
+      <p:sp>
+        <p:nvSpPr>
+          <p:cNvPr id="2" name="TextBox 1">
+            <a:extLst>
+              <a:ext uri="{FF2B5EF4-FFF2-40B4-BE49-F238E27FC236}">
+                <a16:creationId xmlns:a16="http://schemas.microsoft.com/office/drawing/2014/main" id="{9A1F6C86-8ED3-828E-2CC6-421CA83D78D4}"/>
+              </a:ext>
+            </a:extLst>
+          </p:cNvPr>
+          <p:cNvSpPr txBox="1"/>
+          <p:nvPr/>
+        </p:nvSpPr>
+        <p:spPr>
+          <a:xfrm>
+            <a:off x="391294" y="477956"/>
+            <a:ext cx="10558049" cy="1713290"/>
+          </a:xfrm>
+          <a:prstGeom prst="rect">
+            <a:avLst/>
+          </a:prstGeom>
+          <a:noFill/>
+        </p:spPr>
+        <p:txBody>
+          <a:bodyPr wrap="square" rtlCol="0">
+            <a:spAutoFit/>
+          </a:bodyPr>
+          <a:lstStyle/>
+          <a:p>
+            <a:pPr marL="0" marR="0">
+              <a:spcBef>
+                <a:spcPts val="200"/>
+              </a:spcBef>
+              <a:spcAft>
+                <a:spcPts val="0"/>
+              </a:spcAft>
+            </a:pPr>
+            <a:r>
+              <a:rPr lang="vi-VN" sz="2800" b="1" kern="100" dirty="0">
+                <a:effectLst/>
+                <a:latin typeface="Times New Roman" panose="02020603050405020304" pitchFamily="18" charset="0"/>
+                <a:ea typeface="DengXian Light" panose="020B0503020204020204" pitchFamily="2" charset="-122"/>
+                <a:cs typeface="Times New Roman" panose="02020603050405020304" pitchFamily="18" charset="0"/>
+              </a:rPr>
+              <a:t>3.2. Hướng dẫn tạo biến ,hàm và sử dụng sự kiện </a:t>
+            </a:r>
+            <a:endParaRPr lang="en-US" sz="2800" b="1" kern="100" dirty="0">
+              <a:effectLst/>
+              <a:latin typeface="Times New Roman" panose="02020603050405020304" pitchFamily="18" charset="0"/>
+              <a:ea typeface="DengXian Light" panose="020B0503020204020204" pitchFamily="2" charset="-122"/>
+              <a:cs typeface="Times New Roman" panose="02020603050405020304" pitchFamily="18" charset="0"/>
+            </a:endParaRPr>
+          </a:p>
+          <a:p>
+            <a:pPr marL="342900" marR="0" indent="-342900" algn="just">
+              <a:spcBef>
+                <a:spcPts val="0"/>
+              </a:spcBef>
+              <a:spcAft>
+                <a:spcPts val="800"/>
+              </a:spcAft>
+              <a:buAutoNum type="alphaLcPeriod"/>
+            </a:pPr>
+            <a:r>
+              <a:rPr lang="vi-VN" sz="2800" b="1" kern="100" dirty="0">
+                <a:effectLst/>
+                <a:latin typeface="Times New Roman" panose="02020603050405020304" pitchFamily="18" charset="0"/>
+                <a:ea typeface="Calibri" panose="020F0502020204030204" pitchFamily="34" charset="0"/>
+                <a:cs typeface="Times New Roman" panose="02020603050405020304" pitchFamily="18" charset="0"/>
+              </a:rPr>
+              <a:t>Tạo biến JavaScript </a:t>
+            </a:r>
+          </a:p>
+          <a:p>
+            <a:pPr marR="0" algn="just">
+              <a:spcBef>
+                <a:spcPts val="0"/>
+              </a:spcBef>
+              <a:spcAft>
+                <a:spcPts val="800"/>
+              </a:spcAft>
+            </a:pPr>
+            <a:endParaRPr lang="en-US" sz="1800" kern="100" dirty="0">
+              <a:effectLst/>
+              <a:latin typeface="Calibri" panose="020F0502020204030204" pitchFamily="34" charset="0"/>
+              <a:ea typeface="Calibri" panose="020F0502020204030204" pitchFamily="34" charset="0"/>
+              <a:cs typeface="Times New Roman" panose="02020603050405020304" pitchFamily="18" charset="0"/>
+            </a:endParaRPr>
+          </a:p>
+          <a:p>
+            <a:endParaRPr lang="en-US" dirty="0"/>
+          </a:p>
+        </p:txBody>
+      </p:sp>
+      <p:sp>
+        <p:nvSpPr>
+          <p:cNvPr id="3" name="Rectangle 1">
+            <a:extLst>
+              <a:ext uri="{FF2B5EF4-FFF2-40B4-BE49-F238E27FC236}">
+                <a16:creationId xmlns:a16="http://schemas.microsoft.com/office/drawing/2014/main" id="{B44BF043-90FA-9868-8B6E-B51F6CB3FE9F}"/>
+              </a:ext>
+            </a:extLst>
+          </p:cNvPr>
+          <p:cNvSpPr>
+            <a:spLocks noChangeArrowheads="1"/>
+          </p:cNvSpPr>
+          <p:nvPr/>
+        </p:nvSpPr>
+        <p:spPr bwMode="auto">
+          <a:xfrm>
+            <a:off x="483576" y="1386726"/>
+            <a:ext cx="10199078" cy="1384995"/>
+          </a:xfrm>
+          <a:prstGeom prst="rect">
+            <a:avLst/>
+          </a:prstGeom>
+          <a:solidFill>
+            <a:srgbClr val="F3F3F3"/>
+          </a:solidFill>
+          <a:ln>
+            <a:noFill/>
+          </a:ln>
+          <a:effectLst/>
+          <a:extLst>
+            <a:ext uri="{91240B29-F687-4F45-9708-019B960494DF}">
+              <a14:hiddenLine xmlns:a14="http://schemas.microsoft.com/office/drawing/2010/main" w="9525">
+                <a:solidFill>
+                  <a:schemeClr val="tx1"/>
+                </a:solidFill>
+                <a:miter lim="800000"/>
+                <a:headEnd/>
+                <a:tailEnd/>
+              </a14:hiddenLine>
+            </a:ext>
+            <a:ext uri="{AF507438-7753-43E0-B8FC-AC1667EBCBE1}">
+              <a14:hiddenEffects xmlns:a14="http://schemas.microsoft.com/office/drawing/2010/main">
+                <a:effectLst>
+                  <a:outerShdw dist="35921" dir="2700000" algn="ctr" rotWithShape="0">
+                    <a:schemeClr val="bg2"/>
+                  </a:outerShdw>
+                </a:effectLst>
+              </a14:hiddenEffects>
+            </a:ext>
+          </a:extLst>
+        </p:spPr>
+        <p:txBody>
+          <a:bodyPr vert="horz" wrap="square" lIns="0" tIns="0" rIns="0" bIns="0" numCol="1" anchor="ctr" anchorCtr="0" compatLnSpc="1">
+            <a:prstTxWarp prst="textNoShape">
+              <a:avLst/>
+            </a:prstTxWarp>
+            <a:spAutoFit/>
+          </a:bodyPr>
+          <a:lstStyle/>
+          <a:p>
+            <a:pPr marL="0" marR="0" lvl="0" indent="0" algn="just" defTabSz="914400" rtl="0" eaLnBrk="0" fontAlgn="base" latinLnBrk="0" hangingPunct="0">
+              <a:lnSpc>
+                <a:spcPct val="100000"/>
+              </a:lnSpc>
+              <a:spcBef>
+                <a:spcPct val="0"/>
+              </a:spcBef>
+              <a:spcAft>
+                <a:spcPct val="0"/>
+              </a:spcAft>
+              <a:buClrTx/>
+              <a:buSzTx/>
+              <a:buFontTx/>
+              <a:buNone/>
+              <a:tabLst/>
+            </a:pPr>
+            <a:r>
+              <a:rPr kumimoji="0" lang="vi-VN" altLang="en-US" b="0" i="0" u="none" strike="noStrike" cap="none" normalizeH="0" baseline="0" dirty="0" smtClean="0">
+                <a:ln>
+                  <a:noFill/>
+                </a:ln>
+                <a:solidFill>
+                  <a:schemeClr val="tx1"/>
+                </a:solidFill>
+                <a:effectLst/>
+                <a:latin typeface="Times New Roman" panose="02020603050405020304" pitchFamily="18" charset="0"/>
+                <a:ea typeface="Calibri" panose="020F0502020204030204" pitchFamily="34" charset="0"/>
+                <a:cs typeface="Times New Roman" panose="02020603050405020304" pitchFamily="18" charset="0"/>
+              </a:rPr>
+              <a:t>Kh</a:t>
+            </a:r>
+            <a:r>
+              <a:rPr kumimoji="0" lang="en-US" altLang="en-US" b="0" i="0" u="none" strike="noStrike" cap="none" normalizeH="0" baseline="0" dirty="0" smtClean="0">
+                <a:ln>
+                  <a:noFill/>
+                </a:ln>
+                <a:solidFill>
+                  <a:schemeClr val="tx1"/>
+                </a:solidFill>
+                <a:effectLst/>
+                <a:latin typeface="Times New Roman" panose="02020603050405020304" pitchFamily="18" charset="0"/>
+                <a:ea typeface="Calibri" panose="020F0502020204030204" pitchFamily="34" charset="0"/>
+                <a:cs typeface="Times New Roman" panose="02020603050405020304" pitchFamily="18" charset="0"/>
+              </a:rPr>
+              <a:t>a</a:t>
+            </a:r>
+            <a:r>
+              <a:rPr kumimoji="0" lang="vi-VN" altLang="en-US" b="0" i="0" u="none" strike="noStrike" cap="none" normalizeH="0" baseline="0" dirty="0" smtClean="0">
+                <a:ln>
+                  <a:noFill/>
+                </a:ln>
+                <a:solidFill>
+                  <a:schemeClr val="tx1"/>
+                </a:solidFill>
+                <a:effectLst/>
+                <a:latin typeface="Times New Roman" panose="02020603050405020304" pitchFamily="18" charset="0"/>
+                <a:ea typeface="Calibri" panose="020F0502020204030204" pitchFamily="34" charset="0"/>
+                <a:cs typeface="Times New Roman" panose="02020603050405020304" pitchFamily="18" charset="0"/>
+              </a:rPr>
+              <a:t>i </a:t>
+            </a:r>
+            <a:r>
+              <a:rPr kumimoji="0" lang="vi-VN" altLang="en-US" b="0" i="0" u="none" strike="noStrike" cap="none" normalizeH="0" baseline="0" dirty="0">
+                <a:ln>
+                  <a:noFill/>
+                </a:ln>
+                <a:solidFill>
+                  <a:schemeClr val="tx1"/>
+                </a:solidFill>
+                <a:effectLst/>
+                <a:latin typeface="Times New Roman" panose="02020603050405020304" pitchFamily="18" charset="0"/>
+                <a:ea typeface="Calibri" panose="020F0502020204030204" pitchFamily="34" charset="0"/>
+                <a:cs typeface="Times New Roman" panose="02020603050405020304" pitchFamily="18" charset="0"/>
+              </a:rPr>
+              <a:t>báo và khởi tạo biến </a:t>
+            </a:r>
+            <a:endParaRPr kumimoji="0" lang="en-US" altLang="en-US" b="0" i="0" u="none" strike="noStrike" cap="none" normalizeH="0" baseline="0" dirty="0">
+              <a:ln>
+                <a:noFill/>
+              </a:ln>
+              <a:solidFill>
+                <a:schemeClr val="tx1"/>
+              </a:solidFill>
+              <a:effectLst/>
+              <a:latin typeface="Times New Roman" panose="02020603050405020304" pitchFamily="18" charset="0"/>
+              <a:cs typeface="Times New Roman" panose="02020603050405020304" pitchFamily="18" charset="0"/>
+            </a:endParaRPr>
+          </a:p>
+          <a:p>
+            <a:pPr marL="0" marR="0" lvl="0" indent="0" algn="just" defTabSz="914400" rtl="0" eaLnBrk="0" fontAlgn="base" latinLnBrk="0" hangingPunct="0">
+              <a:lnSpc>
+                <a:spcPct val="100000"/>
+              </a:lnSpc>
+              <a:spcBef>
+                <a:spcPct val="0"/>
+              </a:spcBef>
+              <a:spcAft>
+                <a:spcPct val="0"/>
+              </a:spcAft>
+              <a:buClrTx/>
+              <a:buSzTx/>
+              <a:buFontTx/>
+              <a:buNone/>
+              <a:tabLst/>
+            </a:pPr>
+            <a:r>
+              <a:rPr kumimoji="0" lang="vi-VN" altLang="en-US" b="1" i="0" u="none" strike="noStrike" cap="none" normalizeH="0" baseline="0" dirty="0">
+                <a:ln>
+                  <a:noFill/>
+                </a:ln>
+                <a:solidFill>
+                  <a:srgbClr val="444444"/>
+                </a:solidFill>
+                <a:effectLst/>
+                <a:latin typeface="Times New Roman" panose="02020603050405020304" pitchFamily="18" charset="0"/>
+                <a:ea typeface="Times New Roman" panose="02020603050405020304" pitchFamily="18" charset="0"/>
+                <a:cs typeface="Times New Roman" panose="02020603050405020304" pitchFamily="18" charset="0"/>
+              </a:rPr>
+              <a:t>var</a:t>
+            </a:r>
+            <a:r>
+              <a:rPr kumimoji="0" lang="vi-VN" altLang="en-US" b="0" i="0" u="none" strike="noStrike" cap="none" normalizeH="0" baseline="0" dirty="0">
+                <a:ln>
+                  <a:noFill/>
+                </a:ln>
+                <a:solidFill>
+                  <a:srgbClr val="444444"/>
+                </a:solidFill>
+                <a:effectLst/>
+                <a:latin typeface="Times New Roman" panose="02020603050405020304" pitchFamily="18" charset="0"/>
+                <a:ea typeface="Times New Roman" panose="02020603050405020304" pitchFamily="18" charset="0"/>
+                <a:cs typeface="Times New Roman" panose="02020603050405020304" pitchFamily="18" charset="0"/>
+              </a:rPr>
+              <a:t> varName1 = </a:t>
+            </a:r>
+            <a:r>
+              <a:rPr kumimoji="0" lang="vi-VN" altLang="en-US" b="0" i="0" u="none" strike="noStrike" cap="none" normalizeH="0" baseline="0" dirty="0">
+                <a:ln>
+                  <a:noFill/>
+                </a:ln>
+                <a:solidFill>
+                  <a:srgbClr val="880000"/>
+                </a:solidFill>
+                <a:effectLst/>
+                <a:latin typeface="Times New Roman" panose="02020603050405020304" pitchFamily="18" charset="0"/>
+                <a:ea typeface="Times New Roman" panose="02020603050405020304" pitchFamily="18" charset="0"/>
+                <a:cs typeface="Times New Roman" panose="02020603050405020304" pitchFamily="18" charset="0"/>
+              </a:rPr>
+              <a:t>10</a:t>
+            </a:r>
+            <a:r>
+              <a:rPr kumimoji="0" lang="vi-VN" altLang="en-US" b="0" i="0" u="none" strike="noStrike" cap="none" normalizeH="0" baseline="0" dirty="0">
+                <a:ln>
+                  <a:noFill/>
+                </a:ln>
+                <a:solidFill>
+                  <a:srgbClr val="444444"/>
+                </a:solidFill>
+                <a:effectLst/>
+                <a:latin typeface="Times New Roman" panose="02020603050405020304" pitchFamily="18" charset="0"/>
+                <a:ea typeface="Times New Roman" panose="02020603050405020304" pitchFamily="18" charset="0"/>
+                <a:cs typeface="Times New Roman" panose="02020603050405020304" pitchFamily="18" charset="0"/>
+              </a:rPr>
+              <a:t>;    </a:t>
+            </a:r>
+            <a:r>
+              <a:rPr kumimoji="0" lang="vi-VN" altLang="en-US" b="0" i="0" u="none" strike="noStrike" cap="none" normalizeH="0" baseline="0" dirty="0">
+                <a:ln>
+                  <a:noFill/>
+                </a:ln>
+                <a:solidFill>
+                  <a:srgbClr val="697070"/>
+                </a:solidFill>
+                <a:effectLst/>
+                <a:latin typeface="Times New Roman" panose="02020603050405020304" pitchFamily="18" charset="0"/>
+                <a:ea typeface="Times New Roman" panose="02020603050405020304" pitchFamily="18" charset="0"/>
+                <a:cs typeface="Times New Roman" panose="02020603050405020304" pitchFamily="18" charset="0"/>
+              </a:rPr>
+              <a:t>// khai báo và khởi tạo biến với từ khóa var</a:t>
+            </a:r>
+          </a:p>
+          <a:p>
+            <a:pPr marL="0" marR="0" lvl="0" indent="0" algn="just" defTabSz="914400" rtl="0" eaLnBrk="0" fontAlgn="base" latinLnBrk="0" hangingPunct="0">
+              <a:lnSpc>
+                <a:spcPct val="100000"/>
+              </a:lnSpc>
+              <a:spcBef>
+                <a:spcPct val="0"/>
+              </a:spcBef>
+              <a:spcAft>
+                <a:spcPct val="0"/>
+              </a:spcAft>
+              <a:buClrTx/>
+              <a:buSzTx/>
+              <a:buFontTx/>
+              <a:buNone/>
+              <a:tabLst/>
+            </a:pPr>
+            <a:r>
+              <a:rPr kumimoji="0" lang="vi-VN" altLang="en-US" b="1" i="0" u="none" strike="noStrike" cap="none" normalizeH="0" baseline="0" dirty="0">
+                <a:ln>
+                  <a:noFill/>
+                </a:ln>
+                <a:solidFill>
+                  <a:srgbClr val="444444"/>
+                </a:solidFill>
+                <a:effectLst/>
+                <a:latin typeface="Times New Roman" panose="02020603050405020304" pitchFamily="18" charset="0"/>
+                <a:ea typeface="Times New Roman" panose="02020603050405020304" pitchFamily="18" charset="0"/>
+                <a:cs typeface="Times New Roman" panose="02020603050405020304" pitchFamily="18" charset="0"/>
+              </a:rPr>
+              <a:t>let</a:t>
+            </a:r>
+            <a:r>
+              <a:rPr kumimoji="0" lang="vi-VN" altLang="en-US" b="0" i="0" u="none" strike="noStrike" cap="none" normalizeH="0" baseline="0" dirty="0">
+                <a:ln>
+                  <a:noFill/>
+                </a:ln>
+                <a:solidFill>
+                  <a:srgbClr val="444444"/>
+                </a:solidFill>
+                <a:effectLst/>
+                <a:latin typeface="Times New Roman" panose="02020603050405020304" pitchFamily="18" charset="0"/>
+                <a:ea typeface="Times New Roman" panose="02020603050405020304" pitchFamily="18" charset="0"/>
+                <a:cs typeface="Times New Roman" panose="02020603050405020304" pitchFamily="18" charset="0"/>
+              </a:rPr>
+              <a:t> </a:t>
+            </a:r>
+            <a:r>
+              <a:rPr lang="vi-VN" altLang="en-US" dirty="0">
+                <a:solidFill>
+                  <a:srgbClr val="444444"/>
+                </a:solidFill>
+                <a:latin typeface="Times New Roman" panose="02020603050405020304" pitchFamily="18" charset="0"/>
+                <a:ea typeface="Times New Roman" panose="02020603050405020304" pitchFamily="18" charset="0"/>
+                <a:cs typeface="Times New Roman" panose="02020603050405020304" pitchFamily="18" charset="0"/>
+              </a:rPr>
+              <a:t>v</a:t>
+            </a:r>
+            <a:r>
+              <a:rPr kumimoji="0" lang="vi-VN" altLang="en-US" b="0" i="0" u="none" strike="noStrike" cap="none" normalizeH="0" baseline="0" dirty="0">
+                <a:ln>
+                  <a:noFill/>
+                </a:ln>
+                <a:solidFill>
+                  <a:srgbClr val="444444"/>
+                </a:solidFill>
+                <a:effectLst/>
+                <a:latin typeface="Times New Roman" panose="02020603050405020304" pitchFamily="18" charset="0"/>
+                <a:ea typeface="Times New Roman" panose="02020603050405020304" pitchFamily="18" charset="0"/>
+                <a:cs typeface="Times New Roman" panose="02020603050405020304" pitchFamily="18" charset="0"/>
+              </a:rPr>
+              <a:t>arName2;        </a:t>
+            </a:r>
+            <a:r>
+              <a:rPr kumimoji="0" lang="vi-VN" altLang="en-US" b="0" i="0" u="none" strike="noStrike" cap="none" normalizeH="0" baseline="0" dirty="0">
+                <a:ln>
+                  <a:noFill/>
+                </a:ln>
+                <a:solidFill>
+                  <a:srgbClr val="697070"/>
+                </a:solidFill>
+                <a:effectLst/>
+                <a:latin typeface="Times New Roman" panose="02020603050405020304" pitchFamily="18" charset="0"/>
+                <a:ea typeface="Times New Roman" panose="02020603050405020304" pitchFamily="18" charset="0"/>
+                <a:cs typeface="Times New Roman" panose="02020603050405020304" pitchFamily="18" charset="0"/>
+              </a:rPr>
+              <a:t>// khai báo và không khởi tạo giá trị ban đầu</a:t>
+            </a:r>
+          </a:p>
+          <a:p>
+            <a:pPr marL="0" marR="0" lvl="0" indent="0" algn="just" defTabSz="914400" rtl="0" eaLnBrk="0" fontAlgn="base" latinLnBrk="0" hangingPunct="0">
+              <a:lnSpc>
+                <a:spcPct val="100000"/>
+              </a:lnSpc>
+              <a:spcBef>
+                <a:spcPct val="0"/>
+              </a:spcBef>
+              <a:spcAft>
+                <a:spcPct val="0"/>
+              </a:spcAft>
+              <a:buClrTx/>
+              <a:buSzTx/>
+              <a:buFontTx/>
+              <a:buNone/>
+              <a:tabLst/>
+            </a:pPr>
+            <a:r>
+              <a:rPr kumimoji="0" lang="vi-VN" altLang="en-US" b="0" i="0" u="none" strike="noStrike" cap="none" normalizeH="0" baseline="0" dirty="0">
+                <a:ln>
+                  <a:noFill/>
+                </a:ln>
+                <a:solidFill>
+                  <a:srgbClr val="444444"/>
+                </a:solidFill>
+                <a:effectLst/>
+                <a:latin typeface="Times New Roman" panose="02020603050405020304" pitchFamily="18" charset="0"/>
+                <a:ea typeface="Times New Roman" panose="02020603050405020304" pitchFamily="18" charset="0"/>
+                <a:cs typeface="Times New Roman" panose="02020603050405020304" pitchFamily="18" charset="0"/>
+              </a:rPr>
+              <a:t>varName2 = </a:t>
+            </a:r>
+            <a:r>
+              <a:rPr kumimoji="0" lang="vi-VN" altLang="en-US" b="0" i="0" u="none" strike="noStrike" cap="none" normalizeH="0" baseline="0" dirty="0">
+                <a:ln>
+                  <a:noFill/>
+                </a:ln>
+                <a:solidFill>
+                  <a:srgbClr val="880000"/>
+                </a:solidFill>
+                <a:effectLst/>
+                <a:latin typeface="Times New Roman" panose="02020603050405020304" pitchFamily="18" charset="0"/>
+                <a:ea typeface="Times New Roman" panose="02020603050405020304" pitchFamily="18" charset="0"/>
+                <a:cs typeface="Times New Roman" panose="02020603050405020304" pitchFamily="18" charset="0"/>
+              </a:rPr>
+              <a:t>10</a:t>
+            </a:r>
+            <a:r>
+              <a:rPr kumimoji="0" lang="vi-VN" altLang="en-US" b="0" i="0" u="none" strike="noStrike" cap="none" normalizeH="0" baseline="0" dirty="0">
+                <a:ln>
+                  <a:noFill/>
+                </a:ln>
+                <a:solidFill>
+                  <a:srgbClr val="444444"/>
+                </a:solidFill>
+                <a:effectLst/>
+                <a:latin typeface="Times New Roman" panose="02020603050405020304" pitchFamily="18" charset="0"/>
+                <a:ea typeface="Times New Roman" panose="02020603050405020304" pitchFamily="18" charset="0"/>
+                <a:cs typeface="Times New Roman" panose="02020603050405020304" pitchFamily="18" charset="0"/>
+              </a:rPr>
+              <a:t>;       </a:t>
+            </a:r>
+            <a:r>
+              <a:rPr kumimoji="0" lang="vi-VN" altLang="en-US" b="0" i="0" u="none" strike="noStrike" cap="none" normalizeH="0" baseline="0" dirty="0">
+                <a:ln>
+                  <a:noFill/>
+                </a:ln>
+                <a:solidFill>
+                  <a:srgbClr val="697070"/>
+                </a:solidFill>
+                <a:effectLst/>
+                <a:latin typeface="Times New Roman" panose="02020603050405020304" pitchFamily="18" charset="0"/>
+                <a:ea typeface="Times New Roman" panose="02020603050405020304" pitchFamily="18" charset="0"/>
+                <a:cs typeface="Times New Roman" panose="02020603050405020304" pitchFamily="18" charset="0"/>
+              </a:rPr>
+              <a:t>// gán giá trị</a:t>
+            </a:r>
+          </a:p>
+          <a:p>
+            <a:pPr marL="0" marR="0" lvl="0" indent="0" algn="just" defTabSz="914400" rtl="0" eaLnBrk="0" fontAlgn="base" latinLnBrk="0" hangingPunct="0">
+              <a:lnSpc>
+                <a:spcPct val="100000"/>
+              </a:lnSpc>
+              <a:spcBef>
+                <a:spcPct val="0"/>
+              </a:spcBef>
+              <a:spcAft>
+                <a:spcPct val="0"/>
+              </a:spcAft>
+              <a:buClrTx/>
+              <a:buSzTx/>
+              <a:buFontTx/>
+              <a:buNone/>
+              <a:tabLst/>
+            </a:pPr>
+            <a:r>
+              <a:rPr kumimoji="0" lang="vi-VN" altLang="en-US" b="1" i="0" u="none" strike="noStrike" cap="none" normalizeH="0" baseline="0" dirty="0">
+                <a:ln>
+                  <a:noFill/>
+                </a:ln>
+                <a:solidFill>
+                  <a:srgbClr val="444444"/>
+                </a:solidFill>
+                <a:effectLst/>
+                <a:latin typeface="Times New Roman" panose="02020603050405020304" pitchFamily="18" charset="0"/>
+                <a:ea typeface="Times New Roman" panose="02020603050405020304" pitchFamily="18" charset="0"/>
+                <a:cs typeface="Times New Roman" panose="02020603050405020304" pitchFamily="18" charset="0"/>
+              </a:rPr>
+              <a:t>const</a:t>
+            </a:r>
+            <a:r>
+              <a:rPr kumimoji="0" lang="vi-VN" altLang="en-US" b="0" i="0" u="none" strike="noStrike" cap="none" normalizeH="0" baseline="0" dirty="0">
+                <a:ln>
+                  <a:noFill/>
+                </a:ln>
+                <a:solidFill>
+                  <a:srgbClr val="444444"/>
+                </a:solidFill>
+                <a:effectLst/>
+                <a:latin typeface="Times New Roman" panose="02020603050405020304" pitchFamily="18" charset="0"/>
+                <a:ea typeface="Times New Roman" panose="02020603050405020304" pitchFamily="18" charset="0"/>
+                <a:cs typeface="Times New Roman" panose="02020603050405020304" pitchFamily="18" charset="0"/>
+              </a:rPr>
+              <a:t> </a:t>
+            </a:r>
+            <a:r>
+              <a:rPr lang="vi-VN" altLang="en-US" dirty="0">
+                <a:solidFill>
+                  <a:srgbClr val="444444"/>
+                </a:solidFill>
+                <a:latin typeface="Times New Roman" panose="02020603050405020304" pitchFamily="18" charset="0"/>
+                <a:ea typeface="Times New Roman" panose="02020603050405020304" pitchFamily="18" charset="0"/>
+                <a:cs typeface="Times New Roman" panose="02020603050405020304" pitchFamily="18" charset="0"/>
+              </a:rPr>
+              <a:t>v</a:t>
+            </a:r>
+            <a:r>
+              <a:rPr kumimoji="0" lang="vi-VN" altLang="en-US" b="0" i="0" u="none" strike="noStrike" cap="none" normalizeH="0" baseline="0" dirty="0">
+                <a:ln>
+                  <a:noFill/>
+                </a:ln>
+                <a:solidFill>
+                  <a:srgbClr val="444444"/>
+                </a:solidFill>
+                <a:effectLst/>
+                <a:latin typeface="Times New Roman" panose="02020603050405020304" pitchFamily="18" charset="0"/>
+                <a:ea typeface="Times New Roman" panose="02020603050405020304" pitchFamily="18" charset="0"/>
+                <a:cs typeface="Times New Roman" panose="02020603050405020304" pitchFamily="18" charset="0"/>
+              </a:rPr>
+              <a:t>arName3 = </a:t>
+            </a:r>
+            <a:r>
+              <a:rPr kumimoji="0" lang="vi-VN" altLang="en-US" b="0" i="0" u="none" strike="noStrike" cap="none" normalizeH="0" baseline="0" dirty="0">
+                <a:ln>
+                  <a:noFill/>
+                </a:ln>
+                <a:solidFill>
+                  <a:srgbClr val="880000"/>
+                </a:solidFill>
+                <a:effectLst/>
+                <a:latin typeface="Times New Roman" panose="02020603050405020304" pitchFamily="18" charset="0"/>
+                <a:ea typeface="Times New Roman" panose="02020603050405020304" pitchFamily="18" charset="0"/>
+                <a:cs typeface="Times New Roman" panose="02020603050405020304" pitchFamily="18" charset="0"/>
+              </a:rPr>
+              <a:t>10</a:t>
+            </a:r>
+            <a:r>
+              <a:rPr kumimoji="0" lang="vi-VN" altLang="en-US" b="0" i="0" u="none" strike="noStrike" cap="none" normalizeH="0" baseline="0" dirty="0">
+                <a:ln>
+                  <a:noFill/>
+                </a:ln>
+                <a:solidFill>
+                  <a:srgbClr val="444444"/>
+                </a:solidFill>
+                <a:effectLst/>
+                <a:latin typeface="Times New Roman" panose="02020603050405020304" pitchFamily="18" charset="0"/>
+                <a:ea typeface="Times New Roman" panose="02020603050405020304" pitchFamily="18" charset="0"/>
+                <a:cs typeface="Times New Roman" panose="02020603050405020304" pitchFamily="18" charset="0"/>
+              </a:rPr>
+              <a:t>;  </a:t>
+            </a:r>
+            <a:r>
+              <a:rPr lang="vi-VN" altLang="en-US" dirty="0">
+                <a:solidFill>
+                  <a:srgbClr val="444444"/>
+                </a:solidFill>
+                <a:latin typeface="Times New Roman" panose="02020603050405020304" pitchFamily="18" charset="0"/>
+                <a:ea typeface="Times New Roman" panose="02020603050405020304" pitchFamily="18" charset="0"/>
+                <a:cs typeface="Times New Roman" panose="02020603050405020304" pitchFamily="18" charset="0"/>
+              </a:rPr>
+              <a:t>/</a:t>
+            </a:r>
+            <a:r>
+              <a:rPr kumimoji="0" lang="vi-VN" altLang="en-US" b="0" i="0" u="none" strike="noStrike" cap="none" normalizeH="0" baseline="0" dirty="0">
+                <a:ln>
+                  <a:noFill/>
+                </a:ln>
+                <a:solidFill>
+                  <a:srgbClr val="697070"/>
+                </a:solidFill>
+                <a:effectLst/>
+                <a:latin typeface="Times New Roman" panose="02020603050405020304" pitchFamily="18" charset="0"/>
+                <a:ea typeface="Times New Roman" panose="02020603050405020304" pitchFamily="18" charset="0"/>
+                <a:cs typeface="Times New Roman" panose="02020603050405020304" pitchFamily="18" charset="0"/>
+              </a:rPr>
+              <a:t>/ khai báo và khởi tạo biến với từ khóa const</a:t>
+            </a:r>
+            <a:endParaRPr kumimoji="0" lang="vi-VN" altLang="en-US" b="0" i="0" u="none" strike="noStrike" cap="none" normalizeH="0" baseline="0" dirty="0">
+              <a:ln>
+                <a:noFill/>
+              </a:ln>
+              <a:solidFill>
+                <a:schemeClr val="tx1"/>
+              </a:solidFill>
+              <a:effectLst/>
+              <a:latin typeface="Times New Roman" panose="02020603050405020304" pitchFamily="18" charset="0"/>
+              <a:cs typeface="Times New Roman" panose="02020603050405020304" pitchFamily="18" charset="0"/>
+            </a:endParaRPr>
+          </a:p>
+        </p:txBody>
+      </p:sp>
+      <p:sp>
+        <p:nvSpPr>
+          <p:cNvPr id="4" name="TextBox 3">
+            <a:extLst>
+              <a:ext uri="{FF2B5EF4-FFF2-40B4-BE49-F238E27FC236}">
+                <a16:creationId xmlns:a16="http://schemas.microsoft.com/office/drawing/2014/main" id="{4A0472FC-B88C-0CD2-C103-020F04174DBD}"/>
+              </a:ext>
+            </a:extLst>
+          </p:cNvPr>
+          <p:cNvSpPr txBox="1"/>
+          <p:nvPr/>
+        </p:nvSpPr>
+        <p:spPr>
+          <a:xfrm>
+            <a:off x="391294" y="3045496"/>
+            <a:ext cx="11214552" cy="3334246"/>
+          </a:xfrm>
+          <a:prstGeom prst="rect">
+            <a:avLst/>
+          </a:prstGeom>
+          <a:noFill/>
+        </p:spPr>
+        <p:txBody>
+          <a:bodyPr wrap="square" rtlCol="0">
+            <a:spAutoFit/>
+          </a:bodyPr>
+          <a:lstStyle/>
+          <a:p>
+            <a:pPr marL="0" marR="0" algn="just">
+              <a:spcBef>
+                <a:spcPts val="0"/>
+              </a:spcBef>
+              <a:spcAft>
+                <a:spcPts val="800"/>
+              </a:spcAft>
+            </a:pPr>
+            <a:r>
+              <a:rPr lang="vi-VN" sz="1800" b="1" kern="100" dirty="0">
+                <a:effectLst/>
+                <a:latin typeface="Times New Roman" panose="02020603050405020304" pitchFamily="18" charset="0"/>
+                <a:ea typeface="Calibri" panose="020F0502020204030204" pitchFamily="34" charset="0"/>
+                <a:cs typeface="Times New Roman" panose="02020603050405020304" pitchFamily="18" charset="0"/>
+              </a:rPr>
+              <a:t> </a:t>
+            </a:r>
+            <a:r>
+              <a:rPr lang="vi-VN" sz="2800" b="1" kern="100" dirty="0">
+                <a:effectLst/>
+                <a:latin typeface="Times New Roman" panose="02020603050405020304" pitchFamily="18" charset="0"/>
+                <a:ea typeface="Calibri" panose="020F0502020204030204" pitchFamily="34" charset="0"/>
+                <a:cs typeface="Times New Roman" panose="02020603050405020304" pitchFamily="18" charset="0"/>
+              </a:rPr>
+              <a:t>b. Tạo hàm JavaScript </a:t>
+            </a:r>
+            <a:endParaRPr lang="en-US" sz="2800" b="1" kern="100" dirty="0" smtClean="0">
+              <a:effectLst/>
+              <a:latin typeface="Times New Roman" panose="02020603050405020304" pitchFamily="18" charset="0"/>
+              <a:ea typeface="Calibri" panose="020F0502020204030204" pitchFamily="34" charset="0"/>
+              <a:cs typeface="Times New Roman" panose="02020603050405020304" pitchFamily="18" charset="0"/>
+            </a:endParaRPr>
+          </a:p>
+          <a:p>
+            <a:pPr marL="0" marR="0" algn="just">
+              <a:spcBef>
+                <a:spcPts val="0"/>
+              </a:spcBef>
+              <a:spcAft>
+                <a:spcPts val="800"/>
+              </a:spcAft>
+            </a:pPr>
+            <a:endParaRPr lang="en-US" sz="2800" b="1" kern="100" dirty="0" smtClean="0">
+              <a:latin typeface="Times New Roman" panose="02020603050405020304" pitchFamily="18" charset="0"/>
+              <a:ea typeface="Calibri" panose="020F0502020204030204" pitchFamily="34" charset="0"/>
+              <a:cs typeface="Times New Roman" panose="02020603050405020304" pitchFamily="18" charset="0"/>
+            </a:endParaRPr>
+          </a:p>
+          <a:p>
+            <a:pPr marL="0" marR="0" algn="just">
+              <a:spcBef>
+                <a:spcPts val="0"/>
+              </a:spcBef>
+              <a:spcAft>
+                <a:spcPts val="800"/>
+              </a:spcAft>
+            </a:pPr>
+            <a:endParaRPr lang="en-US" sz="2800" b="1" kern="100" dirty="0">
+              <a:latin typeface="Times New Roman" panose="02020603050405020304" pitchFamily="18" charset="0"/>
+              <a:ea typeface="Calibri" panose="020F0502020204030204" pitchFamily="34" charset="0"/>
+              <a:cs typeface="Times New Roman" panose="02020603050405020304" pitchFamily="18" charset="0"/>
+            </a:endParaRPr>
+          </a:p>
+          <a:p>
+            <a:pPr marL="0" marR="0" algn="just">
+              <a:spcBef>
+                <a:spcPts val="0"/>
+              </a:spcBef>
+              <a:spcAft>
+                <a:spcPts val="800"/>
+              </a:spcAft>
+            </a:pPr>
+            <a:endParaRPr lang="en-US" sz="2800" kern="100" dirty="0">
+              <a:effectLst/>
+              <a:latin typeface="Calibri" panose="020F0502020204030204" pitchFamily="34" charset="0"/>
+              <a:ea typeface="Calibri" panose="020F0502020204030204" pitchFamily="34" charset="0"/>
+              <a:cs typeface="Times New Roman" panose="02020603050405020304" pitchFamily="18" charset="0"/>
+            </a:endParaRPr>
+          </a:p>
+          <a:p>
+            <a:r>
+              <a:rPr lang="vi-VN" dirty="0">
+                <a:latin typeface="Times New Roman" panose="02020603050405020304" pitchFamily="18" charset="0"/>
+                <a:cs typeface="Times New Roman" panose="02020603050405020304" pitchFamily="18" charset="0"/>
+              </a:rPr>
+              <a:t>Trong ví dụ này, chúng ta đã tạo một hàm có tên helloWorld() bằng cách sử dụng từ khóa function. Hàm này không có tham số và chỉ đơn giản hiển thị một thông báo pop-up sử dụng alert() khi nó được gọi. Để gọi hàm, chúng ta sử dụng tên hàm, trong trường hợp này là helloWorld(). Khi gọi hàm này, nó thực hiện mã bên trong nó và hiển thị thông báo "Xin chào, thế giới!".</a:t>
+            </a:r>
+            <a:endParaRPr lang="en-US" dirty="0">
+              <a:latin typeface="Times New Roman" panose="02020603050405020304" pitchFamily="18" charset="0"/>
+              <a:cs typeface="Times New Roman" panose="02020603050405020304" pitchFamily="18" charset="0"/>
+            </a:endParaRPr>
+          </a:p>
+        </p:txBody>
+      </p:sp>
+      <p:pic>
+        <p:nvPicPr>
+          <p:cNvPr id="5" name="Picture 4"/>
+          <p:cNvPicPr>
+            <a:picLocks noChangeAspect="1"/>
+          </p:cNvPicPr>
+          <p:nvPr/>
+        </p:nvPicPr>
+        <p:blipFill>
+          <a:blip r:embed="rId2"/>
+          <a:stretch>
+            <a:fillRect/>
+          </a:stretch>
+        </p:blipFill>
+        <p:spPr>
+          <a:xfrm>
+            <a:off x="553063" y="3625971"/>
+            <a:ext cx="7069867" cy="1482360"/>
+          </a:xfrm>
+          <a:prstGeom prst="rect">
+            <a:avLst/>
+          </a:prstGeom>
+        </p:spPr>
+      </p:pic>
+    </p:spTree>
+    <p:extLst>
+      <p:ext uri="{BB962C8B-B14F-4D97-AF65-F5344CB8AC3E}">
+        <p14:creationId xmlns:p14="http://schemas.microsoft.com/office/powerpoint/2010/main" val="2405262849"/>
+      </p:ext>
+    </p:extLst>
+  </p:cSld>
+  <p:clrMapOvr>
+    <a:masterClrMapping/>
+  </p:clrMapOvr>
+  <mc:AlternateContent xmlns:mc="http://schemas.openxmlformats.org/markup-compatibility/2006" xmlns:p14="http://schemas.microsoft.com/office/powerpoint/2010/main">
+    <mc:Choice Requires="p14">
+      <p:transition spd="slow" p14:dur="1250">
+        <p14:flip dir="r"/>
+      </p:transition>
+    </mc:Choice>
+    <mc:Fallback xmlns="">
+      <p:transition spd="slow">
+        <p:fade/>
+      </p:transition>
+    </mc:Fallback>
+  </mc:AlternateContent>
+  <p:timing>
+    <p:tnLst>
+      <p:par>
+        <p:cTn id="1" dur="indefinite" restart="never" nodeType="tmRoot"/>
+      </p:par>
+    </p:tnLst>
+  </p:timing>
+</p:sld>
+</file>
+
+<file path=ppt/slides/slide11.xml><?xml version="1.0" encoding="utf-8"?>
 <p:sld xmlns:a="http://schemas.openxmlformats.org/drawingml/2006/main" xmlns:r="http://schemas.openxmlformats.org/officeDocument/2006/relationships" xmlns:p="http://schemas.openxmlformats.org/presentationml/2006/main">
   <p:cSld>
     <p:spTree>
@@ -6044,381 +6890,13 @@
       </p:transition>
     </mc:Fallback>
   </mc:AlternateContent>
-</p:sld>
-</file>
-
-<file path=ppt/slides/slide11.xml><?xml version="1.0" encoding="utf-8"?>
-<p:sld xmlns:a="http://schemas.openxmlformats.org/drawingml/2006/main" xmlns:r="http://schemas.openxmlformats.org/officeDocument/2006/relationships" xmlns:p="http://schemas.openxmlformats.org/presentationml/2006/main">
-  <p:cSld>
-    <p:spTree>
-      <p:nvGrpSpPr>
-        <p:cNvPr id="1" name=""/>
-        <p:cNvGrpSpPr/>
-        <p:nvPr/>
-      </p:nvGrpSpPr>
-      <p:grpSpPr>
-        <a:xfrm>
-          <a:off x="0" y="0"/>
-          <a:ext cx="0" cy="0"/>
-          <a:chOff x="0" y="0"/>
-          <a:chExt cx="0" cy="0"/>
-        </a:xfrm>
-      </p:grpSpPr>
-      <p:sp>
-        <p:nvSpPr>
-          <p:cNvPr id="2" name="TextBox 1">
-            <a:extLst>
-              <a:ext uri="{FF2B5EF4-FFF2-40B4-BE49-F238E27FC236}">
-                <a16:creationId xmlns:a16="http://schemas.microsoft.com/office/drawing/2014/main" id="{D5C5B189-F639-B73A-9199-4A6FE9CCD121}"/>
-              </a:ext>
-            </a:extLst>
-          </p:cNvPr>
-          <p:cNvSpPr txBox="1"/>
-          <p:nvPr/>
-        </p:nvSpPr>
-        <p:spPr>
-          <a:xfrm>
-            <a:off x="361025" y="340976"/>
-            <a:ext cx="20632571" cy="2923877"/>
-          </a:xfrm>
-          <a:prstGeom prst="rect">
-            <a:avLst/>
-          </a:prstGeom>
-          <a:noFill/>
-        </p:spPr>
-        <p:txBody>
-          <a:bodyPr wrap="none" rtlCol="0">
-            <a:spAutoFit/>
-          </a:bodyPr>
-          <a:lstStyle/>
-          <a:p>
-            <a:pPr marL="0" marR="0">
-              <a:spcBef>
-                <a:spcPts val="200"/>
-              </a:spcBef>
-              <a:spcAft>
-                <a:spcPts val="0"/>
-              </a:spcAft>
-            </a:pPr>
-            <a:r>
-              <a:rPr lang="vi-VN" sz="1800" b="1" kern="100" dirty="0">
-                <a:effectLst/>
-                <a:latin typeface="Times New Roman" panose="02020603050405020304" pitchFamily="18" charset="0"/>
-                <a:ea typeface="DengXian Light" panose="020B0503020204020204" pitchFamily="2" charset="-122"/>
-                <a:cs typeface="Times New Roman" panose="02020603050405020304" pitchFamily="18" charset="0"/>
-              </a:rPr>
-              <a:t>4.2. Tạo kiểu cho biểu mẫu bằng CSS.</a:t>
-            </a:r>
-            <a:endParaRPr lang="en-US" sz="1800" b="1" kern="100" dirty="0">
-              <a:effectLst/>
-              <a:latin typeface="Times New Roman" panose="02020603050405020304" pitchFamily="18" charset="0"/>
-              <a:ea typeface="DengXian Light" panose="020B0503020204020204" pitchFamily="2" charset="-122"/>
-              <a:cs typeface="Times New Roman" panose="02020603050405020304" pitchFamily="18" charset="0"/>
-            </a:endParaRPr>
-          </a:p>
-          <a:p>
-            <a:pPr marL="0" marR="0" algn="just">
-              <a:spcBef>
-                <a:spcPts val="0"/>
-              </a:spcBef>
-              <a:spcAft>
-                <a:spcPts val="800"/>
-              </a:spcAft>
-            </a:pPr>
-            <a:r>
-              <a:rPr lang="vi-VN" sz="1800" b="1" kern="100" dirty="0">
-                <a:effectLst/>
-                <a:latin typeface="Times New Roman" panose="02020603050405020304" pitchFamily="18" charset="0"/>
-                <a:ea typeface="Calibri" panose="020F0502020204030204" pitchFamily="34" charset="0"/>
-                <a:cs typeface="Times New Roman" panose="02020603050405020304" pitchFamily="18" charset="0"/>
-              </a:rPr>
-              <a:t>a. Khái niệm</a:t>
-            </a:r>
-            <a:endParaRPr lang="en-US" sz="1800" kern="100" dirty="0">
-              <a:effectLst/>
-              <a:latin typeface="Calibri" panose="020F0502020204030204" pitchFamily="34" charset="0"/>
-              <a:ea typeface="Calibri" panose="020F0502020204030204" pitchFamily="34" charset="0"/>
-              <a:cs typeface="Times New Roman" panose="02020603050405020304" pitchFamily="18" charset="0"/>
-            </a:endParaRPr>
-          </a:p>
-          <a:p>
-            <a:pPr marL="0" marR="0" algn="just">
-              <a:spcBef>
-                <a:spcPts val="0"/>
-              </a:spcBef>
-              <a:spcAft>
-                <a:spcPts val="800"/>
-              </a:spcAft>
-            </a:pPr>
-            <a:r>
-              <a:rPr lang="vi-VN" sz="1800" kern="100" dirty="0">
-                <a:effectLst/>
-                <a:latin typeface="Times New Roman" panose="02020603050405020304" pitchFamily="18" charset="0"/>
-                <a:ea typeface="Calibri" panose="020F0502020204030204" pitchFamily="34" charset="0"/>
-                <a:cs typeface="Times New Roman" panose="02020603050405020304" pitchFamily="18" charset="0"/>
-              </a:rPr>
-              <a:t>- Biểu mẫu (Form) là đối tượng giúp ích cho việc nhập và hiển thị dữ liệu, thông tin một cách trực quan, có hệ thống, có thể thống kê dễ thuận tiện cho việc điều khiển một ứng dụng, hoặc thực hiện một chức năng nào đó. </a:t>
-            </a:r>
-            <a:endParaRPr lang="en-US" sz="1800" kern="100" dirty="0">
-              <a:effectLst/>
-              <a:latin typeface="Calibri" panose="020F0502020204030204" pitchFamily="34" charset="0"/>
-              <a:ea typeface="Calibri" panose="020F0502020204030204" pitchFamily="34" charset="0"/>
-              <a:cs typeface="Times New Roman" panose="02020603050405020304" pitchFamily="18" charset="0"/>
-            </a:endParaRPr>
-          </a:p>
-          <a:p>
-            <a:pPr marL="0" marR="0" algn="just">
-              <a:spcBef>
-                <a:spcPts val="0"/>
-              </a:spcBef>
-              <a:spcAft>
-                <a:spcPts val="800"/>
-              </a:spcAft>
-            </a:pPr>
-            <a:r>
-              <a:rPr lang="vi-VN" sz="1800" b="1" kern="100" dirty="0">
-                <a:effectLst/>
-                <a:latin typeface="Times New Roman" panose="02020603050405020304" pitchFamily="18" charset="0"/>
-                <a:ea typeface="Calibri" panose="020F0502020204030204" pitchFamily="34" charset="0"/>
-                <a:cs typeface="Times New Roman" panose="02020603050405020304" pitchFamily="18" charset="0"/>
-              </a:rPr>
-              <a:t>b. Tạo kiểu cho biểu mẫu HTML bằng CSS</a:t>
-            </a:r>
-            <a:endParaRPr lang="en-US" sz="1800" kern="100" dirty="0">
-              <a:effectLst/>
-              <a:latin typeface="Calibri" panose="020F0502020204030204" pitchFamily="34" charset="0"/>
-              <a:ea typeface="Calibri" panose="020F0502020204030204" pitchFamily="34" charset="0"/>
-              <a:cs typeface="Times New Roman" panose="02020603050405020304" pitchFamily="18" charset="0"/>
-            </a:endParaRPr>
-          </a:p>
-          <a:p>
-            <a:pPr marL="0" marR="0" algn="just">
-              <a:spcBef>
-                <a:spcPts val="0"/>
-              </a:spcBef>
-              <a:spcAft>
-                <a:spcPts val="800"/>
-              </a:spcAft>
-            </a:pPr>
-            <a:r>
-              <a:rPr lang="vi-VN" sz="1800" kern="100" dirty="0">
-                <a:effectLst/>
-                <a:latin typeface="Times New Roman" panose="02020603050405020304" pitchFamily="18" charset="0"/>
-                <a:ea typeface="Calibri" panose="020F0502020204030204" pitchFamily="34" charset="0"/>
-                <a:cs typeface="Times New Roman" panose="02020603050405020304" pitchFamily="18" charset="0"/>
-              </a:rPr>
-              <a:t>- Sử dụng thuộc tính </a:t>
-            </a:r>
-            <a:r>
-              <a:rPr lang="vi-VN" sz="1800" i="1" kern="100" dirty="0">
-                <a:solidFill>
-                  <a:srgbClr val="FF0000"/>
-                </a:solidFill>
-                <a:effectLst/>
-                <a:latin typeface="Times New Roman" panose="02020603050405020304" pitchFamily="18" charset="0"/>
-                <a:ea typeface="Calibri" panose="020F0502020204030204" pitchFamily="34" charset="0"/>
-                <a:cs typeface="Times New Roman" panose="02020603050405020304" pitchFamily="18" charset="0"/>
-              </a:rPr>
-              <a:t>width</a:t>
-            </a:r>
-            <a:r>
-              <a:rPr lang="vi-VN" sz="1800" kern="100" dirty="0">
-                <a:effectLst/>
-                <a:latin typeface="Times New Roman" panose="02020603050405020304" pitchFamily="18" charset="0"/>
-                <a:ea typeface="Calibri" panose="020F0502020204030204" pitchFamily="34" charset="0"/>
-                <a:cs typeface="Times New Roman" panose="02020603050405020304" pitchFamily="18" charset="0"/>
-              </a:rPr>
-              <a:t> để xác định rõ chiều rộng của trường đầu vào:</a:t>
-            </a:r>
-            <a:endParaRPr lang="en-US" sz="1800" kern="100" dirty="0">
-              <a:effectLst/>
-              <a:latin typeface="Calibri" panose="020F0502020204030204" pitchFamily="34" charset="0"/>
-              <a:ea typeface="Calibri" panose="020F0502020204030204" pitchFamily="34" charset="0"/>
-              <a:cs typeface="Times New Roman" panose="02020603050405020304" pitchFamily="18" charset="0"/>
-            </a:endParaRPr>
-          </a:p>
-          <a:p>
-            <a:pPr marL="0" marR="0" algn="just">
-              <a:spcBef>
-                <a:spcPts val="0"/>
-              </a:spcBef>
-              <a:spcAft>
-                <a:spcPts val="800"/>
-              </a:spcAft>
-            </a:pPr>
-            <a:r>
-              <a:rPr lang="vi-VN" sz="1800" kern="100" dirty="0">
-                <a:effectLst/>
-                <a:latin typeface="Times New Roman" panose="02020603050405020304" pitchFamily="18" charset="0"/>
-                <a:ea typeface="Calibri" panose="020F0502020204030204" pitchFamily="34" charset="0"/>
-                <a:cs typeface="Times New Roman" panose="02020603050405020304" pitchFamily="18" charset="0"/>
-              </a:rPr>
-              <a:t>+ Ví dụ: áp dụng cho tất cả các phần tử &lt;input&gt; :</a:t>
-            </a:r>
-          </a:p>
-          <a:p>
-            <a:pPr marL="0" marR="0" algn="just">
-              <a:spcBef>
-                <a:spcPts val="0"/>
-              </a:spcBef>
-              <a:spcAft>
-                <a:spcPts val="800"/>
-              </a:spcAft>
-            </a:pPr>
-            <a:endParaRPr lang="en-US" sz="1800" kern="100" dirty="0">
-              <a:effectLst/>
-              <a:latin typeface="Calibri" panose="020F0502020204030204" pitchFamily="34" charset="0"/>
-              <a:ea typeface="Calibri" panose="020F0502020204030204" pitchFamily="34" charset="0"/>
-              <a:cs typeface="Times New Roman" panose="02020603050405020304" pitchFamily="18" charset="0"/>
-            </a:endParaRPr>
-          </a:p>
-          <a:p>
-            <a:endParaRPr lang="en-US" dirty="0"/>
-          </a:p>
-        </p:txBody>
-      </p:sp>
-      <p:pic>
-        <p:nvPicPr>
-          <p:cNvPr id="3" name="Picture 2">
-            <a:extLst>
-              <a:ext uri="{FF2B5EF4-FFF2-40B4-BE49-F238E27FC236}">
-                <a16:creationId xmlns:a16="http://schemas.microsoft.com/office/drawing/2014/main" id="{AC03E91B-B849-A405-64D6-422F50BE2DF5}"/>
-              </a:ext>
-            </a:extLst>
-          </p:cNvPr>
-          <p:cNvPicPr>
-            <a:picLocks noChangeAspect="1"/>
-          </p:cNvPicPr>
-          <p:nvPr/>
-        </p:nvPicPr>
-        <p:blipFill>
-          <a:blip r:embed="rId2"/>
-          <a:stretch>
-            <a:fillRect/>
-          </a:stretch>
-        </p:blipFill>
-        <p:spPr>
-          <a:xfrm>
-            <a:off x="750286" y="2943543"/>
-            <a:ext cx="1955800" cy="970915"/>
-          </a:xfrm>
-          <a:prstGeom prst="rect">
-            <a:avLst/>
-          </a:prstGeom>
-          <a:solidFill>
-            <a:srgbClr val="FFFFFF">
-              <a:shade val="85000"/>
-            </a:srgbClr>
-          </a:solidFill>
-          <a:ln w="88900" cap="sq">
-            <a:solidFill>
-              <a:srgbClr val="FFFFFF"/>
-            </a:solidFill>
-            <a:miter lim="800000"/>
-          </a:ln>
-          <a:effectLst>
-            <a:outerShdw blurRad="55000" dist="18000" dir="5400000" algn="tl" rotWithShape="0">
-              <a:srgbClr val="000000">
-                <a:alpha val="40000"/>
-              </a:srgbClr>
-            </a:outerShdw>
-          </a:effectLst>
-          <a:scene3d>
-            <a:camera prst="orthographicFront"/>
-            <a:lightRig rig="twoPt" dir="t">
-              <a:rot lat="0" lon="0" rev="7200000"/>
-            </a:lightRig>
-          </a:scene3d>
-          <a:sp3d>
-            <a:bevelT w="25400" h="19050"/>
-            <a:contourClr>
-              <a:srgbClr val="FFFFFF"/>
-            </a:contourClr>
-          </a:sp3d>
-        </p:spPr>
-      </p:pic>
-      <p:pic>
-        <p:nvPicPr>
-          <p:cNvPr id="4" name="Picture 3">
-            <a:extLst>
-              <a:ext uri="{FF2B5EF4-FFF2-40B4-BE49-F238E27FC236}">
-                <a16:creationId xmlns:a16="http://schemas.microsoft.com/office/drawing/2014/main" id="{324712D5-B724-4AB9-9516-24906BB91E58}"/>
-              </a:ext>
-            </a:extLst>
-          </p:cNvPr>
-          <p:cNvPicPr>
-            <a:picLocks noChangeAspect="1"/>
-          </p:cNvPicPr>
-          <p:nvPr/>
-        </p:nvPicPr>
-        <p:blipFill>
-          <a:blip r:embed="rId3"/>
-          <a:stretch>
-            <a:fillRect/>
-          </a:stretch>
-        </p:blipFill>
-        <p:spPr>
-          <a:xfrm>
-            <a:off x="3004849" y="3107690"/>
-            <a:ext cx="3394710" cy="642620"/>
-          </a:xfrm>
-          <a:prstGeom prst="rect">
-            <a:avLst/>
-          </a:prstGeom>
-          <a:solidFill>
-            <a:srgbClr val="FFFFFF">
-              <a:shade val="85000"/>
-            </a:srgbClr>
-          </a:solidFill>
-          <a:ln w="88900" cap="sq">
-            <a:solidFill>
-              <a:srgbClr val="FFFFFF"/>
-            </a:solidFill>
-            <a:miter lim="800000"/>
-          </a:ln>
-          <a:effectLst>
-            <a:outerShdw blurRad="55000" dist="18000" dir="5400000" algn="tl" rotWithShape="0">
-              <a:srgbClr val="000000">
-                <a:alpha val="40000"/>
-              </a:srgbClr>
-            </a:outerShdw>
-          </a:effectLst>
-          <a:scene3d>
-            <a:camera prst="orthographicFront"/>
-            <a:lightRig rig="twoPt" dir="t">
-              <a:rot lat="0" lon="0" rev="7200000"/>
-            </a:lightRig>
-          </a:scene3d>
-          <a:sp3d>
-            <a:bevelT w="25400" h="19050"/>
-            <a:contourClr>
-              <a:srgbClr val="FFFFFF"/>
-            </a:contourClr>
-          </a:sp3d>
-        </p:spPr>
-      </p:pic>
-    </p:spTree>
-    <p:extLst>
-      <p:ext uri="{BB962C8B-B14F-4D97-AF65-F5344CB8AC3E}">
-        <p14:creationId xmlns:p14="http://schemas.microsoft.com/office/powerpoint/2010/main" val="3640404432"/>
-      </p:ext>
-    </p:extLst>
-  </p:cSld>
-  <p:clrMapOvr>
-    <a:masterClrMapping/>
-  </p:clrMapOvr>
-  <mc:AlternateContent xmlns:mc="http://schemas.openxmlformats.org/markup-compatibility/2006" xmlns:p15="http://schemas.microsoft.com/office/powerpoint/2012/main">
-    <mc:Choice Requires="p15">
-      <p:transition xmlns:p14="http://schemas.microsoft.com/office/powerpoint/2010/main" spd="slow" p14:dur="6000">
-        <p15:prstTrans prst="curtains"/>
-      </p:transition>
-    </mc:Choice>
-    <mc:Fallback xmlns="">
-      <p:transition spd="slow">
-        <p:fade/>
-      </p:transition>
-    </mc:Fallback>
-  </mc:AlternateContent>
+  <p:timing>
+    <p:tnLst>
+      <p:par>
+        <p:cTn id="1" dur="indefinite" restart="never" nodeType="tmRoot"/>
+      </p:par>
+    </p:tnLst>
+  </p:timing>
 </p:sld>
 </file>
 
@@ -6454,7 +6932,7 @@
         <p:spPr>
           <a:xfrm>
             <a:off x="234032" y="114817"/>
-            <a:ext cx="11957968" cy="6304290"/>
+            <a:ext cx="11957968" cy="5786199"/>
           </a:xfrm>
           <a:prstGeom prst="rect">
             <a:avLst/>
@@ -6558,483 +7036,206 @@
             </a:endParaRPr>
           </a:p>
           <a:p>
-            <a:pPr marL="342900" marR="0" indent="-342900">
-              <a:spcBef>
-                <a:spcPts val="200"/>
-              </a:spcBef>
-              <a:spcAft>
-                <a:spcPts val="0"/>
-              </a:spcAft>
-              <a:buAutoNum type="arabicPeriod"/>
-            </a:pPr>
-            <a:r>
-              <a:rPr lang="vi-VN" b="1" i="1" kern="100" dirty="0" smtClean="0">
-                <a:solidFill>
-                  <a:srgbClr val="000000"/>
-                </a:solidFill>
-                <a:effectLst/>
-                <a:latin typeface="Times New Roman" panose="02020603050405020304" pitchFamily="18" charset="0"/>
-                <a:ea typeface="DengXian Light" panose="020B0503020204020204" pitchFamily="2" charset="-122"/>
-                <a:cs typeface="Times New Roman" panose="02020603050405020304" pitchFamily="18" charset="0"/>
-              </a:rPr>
-              <a:t>Đưa </a:t>
-            </a:r>
-            <a:r>
-              <a:rPr lang="vi-VN" b="1" i="1" kern="100" dirty="0">
-                <a:solidFill>
-                  <a:srgbClr val="000000"/>
-                </a:solidFill>
-                <a:effectLst/>
-                <a:latin typeface="Times New Roman" panose="02020603050405020304" pitchFamily="18" charset="0"/>
-                <a:ea typeface="DengXian Light" panose="020B0503020204020204" pitchFamily="2" charset="-122"/>
-                <a:cs typeface="Times New Roman" panose="02020603050405020304" pitchFamily="18" charset="0"/>
-              </a:rPr>
-              <a:t>khách hàng đến gần hơn với sản phẩm/dịch vụ của doanh </a:t>
-            </a:r>
-            <a:r>
-              <a:rPr lang="vi-VN" b="1" i="1" kern="100" dirty="0" smtClean="0">
-                <a:solidFill>
-                  <a:srgbClr val="000000"/>
-                </a:solidFill>
-                <a:effectLst/>
-                <a:latin typeface="Times New Roman" panose="02020603050405020304" pitchFamily="18" charset="0"/>
-                <a:ea typeface="DengXian Light" panose="020B0503020204020204" pitchFamily="2" charset="-122"/>
-                <a:cs typeface="Times New Roman" panose="02020603050405020304" pitchFamily="18" charset="0"/>
-              </a:rPr>
-              <a:t>nghiệp</a:t>
-            </a:r>
-            <a:endParaRPr lang="en-US" b="1" i="1" kern="100" dirty="0" smtClean="0">
-              <a:solidFill>
-                <a:srgbClr val="000000"/>
-              </a:solidFill>
-              <a:effectLst/>
+            <a:r>
+              <a:rPr lang="en-US" sz="2000" b="1" dirty="0" smtClean="0">
+                <a:latin typeface="Times New Roman" panose="02020603050405020304" pitchFamily="18" charset="0"/>
+                <a:cs typeface="Times New Roman" panose="02020603050405020304" pitchFamily="18" charset="0"/>
+              </a:rPr>
+              <a:t>1.</a:t>
+            </a:r>
+            <a:r>
+              <a:rPr lang="vi-VN" sz="2000" b="1" dirty="0" smtClean="0">
+                <a:latin typeface="Times New Roman" panose="02020603050405020304" pitchFamily="18" charset="0"/>
+                <a:cs typeface="Times New Roman" panose="02020603050405020304" pitchFamily="18" charset="0"/>
+              </a:rPr>
+              <a:t>Lập </a:t>
+            </a:r>
+            <a:r>
+              <a:rPr lang="vi-VN" sz="2000" b="1" dirty="0">
+                <a:latin typeface="Times New Roman" panose="02020603050405020304" pitchFamily="18" charset="0"/>
+                <a:cs typeface="Times New Roman" panose="02020603050405020304" pitchFamily="18" charset="0"/>
+              </a:rPr>
+              <a:t>kế hoạch và phân </a:t>
+            </a:r>
+            <a:r>
+              <a:rPr lang="vi-VN" sz="2000" b="1" dirty="0" smtClean="0">
+                <a:latin typeface="Times New Roman" panose="02020603050405020304" pitchFamily="18" charset="0"/>
+                <a:cs typeface="Times New Roman" panose="02020603050405020304" pitchFamily="18" charset="0"/>
+              </a:rPr>
+              <a:t>tích</a:t>
+            </a:r>
+            <a:endParaRPr lang="en-US" sz="2000" b="1" dirty="0" smtClean="0">
               <a:latin typeface="Times New Roman" panose="02020603050405020304" pitchFamily="18" charset="0"/>
-              <a:ea typeface="DengXian Light" panose="020B0503020204020204" pitchFamily="2" charset="-122"/>
               <a:cs typeface="Times New Roman" panose="02020603050405020304" pitchFamily="18" charset="0"/>
             </a:endParaRPr>
           </a:p>
           <a:p>
-            <a:pPr marR="0">
-              <a:spcBef>
-                <a:spcPts val="200"/>
-              </a:spcBef>
-              <a:spcAft>
-                <a:spcPts val="0"/>
-              </a:spcAft>
-            </a:pPr>
-            <a:endParaRPr lang="en-US" b="1" i="1" kern="100" dirty="0">
-              <a:effectLst/>
+            <a:endParaRPr lang="vi-VN" sz="2000" dirty="0">
               <a:latin typeface="Times New Roman" panose="02020603050405020304" pitchFamily="18" charset="0"/>
-              <a:ea typeface="DengXian Light" panose="020B0503020204020204" pitchFamily="2" charset="-122"/>
               <a:cs typeface="Times New Roman" panose="02020603050405020304" pitchFamily="18" charset="0"/>
             </a:endParaRPr>
           </a:p>
           <a:p>
-            <a:pPr marL="0" marR="0"/>
-            <a:r>
-              <a:rPr lang="en-US" b="1" i="1" kern="100" dirty="0" smtClean="0">
-                <a:solidFill>
-                  <a:srgbClr val="000000"/>
-                </a:solidFill>
-                <a:latin typeface="Times New Roman" panose="02020603050405020304" pitchFamily="18" charset="0"/>
-                <a:ea typeface="DengXian Light" panose="020B0503020204020204" pitchFamily="2" charset="-122"/>
-                <a:cs typeface="Times New Roman" panose="02020603050405020304" pitchFamily="18" charset="0"/>
-              </a:rPr>
-              <a:t>2</a:t>
-            </a:r>
-            <a:r>
-              <a:rPr lang="vi-VN" b="1" i="1" kern="100" dirty="0" smtClean="0">
-                <a:solidFill>
-                  <a:srgbClr val="000000"/>
-                </a:solidFill>
-                <a:effectLst/>
-                <a:latin typeface="Times New Roman" panose="02020603050405020304" pitchFamily="18" charset="0"/>
-                <a:ea typeface="DengXian Light" panose="020B0503020204020204" pitchFamily="2" charset="-122"/>
-                <a:cs typeface="Times New Roman" panose="02020603050405020304" pitchFamily="18" charset="0"/>
-              </a:rPr>
-              <a:t>. Tăng lượng traffic</a:t>
-            </a:r>
-            <a:endParaRPr lang="en-US" b="1" i="1" kern="100" dirty="0" smtClean="0">
-              <a:effectLst/>
+            <a:r>
+              <a:rPr lang="en-US" sz="2000" b="1" dirty="0" smtClean="0">
+                <a:latin typeface="Times New Roman" panose="02020603050405020304" pitchFamily="18" charset="0"/>
+                <a:cs typeface="Times New Roman" panose="02020603050405020304" pitchFamily="18" charset="0"/>
+              </a:rPr>
+              <a:t>2.</a:t>
+            </a:r>
+            <a:r>
+              <a:rPr lang="vi-VN" sz="2000" b="1" dirty="0" smtClean="0">
+                <a:latin typeface="Times New Roman" panose="02020603050405020304" pitchFamily="18" charset="0"/>
+                <a:cs typeface="Times New Roman" panose="02020603050405020304" pitchFamily="18" charset="0"/>
+              </a:rPr>
+              <a:t>Thiết </a:t>
+            </a:r>
+            <a:r>
+              <a:rPr lang="vi-VN" sz="2000" b="1" dirty="0">
+                <a:latin typeface="Times New Roman" panose="02020603050405020304" pitchFamily="18" charset="0"/>
+                <a:cs typeface="Times New Roman" panose="02020603050405020304" pitchFamily="18" charset="0"/>
+              </a:rPr>
+              <a:t>kế:</a:t>
+            </a:r>
+            <a:endParaRPr lang="vi-VN" sz="2000" dirty="0">
               <a:latin typeface="Times New Roman" panose="02020603050405020304" pitchFamily="18" charset="0"/>
-              <a:ea typeface="DengXian Light" panose="020B0503020204020204" pitchFamily="2" charset="-122"/>
               <a:cs typeface="Times New Roman" panose="02020603050405020304" pitchFamily="18" charset="0"/>
             </a:endParaRPr>
           </a:p>
           <a:p>
-            <a:pPr marL="0" marR="0"/>
-            <a:endParaRPr lang="en-US" dirty="0">
-              <a:effectLst/>
+            <a:pPr lvl="1"/>
+            <a:endParaRPr lang="vi-VN" sz="2000" dirty="0">
               <a:latin typeface="Times New Roman" panose="02020603050405020304" pitchFamily="18" charset="0"/>
-              <a:ea typeface="Times New Roman" panose="02020603050405020304" pitchFamily="18" charset="0"/>
-            </a:endParaRPr>
-          </a:p>
-          <a:p>
-            <a:pPr marL="0" marR="0">
-              <a:spcBef>
-                <a:spcPts val="200"/>
-              </a:spcBef>
-              <a:spcAft>
-                <a:spcPts val="0"/>
-              </a:spcAft>
-            </a:pPr>
-            <a:r>
-              <a:rPr lang="en-US" b="1" i="1" kern="100" dirty="0">
-                <a:solidFill>
-                  <a:srgbClr val="000000"/>
-                </a:solidFill>
-                <a:latin typeface="Times New Roman" panose="02020603050405020304" pitchFamily="18" charset="0"/>
-                <a:ea typeface="DengXian Light" panose="020B0503020204020204" pitchFamily="2" charset="-122"/>
-                <a:cs typeface="Times New Roman" panose="02020603050405020304" pitchFamily="18" charset="0"/>
-              </a:rPr>
-              <a:t>3</a:t>
-            </a:r>
-            <a:r>
-              <a:rPr lang="vi-VN" b="1" i="1" kern="100" dirty="0" smtClean="0">
-                <a:solidFill>
-                  <a:srgbClr val="000000"/>
-                </a:solidFill>
-                <a:effectLst/>
-                <a:latin typeface="Times New Roman" panose="02020603050405020304" pitchFamily="18" charset="0"/>
-                <a:ea typeface="DengXian Light" panose="020B0503020204020204" pitchFamily="2" charset="-122"/>
-                <a:cs typeface="Times New Roman" panose="02020603050405020304" pitchFamily="18" charset="0"/>
-              </a:rPr>
-              <a:t>. </a:t>
-            </a:r>
-            <a:r>
-              <a:rPr lang="vi-VN" b="1" i="1" kern="100" dirty="0">
-                <a:solidFill>
-                  <a:srgbClr val="000000"/>
-                </a:solidFill>
-                <a:effectLst/>
-                <a:latin typeface="Times New Roman" panose="02020603050405020304" pitchFamily="18" charset="0"/>
-                <a:ea typeface="DengXian Light" panose="020B0503020204020204" pitchFamily="2" charset="-122"/>
-                <a:cs typeface="Times New Roman" panose="02020603050405020304" pitchFamily="18" charset="0"/>
-              </a:rPr>
-              <a:t>Gia tăng tỷ lệ chuyển đổi, tỷ lệ mua hàng</a:t>
-            </a:r>
-            <a:endParaRPr lang="en-US" b="1" i="1" kern="100" dirty="0">
-              <a:effectLst/>
-              <a:latin typeface="Times New Roman" panose="02020603050405020304" pitchFamily="18" charset="0"/>
-              <a:ea typeface="DengXian Light" panose="020B0503020204020204" pitchFamily="2" charset="-122"/>
               <a:cs typeface="Times New Roman" panose="02020603050405020304" pitchFamily="18" charset="0"/>
             </a:endParaRPr>
           </a:p>
           <a:p>
-            <a:pPr marL="0" marR="0"/>
-            <a:endParaRPr lang="en-US" dirty="0">
-              <a:effectLst/>
+            <a:r>
+              <a:rPr lang="en-US" sz="2000" b="1" dirty="0" smtClean="0">
+                <a:latin typeface="Times New Roman" panose="02020603050405020304" pitchFamily="18" charset="0"/>
+                <a:cs typeface="Times New Roman" panose="02020603050405020304" pitchFamily="18" charset="0"/>
+              </a:rPr>
+              <a:t>3.</a:t>
+            </a:r>
+            <a:r>
+              <a:rPr lang="vi-VN" sz="2000" b="1" dirty="0" smtClean="0">
+                <a:latin typeface="Times New Roman" panose="02020603050405020304" pitchFamily="18" charset="0"/>
+                <a:cs typeface="Times New Roman" panose="02020603050405020304" pitchFamily="18" charset="0"/>
+              </a:rPr>
+              <a:t>Phát </a:t>
+            </a:r>
+            <a:r>
+              <a:rPr lang="vi-VN" sz="2000" b="1" dirty="0">
+                <a:latin typeface="Times New Roman" panose="02020603050405020304" pitchFamily="18" charset="0"/>
+                <a:cs typeface="Times New Roman" panose="02020603050405020304" pitchFamily="18" charset="0"/>
+              </a:rPr>
+              <a:t>triển:</a:t>
+            </a:r>
+            <a:endParaRPr lang="vi-VN" sz="2000" dirty="0">
               <a:latin typeface="Times New Roman" panose="02020603050405020304" pitchFamily="18" charset="0"/>
-              <a:ea typeface="Times New Roman" panose="02020603050405020304" pitchFamily="18" charset="0"/>
-            </a:endParaRPr>
-          </a:p>
-          <a:p>
-            <a:pPr marL="0" marR="0">
-              <a:spcBef>
-                <a:spcPts val="200"/>
-              </a:spcBef>
-              <a:spcAft>
-                <a:spcPts val="0"/>
-              </a:spcAft>
-            </a:pPr>
-            <a:r>
-              <a:rPr lang="en-US" b="1" i="1" kern="100" dirty="0">
-                <a:solidFill>
-                  <a:srgbClr val="000000"/>
-                </a:solidFill>
-                <a:latin typeface="Times New Roman" panose="02020603050405020304" pitchFamily="18" charset="0"/>
-                <a:ea typeface="DengXian Light" panose="020B0503020204020204" pitchFamily="2" charset="-122"/>
-                <a:cs typeface="Times New Roman" panose="02020603050405020304" pitchFamily="18" charset="0"/>
-              </a:rPr>
-              <a:t>4</a:t>
-            </a:r>
-            <a:r>
-              <a:rPr lang="vi-VN" b="1" i="1" kern="100" dirty="0" smtClean="0">
-                <a:solidFill>
-                  <a:srgbClr val="000000"/>
-                </a:solidFill>
-                <a:effectLst/>
-                <a:latin typeface="Times New Roman" panose="02020603050405020304" pitchFamily="18" charset="0"/>
-                <a:ea typeface="DengXian Light" panose="020B0503020204020204" pitchFamily="2" charset="-122"/>
-                <a:cs typeface="Times New Roman" panose="02020603050405020304" pitchFamily="18" charset="0"/>
-              </a:rPr>
-              <a:t>.Xây </a:t>
-            </a:r>
-            <a:r>
-              <a:rPr lang="vi-VN" b="1" i="1" kern="100" dirty="0">
-                <a:solidFill>
-                  <a:srgbClr val="000000"/>
-                </a:solidFill>
-                <a:effectLst/>
-                <a:latin typeface="Times New Roman" panose="02020603050405020304" pitchFamily="18" charset="0"/>
-                <a:ea typeface="DengXian Light" panose="020B0503020204020204" pitchFamily="2" charset="-122"/>
-                <a:cs typeface="Times New Roman" panose="02020603050405020304" pitchFamily="18" charset="0"/>
-              </a:rPr>
-              <a:t>dựng hình ảnh chuyên nghiệp, đáng tin cậy</a:t>
-            </a:r>
-            <a:endParaRPr lang="en-US" b="1" i="1" kern="100" dirty="0">
-              <a:effectLst/>
-              <a:latin typeface="Times New Roman" panose="02020603050405020304" pitchFamily="18" charset="0"/>
-              <a:ea typeface="DengXian Light" panose="020B0503020204020204" pitchFamily="2" charset="-122"/>
               <a:cs typeface="Times New Roman" panose="02020603050405020304" pitchFamily="18" charset="0"/>
             </a:endParaRPr>
           </a:p>
           <a:p>
-            <a:pPr marL="0" marR="0"/>
-            <a:endParaRPr lang="vi-VN" dirty="0">
-              <a:solidFill>
-                <a:srgbClr val="000000"/>
-              </a:solidFill>
-              <a:effectLst/>
+            <a:pPr lvl="1"/>
+            <a:endParaRPr lang="vi-VN" sz="2000" dirty="0">
               <a:latin typeface="Times New Roman" panose="02020603050405020304" pitchFamily="18" charset="0"/>
-              <a:ea typeface="Times New Roman" panose="02020603050405020304" pitchFamily="18" charset="0"/>
-            </a:endParaRPr>
-          </a:p>
-          <a:p>
-            <a:pPr marL="0" marR="0">
-              <a:spcBef>
-                <a:spcPts val="200"/>
-              </a:spcBef>
-              <a:spcAft>
-                <a:spcPts val="0"/>
-              </a:spcAft>
-            </a:pPr>
-            <a:r>
-              <a:rPr lang="en-US" b="1" i="1" kern="100" dirty="0">
-                <a:solidFill>
-                  <a:srgbClr val="000000"/>
-                </a:solidFill>
-                <a:latin typeface="Times New Roman" panose="02020603050405020304" pitchFamily="18" charset="0"/>
-                <a:ea typeface="DengXian Light" panose="020B0503020204020204" pitchFamily="2" charset="-122"/>
-                <a:cs typeface="Times New Roman" panose="02020603050405020304" pitchFamily="18" charset="0"/>
-              </a:rPr>
-              <a:t>5</a:t>
-            </a:r>
-            <a:r>
-              <a:rPr lang="vi-VN" b="1" i="1" kern="100" dirty="0" smtClean="0">
-                <a:solidFill>
-                  <a:srgbClr val="000000"/>
-                </a:solidFill>
-                <a:effectLst/>
-                <a:latin typeface="Times New Roman" panose="02020603050405020304" pitchFamily="18" charset="0"/>
-                <a:ea typeface="DengXian Light" panose="020B0503020204020204" pitchFamily="2" charset="-122"/>
-                <a:cs typeface="Times New Roman" panose="02020603050405020304" pitchFamily="18" charset="0"/>
-              </a:rPr>
-              <a:t>.Tiêu </a:t>
-            </a:r>
-            <a:r>
-              <a:rPr lang="vi-VN" b="1" i="1" kern="100" dirty="0">
-                <a:solidFill>
-                  <a:srgbClr val="000000"/>
-                </a:solidFill>
-                <a:effectLst/>
-                <a:latin typeface="Times New Roman" panose="02020603050405020304" pitchFamily="18" charset="0"/>
-                <a:ea typeface="DengXian Light" panose="020B0503020204020204" pitchFamily="2" charset="-122"/>
-                <a:cs typeface="Times New Roman" panose="02020603050405020304" pitchFamily="18" charset="0"/>
-              </a:rPr>
-              <a:t>chí khi thiết kế </a:t>
-            </a:r>
-            <a:r>
-              <a:rPr lang="vi-VN" b="1" i="1" kern="100" dirty="0" smtClean="0">
-                <a:solidFill>
-                  <a:srgbClr val="000000"/>
-                </a:solidFill>
-                <a:effectLst/>
-                <a:latin typeface="Times New Roman" panose="02020603050405020304" pitchFamily="18" charset="0"/>
-                <a:ea typeface="DengXian Light" panose="020B0503020204020204" pitchFamily="2" charset="-122"/>
-                <a:cs typeface="Times New Roman" panose="02020603050405020304" pitchFamily="18" charset="0"/>
-              </a:rPr>
-              <a:t>website</a:t>
-            </a:r>
-            <a:endParaRPr lang="en-US" b="1" i="1" kern="100" dirty="0" smtClean="0">
-              <a:solidFill>
-                <a:srgbClr val="000000"/>
-              </a:solidFill>
-              <a:effectLst/>
-              <a:latin typeface="Times New Roman" panose="02020603050405020304" pitchFamily="18" charset="0"/>
-              <a:ea typeface="DengXian Light" panose="020B0503020204020204" pitchFamily="2" charset="-122"/>
               <a:cs typeface="Times New Roman" panose="02020603050405020304" pitchFamily="18" charset="0"/>
             </a:endParaRPr>
           </a:p>
           <a:p>
-            <a:pPr marL="0" marR="0">
-              <a:spcBef>
-                <a:spcPts val="200"/>
-              </a:spcBef>
-              <a:spcAft>
-                <a:spcPts val="0"/>
-              </a:spcAft>
-            </a:pPr>
-            <a:endParaRPr lang="en-US" b="1" i="1" kern="100" dirty="0">
-              <a:effectLst/>
+            <a:r>
+              <a:rPr lang="en-US" sz="2000" b="1" dirty="0" smtClean="0">
+                <a:latin typeface="Times New Roman" panose="02020603050405020304" pitchFamily="18" charset="0"/>
+                <a:cs typeface="Times New Roman" panose="02020603050405020304" pitchFamily="18" charset="0"/>
+              </a:rPr>
+              <a:t>4.</a:t>
+            </a:r>
+            <a:r>
+              <a:rPr lang="vi-VN" sz="2000" b="1" dirty="0" smtClean="0">
+                <a:latin typeface="Times New Roman" panose="02020603050405020304" pitchFamily="18" charset="0"/>
+                <a:cs typeface="Times New Roman" panose="02020603050405020304" pitchFamily="18" charset="0"/>
+              </a:rPr>
+              <a:t>Kiểm </a:t>
+            </a:r>
+            <a:r>
+              <a:rPr lang="vi-VN" sz="2000" b="1" dirty="0">
+                <a:latin typeface="Times New Roman" panose="02020603050405020304" pitchFamily="18" charset="0"/>
+                <a:cs typeface="Times New Roman" panose="02020603050405020304" pitchFamily="18" charset="0"/>
+              </a:rPr>
+              <a:t>tra và kiểm định:</a:t>
+            </a:r>
+            <a:endParaRPr lang="vi-VN" sz="2000" dirty="0">
               <a:latin typeface="Times New Roman" panose="02020603050405020304" pitchFamily="18" charset="0"/>
-              <a:ea typeface="DengXian Light" panose="020B0503020204020204" pitchFamily="2" charset="-122"/>
               <a:cs typeface="Times New Roman" panose="02020603050405020304" pitchFamily="18" charset="0"/>
             </a:endParaRPr>
           </a:p>
           <a:p>
-            <a:pPr marL="0" marR="0">
-              <a:spcBef>
-                <a:spcPts val="200"/>
-              </a:spcBef>
-              <a:spcAft>
-                <a:spcPts val="0"/>
-              </a:spcAft>
-            </a:pPr>
-            <a:r>
-              <a:rPr lang="en-US" b="1" i="1" kern="100" dirty="0" smtClean="0">
-                <a:solidFill>
-                  <a:srgbClr val="000000"/>
-                </a:solidFill>
-                <a:latin typeface="Times New Roman" panose="02020603050405020304" pitchFamily="18" charset="0"/>
-                <a:ea typeface="DengXian Light" panose="020B0503020204020204" pitchFamily="2" charset="-122"/>
-                <a:cs typeface="Times New Roman" panose="02020603050405020304" pitchFamily="18" charset="0"/>
-              </a:rPr>
-              <a:t>6</a:t>
-            </a:r>
-            <a:r>
-              <a:rPr lang="vi-VN" b="1" i="1" kern="100" dirty="0" smtClean="0">
-                <a:solidFill>
-                  <a:srgbClr val="000000"/>
-                </a:solidFill>
-                <a:effectLst/>
-                <a:latin typeface="Times New Roman" panose="02020603050405020304" pitchFamily="18" charset="0"/>
-                <a:ea typeface="DengXian Light" panose="020B0503020204020204" pitchFamily="2" charset="-122"/>
-                <a:cs typeface="Times New Roman" panose="02020603050405020304" pitchFamily="18" charset="0"/>
-              </a:rPr>
-              <a:t>.</a:t>
-            </a:r>
-            <a:r>
-              <a:rPr lang="en-US" b="1" i="1" kern="100" dirty="0">
-                <a:solidFill>
-                  <a:srgbClr val="000000"/>
-                </a:solidFill>
-                <a:effectLst/>
-                <a:latin typeface="Times New Roman" panose="02020603050405020304" pitchFamily="18" charset="0"/>
-                <a:ea typeface="DengXian Light" panose="020B0503020204020204" pitchFamily="2" charset="-122"/>
-                <a:cs typeface="Times New Roman" panose="02020603050405020304" pitchFamily="18" charset="0"/>
-              </a:rPr>
-              <a:t>Giao </a:t>
-            </a:r>
-            <a:r>
-              <a:rPr lang="en-US" b="1" i="1" kern="100" dirty="0" err="1">
-                <a:solidFill>
-                  <a:srgbClr val="000000"/>
-                </a:solidFill>
-                <a:effectLst/>
-                <a:latin typeface="Times New Roman" panose="02020603050405020304" pitchFamily="18" charset="0"/>
-                <a:ea typeface="DengXian Light" panose="020B0503020204020204" pitchFamily="2" charset="-122"/>
-                <a:cs typeface="Times New Roman" panose="02020603050405020304" pitchFamily="18" charset="0"/>
-              </a:rPr>
-              <a:t>diện</a:t>
-            </a:r>
-            <a:r>
-              <a:rPr lang="en-US" b="1" i="1" kern="100" dirty="0">
-                <a:solidFill>
-                  <a:srgbClr val="000000"/>
-                </a:solidFill>
-                <a:effectLst/>
-                <a:latin typeface="Times New Roman" panose="02020603050405020304" pitchFamily="18" charset="0"/>
-                <a:ea typeface="DengXian Light" panose="020B0503020204020204" pitchFamily="2" charset="-122"/>
-                <a:cs typeface="Times New Roman" panose="02020603050405020304" pitchFamily="18" charset="0"/>
-              </a:rPr>
-              <a:t> website </a:t>
-            </a:r>
-            <a:r>
-              <a:rPr lang="en-US" b="1" i="1" kern="100" dirty="0" err="1">
-                <a:solidFill>
-                  <a:srgbClr val="000000"/>
-                </a:solidFill>
-                <a:effectLst/>
-                <a:latin typeface="Times New Roman" panose="02020603050405020304" pitchFamily="18" charset="0"/>
-                <a:ea typeface="DengXian Light" panose="020B0503020204020204" pitchFamily="2" charset="-122"/>
-                <a:cs typeface="Times New Roman" panose="02020603050405020304" pitchFamily="18" charset="0"/>
-              </a:rPr>
-              <a:t>đẹp</a:t>
-            </a:r>
-            <a:r>
-              <a:rPr lang="en-US" b="1" i="1" kern="100" dirty="0">
-                <a:solidFill>
-                  <a:srgbClr val="000000"/>
-                </a:solidFill>
-                <a:effectLst/>
-                <a:latin typeface="Times New Roman" panose="02020603050405020304" pitchFamily="18" charset="0"/>
-                <a:ea typeface="DengXian Light" panose="020B0503020204020204" pitchFamily="2" charset="-122"/>
-                <a:cs typeface="Times New Roman" panose="02020603050405020304" pitchFamily="18" charset="0"/>
-              </a:rPr>
-              <a:t> – </a:t>
-            </a:r>
-            <a:r>
-              <a:rPr lang="en-US" b="1" i="1" kern="100" dirty="0" err="1">
-                <a:solidFill>
-                  <a:srgbClr val="000000"/>
-                </a:solidFill>
-                <a:effectLst/>
-                <a:latin typeface="Times New Roman" panose="02020603050405020304" pitchFamily="18" charset="0"/>
-                <a:ea typeface="DengXian Light" panose="020B0503020204020204" pitchFamily="2" charset="-122"/>
-                <a:cs typeface="Times New Roman" panose="02020603050405020304" pitchFamily="18" charset="0"/>
-              </a:rPr>
-              <a:t>thu</a:t>
-            </a:r>
-            <a:r>
-              <a:rPr lang="en-US" b="1" i="1" kern="100" dirty="0">
-                <a:solidFill>
-                  <a:srgbClr val="000000"/>
-                </a:solidFill>
-                <a:effectLst/>
-                <a:latin typeface="Times New Roman" panose="02020603050405020304" pitchFamily="18" charset="0"/>
-                <a:ea typeface="DengXian Light" panose="020B0503020204020204" pitchFamily="2" charset="-122"/>
-                <a:cs typeface="Times New Roman" panose="02020603050405020304" pitchFamily="18" charset="0"/>
-              </a:rPr>
-              <a:t> </a:t>
-            </a:r>
-            <a:r>
-              <a:rPr lang="en-US" b="1" i="1" kern="100" dirty="0" err="1">
-                <a:solidFill>
-                  <a:srgbClr val="000000"/>
-                </a:solidFill>
-                <a:effectLst/>
-                <a:latin typeface="Times New Roman" panose="02020603050405020304" pitchFamily="18" charset="0"/>
-                <a:ea typeface="DengXian Light" panose="020B0503020204020204" pitchFamily="2" charset="-122"/>
-                <a:cs typeface="Times New Roman" panose="02020603050405020304" pitchFamily="18" charset="0"/>
-              </a:rPr>
-              <a:t>hút</a:t>
-            </a:r>
-            <a:endParaRPr lang="en-US" b="1" i="1" kern="100" dirty="0">
-              <a:effectLst/>
+            <a:pPr lvl="1"/>
+            <a:endParaRPr lang="vi-VN" sz="2000" dirty="0">
               <a:latin typeface="Times New Roman" panose="02020603050405020304" pitchFamily="18" charset="0"/>
-              <a:ea typeface="DengXian Light" panose="020B0503020204020204" pitchFamily="2" charset="-122"/>
               <a:cs typeface="Times New Roman" panose="02020603050405020304" pitchFamily="18" charset="0"/>
             </a:endParaRPr>
           </a:p>
           <a:p>
-            <a:pPr marL="0" marR="0"/>
-            <a:endParaRPr lang="en-US" sz="1800" dirty="0">
-              <a:effectLst/>
+            <a:r>
+              <a:rPr lang="en-US" sz="2000" b="1" dirty="0" smtClean="0">
+                <a:latin typeface="Times New Roman" panose="02020603050405020304" pitchFamily="18" charset="0"/>
+                <a:cs typeface="Times New Roman" panose="02020603050405020304" pitchFamily="18" charset="0"/>
+              </a:rPr>
+              <a:t>5.</a:t>
+            </a:r>
+            <a:r>
+              <a:rPr lang="vi-VN" sz="2000" b="1" dirty="0" smtClean="0">
+                <a:latin typeface="Times New Roman" panose="02020603050405020304" pitchFamily="18" charset="0"/>
+                <a:cs typeface="Times New Roman" panose="02020603050405020304" pitchFamily="18" charset="0"/>
+              </a:rPr>
+              <a:t>Triển </a:t>
+            </a:r>
+            <a:r>
+              <a:rPr lang="vi-VN" sz="2000" b="1" dirty="0">
+                <a:latin typeface="Times New Roman" panose="02020603050405020304" pitchFamily="18" charset="0"/>
+                <a:cs typeface="Times New Roman" panose="02020603050405020304" pitchFamily="18" charset="0"/>
+              </a:rPr>
+              <a:t>khai và chạy thử:</a:t>
+            </a:r>
+            <a:endParaRPr lang="vi-VN" sz="2000" dirty="0">
               <a:latin typeface="Times New Roman" panose="02020603050405020304" pitchFamily="18" charset="0"/>
-              <a:ea typeface="Times New Roman" panose="02020603050405020304" pitchFamily="18" charset="0"/>
+              <a:cs typeface="Times New Roman" panose="02020603050405020304" pitchFamily="18" charset="0"/>
             </a:endParaRPr>
           </a:p>
           <a:p>
-            <a:pPr marL="0" marR="0"/>
-            <a:endParaRPr lang="vi-VN" sz="1300" dirty="0">
-              <a:solidFill>
-                <a:srgbClr val="000000"/>
-              </a:solidFill>
-              <a:effectLst/>
+            <a:pPr lvl="1"/>
+            <a:endParaRPr lang="vi-VN" sz="2000" dirty="0">
               <a:latin typeface="Times New Roman" panose="02020603050405020304" pitchFamily="18" charset="0"/>
-              <a:ea typeface="Times New Roman" panose="02020603050405020304" pitchFamily="18" charset="0"/>
+              <a:cs typeface="Times New Roman" panose="02020603050405020304" pitchFamily="18" charset="0"/>
             </a:endParaRPr>
           </a:p>
           <a:p>
-            <a:pPr marL="0" marR="0"/>
-            <a:endParaRPr lang="vi-VN" sz="1300" dirty="0">
-              <a:solidFill>
-                <a:srgbClr val="000000"/>
-              </a:solidFill>
-              <a:effectLst/>
+            <a:r>
+              <a:rPr lang="en-US" sz="2000" b="1" dirty="0" smtClean="0">
+                <a:latin typeface="Times New Roman" panose="02020603050405020304" pitchFamily="18" charset="0"/>
+                <a:cs typeface="Times New Roman" panose="02020603050405020304" pitchFamily="18" charset="0"/>
+              </a:rPr>
+              <a:t>6.</a:t>
+            </a:r>
+            <a:r>
+              <a:rPr lang="vi-VN" sz="2000" b="1" dirty="0" smtClean="0">
+                <a:latin typeface="Times New Roman" panose="02020603050405020304" pitchFamily="18" charset="0"/>
+                <a:cs typeface="Times New Roman" panose="02020603050405020304" pitchFamily="18" charset="0"/>
+              </a:rPr>
+              <a:t>Phát </a:t>
+            </a:r>
+            <a:r>
+              <a:rPr lang="vi-VN" sz="2000" b="1" dirty="0">
+                <a:latin typeface="Times New Roman" panose="02020603050405020304" pitchFamily="18" charset="0"/>
+                <a:cs typeface="Times New Roman" panose="02020603050405020304" pitchFamily="18" charset="0"/>
+              </a:rPr>
+              <a:t>hành và quản lý:</a:t>
+            </a:r>
+            <a:endParaRPr lang="vi-VN" sz="2000" dirty="0">
               <a:latin typeface="Times New Roman" panose="02020603050405020304" pitchFamily="18" charset="0"/>
-              <a:ea typeface="Times New Roman" panose="02020603050405020304" pitchFamily="18" charset="0"/>
+              <a:cs typeface="Times New Roman" panose="02020603050405020304" pitchFamily="18" charset="0"/>
             </a:endParaRPr>
           </a:p>
           <a:p>
@@ -7071,6 +7272,13 @@
   <p:transition spd="slow">
     <p:cover/>
   </p:transition>
+  <p:timing>
+    <p:tnLst>
+      <p:par>
+        <p:cTn id="1" dur="indefinite" restart="never" nodeType="tmRoot"/>
+      </p:par>
+    </p:tnLst>
+  </p:timing>
 </p:sld>
 </file>
 
@@ -7510,6 +7718,13 @@
   <p:transition spd="med">
     <p:pull/>
   </p:transition>
+  <p:timing>
+    <p:tnLst>
+      <p:par>
+        <p:cTn id="1" dur="indefinite" restart="never" nodeType="tmRoot"/>
+      </p:par>
+    </p:tnLst>
+  </p:timing>
 </p:sld>
 </file>
 
@@ -7587,6 +7802,13 @@
   <p:transition spd="slow">
     <p:wheel spokes="1"/>
   </p:transition>
+  <p:timing>
+    <p:tnLst>
+      <p:par>
+        <p:cTn id="1" dur="indefinite" restart="never" nodeType="tmRoot"/>
+      </p:par>
+    </p:tnLst>
+  </p:timing>
 </p:sld>
 </file>
 
@@ -7725,6 +7947,13 @@
   <p:transition spd="slow">
     <p:push dir="u"/>
   </p:transition>
+  <p:timing>
+    <p:tnLst>
+      <p:par>
+        <p:cTn id="1" dur="indefinite" restart="never" nodeType="tmRoot"/>
+      </p:par>
+    </p:tnLst>
+  </p:timing>
 </p:sld>
 </file>
 
@@ -7963,6 +8192,13 @@
       </p:transition>
     </mc:Fallback>
   </mc:AlternateContent>
+  <p:timing>
+    <p:tnLst>
+      <p:par>
+        <p:cTn id="1" dur="indefinite" restart="never" nodeType="tmRoot"/>
+      </p:par>
+    </p:tnLst>
+  </p:timing>
 </p:sld>
 </file>
 
@@ -7997,8 +8233,8 @@
         </p:nvSpPr>
         <p:spPr>
           <a:xfrm>
-            <a:off x="156755" y="351234"/>
-            <a:ext cx="12078788" cy="5570756"/>
+            <a:off x="350185" y="597419"/>
+            <a:ext cx="12078788" cy="2636619"/>
           </a:xfrm>
           <a:prstGeom prst="rect">
             <a:avLst/>
@@ -8113,11 +8349,44 @@
                 <a:ea typeface="Calibri" panose="020F0502020204030204" pitchFamily="34" charset="0"/>
                 <a:cs typeface="Times New Roman" panose="02020603050405020304" pitchFamily="18" charset="0"/>
               </a:rPr>
-              <a:t>-Thẻ tiêu đề (Heading): được xác định bằng thẻ đánh dấu từ &lt;h1&gt; tới &lt;h6&gt;, trong đó &lt;h1&gt; là tiêu đề quan trọng nhất còn &lt;h6&gt; là ít quan trọng nhất.</a:t>
+              <a:t>-Thẻ tiêu đề (Heading): được xác định bằng thẻ đánh dấu từ &lt;h1&gt; tới &lt;h6&gt;, trong đó &lt;h1&gt; là tiêu đề </a:t>
+            </a:r>
+            <a:r>
+              <a:rPr lang="en-US" kern="100" dirty="0" smtClean="0">
+                <a:latin typeface="Times New Roman" panose="02020603050405020304" pitchFamily="18" charset="0"/>
+                <a:ea typeface="Calibri" panose="020F0502020204030204" pitchFamily="34" charset="0"/>
+                <a:cs typeface="Times New Roman" panose="02020603050405020304" pitchFamily="18" charset="0"/>
+              </a:rPr>
+              <a:t>to</a:t>
+            </a:r>
+            <a:r>
+              <a:rPr lang="vi-VN" kern="100" dirty="0" smtClean="0">
+                <a:effectLst/>
+                <a:latin typeface="Times New Roman" panose="02020603050405020304" pitchFamily="18" charset="0"/>
+                <a:ea typeface="Calibri" panose="020F0502020204030204" pitchFamily="34" charset="0"/>
+                <a:cs typeface="Times New Roman" panose="02020603050405020304" pitchFamily="18" charset="0"/>
+              </a:rPr>
+              <a:t> </a:t>
+            </a:r>
+            <a:r>
+              <a:rPr lang="vi-VN" kern="100" dirty="0" smtClean="0">
+                <a:effectLst/>
+                <a:latin typeface="Times New Roman" panose="02020603050405020304" pitchFamily="18" charset="0"/>
+                <a:ea typeface="Calibri" panose="020F0502020204030204" pitchFamily="34" charset="0"/>
+                <a:cs typeface="Times New Roman" panose="02020603050405020304" pitchFamily="18" charset="0"/>
+              </a:rPr>
+              <a:t>nhất còn &lt;h6&gt; là </a:t>
+            </a:r>
+            <a:r>
+              <a:rPr lang="en-US" kern="100" dirty="0" err="1" smtClean="0">
+                <a:latin typeface="Times New Roman" panose="02020603050405020304" pitchFamily="18" charset="0"/>
+                <a:ea typeface="Calibri" panose="020F0502020204030204" pitchFamily="34" charset="0"/>
+                <a:cs typeface="Times New Roman" panose="02020603050405020304" pitchFamily="18" charset="0"/>
+              </a:rPr>
+              <a:t>nhỏ</a:t>
             </a:r>
             <a:endParaRPr lang="en-US" kern="100" dirty="0" smtClean="0">
-              <a:effectLst/>
-              <a:latin typeface="Calibri" panose="020F0502020204030204" pitchFamily="34" charset="0"/>
+              <a:latin typeface="Times New Roman" panose="02020603050405020304" pitchFamily="18" charset="0"/>
               <a:ea typeface="Calibri" panose="020F0502020204030204" pitchFamily="34" charset="0"/>
               <a:cs typeface="Times New Roman" panose="02020603050405020304" pitchFamily="18" charset="0"/>
             </a:endParaRPr>
@@ -8132,13 +8401,21 @@
               </a:spcAft>
             </a:pPr>
             <a:r>
-              <a:rPr lang="vi-VN" b="1" kern="100" dirty="0" smtClean="0">
-                <a:effectLst/>
-                <a:latin typeface="Times New Roman" panose="02020603050405020304" pitchFamily="18" charset="0"/>
-                <a:ea typeface="Calibri" panose="020F0502020204030204" pitchFamily="34" charset="0"/>
-                <a:cs typeface="Times New Roman" panose="02020603050405020304" pitchFamily="18" charset="0"/>
-              </a:rPr>
-              <a:t>* Đoạn văn bản:</a:t>
+              <a:rPr lang="en-US" kern="100" dirty="0" err="1">
+                <a:latin typeface="Times New Roman" panose="02020603050405020304" pitchFamily="18" charset="0"/>
+                <a:ea typeface="Calibri" panose="020F0502020204030204" pitchFamily="34" charset="0"/>
+                <a:cs typeface="Times New Roman" panose="02020603050405020304" pitchFamily="18" charset="0"/>
+              </a:rPr>
+              <a:t>n</a:t>
+            </a:r>
+            <a:r>
+              <a:rPr lang="en-US" kern="100" dirty="0" err="1" smtClean="0">
+                <a:effectLst/>
+                <a:latin typeface="Times New Roman" panose="02020603050405020304" pitchFamily="18" charset="0"/>
+                <a:ea typeface="Calibri" panose="020F0502020204030204" pitchFamily="34" charset="0"/>
+                <a:cs typeface="Times New Roman" panose="02020603050405020304" pitchFamily="18" charset="0"/>
+              </a:rPr>
+              <a:t>hất</a:t>
             </a:r>
             <a:endParaRPr lang="en-US" kern="100" dirty="0" smtClean="0">
               <a:effectLst/>
@@ -8156,190 +8433,6 @@
                 <a:spcPts val="800"/>
               </a:spcAft>
             </a:pPr>
-            <a:r>
-              <a:rPr lang="vi-VN" kern="100" dirty="0" smtClean="0">
-                <a:effectLst/>
-                <a:latin typeface="Times New Roman" panose="02020603050405020304" pitchFamily="18" charset="0"/>
-                <a:ea typeface="Calibri" panose="020F0502020204030204" pitchFamily="34" charset="0"/>
-                <a:cs typeface="Times New Roman" panose="02020603050405020304" pitchFamily="18" charset="0"/>
-              </a:rPr>
-              <a:t>- Thẻ văn bản &lt;p&gt; : được dùng để thêm đoạn văn cho trang.</a:t>
-            </a:r>
-            <a:endParaRPr lang="en-US" kern="100" dirty="0" smtClean="0">
-              <a:effectLst/>
-              <a:latin typeface="Calibri" panose="020F0502020204030204" pitchFamily="34" charset="0"/>
-              <a:ea typeface="Calibri" panose="020F0502020204030204" pitchFamily="34" charset="0"/>
-              <a:cs typeface="Times New Roman" panose="02020603050405020304" pitchFamily="18" charset="0"/>
-            </a:endParaRPr>
-          </a:p>
-          <a:p>
-            <a:pPr marL="0" marR="0" algn="just">
-              <a:spcBef>
-                <a:spcPts val="0"/>
-              </a:spcBef>
-              <a:spcAft>
-                <a:spcPts val="800"/>
-              </a:spcAft>
-            </a:pPr>
-            <a:r>
-              <a:rPr lang="vi-VN" b="1" kern="100" dirty="0" smtClean="0">
-                <a:effectLst/>
-                <a:latin typeface="Times New Roman" panose="02020603050405020304" pitchFamily="18" charset="0"/>
-                <a:ea typeface="Calibri" panose="020F0502020204030204" pitchFamily="34" charset="0"/>
-                <a:cs typeface="Times New Roman" panose="02020603050405020304" pitchFamily="18" charset="0"/>
-              </a:rPr>
-              <a:t>* Hình ảnh:</a:t>
-            </a:r>
-            <a:endParaRPr lang="en-US" kern="100" dirty="0" smtClean="0">
-              <a:effectLst/>
-              <a:latin typeface="Calibri" panose="020F0502020204030204" pitchFamily="34" charset="0"/>
-              <a:ea typeface="Calibri" panose="020F0502020204030204" pitchFamily="34" charset="0"/>
-              <a:cs typeface="Times New Roman" panose="02020603050405020304" pitchFamily="18" charset="0"/>
-            </a:endParaRPr>
-          </a:p>
-          <a:p>
-            <a:pPr marL="0" marR="0" algn="just">
-              <a:spcBef>
-                <a:spcPts val="0"/>
-              </a:spcBef>
-              <a:spcAft>
-                <a:spcPts val="800"/>
-              </a:spcAft>
-            </a:pPr>
-            <a:r>
-              <a:rPr lang="vi-VN" kern="100" dirty="0" smtClean="0">
-                <a:effectLst/>
-                <a:latin typeface="Times New Roman" panose="02020603050405020304" pitchFamily="18" charset="0"/>
-                <a:ea typeface="Calibri" panose="020F0502020204030204" pitchFamily="34" charset="0"/>
-                <a:cs typeface="Times New Roman" panose="02020603050405020304" pitchFamily="18" charset="0"/>
-              </a:rPr>
-              <a:t>- Thẻ hình ảnh &lt;img&gt;: là một thẻ trống và chỉ có thể chứa danh sách các thuộc tính và không có thẻ đóng.</a:t>
-            </a:r>
-            <a:endParaRPr lang="en-US" kern="100" dirty="0" smtClean="0">
-              <a:effectLst/>
-              <a:latin typeface="Calibri" panose="020F0502020204030204" pitchFamily="34" charset="0"/>
-              <a:ea typeface="Calibri" panose="020F0502020204030204" pitchFamily="34" charset="0"/>
-              <a:cs typeface="Times New Roman" panose="02020603050405020304" pitchFamily="18" charset="0"/>
-            </a:endParaRPr>
-          </a:p>
-          <a:p>
-            <a:pPr marL="0" marR="0" algn="just">
-              <a:spcBef>
-                <a:spcPts val="0"/>
-              </a:spcBef>
-              <a:spcAft>
-                <a:spcPts val="800"/>
-              </a:spcAft>
-            </a:pPr>
-            <a:r>
-              <a:rPr lang="vi-VN" kern="100" dirty="0" smtClean="0">
-                <a:effectLst/>
-                <a:latin typeface="Times New Roman" panose="02020603050405020304" pitchFamily="18" charset="0"/>
-                <a:ea typeface="Calibri" panose="020F0502020204030204" pitchFamily="34" charset="0"/>
-                <a:cs typeface="Times New Roman" panose="02020603050405020304" pitchFamily="18" charset="0"/>
-              </a:rPr>
-              <a:t>- Cấu trúc: &lt;img src="đường dẫn url chứa hình ảnh" ... alt=" "/&gt;</a:t>
-            </a:r>
-            <a:endParaRPr lang="en-US" kern="100" dirty="0" smtClean="0">
-              <a:effectLst/>
-              <a:latin typeface="Calibri" panose="020F0502020204030204" pitchFamily="34" charset="0"/>
-              <a:ea typeface="Calibri" panose="020F0502020204030204" pitchFamily="34" charset="0"/>
-              <a:cs typeface="Times New Roman" panose="02020603050405020304" pitchFamily="18" charset="0"/>
-            </a:endParaRPr>
-          </a:p>
-          <a:p>
-            <a:pPr marL="0" marR="0" algn="just">
-              <a:spcBef>
-                <a:spcPts val="0"/>
-              </a:spcBef>
-              <a:spcAft>
-                <a:spcPts val="800"/>
-              </a:spcAft>
-            </a:pPr>
-            <a:r>
-              <a:rPr lang="vi-VN" b="1" kern="100" dirty="0" smtClean="0">
-                <a:effectLst/>
-                <a:latin typeface="Times New Roman" panose="02020603050405020304" pitchFamily="18" charset="0"/>
-                <a:ea typeface="Calibri" panose="020F0502020204030204" pitchFamily="34" charset="0"/>
-                <a:cs typeface="Times New Roman" panose="02020603050405020304" pitchFamily="18" charset="0"/>
-              </a:rPr>
-              <a:t>* Siêu liên kết: chứa liên kết điều hướng</a:t>
-            </a:r>
-            <a:endParaRPr lang="en-US" kern="100" dirty="0" smtClean="0">
-              <a:effectLst/>
-              <a:latin typeface="Calibri" panose="020F0502020204030204" pitchFamily="34" charset="0"/>
-              <a:ea typeface="Calibri" panose="020F0502020204030204" pitchFamily="34" charset="0"/>
-              <a:cs typeface="Times New Roman" panose="02020603050405020304" pitchFamily="18" charset="0"/>
-            </a:endParaRPr>
-          </a:p>
-          <a:p>
-            <a:pPr marL="0" marR="0" algn="just">
-              <a:spcBef>
-                <a:spcPts val="0"/>
-              </a:spcBef>
-              <a:spcAft>
-                <a:spcPts val="800"/>
-              </a:spcAft>
-            </a:pPr>
-            <a:r>
-              <a:rPr lang="vi-VN" kern="100" dirty="0" smtClean="0">
-                <a:effectLst/>
-                <a:latin typeface="Times New Roman" panose="02020603050405020304" pitchFamily="18" charset="0"/>
-                <a:ea typeface="Calibri" panose="020F0502020204030204" pitchFamily="34" charset="0"/>
-                <a:cs typeface="Times New Roman" panose="02020603050405020304" pitchFamily="18" charset="0"/>
-              </a:rPr>
-              <a:t>- Cấu trúc: &lt;a href="duong-dan-lien-ket.html"&gt;Siêu liên kết của bạn&lt;/a&gt;</a:t>
-            </a:r>
-            <a:endParaRPr lang="en-US" kern="100" dirty="0" smtClean="0">
-              <a:effectLst/>
-              <a:latin typeface="Calibri" panose="020F0502020204030204" pitchFamily="34" charset="0"/>
-              <a:ea typeface="Calibri" panose="020F0502020204030204" pitchFamily="34" charset="0"/>
-              <a:cs typeface="Times New Roman" panose="02020603050405020304" pitchFamily="18" charset="0"/>
-            </a:endParaRPr>
-          </a:p>
-          <a:p>
-            <a:pPr marL="0" marR="0" algn="just">
-              <a:spcBef>
-                <a:spcPts val="0"/>
-              </a:spcBef>
-              <a:spcAft>
-                <a:spcPts val="800"/>
-              </a:spcAft>
-            </a:pPr>
-            <a:r>
-              <a:rPr lang="vi-VN" kern="100" dirty="0" smtClean="0">
-                <a:effectLst/>
-                <a:latin typeface="Times New Roman" panose="02020603050405020304" pitchFamily="18" charset="0"/>
-                <a:ea typeface="Calibri" panose="020F0502020204030204" pitchFamily="34" charset="0"/>
-                <a:cs typeface="Times New Roman" panose="02020603050405020304" pitchFamily="18" charset="0"/>
-              </a:rPr>
-              <a:t>=&gt; Tóm lại, ví dụ trang web với tiêu đề, đoạn văn, hình ảnh và siêu liên kết:</a:t>
-            </a:r>
-            <a:endParaRPr lang="en-US" kern="100" dirty="0" smtClean="0">
-              <a:effectLst/>
-              <a:latin typeface="Calibri" panose="020F0502020204030204" pitchFamily="34" charset="0"/>
-              <a:ea typeface="Calibri" panose="020F0502020204030204" pitchFamily="34" charset="0"/>
-              <a:cs typeface="Times New Roman" panose="02020603050405020304" pitchFamily="18" charset="0"/>
-            </a:endParaRPr>
-          </a:p>
-          <a:p>
-            <a:pPr marL="0" marR="0" algn="just">
-              <a:spcBef>
-                <a:spcPts val="0"/>
-              </a:spcBef>
-              <a:spcAft>
-                <a:spcPts val="800"/>
-              </a:spcAft>
-            </a:pPr>
-            <a:r>
-              <a:rPr lang="vi-VN" sz="1800" kern="100" dirty="0" smtClean="0">
-                <a:effectLst/>
-                <a:latin typeface="Times New Roman" panose="02020603050405020304" pitchFamily="18" charset="0"/>
-                <a:ea typeface="Calibri" panose="020F0502020204030204" pitchFamily="34" charset="0"/>
-                <a:cs typeface="Times New Roman" panose="02020603050405020304" pitchFamily="18" charset="0"/>
-              </a:rPr>
-              <a:t> </a:t>
-            </a:r>
             <a:endParaRPr lang="en-US" sz="1800" kern="100" dirty="0" smtClean="0">
               <a:effectLst/>
               <a:latin typeface="Calibri" panose="020F0502020204030204" pitchFamily="34" charset="0"/>
@@ -8352,6 +8445,47 @@
           </a:p>
         </p:txBody>
       </p:sp>
+      <p:pic>
+        <p:nvPicPr>
+          <p:cNvPr id="2050" name="Picture 2" descr="Thẻ heading là gì trong website? Cách viết thế nào cho chuẩn SEO?"/>
+          <p:cNvPicPr>
+            <a:picLocks noChangeAspect="1" noChangeArrowheads="1"/>
+          </p:cNvPicPr>
+          <p:nvPr/>
+        </p:nvPicPr>
+        <p:blipFill>
+          <a:blip r:embed="rId2">
+            <a:extLst>
+              <a:ext uri="{28A0092B-C50C-407E-A947-70E740481C1C}">
+                <a14:useLocalDpi xmlns:a14="http://schemas.microsoft.com/office/drawing/2010/main" val="0"/>
+              </a:ext>
+            </a:extLst>
+          </a:blip>
+          <a:srcRect/>
+          <a:stretch>
+            <a:fillRect/>
+          </a:stretch>
+        </p:blipFill>
+        <p:spPr bwMode="auto">
+          <a:xfrm>
+            <a:off x="1368912" y="2917499"/>
+            <a:ext cx="6122133" cy="3810000"/>
+          </a:xfrm>
+          <a:prstGeom prst="rect">
+            <a:avLst/>
+          </a:prstGeom>
+          <a:noFill/>
+          <a:extLst>
+            <a:ext uri="{909E8E84-426E-40DD-AFC4-6F175D3DCCD1}">
+              <a14:hiddenFill xmlns:a14="http://schemas.microsoft.com/office/drawing/2010/main">
+                <a:solidFill>
+                  <a:srgbClr val="FFFFFF"/>
+                </a:solidFill>
+              </a14:hiddenFill>
+            </a:ext>
+          </a:extLst>
+        </p:spPr>
+      </p:pic>
     </p:spTree>
     <p:extLst>
       <p:ext uri="{BB962C8B-B14F-4D97-AF65-F5344CB8AC3E}">
@@ -8374,10 +8508,315 @@
       </p:transition>
     </mc:Fallback>
   </mc:AlternateContent>
+  <p:timing>
+    <p:tnLst>
+      <p:par>
+        <p:cTn id="1" dur="indefinite" restart="never" nodeType="tmRoot"/>
+      </p:par>
+    </p:tnLst>
+  </p:timing>
 </p:sld>
 </file>
 
 <file path=ppt/slides/slide5.xml><?xml version="1.0" encoding="utf-8"?>
+<p:sld xmlns:a="http://schemas.openxmlformats.org/drawingml/2006/main" xmlns:r="http://schemas.openxmlformats.org/officeDocument/2006/relationships" xmlns:p="http://schemas.openxmlformats.org/presentationml/2006/main">
+  <p:cSld>
+    <p:spTree>
+      <p:nvGrpSpPr>
+        <p:cNvPr id="1" name=""/>
+        <p:cNvGrpSpPr/>
+        <p:nvPr/>
+      </p:nvGrpSpPr>
+      <p:grpSpPr>
+        <a:xfrm>
+          <a:off x="0" y="0"/>
+          <a:ext cx="0" cy="0"/>
+          <a:chOff x="0" y="0"/>
+          <a:chExt cx="0" cy="0"/>
+        </a:xfrm>
+      </p:grpSpPr>
+      <p:sp>
+        <p:nvSpPr>
+          <p:cNvPr id="2" name="Rectangle 1"/>
+          <p:cNvSpPr/>
+          <p:nvPr/>
+        </p:nvSpPr>
+        <p:spPr>
+          <a:xfrm>
+            <a:off x="-1" y="641838"/>
+            <a:ext cx="11069515" cy="4606389"/>
+          </a:xfrm>
+          <a:prstGeom prst="rect">
+            <a:avLst/>
+          </a:prstGeom>
+        </p:spPr>
+        <p:txBody>
+          <a:bodyPr wrap="square">
+            <a:spAutoFit/>
+          </a:bodyPr>
+          <a:lstStyle/>
+          <a:p>
+            <a:pPr algn="just">
+              <a:spcAft>
+                <a:spcPts val="800"/>
+              </a:spcAft>
+            </a:pPr>
+            <a:r>
+              <a:rPr lang="vi-VN" sz="2400" b="1" kern="100" dirty="0">
+                <a:latin typeface="Times New Roman" panose="02020603050405020304" pitchFamily="18" charset="0"/>
+                <a:ea typeface="Calibri" panose="020F0502020204030204" pitchFamily="34" charset="0"/>
+                <a:cs typeface="Times New Roman" panose="02020603050405020304" pitchFamily="18" charset="0"/>
+              </a:rPr>
+              <a:t>* Đoạn văn bản:</a:t>
+            </a:r>
+            <a:endParaRPr lang="en-US" sz="2400" kern="100" dirty="0">
+              <a:latin typeface="Calibri" panose="020F0502020204030204" pitchFamily="34" charset="0"/>
+              <a:ea typeface="Calibri" panose="020F0502020204030204" pitchFamily="34" charset="0"/>
+              <a:cs typeface="Times New Roman" panose="02020603050405020304" pitchFamily="18" charset="0"/>
+            </a:endParaRPr>
+          </a:p>
+          <a:p>
+            <a:pPr algn="just">
+              <a:spcAft>
+                <a:spcPts val="800"/>
+              </a:spcAft>
+            </a:pPr>
+            <a:r>
+              <a:rPr lang="vi-VN" sz="2400" kern="100" dirty="0">
+                <a:latin typeface="Times New Roman" panose="02020603050405020304" pitchFamily="18" charset="0"/>
+                <a:ea typeface="Calibri" panose="020F0502020204030204" pitchFamily="34" charset="0"/>
+                <a:cs typeface="Times New Roman" panose="02020603050405020304" pitchFamily="18" charset="0"/>
+              </a:rPr>
+              <a:t>- Thẻ văn bản &lt;p&gt; : được dùng để thêm đoạn văn cho trang.</a:t>
+            </a:r>
+            <a:endParaRPr lang="en-US" sz="2400" kern="100" dirty="0">
+              <a:latin typeface="Calibri" panose="020F0502020204030204" pitchFamily="34" charset="0"/>
+              <a:ea typeface="Calibri" panose="020F0502020204030204" pitchFamily="34" charset="0"/>
+              <a:cs typeface="Times New Roman" panose="02020603050405020304" pitchFamily="18" charset="0"/>
+            </a:endParaRPr>
+          </a:p>
+          <a:p>
+            <a:pPr algn="just">
+              <a:spcAft>
+                <a:spcPts val="800"/>
+              </a:spcAft>
+            </a:pPr>
+            <a:r>
+              <a:rPr lang="vi-VN" sz="2400" b="1" kern="100" dirty="0">
+                <a:latin typeface="Times New Roman" panose="02020603050405020304" pitchFamily="18" charset="0"/>
+                <a:ea typeface="Calibri" panose="020F0502020204030204" pitchFamily="34" charset="0"/>
+                <a:cs typeface="Times New Roman" panose="02020603050405020304" pitchFamily="18" charset="0"/>
+              </a:rPr>
+              <a:t>* Hình ảnh:</a:t>
+            </a:r>
+            <a:endParaRPr lang="en-US" sz="2400" kern="100" dirty="0">
+              <a:latin typeface="Calibri" panose="020F0502020204030204" pitchFamily="34" charset="0"/>
+              <a:ea typeface="Calibri" panose="020F0502020204030204" pitchFamily="34" charset="0"/>
+              <a:cs typeface="Times New Roman" panose="02020603050405020304" pitchFamily="18" charset="0"/>
+            </a:endParaRPr>
+          </a:p>
+          <a:p>
+            <a:pPr algn="just">
+              <a:spcAft>
+                <a:spcPts val="800"/>
+              </a:spcAft>
+            </a:pPr>
+            <a:r>
+              <a:rPr lang="vi-VN" sz="2400" kern="100" dirty="0">
+                <a:latin typeface="Times New Roman" panose="02020603050405020304" pitchFamily="18" charset="0"/>
+                <a:ea typeface="Calibri" panose="020F0502020204030204" pitchFamily="34" charset="0"/>
+                <a:cs typeface="Times New Roman" panose="02020603050405020304" pitchFamily="18" charset="0"/>
+              </a:rPr>
+              <a:t>- Thẻ hình ảnh &lt;img&gt;: là một thẻ trống và chỉ có thể chứa danh sách các thuộc tính và không có thẻ đóng.</a:t>
+            </a:r>
+            <a:endParaRPr lang="en-US" sz="2400" kern="100" dirty="0">
+              <a:latin typeface="Calibri" panose="020F0502020204030204" pitchFamily="34" charset="0"/>
+              <a:ea typeface="Calibri" panose="020F0502020204030204" pitchFamily="34" charset="0"/>
+              <a:cs typeface="Times New Roman" panose="02020603050405020304" pitchFamily="18" charset="0"/>
+            </a:endParaRPr>
+          </a:p>
+          <a:p>
+            <a:pPr marL="285750" marR="0" indent="-285750" algn="just">
+              <a:spcBef>
+                <a:spcPts val="0"/>
+              </a:spcBef>
+              <a:spcAft>
+                <a:spcPts val="800"/>
+              </a:spcAft>
+              <a:buFontTx/>
+              <a:buChar char="-"/>
+            </a:pPr>
+            <a:r>
+              <a:rPr lang="vi-VN" sz="2400" kern="100" dirty="0">
+                <a:latin typeface="Times New Roman" panose="02020603050405020304" pitchFamily="18" charset="0"/>
+                <a:ea typeface="Calibri" panose="020F0502020204030204" pitchFamily="34" charset="0"/>
+                <a:cs typeface="Times New Roman" panose="02020603050405020304" pitchFamily="18" charset="0"/>
+              </a:rPr>
+              <a:t>Cấu trúc: &lt;img src="đường dẫn url chứa hình ảnh" ... alt=" "/&gt;</a:t>
+            </a:r>
+            <a:endParaRPr lang="en-US" sz="2400" kern="100" dirty="0">
+              <a:latin typeface="Times New Roman" panose="02020603050405020304" pitchFamily="18" charset="0"/>
+              <a:ea typeface="Calibri" panose="020F0502020204030204" pitchFamily="34" charset="0"/>
+              <a:cs typeface="Times New Roman" panose="02020603050405020304" pitchFamily="18" charset="0"/>
+            </a:endParaRPr>
+          </a:p>
+          <a:p>
+            <a:pPr marL="285750" marR="0" indent="-285750" algn="just">
+              <a:spcBef>
+                <a:spcPts val="0"/>
+              </a:spcBef>
+              <a:spcAft>
+                <a:spcPts val="800"/>
+              </a:spcAft>
+              <a:buFontTx/>
+              <a:buChar char="-"/>
+            </a:pPr>
+            <a:endParaRPr lang="en-US" sz="2400" kern="100" dirty="0">
+              <a:latin typeface="Calibri" panose="020F0502020204030204" pitchFamily="34" charset="0"/>
+              <a:ea typeface="Calibri" panose="020F0502020204030204" pitchFamily="34" charset="0"/>
+              <a:cs typeface="Times New Roman" panose="02020603050405020304" pitchFamily="18" charset="0"/>
+            </a:endParaRPr>
+          </a:p>
+          <a:p>
+            <a:pPr marL="285750" marR="0" indent="-285750" algn="just">
+              <a:spcBef>
+                <a:spcPts val="0"/>
+              </a:spcBef>
+              <a:spcAft>
+                <a:spcPts val="800"/>
+              </a:spcAft>
+              <a:buFontTx/>
+              <a:buChar char="-"/>
+            </a:pPr>
+            <a:endParaRPr lang="en-US" sz="2400" kern="100" dirty="0">
+              <a:latin typeface="Calibri" panose="020F0502020204030204" pitchFamily="34" charset="0"/>
+              <a:ea typeface="Calibri" panose="020F0502020204030204" pitchFamily="34" charset="0"/>
+              <a:cs typeface="Times New Roman" panose="02020603050405020304" pitchFamily="18" charset="0"/>
+            </a:endParaRPr>
+          </a:p>
+          <a:p>
+            <a:pPr algn="just">
+              <a:spcAft>
+                <a:spcPts val="800"/>
+              </a:spcAft>
+            </a:pPr>
+            <a:r>
+              <a:rPr lang="vi-VN" sz="2400" b="1" kern="100" dirty="0">
+                <a:latin typeface="Times New Roman" panose="02020603050405020304" pitchFamily="18" charset="0"/>
+                <a:ea typeface="Calibri" panose="020F0502020204030204" pitchFamily="34" charset="0"/>
+                <a:cs typeface="Times New Roman" panose="02020603050405020304" pitchFamily="18" charset="0"/>
+              </a:rPr>
+              <a:t>* Siêu liên kết: chứa liên kết điều hướng</a:t>
+            </a:r>
+            <a:endParaRPr lang="en-US" sz="2400" kern="100" dirty="0">
+              <a:latin typeface="Calibri" panose="020F0502020204030204" pitchFamily="34" charset="0"/>
+              <a:ea typeface="Calibri" panose="020F0502020204030204" pitchFamily="34" charset="0"/>
+              <a:cs typeface="Times New Roman" panose="02020603050405020304" pitchFamily="18" charset="0"/>
+            </a:endParaRPr>
+          </a:p>
+          <a:p>
+            <a:pPr algn="just">
+              <a:spcAft>
+                <a:spcPts val="800"/>
+              </a:spcAft>
+            </a:pPr>
+            <a:r>
+              <a:rPr lang="vi-VN" sz="2400" kern="100" dirty="0">
+                <a:latin typeface="Times New Roman" panose="02020603050405020304" pitchFamily="18" charset="0"/>
+                <a:ea typeface="Calibri" panose="020F0502020204030204" pitchFamily="34" charset="0"/>
+                <a:cs typeface="Times New Roman" panose="02020603050405020304" pitchFamily="18" charset="0"/>
+              </a:rPr>
+              <a:t>- Cấu trúc: &lt;a href="duong-dan-lien-ket.html"&gt;Siêu liên kết của bạn&lt;/a&gt;</a:t>
+            </a:r>
+            <a:endParaRPr lang="en-US" sz="2400" kern="100" dirty="0">
+              <a:latin typeface="Calibri" panose="020F0502020204030204" pitchFamily="34" charset="0"/>
+              <a:ea typeface="Calibri" panose="020F0502020204030204" pitchFamily="34" charset="0"/>
+              <a:cs typeface="Times New Roman" panose="02020603050405020304" pitchFamily="18" charset="0"/>
+            </a:endParaRPr>
+          </a:p>
+        </p:txBody>
+      </p:sp>
+      <p:pic>
+        <p:nvPicPr>
+          <p:cNvPr id="3" name="Picture 2"/>
+          <p:cNvPicPr>
+            <a:picLocks noChangeAspect="1"/>
+          </p:cNvPicPr>
+          <p:nvPr/>
+        </p:nvPicPr>
+        <p:blipFill>
+          <a:blip r:embed="rId2"/>
+          <a:stretch>
+            <a:fillRect/>
+          </a:stretch>
+        </p:blipFill>
+        <p:spPr>
+          <a:xfrm>
+            <a:off x="555063" y="3485839"/>
+            <a:ext cx="8885711" cy="523453"/>
+          </a:xfrm>
+          <a:prstGeom prst="rect">
+            <a:avLst/>
+          </a:prstGeom>
+        </p:spPr>
+      </p:pic>
+      <p:pic>
+        <p:nvPicPr>
+          <p:cNvPr id="4" name="Picture 3"/>
+          <p:cNvPicPr>
+            <a:picLocks noChangeAspect="1"/>
+          </p:cNvPicPr>
+          <p:nvPr/>
+        </p:nvPicPr>
+        <p:blipFill>
+          <a:blip r:embed="rId3"/>
+          <a:stretch>
+            <a:fillRect/>
+          </a:stretch>
+        </p:blipFill>
+        <p:spPr>
+          <a:xfrm>
+            <a:off x="555063" y="5433339"/>
+            <a:ext cx="7338885" cy="536637"/>
+          </a:xfrm>
+          <a:prstGeom prst="rect">
+            <a:avLst/>
+          </a:prstGeom>
+        </p:spPr>
+      </p:pic>
+    </p:spTree>
+    <p:extLst>
+      <p:ext uri="{BB962C8B-B14F-4D97-AF65-F5344CB8AC3E}">
+        <p14:creationId xmlns:p14="http://schemas.microsoft.com/office/powerpoint/2010/main" val="359928868"/>
+      </p:ext>
+    </p:extLst>
+  </p:cSld>
+  <p:clrMapOvr>
+    <a:masterClrMapping/>
+  </p:clrMapOvr>
+  <mc:AlternateContent xmlns:mc="http://schemas.openxmlformats.org/markup-compatibility/2006" xmlns:p14="http://schemas.microsoft.com/office/powerpoint/2010/main">
+    <mc:Choice Requires="p14">
+      <p:transition spd="med" p14:dur="700">
+        <p:fade/>
+      </p:transition>
+    </mc:Choice>
+    <mc:Fallback xmlns="">
+      <p:transition spd="med">
+        <p:fade/>
+      </p:transition>
+    </mc:Fallback>
+  </mc:AlternateContent>
+  <p:timing>
+    <p:tnLst>
+      <p:par>
+        <p:cTn id="1" dur="indefinite" restart="never" nodeType="tmRoot"/>
+      </p:par>
+    </p:tnLst>
+  </p:timing>
+</p:sld>
+</file>
+
+<file path=ppt/slides/slide6.xml><?xml version="1.0" encoding="utf-8"?>
 <p:sld xmlns:a="http://schemas.openxmlformats.org/drawingml/2006/main" xmlns:r="http://schemas.openxmlformats.org/officeDocument/2006/relationships" xmlns:p="http://schemas.openxmlformats.org/presentationml/2006/main">
   <p:cSld>
     <p:spTree>
@@ -8738,10 +9177,17 @@
       </p:transition>
     </mc:Fallback>
   </mc:AlternateContent>
+  <p:timing>
+    <p:tnLst>
+      <p:par>
+        <p:cTn id="1" dur="indefinite" restart="never" nodeType="tmRoot"/>
+      </p:par>
+    </p:tnLst>
+  </p:timing>
 </p:sld>
 </file>
 
-<file path=ppt/slides/slide6.xml><?xml version="1.0" encoding="utf-8"?>
+<file path=ppt/slides/slide7.xml><?xml version="1.0" encoding="utf-8"?>
 <p:sld xmlns:a="http://schemas.openxmlformats.org/drawingml/2006/main" xmlns:r="http://schemas.openxmlformats.org/officeDocument/2006/relationships" xmlns:p="http://schemas.openxmlformats.org/presentationml/2006/main">
   <p:cSld>
     <p:spTree>
@@ -9024,10 +9470,17 @@
   <p:transition spd="slow">
     <p:randomBar dir="vert"/>
   </p:transition>
+  <p:timing>
+    <p:tnLst>
+      <p:par>
+        <p:cTn id="1" dur="indefinite" restart="never" nodeType="tmRoot"/>
+      </p:par>
+    </p:tnLst>
+  </p:timing>
 </p:sld>
 </file>
 
-<file path=ppt/slides/slide7.xml><?xml version="1.0" encoding="utf-8"?>
+<file path=ppt/slides/slide8.xml><?xml version="1.0" encoding="utf-8"?>
 <p:sld xmlns:a="http://schemas.openxmlformats.org/drawingml/2006/main" xmlns:r="http://schemas.openxmlformats.org/officeDocument/2006/relationships" xmlns:p="http://schemas.openxmlformats.org/presentationml/2006/main">
   <p:cSld>
     <p:spTree>
@@ -9058,8 +9511,8 @@
         </p:nvSpPr>
         <p:spPr>
           <a:xfrm>
-            <a:off x="742405" y="807940"/>
-            <a:ext cx="10643633" cy="4078039"/>
+            <a:off x="309588" y="966201"/>
+            <a:ext cx="5236364" cy="4170372"/>
           </a:xfrm>
           <a:prstGeom prst="rect">
             <a:avLst/>
@@ -9132,37 +9585,6 @@
               <a:effectLst/>
               <a:latin typeface="Calibri" panose="020F0502020204030204" pitchFamily="34" charset="0"/>
               <a:ea typeface="Calibri" panose="020F0502020204030204" pitchFamily="34" charset="0"/>
-              <a:cs typeface="Times New Roman" panose="02020603050405020304" pitchFamily="18" charset="0"/>
-            </a:endParaRPr>
-          </a:p>
-          <a:p>
-            <a:pPr marL="0" marR="0">
-              <a:spcBef>
-                <a:spcPts val="200"/>
-              </a:spcBef>
-              <a:spcAft>
-                <a:spcPts val="0"/>
-              </a:spcAft>
-            </a:pPr>
-            <a:r>
-              <a:rPr lang="vi-VN" sz="2400" b="1" i="1" kern="100" dirty="0">
-                <a:solidFill>
-                  <a:srgbClr val="000000"/>
-                </a:solidFill>
-                <a:effectLst/>
-                <a:latin typeface="Times New Roman" panose="02020603050405020304" pitchFamily="18" charset="0"/>
-                <a:ea typeface="DengXian Light" panose="020B0503020204020204" pitchFamily="2" charset="-122"/>
-                <a:cs typeface="Times New Roman" panose="02020603050405020304" pitchFamily="18" charset="0"/>
-              </a:rPr>
-              <a:t>Ở bài hướng dẫn này, bạn sẽ được tìm hiểu một số thuộc tính định dạng chữ như sau:</a:t>
-            </a:r>
-            <a:endParaRPr lang="en-US" sz="2400" b="1" i="1" kern="100" dirty="0">
-              <a:solidFill>
-                <a:srgbClr val="2F5496"/>
-              </a:solidFill>
-              <a:effectLst/>
-              <a:latin typeface="Calibri Light" panose="020F0302020204030204" pitchFamily="34" charset="0"/>
-              <a:ea typeface="DengXian Light" panose="020B0503020204020204" pitchFamily="2" charset="-122"/>
               <a:cs typeface="Times New Roman" panose="02020603050405020304" pitchFamily="18" charset="0"/>
             </a:endParaRPr>
           </a:p>
@@ -9185,7 +9607,7 @@
               </a:tabLst>
             </a:pPr>
             <a:r>
-              <a:rPr lang="en-US" sz="2400" kern="100" dirty="0">
+              <a:rPr lang="en-US" sz="2400" kern="100" dirty="0" smtClean="0">
                 <a:solidFill>
                   <a:srgbClr val="DC143C"/>
                 </a:solidFill>
@@ -9859,6 +10281,30 @@
           </a:p>
         </p:txBody>
       </p:sp>
+      <p:pic>
+        <p:nvPicPr>
+          <p:cNvPr id="3" name="Picture 2"/>
+          <p:cNvPicPr>
+            <a:picLocks noChangeAspect="1"/>
+          </p:cNvPicPr>
+          <p:nvPr/>
+        </p:nvPicPr>
+        <p:blipFill>
+          <a:blip r:embed="rId2"/>
+          <a:stretch>
+            <a:fillRect/>
+          </a:stretch>
+        </p:blipFill>
+        <p:spPr>
+          <a:xfrm>
+            <a:off x="6231752" y="1132080"/>
+            <a:ext cx="5154286" cy="3610014"/>
+          </a:xfrm>
+          <a:prstGeom prst="rect">
+            <a:avLst/>
+          </a:prstGeom>
+        </p:spPr>
+      </p:pic>
     </p:spTree>
     <p:extLst>
       <p:ext uri="{BB962C8B-B14F-4D97-AF65-F5344CB8AC3E}">
@@ -9881,10 +10327,17 @@
       </p:transition>
     </mc:Fallback>
   </mc:AlternateContent>
+  <p:timing>
+    <p:tnLst>
+      <p:par>
+        <p:cTn id="1" dur="indefinite" restart="never" nodeType="tmRoot"/>
+      </p:par>
+    </p:tnLst>
+  </p:timing>
 </p:sld>
 </file>
 
-<file path=ppt/slides/slide8.xml><?xml version="1.0" encoding="utf-8"?>
+<file path=ppt/slides/slide9.xml><?xml version="1.0" encoding="utf-8"?>
 <p:sld xmlns:a="http://schemas.openxmlformats.org/drawingml/2006/main" xmlns:r="http://schemas.openxmlformats.org/officeDocument/2006/relationships" xmlns:p="http://schemas.openxmlformats.org/presentationml/2006/main">
   <p:cSld>
     <p:spTree>
@@ -10955,3161 +11408,13 @@
       </p:transition>
     </mc:Fallback>
   </mc:AlternateContent>
-</p:sld>
-</file>
-
-<file path=ppt/slides/slide9.xml><?xml version="1.0" encoding="utf-8"?>
-<p:sld xmlns:a="http://schemas.openxmlformats.org/drawingml/2006/main" xmlns:r="http://schemas.openxmlformats.org/officeDocument/2006/relationships" xmlns:p="http://schemas.openxmlformats.org/presentationml/2006/main">
-  <p:cSld>
-    <p:spTree>
-      <p:nvGrpSpPr>
-        <p:cNvPr id="1" name=""/>
-        <p:cNvGrpSpPr/>
-        <p:nvPr/>
-      </p:nvGrpSpPr>
-      <p:grpSpPr>
-        <a:xfrm>
-          <a:off x="0" y="0"/>
-          <a:ext cx="0" cy="0"/>
-          <a:chOff x="0" y="0"/>
-          <a:chExt cx="0" cy="0"/>
-        </a:xfrm>
-      </p:grpSpPr>
-      <p:sp>
-        <p:nvSpPr>
-          <p:cNvPr id="2" name="TextBox 1">
-            <a:extLst>
-              <a:ext uri="{FF2B5EF4-FFF2-40B4-BE49-F238E27FC236}">
-                <a16:creationId xmlns:a16="http://schemas.microsoft.com/office/drawing/2014/main" id="{9A1F6C86-8ED3-828E-2CC6-421CA83D78D4}"/>
-              </a:ext>
-            </a:extLst>
-          </p:cNvPr>
-          <p:cNvSpPr txBox="1"/>
-          <p:nvPr/>
-        </p:nvSpPr>
-        <p:spPr>
-          <a:xfrm>
-            <a:off x="391294" y="477956"/>
-            <a:ext cx="10558049" cy="1713290"/>
-          </a:xfrm>
-          <a:prstGeom prst="rect">
-            <a:avLst/>
-          </a:prstGeom>
-          <a:noFill/>
-        </p:spPr>
-        <p:txBody>
-          <a:bodyPr wrap="square" rtlCol="0">
-            <a:spAutoFit/>
-          </a:bodyPr>
-          <a:lstStyle/>
-          <a:p>
-            <a:pPr marL="0" marR="0">
-              <a:spcBef>
-                <a:spcPts val="200"/>
-              </a:spcBef>
-              <a:spcAft>
-                <a:spcPts val="0"/>
-              </a:spcAft>
-            </a:pPr>
-            <a:r>
-              <a:rPr lang="vi-VN" sz="2800" b="1" kern="100" dirty="0">
-                <a:effectLst/>
-                <a:latin typeface="Times New Roman" panose="02020603050405020304" pitchFamily="18" charset="0"/>
-                <a:ea typeface="DengXian Light" panose="020B0503020204020204" pitchFamily="2" charset="-122"/>
-                <a:cs typeface="Times New Roman" panose="02020603050405020304" pitchFamily="18" charset="0"/>
-              </a:rPr>
-              <a:t>3.2. Hướng dẫn tạo biến ,hàm và sử dụng sự kiện </a:t>
-            </a:r>
-            <a:endParaRPr lang="en-US" sz="2800" b="1" kern="100" dirty="0">
-              <a:effectLst/>
-              <a:latin typeface="Times New Roman" panose="02020603050405020304" pitchFamily="18" charset="0"/>
-              <a:ea typeface="DengXian Light" panose="020B0503020204020204" pitchFamily="2" charset="-122"/>
-              <a:cs typeface="Times New Roman" panose="02020603050405020304" pitchFamily="18" charset="0"/>
-            </a:endParaRPr>
-          </a:p>
-          <a:p>
-            <a:pPr marL="342900" marR="0" indent="-342900" algn="just">
-              <a:spcBef>
-                <a:spcPts val="0"/>
-              </a:spcBef>
-              <a:spcAft>
-                <a:spcPts val="800"/>
-              </a:spcAft>
-              <a:buAutoNum type="alphaLcPeriod"/>
-            </a:pPr>
-            <a:r>
-              <a:rPr lang="vi-VN" sz="2800" b="1" kern="100" dirty="0">
-                <a:effectLst/>
-                <a:latin typeface="Times New Roman" panose="02020603050405020304" pitchFamily="18" charset="0"/>
-                <a:ea typeface="Calibri" panose="020F0502020204030204" pitchFamily="34" charset="0"/>
-                <a:cs typeface="Times New Roman" panose="02020603050405020304" pitchFamily="18" charset="0"/>
-              </a:rPr>
-              <a:t>Tạo biến JavaScript </a:t>
-            </a:r>
-          </a:p>
-          <a:p>
-            <a:pPr marR="0" algn="just">
-              <a:spcBef>
-                <a:spcPts val="0"/>
-              </a:spcBef>
-              <a:spcAft>
-                <a:spcPts val="800"/>
-              </a:spcAft>
-            </a:pPr>
-            <a:endParaRPr lang="en-US" sz="1800" kern="100" dirty="0">
-              <a:effectLst/>
-              <a:latin typeface="Calibri" panose="020F0502020204030204" pitchFamily="34" charset="0"/>
-              <a:ea typeface="Calibri" panose="020F0502020204030204" pitchFamily="34" charset="0"/>
-              <a:cs typeface="Times New Roman" panose="02020603050405020304" pitchFamily="18" charset="0"/>
-            </a:endParaRPr>
-          </a:p>
-          <a:p>
-            <a:endParaRPr lang="en-US" dirty="0"/>
-          </a:p>
-        </p:txBody>
-      </p:sp>
-      <p:sp>
-        <p:nvSpPr>
-          <p:cNvPr id="3" name="Rectangle 1">
-            <a:extLst>
-              <a:ext uri="{FF2B5EF4-FFF2-40B4-BE49-F238E27FC236}">
-                <a16:creationId xmlns:a16="http://schemas.microsoft.com/office/drawing/2014/main" id="{B44BF043-90FA-9868-8B6E-B51F6CB3FE9F}"/>
-              </a:ext>
-            </a:extLst>
-          </p:cNvPr>
-          <p:cNvSpPr>
-            <a:spLocks noChangeArrowheads="1"/>
-          </p:cNvSpPr>
-          <p:nvPr/>
-        </p:nvSpPr>
-        <p:spPr bwMode="auto">
-          <a:xfrm>
-            <a:off x="483576" y="1386726"/>
-            <a:ext cx="10199078" cy="1384995"/>
-          </a:xfrm>
-          <a:prstGeom prst="rect">
-            <a:avLst/>
-          </a:prstGeom>
-          <a:solidFill>
-            <a:srgbClr val="F3F3F3"/>
-          </a:solidFill>
-          <a:ln>
-            <a:noFill/>
-          </a:ln>
-          <a:effectLst/>
-          <a:extLst>
-            <a:ext uri="{91240B29-F687-4F45-9708-019B960494DF}">
-              <a14:hiddenLine xmlns:a14="http://schemas.microsoft.com/office/drawing/2010/main" w="9525">
-                <a:solidFill>
-                  <a:schemeClr val="tx1"/>
-                </a:solidFill>
-                <a:miter lim="800000"/>
-                <a:headEnd/>
-                <a:tailEnd/>
-              </a14:hiddenLine>
-            </a:ext>
-            <a:ext uri="{AF507438-7753-43E0-B8FC-AC1667EBCBE1}">
-              <a14:hiddenEffects xmlns:a14="http://schemas.microsoft.com/office/drawing/2010/main">
-                <a:effectLst>
-                  <a:outerShdw dist="35921" dir="2700000" algn="ctr" rotWithShape="0">
-                    <a:schemeClr val="bg2"/>
-                  </a:outerShdw>
-                </a:effectLst>
-              </a14:hiddenEffects>
-            </a:ext>
-          </a:extLst>
-        </p:spPr>
-        <p:txBody>
-          <a:bodyPr vert="horz" wrap="square" lIns="0" tIns="0" rIns="0" bIns="0" numCol="1" anchor="ctr" anchorCtr="0" compatLnSpc="1">
-            <a:prstTxWarp prst="textNoShape">
-              <a:avLst/>
-            </a:prstTxWarp>
-            <a:spAutoFit/>
-          </a:bodyPr>
-          <a:lstStyle/>
-          <a:p>
-            <a:pPr marL="0" marR="0" lvl="0" indent="0" algn="just" defTabSz="914400" rtl="0" eaLnBrk="0" fontAlgn="base" latinLnBrk="0" hangingPunct="0">
-              <a:lnSpc>
-                <a:spcPct val="100000"/>
-              </a:lnSpc>
-              <a:spcBef>
-                <a:spcPct val="0"/>
-              </a:spcBef>
-              <a:spcAft>
-                <a:spcPct val="0"/>
-              </a:spcAft>
-              <a:buClrTx/>
-              <a:buSzTx/>
-              <a:buFontTx/>
-              <a:buNone/>
-              <a:tabLst/>
-            </a:pPr>
-            <a:r>
-              <a:rPr kumimoji="0" lang="vi-VN" altLang="en-US" b="0" i="0" u="none" strike="noStrike" cap="none" normalizeH="0" baseline="0" dirty="0" smtClean="0">
-                <a:ln>
-                  <a:noFill/>
-                </a:ln>
-                <a:solidFill>
-                  <a:schemeClr val="tx1"/>
-                </a:solidFill>
-                <a:effectLst/>
-                <a:latin typeface="Times New Roman" panose="02020603050405020304" pitchFamily="18" charset="0"/>
-                <a:ea typeface="Calibri" panose="020F0502020204030204" pitchFamily="34" charset="0"/>
-                <a:cs typeface="Times New Roman" panose="02020603050405020304" pitchFamily="18" charset="0"/>
-              </a:rPr>
-              <a:t>Kh</a:t>
-            </a:r>
-            <a:r>
-              <a:rPr kumimoji="0" lang="en-US" altLang="en-US" b="0" i="0" u="none" strike="noStrike" cap="none" normalizeH="0" baseline="0" dirty="0" smtClean="0">
-                <a:ln>
-                  <a:noFill/>
-                </a:ln>
-                <a:solidFill>
-                  <a:schemeClr val="tx1"/>
-                </a:solidFill>
-                <a:effectLst/>
-                <a:latin typeface="Times New Roman" panose="02020603050405020304" pitchFamily="18" charset="0"/>
-                <a:ea typeface="Calibri" panose="020F0502020204030204" pitchFamily="34" charset="0"/>
-                <a:cs typeface="Times New Roman" panose="02020603050405020304" pitchFamily="18" charset="0"/>
-              </a:rPr>
-              <a:t>a</a:t>
-            </a:r>
-            <a:r>
-              <a:rPr kumimoji="0" lang="vi-VN" altLang="en-US" b="0" i="0" u="none" strike="noStrike" cap="none" normalizeH="0" baseline="0" dirty="0" smtClean="0">
-                <a:ln>
-                  <a:noFill/>
-                </a:ln>
-                <a:solidFill>
-                  <a:schemeClr val="tx1"/>
-                </a:solidFill>
-                <a:effectLst/>
-                <a:latin typeface="Times New Roman" panose="02020603050405020304" pitchFamily="18" charset="0"/>
-                <a:ea typeface="Calibri" panose="020F0502020204030204" pitchFamily="34" charset="0"/>
-                <a:cs typeface="Times New Roman" panose="02020603050405020304" pitchFamily="18" charset="0"/>
-              </a:rPr>
-              <a:t>i </a:t>
-            </a:r>
-            <a:r>
-              <a:rPr kumimoji="0" lang="vi-VN" altLang="en-US" b="0" i="0" u="none" strike="noStrike" cap="none" normalizeH="0" baseline="0" dirty="0">
-                <a:ln>
-                  <a:noFill/>
-                </a:ln>
-                <a:solidFill>
-                  <a:schemeClr val="tx1"/>
-                </a:solidFill>
-                <a:effectLst/>
-                <a:latin typeface="Times New Roman" panose="02020603050405020304" pitchFamily="18" charset="0"/>
-                <a:ea typeface="Calibri" panose="020F0502020204030204" pitchFamily="34" charset="0"/>
-                <a:cs typeface="Times New Roman" panose="02020603050405020304" pitchFamily="18" charset="0"/>
-              </a:rPr>
-              <a:t>báo và khởi tạo biến </a:t>
-            </a:r>
-            <a:endParaRPr kumimoji="0" lang="en-US" altLang="en-US" b="0" i="0" u="none" strike="noStrike" cap="none" normalizeH="0" baseline="0" dirty="0">
-              <a:ln>
-                <a:noFill/>
-              </a:ln>
-              <a:solidFill>
-                <a:schemeClr val="tx1"/>
-              </a:solidFill>
-              <a:effectLst/>
-              <a:latin typeface="Times New Roman" panose="02020603050405020304" pitchFamily="18" charset="0"/>
-              <a:cs typeface="Times New Roman" panose="02020603050405020304" pitchFamily="18" charset="0"/>
-            </a:endParaRPr>
-          </a:p>
-          <a:p>
-            <a:pPr marL="0" marR="0" lvl="0" indent="0" algn="just" defTabSz="914400" rtl="0" eaLnBrk="0" fontAlgn="base" latinLnBrk="0" hangingPunct="0">
-              <a:lnSpc>
-                <a:spcPct val="100000"/>
-              </a:lnSpc>
-              <a:spcBef>
-                <a:spcPct val="0"/>
-              </a:spcBef>
-              <a:spcAft>
-                <a:spcPct val="0"/>
-              </a:spcAft>
-              <a:buClrTx/>
-              <a:buSzTx/>
-              <a:buFontTx/>
-              <a:buNone/>
-              <a:tabLst/>
-            </a:pPr>
-            <a:r>
-              <a:rPr kumimoji="0" lang="vi-VN" altLang="en-US" b="1" i="0" u="none" strike="noStrike" cap="none" normalizeH="0" baseline="0" dirty="0">
-                <a:ln>
-                  <a:noFill/>
-                </a:ln>
-                <a:solidFill>
-                  <a:srgbClr val="444444"/>
-                </a:solidFill>
-                <a:effectLst/>
-                <a:latin typeface="Times New Roman" panose="02020603050405020304" pitchFamily="18" charset="0"/>
-                <a:ea typeface="Times New Roman" panose="02020603050405020304" pitchFamily="18" charset="0"/>
-                <a:cs typeface="Times New Roman" panose="02020603050405020304" pitchFamily="18" charset="0"/>
-              </a:rPr>
-              <a:t>var</a:t>
-            </a:r>
-            <a:r>
-              <a:rPr kumimoji="0" lang="vi-VN" altLang="en-US" b="0" i="0" u="none" strike="noStrike" cap="none" normalizeH="0" baseline="0" dirty="0">
-                <a:ln>
-                  <a:noFill/>
-                </a:ln>
-                <a:solidFill>
-                  <a:srgbClr val="444444"/>
-                </a:solidFill>
-                <a:effectLst/>
-                <a:latin typeface="Times New Roman" panose="02020603050405020304" pitchFamily="18" charset="0"/>
-                <a:ea typeface="Times New Roman" panose="02020603050405020304" pitchFamily="18" charset="0"/>
-                <a:cs typeface="Times New Roman" panose="02020603050405020304" pitchFamily="18" charset="0"/>
-              </a:rPr>
-              <a:t> varName1 = </a:t>
-            </a:r>
-            <a:r>
-              <a:rPr kumimoji="0" lang="vi-VN" altLang="en-US" b="0" i="0" u="none" strike="noStrike" cap="none" normalizeH="0" baseline="0" dirty="0">
-                <a:ln>
-                  <a:noFill/>
-                </a:ln>
-                <a:solidFill>
-                  <a:srgbClr val="880000"/>
-                </a:solidFill>
-                <a:effectLst/>
-                <a:latin typeface="Times New Roman" panose="02020603050405020304" pitchFamily="18" charset="0"/>
-                <a:ea typeface="Times New Roman" panose="02020603050405020304" pitchFamily="18" charset="0"/>
-                <a:cs typeface="Times New Roman" panose="02020603050405020304" pitchFamily="18" charset="0"/>
-              </a:rPr>
-              <a:t>10</a:t>
-            </a:r>
-            <a:r>
-              <a:rPr kumimoji="0" lang="vi-VN" altLang="en-US" b="0" i="0" u="none" strike="noStrike" cap="none" normalizeH="0" baseline="0" dirty="0">
-                <a:ln>
-                  <a:noFill/>
-                </a:ln>
-                <a:solidFill>
-                  <a:srgbClr val="444444"/>
-                </a:solidFill>
-                <a:effectLst/>
-                <a:latin typeface="Times New Roman" panose="02020603050405020304" pitchFamily="18" charset="0"/>
-                <a:ea typeface="Times New Roman" panose="02020603050405020304" pitchFamily="18" charset="0"/>
-                <a:cs typeface="Times New Roman" panose="02020603050405020304" pitchFamily="18" charset="0"/>
-              </a:rPr>
-              <a:t>;    </a:t>
-            </a:r>
-            <a:r>
-              <a:rPr kumimoji="0" lang="vi-VN" altLang="en-US" b="0" i="0" u="none" strike="noStrike" cap="none" normalizeH="0" baseline="0" dirty="0">
-                <a:ln>
-                  <a:noFill/>
-                </a:ln>
-                <a:solidFill>
-                  <a:srgbClr val="697070"/>
-                </a:solidFill>
-                <a:effectLst/>
-                <a:latin typeface="Times New Roman" panose="02020603050405020304" pitchFamily="18" charset="0"/>
-                <a:ea typeface="Times New Roman" panose="02020603050405020304" pitchFamily="18" charset="0"/>
-                <a:cs typeface="Times New Roman" panose="02020603050405020304" pitchFamily="18" charset="0"/>
-              </a:rPr>
-              <a:t>// khai báo và khởi tạo biến với từ khóa var</a:t>
-            </a:r>
-          </a:p>
-          <a:p>
-            <a:pPr marL="0" marR="0" lvl="0" indent="0" algn="just" defTabSz="914400" rtl="0" eaLnBrk="0" fontAlgn="base" latinLnBrk="0" hangingPunct="0">
-              <a:lnSpc>
-                <a:spcPct val="100000"/>
-              </a:lnSpc>
-              <a:spcBef>
-                <a:spcPct val="0"/>
-              </a:spcBef>
-              <a:spcAft>
-                <a:spcPct val="0"/>
-              </a:spcAft>
-              <a:buClrTx/>
-              <a:buSzTx/>
-              <a:buFontTx/>
-              <a:buNone/>
-              <a:tabLst/>
-            </a:pPr>
-            <a:r>
-              <a:rPr kumimoji="0" lang="vi-VN" altLang="en-US" b="1" i="0" u="none" strike="noStrike" cap="none" normalizeH="0" baseline="0" dirty="0">
-                <a:ln>
-                  <a:noFill/>
-                </a:ln>
-                <a:solidFill>
-                  <a:srgbClr val="444444"/>
-                </a:solidFill>
-                <a:effectLst/>
-                <a:latin typeface="Times New Roman" panose="02020603050405020304" pitchFamily="18" charset="0"/>
-                <a:ea typeface="Times New Roman" panose="02020603050405020304" pitchFamily="18" charset="0"/>
-                <a:cs typeface="Times New Roman" panose="02020603050405020304" pitchFamily="18" charset="0"/>
-              </a:rPr>
-              <a:t>let</a:t>
-            </a:r>
-            <a:r>
-              <a:rPr kumimoji="0" lang="vi-VN" altLang="en-US" b="0" i="0" u="none" strike="noStrike" cap="none" normalizeH="0" baseline="0" dirty="0">
-                <a:ln>
-                  <a:noFill/>
-                </a:ln>
-                <a:solidFill>
-                  <a:srgbClr val="444444"/>
-                </a:solidFill>
-                <a:effectLst/>
-                <a:latin typeface="Times New Roman" panose="02020603050405020304" pitchFamily="18" charset="0"/>
-                <a:ea typeface="Times New Roman" panose="02020603050405020304" pitchFamily="18" charset="0"/>
-                <a:cs typeface="Times New Roman" panose="02020603050405020304" pitchFamily="18" charset="0"/>
-              </a:rPr>
-              <a:t> </a:t>
-            </a:r>
-            <a:r>
-              <a:rPr lang="vi-VN" altLang="en-US" dirty="0">
-                <a:solidFill>
-                  <a:srgbClr val="444444"/>
-                </a:solidFill>
-                <a:latin typeface="Times New Roman" panose="02020603050405020304" pitchFamily="18" charset="0"/>
-                <a:ea typeface="Times New Roman" panose="02020603050405020304" pitchFamily="18" charset="0"/>
-                <a:cs typeface="Times New Roman" panose="02020603050405020304" pitchFamily="18" charset="0"/>
-              </a:rPr>
-              <a:t>v</a:t>
-            </a:r>
-            <a:r>
-              <a:rPr kumimoji="0" lang="vi-VN" altLang="en-US" b="0" i="0" u="none" strike="noStrike" cap="none" normalizeH="0" baseline="0" dirty="0">
-                <a:ln>
-                  <a:noFill/>
-                </a:ln>
-                <a:solidFill>
-                  <a:srgbClr val="444444"/>
-                </a:solidFill>
-                <a:effectLst/>
-                <a:latin typeface="Times New Roman" panose="02020603050405020304" pitchFamily="18" charset="0"/>
-                <a:ea typeface="Times New Roman" panose="02020603050405020304" pitchFamily="18" charset="0"/>
-                <a:cs typeface="Times New Roman" panose="02020603050405020304" pitchFamily="18" charset="0"/>
-              </a:rPr>
-              <a:t>arName2;        </a:t>
-            </a:r>
-            <a:r>
-              <a:rPr kumimoji="0" lang="vi-VN" altLang="en-US" b="0" i="0" u="none" strike="noStrike" cap="none" normalizeH="0" baseline="0" dirty="0">
-                <a:ln>
-                  <a:noFill/>
-                </a:ln>
-                <a:solidFill>
-                  <a:srgbClr val="697070"/>
-                </a:solidFill>
-                <a:effectLst/>
-                <a:latin typeface="Times New Roman" panose="02020603050405020304" pitchFamily="18" charset="0"/>
-                <a:ea typeface="Times New Roman" panose="02020603050405020304" pitchFamily="18" charset="0"/>
-                <a:cs typeface="Times New Roman" panose="02020603050405020304" pitchFamily="18" charset="0"/>
-              </a:rPr>
-              <a:t>// khai báo và không khởi tạo giá trị ban đầu</a:t>
-            </a:r>
-          </a:p>
-          <a:p>
-            <a:pPr marL="0" marR="0" lvl="0" indent="0" algn="just" defTabSz="914400" rtl="0" eaLnBrk="0" fontAlgn="base" latinLnBrk="0" hangingPunct="0">
-              <a:lnSpc>
-                <a:spcPct val="100000"/>
-              </a:lnSpc>
-              <a:spcBef>
-                <a:spcPct val="0"/>
-              </a:spcBef>
-              <a:spcAft>
-                <a:spcPct val="0"/>
-              </a:spcAft>
-              <a:buClrTx/>
-              <a:buSzTx/>
-              <a:buFontTx/>
-              <a:buNone/>
-              <a:tabLst/>
-            </a:pPr>
-            <a:r>
-              <a:rPr kumimoji="0" lang="vi-VN" altLang="en-US" b="0" i="0" u="none" strike="noStrike" cap="none" normalizeH="0" baseline="0" dirty="0">
-                <a:ln>
-                  <a:noFill/>
-                </a:ln>
-                <a:solidFill>
-                  <a:srgbClr val="444444"/>
-                </a:solidFill>
-                <a:effectLst/>
-                <a:latin typeface="Times New Roman" panose="02020603050405020304" pitchFamily="18" charset="0"/>
-                <a:ea typeface="Times New Roman" panose="02020603050405020304" pitchFamily="18" charset="0"/>
-                <a:cs typeface="Times New Roman" panose="02020603050405020304" pitchFamily="18" charset="0"/>
-              </a:rPr>
-              <a:t>varName2 = </a:t>
-            </a:r>
-            <a:r>
-              <a:rPr kumimoji="0" lang="vi-VN" altLang="en-US" b="0" i="0" u="none" strike="noStrike" cap="none" normalizeH="0" baseline="0" dirty="0">
-                <a:ln>
-                  <a:noFill/>
-                </a:ln>
-                <a:solidFill>
-                  <a:srgbClr val="880000"/>
-                </a:solidFill>
-                <a:effectLst/>
-                <a:latin typeface="Times New Roman" panose="02020603050405020304" pitchFamily="18" charset="0"/>
-                <a:ea typeface="Times New Roman" panose="02020603050405020304" pitchFamily="18" charset="0"/>
-                <a:cs typeface="Times New Roman" panose="02020603050405020304" pitchFamily="18" charset="0"/>
-              </a:rPr>
-              <a:t>10</a:t>
-            </a:r>
-            <a:r>
-              <a:rPr kumimoji="0" lang="vi-VN" altLang="en-US" b="0" i="0" u="none" strike="noStrike" cap="none" normalizeH="0" baseline="0" dirty="0">
-                <a:ln>
-                  <a:noFill/>
-                </a:ln>
-                <a:solidFill>
-                  <a:srgbClr val="444444"/>
-                </a:solidFill>
-                <a:effectLst/>
-                <a:latin typeface="Times New Roman" panose="02020603050405020304" pitchFamily="18" charset="0"/>
-                <a:ea typeface="Times New Roman" panose="02020603050405020304" pitchFamily="18" charset="0"/>
-                <a:cs typeface="Times New Roman" panose="02020603050405020304" pitchFamily="18" charset="0"/>
-              </a:rPr>
-              <a:t>;       </a:t>
-            </a:r>
-            <a:r>
-              <a:rPr kumimoji="0" lang="vi-VN" altLang="en-US" b="0" i="0" u="none" strike="noStrike" cap="none" normalizeH="0" baseline="0" dirty="0">
-                <a:ln>
-                  <a:noFill/>
-                </a:ln>
-                <a:solidFill>
-                  <a:srgbClr val="697070"/>
-                </a:solidFill>
-                <a:effectLst/>
-                <a:latin typeface="Times New Roman" panose="02020603050405020304" pitchFamily="18" charset="0"/>
-                <a:ea typeface="Times New Roman" panose="02020603050405020304" pitchFamily="18" charset="0"/>
-                <a:cs typeface="Times New Roman" panose="02020603050405020304" pitchFamily="18" charset="0"/>
-              </a:rPr>
-              <a:t>// gán giá trị</a:t>
-            </a:r>
-          </a:p>
-          <a:p>
-            <a:pPr marL="0" marR="0" lvl="0" indent="0" algn="just" defTabSz="914400" rtl="0" eaLnBrk="0" fontAlgn="base" latinLnBrk="0" hangingPunct="0">
-              <a:lnSpc>
-                <a:spcPct val="100000"/>
-              </a:lnSpc>
-              <a:spcBef>
-                <a:spcPct val="0"/>
-              </a:spcBef>
-              <a:spcAft>
-                <a:spcPct val="0"/>
-              </a:spcAft>
-              <a:buClrTx/>
-              <a:buSzTx/>
-              <a:buFontTx/>
-              <a:buNone/>
-              <a:tabLst/>
-            </a:pPr>
-            <a:r>
-              <a:rPr kumimoji="0" lang="vi-VN" altLang="en-US" b="1" i="0" u="none" strike="noStrike" cap="none" normalizeH="0" baseline="0" dirty="0">
-                <a:ln>
-                  <a:noFill/>
-                </a:ln>
-                <a:solidFill>
-                  <a:srgbClr val="444444"/>
-                </a:solidFill>
-                <a:effectLst/>
-                <a:latin typeface="Times New Roman" panose="02020603050405020304" pitchFamily="18" charset="0"/>
-                <a:ea typeface="Times New Roman" panose="02020603050405020304" pitchFamily="18" charset="0"/>
-                <a:cs typeface="Times New Roman" panose="02020603050405020304" pitchFamily="18" charset="0"/>
-              </a:rPr>
-              <a:t>const</a:t>
-            </a:r>
-            <a:r>
-              <a:rPr kumimoji="0" lang="vi-VN" altLang="en-US" b="0" i="0" u="none" strike="noStrike" cap="none" normalizeH="0" baseline="0" dirty="0">
-                <a:ln>
-                  <a:noFill/>
-                </a:ln>
-                <a:solidFill>
-                  <a:srgbClr val="444444"/>
-                </a:solidFill>
-                <a:effectLst/>
-                <a:latin typeface="Times New Roman" panose="02020603050405020304" pitchFamily="18" charset="0"/>
-                <a:ea typeface="Times New Roman" panose="02020603050405020304" pitchFamily="18" charset="0"/>
-                <a:cs typeface="Times New Roman" panose="02020603050405020304" pitchFamily="18" charset="0"/>
-              </a:rPr>
-              <a:t> </a:t>
-            </a:r>
-            <a:r>
-              <a:rPr lang="vi-VN" altLang="en-US" dirty="0">
-                <a:solidFill>
-                  <a:srgbClr val="444444"/>
-                </a:solidFill>
-                <a:latin typeface="Times New Roman" panose="02020603050405020304" pitchFamily="18" charset="0"/>
-                <a:ea typeface="Times New Roman" panose="02020603050405020304" pitchFamily="18" charset="0"/>
-                <a:cs typeface="Times New Roman" panose="02020603050405020304" pitchFamily="18" charset="0"/>
-              </a:rPr>
-              <a:t>v</a:t>
-            </a:r>
-            <a:r>
-              <a:rPr kumimoji="0" lang="vi-VN" altLang="en-US" b="0" i="0" u="none" strike="noStrike" cap="none" normalizeH="0" baseline="0" dirty="0">
-                <a:ln>
-                  <a:noFill/>
-                </a:ln>
-                <a:solidFill>
-                  <a:srgbClr val="444444"/>
-                </a:solidFill>
-                <a:effectLst/>
-                <a:latin typeface="Times New Roman" panose="02020603050405020304" pitchFamily="18" charset="0"/>
-                <a:ea typeface="Times New Roman" panose="02020603050405020304" pitchFamily="18" charset="0"/>
-                <a:cs typeface="Times New Roman" panose="02020603050405020304" pitchFamily="18" charset="0"/>
-              </a:rPr>
-              <a:t>arName3 = </a:t>
-            </a:r>
-            <a:r>
-              <a:rPr kumimoji="0" lang="vi-VN" altLang="en-US" b="0" i="0" u="none" strike="noStrike" cap="none" normalizeH="0" baseline="0" dirty="0">
-                <a:ln>
-                  <a:noFill/>
-                </a:ln>
-                <a:solidFill>
-                  <a:srgbClr val="880000"/>
-                </a:solidFill>
-                <a:effectLst/>
-                <a:latin typeface="Times New Roman" panose="02020603050405020304" pitchFamily="18" charset="0"/>
-                <a:ea typeface="Times New Roman" panose="02020603050405020304" pitchFamily="18" charset="0"/>
-                <a:cs typeface="Times New Roman" panose="02020603050405020304" pitchFamily="18" charset="0"/>
-              </a:rPr>
-              <a:t>10</a:t>
-            </a:r>
-            <a:r>
-              <a:rPr kumimoji="0" lang="vi-VN" altLang="en-US" b="0" i="0" u="none" strike="noStrike" cap="none" normalizeH="0" baseline="0" dirty="0">
-                <a:ln>
-                  <a:noFill/>
-                </a:ln>
-                <a:solidFill>
-                  <a:srgbClr val="444444"/>
-                </a:solidFill>
-                <a:effectLst/>
-                <a:latin typeface="Times New Roman" panose="02020603050405020304" pitchFamily="18" charset="0"/>
-                <a:ea typeface="Times New Roman" panose="02020603050405020304" pitchFamily="18" charset="0"/>
-                <a:cs typeface="Times New Roman" panose="02020603050405020304" pitchFamily="18" charset="0"/>
-              </a:rPr>
-              <a:t>;  </a:t>
-            </a:r>
-            <a:r>
-              <a:rPr lang="vi-VN" altLang="en-US" dirty="0">
-                <a:solidFill>
-                  <a:srgbClr val="444444"/>
-                </a:solidFill>
-                <a:latin typeface="Times New Roman" panose="02020603050405020304" pitchFamily="18" charset="0"/>
-                <a:ea typeface="Times New Roman" panose="02020603050405020304" pitchFamily="18" charset="0"/>
-                <a:cs typeface="Times New Roman" panose="02020603050405020304" pitchFamily="18" charset="0"/>
-              </a:rPr>
-              <a:t>/</a:t>
-            </a:r>
-            <a:r>
-              <a:rPr kumimoji="0" lang="vi-VN" altLang="en-US" b="0" i="0" u="none" strike="noStrike" cap="none" normalizeH="0" baseline="0" dirty="0">
-                <a:ln>
-                  <a:noFill/>
-                </a:ln>
-                <a:solidFill>
-                  <a:srgbClr val="697070"/>
-                </a:solidFill>
-                <a:effectLst/>
-                <a:latin typeface="Times New Roman" panose="02020603050405020304" pitchFamily="18" charset="0"/>
-                <a:ea typeface="Times New Roman" panose="02020603050405020304" pitchFamily="18" charset="0"/>
-                <a:cs typeface="Times New Roman" panose="02020603050405020304" pitchFamily="18" charset="0"/>
-              </a:rPr>
-              <a:t>/ khai báo và khởi tạo biến với từ khóa const</a:t>
-            </a:r>
-            <a:endParaRPr kumimoji="0" lang="vi-VN" altLang="en-US" b="0" i="0" u="none" strike="noStrike" cap="none" normalizeH="0" baseline="0" dirty="0">
-              <a:ln>
-                <a:noFill/>
-              </a:ln>
-              <a:solidFill>
-                <a:schemeClr val="tx1"/>
-              </a:solidFill>
-              <a:effectLst/>
-              <a:latin typeface="Times New Roman" panose="02020603050405020304" pitchFamily="18" charset="0"/>
-              <a:cs typeface="Times New Roman" panose="02020603050405020304" pitchFamily="18" charset="0"/>
-            </a:endParaRPr>
-          </a:p>
-        </p:txBody>
-      </p:sp>
-      <p:sp>
-        <p:nvSpPr>
-          <p:cNvPr id="4" name="TextBox 3">
-            <a:extLst>
-              <a:ext uri="{FF2B5EF4-FFF2-40B4-BE49-F238E27FC236}">
-                <a16:creationId xmlns:a16="http://schemas.microsoft.com/office/drawing/2014/main" id="{4A0472FC-B88C-0CD2-C103-020F04174DBD}"/>
-              </a:ext>
-            </a:extLst>
-          </p:cNvPr>
-          <p:cNvSpPr txBox="1"/>
-          <p:nvPr/>
-        </p:nvSpPr>
-        <p:spPr>
-          <a:xfrm>
-            <a:off x="391294" y="2910253"/>
-            <a:ext cx="11214552" cy="4283224"/>
-          </a:xfrm>
-          <a:prstGeom prst="rect">
-            <a:avLst/>
-          </a:prstGeom>
-          <a:noFill/>
-        </p:spPr>
-        <p:txBody>
-          <a:bodyPr wrap="square" rtlCol="0">
-            <a:spAutoFit/>
-          </a:bodyPr>
-          <a:lstStyle/>
-          <a:p>
-            <a:pPr marL="0" marR="0" algn="just">
-              <a:spcBef>
-                <a:spcPts val="0"/>
-              </a:spcBef>
-              <a:spcAft>
-                <a:spcPts val="800"/>
-              </a:spcAft>
-            </a:pPr>
-            <a:r>
-              <a:rPr lang="vi-VN" sz="1800" b="1" kern="100" dirty="0">
-                <a:effectLst/>
-                <a:latin typeface="Times New Roman" panose="02020603050405020304" pitchFamily="18" charset="0"/>
-                <a:ea typeface="Calibri" panose="020F0502020204030204" pitchFamily="34" charset="0"/>
-                <a:cs typeface="Times New Roman" panose="02020603050405020304" pitchFamily="18" charset="0"/>
-              </a:rPr>
-              <a:t> </a:t>
-            </a:r>
-            <a:r>
-              <a:rPr lang="vi-VN" sz="2800" b="1" kern="100" dirty="0">
-                <a:effectLst/>
-                <a:latin typeface="Times New Roman" panose="02020603050405020304" pitchFamily="18" charset="0"/>
-                <a:ea typeface="Calibri" panose="020F0502020204030204" pitchFamily="34" charset="0"/>
-                <a:cs typeface="Times New Roman" panose="02020603050405020304" pitchFamily="18" charset="0"/>
-              </a:rPr>
-              <a:t>b. Tạo hàm JavaScript </a:t>
-            </a:r>
-            <a:endParaRPr lang="en-US" sz="2800" kern="100" dirty="0">
-              <a:effectLst/>
-              <a:latin typeface="Calibri" panose="020F0502020204030204" pitchFamily="34" charset="0"/>
-              <a:ea typeface="Calibri" panose="020F0502020204030204" pitchFamily="34" charset="0"/>
-              <a:cs typeface="Times New Roman" panose="02020603050405020304" pitchFamily="18" charset="0"/>
-            </a:endParaRPr>
-          </a:p>
-          <a:p>
-            <a:pPr marL="0" marR="0" algn="just">
-              <a:spcBef>
-                <a:spcPts val="0"/>
-              </a:spcBef>
-              <a:spcAft>
-                <a:spcPts val="0"/>
-              </a:spcAft>
-            </a:pPr>
-            <a:r>
-              <a:rPr lang="vi-VN" kern="0" dirty="0">
-                <a:solidFill>
-                  <a:srgbClr val="6A737D"/>
-                </a:solidFill>
-                <a:effectLst/>
-                <a:latin typeface="Times New Roman" panose="02020603050405020304" pitchFamily="18" charset="0"/>
-                <a:ea typeface="Times New Roman" panose="02020603050405020304" pitchFamily="18" charset="0"/>
-                <a:cs typeface="Times New Roman" panose="02020603050405020304" pitchFamily="18" charset="0"/>
-              </a:rPr>
-              <a:t>     // Khai báo hàm</a:t>
-            </a:r>
-            <a:endParaRPr lang="en-US" kern="100" dirty="0">
-              <a:effectLst/>
-              <a:latin typeface="Calibri" panose="020F0502020204030204" pitchFamily="34" charset="0"/>
-              <a:ea typeface="Calibri" panose="020F0502020204030204" pitchFamily="34" charset="0"/>
-              <a:cs typeface="Times New Roman" panose="02020603050405020304" pitchFamily="18" charset="0"/>
-            </a:endParaRPr>
-          </a:p>
-          <a:p>
-            <a:pPr marL="0" marR="0" algn="just">
-              <a:spcBef>
-                <a:spcPts val="0"/>
-              </a:spcBef>
-              <a:spcAft>
-                <a:spcPts val="0"/>
-              </a:spcAft>
-            </a:pPr>
-            <a:r>
-              <a:rPr lang="vi-VN" kern="0" dirty="0">
-                <a:solidFill>
-                  <a:srgbClr val="D73A49"/>
-                </a:solidFill>
-                <a:effectLst/>
-                <a:latin typeface="Times New Roman" panose="02020603050405020304" pitchFamily="18" charset="0"/>
-                <a:ea typeface="Times New Roman" panose="02020603050405020304" pitchFamily="18" charset="0"/>
-                <a:cs typeface="Times New Roman" panose="02020603050405020304" pitchFamily="18" charset="0"/>
-              </a:rPr>
-              <a:t>        </a:t>
-            </a:r>
-            <a:r>
-              <a:rPr lang="en-US" kern="0" dirty="0">
-                <a:solidFill>
-                  <a:srgbClr val="D73A49"/>
-                </a:solidFill>
-                <a:effectLst/>
-                <a:latin typeface="Times New Roman" panose="02020603050405020304" pitchFamily="18" charset="0"/>
-                <a:ea typeface="Times New Roman" panose="02020603050405020304" pitchFamily="18" charset="0"/>
-                <a:cs typeface="Times New Roman" panose="02020603050405020304" pitchFamily="18" charset="0"/>
-              </a:rPr>
-              <a:t>function</a:t>
-            </a:r>
-            <a:r>
-              <a:rPr lang="en-US" kern="0" dirty="0">
-                <a:solidFill>
-                  <a:srgbClr val="24292E"/>
-                </a:solidFill>
-                <a:effectLst/>
-                <a:latin typeface="Times New Roman" panose="02020603050405020304" pitchFamily="18" charset="0"/>
-                <a:ea typeface="Times New Roman" panose="02020603050405020304" pitchFamily="18" charset="0"/>
-                <a:cs typeface="Times New Roman" panose="02020603050405020304" pitchFamily="18" charset="0"/>
-              </a:rPr>
-              <a:t> </a:t>
-            </a:r>
-            <a:r>
-              <a:rPr lang="en-US" kern="0" dirty="0" err="1">
-                <a:solidFill>
-                  <a:srgbClr val="6F42C1"/>
-                </a:solidFill>
-                <a:effectLst/>
-                <a:latin typeface="Times New Roman" panose="02020603050405020304" pitchFamily="18" charset="0"/>
-                <a:ea typeface="Times New Roman" panose="02020603050405020304" pitchFamily="18" charset="0"/>
-                <a:cs typeface="Times New Roman" panose="02020603050405020304" pitchFamily="18" charset="0"/>
-              </a:rPr>
-              <a:t>isEven</a:t>
-            </a:r>
-            <a:r>
-              <a:rPr lang="en-US" kern="0" dirty="0">
-                <a:solidFill>
-                  <a:srgbClr val="24292E"/>
-                </a:solidFill>
-                <a:effectLst/>
-                <a:latin typeface="Times New Roman" panose="02020603050405020304" pitchFamily="18" charset="0"/>
-                <a:ea typeface="Times New Roman" panose="02020603050405020304" pitchFamily="18" charset="0"/>
-                <a:cs typeface="Times New Roman" panose="02020603050405020304" pitchFamily="18" charset="0"/>
-              </a:rPr>
-              <a:t>(num) {</a:t>
-            </a:r>
-            <a:endParaRPr lang="vi-VN" kern="0" dirty="0">
-              <a:solidFill>
-                <a:srgbClr val="24292E"/>
-              </a:solidFill>
-              <a:effectLst/>
-              <a:latin typeface="Times New Roman" panose="02020603050405020304" pitchFamily="18" charset="0"/>
-              <a:ea typeface="Times New Roman" panose="02020603050405020304" pitchFamily="18" charset="0"/>
-              <a:cs typeface="Times New Roman" panose="02020603050405020304" pitchFamily="18" charset="0"/>
-            </a:endParaRPr>
-          </a:p>
-          <a:p>
-            <a:pPr marL="0" marR="0" algn="just">
-              <a:spcBef>
-                <a:spcPts val="0"/>
-              </a:spcBef>
-              <a:spcAft>
-                <a:spcPts val="0"/>
-              </a:spcAft>
-            </a:pPr>
-            <a:r>
-              <a:rPr lang="en-US" kern="0" dirty="0">
-                <a:solidFill>
-                  <a:srgbClr val="D73A49"/>
-                </a:solidFill>
-                <a:effectLst/>
-                <a:latin typeface="Times New Roman" panose="02020603050405020304" pitchFamily="18" charset="0"/>
-                <a:ea typeface="Times New Roman" panose="02020603050405020304" pitchFamily="18" charset="0"/>
-                <a:cs typeface="Times New Roman" panose="02020603050405020304" pitchFamily="18" charset="0"/>
-              </a:rPr>
-              <a:t>return</a:t>
-            </a:r>
-            <a:r>
-              <a:rPr lang="en-US" kern="0" dirty="0">
-                <a:solidFill>
-                  <a:srgbClr val="24292E"/>
-                </a:solidFill>
-                <a:effectLst/>
-                <a:latin typeface="Times New Roman" panose="02020603050405020304" pitchFamily="18" charset="0"/>
-                <a:ea typeface="Times New Roman" panose="02020603050405020304" pitchFamily="18" charset="0"/>
-                <a:cs typeface="Times New Roman" panose="02020603050405020304" pitchFamily="18" charset="0"/>
-              </a:rPr>
-              <a:t> num </a:t>
-            </a:r>
-            <a:r>
-              <a:rPr lang="en-US" kern="0" dirty="0">
-                <a:solidFill>
-                  <a:srgbClr val="D73A49"/>
-                </a:solidFill>
-                <a:effectLst/>
-                <a:latin typeface="Times New Roman" panose="02020603050405020304" pitchFamily="18" charset="0"/>
-                <a:ea typeface="Times New Roman" panose="02020603050405020304" pitchFamily="18" charset="0"/>
-                <a:cs typeface="Times New Roman" panose="02020603050405020304" pitchFamily="18" charset="0"/>
-              </a:rPr>
-              <a:t>%</a:t>
-            </a:r>
-            <a:r>
-              <a:rPr lang="en-US" kern="0" dirty="0">
-                <a:solidFill>
-                  <a:srgbClr val="24292E"/>
-                </a:solidFill>
-                <a:effectLst/>
-                <a:latin typeface="Times New Roman" panose="02020603050405020304" pitchFamily="18" charset="0"/>
-                <a:ea typeface="Times New Roman" panose="02020603050405020304" pitchFamily="18" charset="0"/>
-                <a:cs typeface="Times New Roman" panose="02020603050405020304" pitchFamily="18" charset="0"/>
-              </a:rPr>
-              <a:t> </a:t>
-            </a:r>
-            <a:r>
-              <a:rPr lang="en-US" kern="0" dirty="0">
-                <a:solidFill>
-                  <a:srgbClr val="005CC5"/>
-                </a:solidFill>
-                <a:effectLst/>
-                <a:latin typeface="Times New Roman" panose="02020603050405020304" pitchFamily="18" charset="0"/>
-                <a:ea typeface="Times New Roman" panose="02020603050405020304" pitchFamily="18" charset="0"/>
-                <a:cs typeface="Times New Roman" panose="02020603050405020304" pitchFamily="18" charset="0"/>
-              </a:rPr>
-              <a:t>2</a:t>
-            </a:r>
-            <a:r>
-              <a:rPr lang="en-US" kern="0" dirty="0">
-                <a:solidFill>
-                  <a:srgbClr val="24292E"/>
-                </a:solidFill>
-                <a:effectLst/>
-                <a:latin typeface="Times New Roman" panose="02020603050405020304" pitchFamily="18" charset="0"/>
-                <a:ea typeface="Times New Roman" panose="02020603050405020304" pitchFamily="18" charset="0"/>
-                <a:cs typeface="Times New Roman" panose="02020603050405020304" pitchFamily="18" charset="0"/>
-              </a:rPr>
-              <a:t> </a:t>
-            </a:r>
-            <a:r>
-              <a:rPr lang="en-US" kern="0" dirty="0">
-                <a:solidFill>
-                  <a:srgbClr val="D73A49"/>
-                </a:solidFill>
-                <a:effectLst/>
-                <a:latin typeface="Times New Roman" panose="02020603050405020304" pitchFamily="18" charset="0"/>
-                <a:ea typeface="Times New Roman" panose="02020603050405020304" pitchFamily="18" charset="0"/>
-                <a:cs typeface="Times New Roman" panose="02020603050405020304" pitchFamily="18" charset="0"/>
-              </a:rPr>
-              <a:t>===</a:t>
-            </a:r>
-            <a:r>
-              <a:rPr lang="en-US" kern="0" dirty="0">
-                <a:solidFill>
-                  <a:srgbClr val="24292E"/>
-                </a:solidFill>
-                <a:effectLst/>
-                <a:latin typeface="Times New Roman" panose="02020603050405020304" pitchFamily="18" charset="0"/>
-                <a:ea typeface="Times New Roman" panose="02020603050405020304" pitchFamily="18" charset="0"/>
-                <a:cs typeface="Times New Roman" panose="02020603050405020304" pitchFamily="18" charset="0"/>
-              </a:rPr>
-              <a:t> </a:t>
-            </a:r>
-            <a:r>
-              <a:rPr lang="en-US" kern="0" dirty="0">
-                <a:solidFill>
-                  <a:srgbClr val="005CC5"/>
-                </a:solidFill>
-                <a:effectLst/>
-                <a:latin typeface="Times New Roman" panose="02020603050405020304" pitchFamily="18" charset="0"/>
-                <a:ea typeface="Times New Roman" panose="02020603050405020304" pitchFamily="18" charset="0"/>
-                <a:cs typeface="Times New Roman" panose="02020603050405020304" pitchFamily="18" charset="0"/>
-              </a:rPr>
-              <a:t>0</a:t>
-            </a:r>
-            <a:r>
-              <a:rPr lang="en-US" kern="0" dirty="0">
-                <a:solidFill>
-                  <a:srgbClr val="24292E"/>
-                </a:solidFill>
-                <a:effectLst/>
-                <a:latin typeface="Times New Roman" panose="02020603050405020304" pitchFamily="18" charset="0"/>
-                <a:ea typeface="Times New Roman" panose="02020603050405020304" pitchFamily="18" charset="0"/>
-                <a:cs typeface="Times New Roman" panose="02020603050405020304" pitchFamily="18" charset="0"/>
-              </a:rPr>
-              <a:t>;</a:t>
-            </a:r>
-            <a:endParaRPr lang="en-US" kern="100" dirty="0">
-              <a:effectLst/>
-              <a:latin typeface="Calibri" panose="020F0502020204030204" pitchFamily="34" charset="0"/>
-              <a:ea typeface="Calibri" panose="020F0502020204030204" pitchFamily="34" charset="0"/>
-              <a:cs typeface="Times New Roman" panose="02020603050405020304" pitchFamily="18" charset="0"/>
-            </a:endParaRPr>
-          </a:p>
-          <a:p>
-            <a:pPr marL="0" marR="0" algn="just">
-              <a:spcBef>
-                <a:spcPts val="0"/>
-              </a:spcBef>
-              <a:spcAft>
-                <a:spcPts val="0"/>
-              </a:spcAft>
-            </a:pPr>
-            <a:r>
-              <a:rPr lang="en-US" kern="0" dirty="0">
-                <a:solidFill>
-                  <a:srgbClr val="24292E"/>
-                </a:solidFill>
-                <a:effectLst/>
-                <a:latin typeface="Times New Roman" panose="02020603050405020304" pitchFamily="18" charset="0"/>
-                <a:ea typeface="Times New Roman" panose="02020603050405020304" pitchFamily="18" charset="0"/>
-                <a:cs typeface="Times New Roman" panose="02020603050405020304" pitchFamily="18" charset="0"/>
-              </a:rPr>
-              <a:t>}</a:t>
-            </a:r>
-            <a:endParaRPr lang="en-US" kern="100" dirty="0">
-              <a:effectLst/>
-              <a:latin typeface="Calibri" panose="020F0502020204030204" pitchFamily="34" charset="0"/>
-              <a:ea typeface="Calibri" panose="020F0502020204030204" pitchFamily="34" charset="0"/>
-              <a:cs typeface="Times New Roman" panose="02020603050405020304" pitchFamily="18" charset="0"/>
-            </a:endParaRPr>
-          </a:p>
-          <a:p>
-            <a:pPr marL="0" marR="0" algn="just">
-              <a:spcBef>
-                <a:spcPts val="0"/>
-              </a:spcBef>
-              <a:spcAft>
-                <a:spcPts val="0"/>
-              </a:spcAft>
-            </a:pPr>
-            <a:r>
-              <a:rPr lang="en-US" kern="0" dirty="0" err="1">
-                <a:solidFill>
-                  <a:srgbClr val="6F42C1"/>
-                </a:solidFill>
-                <a:effectLst/>
-                <a:latin typeface="Times New Roman" panose="02020603050405020304" pitchFamily="18" charset="0"/>
-                <a:ea typeface="Times New Roman" panose="02020603050405020304" pitchFamily="18" charset="0"/>
-                <a:cs typeface="Times New Roman" panose="02020603050405020304" pitchFamily="18" charset="0"/>
-              </a:rPr>
-              <a:t>isEven</a:t>
-            </a:r>
-            <a:r>
-              <a:rPr lang="en-US" kern="0" dirty="0">
-                <a:solidFill>
-                  <a:srgbClr val="24292E"/>
-                </a:solidFill>
-                <a:effectLst/>
-                <a:latin typeface="Times New Roman" panose="02020603050405020304" pitchFamily="18" charset="0"/>
-                <a:ea typeface="Times New Roman" panose="02020603050405020304" pitchFamily="18" charset="0"/>
-                <a:cs typeface="Times New Roman" panose="02020603050405020304" pitchFamily="18" charset="0"/>
-              </a:rPr>
-              <a:t>(</a:t>
-            </a:r>
-            <a:r>
-              <a:rPr lang="en-US" kern="0" dirty="0">
-                <a:solidFill>
-                  <a:srgbClr val="005CC5"/>
-                </a:solidFill>
-                <a:effectLst/>
-                <a:latin typeface="Times New Roman" panose="02020603050405020304" pitchFamily="18" charset="0"/>
-                <a:ea typeface="Times New Roman" panose="02020603050405020304" pitchFamily="18" charset="0"/>
-                <a:cs typeface="Times New Roman" panose="02020603050405020304" pitchFamily="18" charset="0"/>
-              </a:rPr>
-              <a:t>24</a:t>
-            </a:r>
-            <a:r>
-              <a:rPr lang="en-US" kern="0" dirty="0">
-                <a:solidFill>
-                  <a:srgbClr val="24292E"/>
-                </a:solidFill>
-                <a:effectLst/>
-                <a:latin typeface="Times New Roman" panose="02020603050405020304" pitchFamily="18" charset="0"/>
-                <a:ea typeface="Times New Roman" panose="02020603050405020304" pitchFamily="18" charset="0"/>
-                <a:cs typeface="Times New Roman" panose="02020603050405020304" pitchFamily="18" charset="0"/>
-              </a:rPr>
-              <a:t>); </a:t>
-            </a:r>
-            <a:r>
-              <a:rPr lang="en-US" kern="0" dirty="0">
-                <a:solidFill>
-                  <a:srgbClr val="6A737D"/>
-                </a:solidFill>
-                <a:effectLst/>
-                <a:latin typeface="Times New Roman" panose="02020603050405020304" pitchFamily="18" charset="0"/>
-                <a:ea typeface="Times New Roman" panose="02020603050405020304" pitchFamily="18" charset="0"/>
-                <a:cs typeface="Times New Roman" panose="02020603050405020304" pitchFamily="18" charset="0"/>
-              </a:rPr>
-              <a:t>// =&gt; true  </a:t>
-            </a:r>
-            <a:endParaRPr lang="en-US" kern="100" dirty="0">
-              <a:effectLst/>
-              <a:latin typeface="Calibri" panose="020F0502020204030204" pitchFamily="34" charset="0"/>
-              <a:ea typeface="Calibri" panose="020F0502020204030204" pitchFamily="34" charset="0"/>
-              <a:cs typeface="Times New Roman" panose="02020603050405020304" pitchFamily="18" charset="0"/>
-            </a:endParaRPr>
-          </a:p>
-          <a:p>
-            <a:pPr marL="0" marR="0" algn="just">
-              <a:spcBef>
-                <a:spcPts val="0"/>
-              </a:spcBef>
-              <a:spcAft>
-                <a:spcPts val="800"/>
-              </a:spcAft>
-            </a:pPr>
-            <a:r>
-              <a:rPr lang="en-US" kern="0" dirty="0" err="1">
-                <a:solidFill>
-                  <a:srgbClr val="6F42C1"/>
-                </a:solidFill>
-                <a:effectLst/>
-                <a:latin typeface="Times New Roman" panose="02020603050405020304" pitchFamily="18" charset="0"/>
-                <a:ea typeface="Times New Roman" panose="02020603050405020304" pitchFamily="18" charset="0"/>
-                <a:cs typeface="Times New Roman" panose="02020603050405020304" pitchFamily="18" charset="0"/>
-              </a:rPr>
-              <a:t>isEven</a:t>
-            </a:r>
-            <a:r>
-              <a:rPr lang="en-US" kern="0" dirty="0">
-                <a:solidFill>
-                  <a:srgbClr val="24292E"/>
-                </a:solidFill>
-                <a:effectLst/>
-                <a:latin typeface="Times New Roman" panose="02020603050405020304" pitchFamily="18" charset="0"/>
-                <a:ea typeface="Times New Roman" panose="02020603050405020304" pitchFamily="18" charset="0"/>
-                <a:cs typeface="Times New Roman" panose="02020603050405020304" pitchFamily="18" charset="0"/>
-              </a:rPr>
-              <a:t>(</a:t>
-            </a:r>
-            <a:r>
-              <a:rPr lang="en-US" kern="0" dirty="0">
-                <a:solidFill>
-                  <a:srgbClr val="005CC5"/>
-                </a:solidFill>
-                <a:effectLst/>
-                <a:latin typeface="Times New Roman" panose="02020603050405020304" pitchFamily="18" charset="0"/>
-                <a:ea typeface="Times New Roman" panose="02020603050405020304" pitchFamily="18" charset="0"/>
-                <a:cs typeface="Times New Roman" panose="02020603050405020304" pitchFamily="18" charset="0"/>
-              </a:rPr>
-              <a:t>11</a:t>
-            </a:r>
-            <a:r>
-              <a:rPr lang="en-US" kern="0" dirty="0">
-                <a:solidFill>
-                  <a:srgbClr val="24292E"/>
-                </a:solidFill>
-                <a:effectLst/>
-                <a:latin typeface="Times New Roman" panose="02020603050405020304" pitchFamily="18" charset="0"/>
-                <a:ea typeface="Times New Roman" panose="02020603050405020304" pitchFamily="18" charset="0"/>
-                <a:cs typeface="Times New Roman" panose="02020603050405020304" pitchFamily="18" charset="0"/>
-              </a:rPr>
-              <a:t>); </a:t>
-            </a:r>
-            <a:r>
-              <a:rPr lang="en-US" kern="0" dirty="0">
-                <a:solidFill>
-                  <a:srgbClr val="6A737D"/>
-                </a:solidFill>
-                <a:effectLst/>
-                <a:latin typeface="Times New Roman" panose="02020603050405020304" pitchFamily="18" charset="0"/>
-                <a:ea typeface="Times New Roman" panose="02020603050405020304" pitchFamily="18" charset="0"/>
-                <a:cs typeface="Times New Roman" panose="02020603050405020304" pitchFamily="18" charset="0"/>
-              </a:rPr>
-              <a:t>// =&gt; false  </a:t>
-            </a:r>
-            <a:endParaRPr lang="en-US" kern="100" dirty="0">
-              <a:effectLst/>
-              <a:latin typeface="Calibri" panose="020F0502020204030204" pitchFamily="34" charset="0"/>
-              <a:ea typeface="Calibri" panose="020F0502020204030204" pitchFamily="34" charset="0"/>
-              <a:cs typeface="Times New Roman" panose="02020603050405020304" pitchFamily="18" charset="0"/>
-            </a:endParaRPr>
-          </a:p>
-          <a:p>
-            <a:pPr marL="342900" marR="0" lvl="0" indent="-342900" algn="just">
-              <a:spcBef>
-                <a:spcPts val="0"/>
-              </a:spcBef>
-              <a:spcAft>
-                <a:spcPts val="600"/>
-              </a:spcAft>
-              <a:buSzPts val="1000"/>
-              <a:buFont typeface="Symbol" panose="05050102010706020507" pitchFamily="18" charset="2"/>
-              <a:buChar char=""/>
-              <a:tabLst>
-                <a:tab pos="457200" algn="l"/>
-              </a:tabLst>
-            </a:pPr>
-            <a:r>
-              <a:rPr lang="en-US" kern="0" dirty="0" err="1">
-                <a:solidFill>
-                  <a:srgbClr val="1B1B1B"/>
-                </a:solidFill>
-                <a:effectLst/>
-                <a:latin typeface="Times New Roman" panose="02020603050405020304" pitchFamily="18" charset="0"/>
-                <a:ea typeface="Times New Roman" panose="02020603050405020304" pitchFamily="18" charset="0"/>
-                <a:cs typeface="Times New Roman" panose="02020603050405020304" pitchFamily="18" charset="0"/>
-              </a:rPr>
-              <a:t>Khai</a:t>
-            </a:r>
-            <a:r>
-              <a:rPr lang="en-US" kern="0" dirty="0">
-                <a:solidFill>
-                  <a:srgbClr val="1B1B1B"/>
-                </a:solidFill>
-                <a:effectLst/>
-                <a:latin typeface="Times New Roman" panose="02020603050405020304" pitchFamily="18" charset="0"/>
-                <a:ea typeface="Times New Roman" panose="02020603050405020304" pitchFamily="18" charset="0"/>
-                <a:cs typeface="Times New Roman" panose="02020603050405020304" pitchFamily="18" charset="0"/>
-              </a:rPr>
-              <a:t> </a:t>
-            </a:r>
-            <a:r>
-              <a:rPr lang="en-US" kern="0" dirty="0" err="1">
-                <a:solidFill>
-                  <a:srgbClr val="1B1B1B"/>
-                </a:solidFill>
-                <a:effectLst/>
-                <a:latin typeface="Times New Roman" panose="02020603050405020304" pitchFamily="18" charset="0"/>
-                <a:ea typeface="Times New Roman" panose="02020603050405020304" pitchFamily="18" charset="0"/>
-                <a:cs typeface="Times New Roman" panose="02020603050405020304" pitchFamily="18" charset="0"/>
-              </a:rPr>
-              <a:t>báo</a:t>
-            </a:r>
-            <a:r>
-              <a:rPr lang="en-US" kern="0" dirty="0">
-                <a:solidFill>
-                  <a:srgbClr val="1B1B1B"/>
-                </a:solidFill>
-                <a:effectLst/>
-                <a:latin typeface="Times New Roman" panose="02020603050405020304" pitchFamily="18" charset="0"/>
-                <a:ea typeface="Times New Roman" panose="02020603050405020304" pitchFamily="18" charset="0"/>
-                <a:cs typeface="Times New Roman" panose="02020603050405020304" pitchFamily="18" charset="0"/>
-              </a:rPr>
-              <a:t> </a:t>
-            </a:r>
-            <a:r>
-              <a:rPr lang="en-US" kern="0" dirty="0" err="1">
-                <a:solidFill>
-                  <a:srgbClr val="1B1B1B"/>
-                </a:solidFill>
-                <a:effectLst/>
-                <a:latin typeface="Times New Roman" panose="02020603050405020304" pitchFamily="18" charset="0"/>
-                <a:ea typeface="Times New Roman" panose="02020603050405020304" pitchFamily="18" charset="0"/>
-                <a:cs typeface="Times New Roman" panose="02020603050405020304" pitchFamily="18" charset="0"/>
-              </a:rPr>
-              <a:t>tạo</a:t>
-            </a:r>
-            <a:r>
-              <a:rPr lang="en-US" kern="0" dirty="0">
-                <a:solidFill>
-                  <a:srgbClr val="1B1B1B"/>
-                </a:solidFill>
-                <a:effectLst/>
-                <a:latin typeface="Times New Roman" panose="02020603050405020304" pitchFamily="18" charset="0"/>
-                <a:ea typeface="Times New Roman" panose="02020603050405020304" pitchFamily="18" charset="0"/>
-                <a:cs typeface="Times New Roman" panose="02020603050405020304" pitchFamily="18" charset="0"/>
-              </a:rPr>
-              <a:t> </a:t>
-            </a:r>
-            <a:r>
-              <a:rPr lang="en-US" kern="0" dirty="0" err="1">
-                <a:solidFill>
-                  <a:srgbClr val="1B1B1B"/>
-                </a:solidFill>
-                <a:effectLst/>
-                <a:latin typeface="Times New Roman" panose="02020603050405020304" pitchFamily="18" charset="0"/>
-                <a:ea typeface="Times New Roman" panose="02020603050405020304" pitchFamily="18" charset="0"/>
-                <a:cs typeface="Times New Roman" panose="02020603050405020304" pitchFamily="18" charset="0"/>
-              </a:rPr>
-              <a:t>một</a:t>
-            </a:r>
-            <a:r>
-              <a:rPr lang="en-US" kern="0" dirty="0">
-                <a:solidFill>
-                  <a:srgbClr val="1B1B1B"/>
-                </a:solidFill>
-                <a:effectLst/>
-                <a:latin typeface="Times New Roman" panose="02020603050405020304" pitchFamily="18" charset="0"/>
-                <a:ea typeface="Times New Roman" panose="02020603050405020304" pitchFamily="18" charset="0"/>
-                <a:cs typeface="Times New Roman" panose="02020603050405020304" pitchFamily="18" charset="0"/>
-              </a:rPr>
-              <a:t> </a:t>
-            </a:r>
-            <a:r>
-              <a:rPr lang="en-US" kern="0" dirty="0" err="1">
-                <a:solidFill>
-                  <a:srgbClr val="1B1B1B"/>
-                </a:solidFill>
-                <a:effectLst/>
-                <a:latin typeface="Times New Roman" panose="02020603050405020304" pitchFamily="18" charset="0"/>
-                <a:ea typeface="Times New Roman" panose="02020603050405020304" pitchFamily="18" charset="0"/>
-                <a:cs typeface="Times New Roman" panose="02020603050405020304" pitchFamily="18" charset="0"/>
-              </a:rPr>
-              <a:t>hàm</a:t>
-            </a:r>
-            <a:r>
-              <a:rPr lang="en-US" kern="0" dirty="0">
-                <a:solidFill>
-                  <a:srgbClr val="1B1B1B"/>
-                </a:solidFill>
-                <a:effectLst/>
-                <a:latin typeface="Times New Roman" panose="02020603050405020304" pitchFamily="18" charset="0"/>
-                <a:ea typeface="Times New Roman" panose="02020603050405020304" pitchFamily="18" charset="0"/>
-                <a:cs typeface="Times New Roman" panose="02020603050405020304" pitchFamily="18" charset="0"/>
-              </a:rPr>
-              <a:t> </a:t>
-            </a:r>
-            <a:r>
-              <a:rPr lang="en-US" kern="0" dirty="0" err="1">
-                <a:solidFill>
-                  <a:srgbClr val="1B1B1B"/>
-                </a:solidFill>
-                <a:effectLst/>
-                <a:latin typeface="Times New Roman" panose="02020603050405020304" pitchFamily="18" charset="0"/>
-                <a:ea typeface="Times New Roman" panose="02020603050405020304" pitchFamily="18" charset="0"/>
-                <a:cs typeface="Times New Roman" panose="02020603050405020304" pitchFamily="18" charset="0"/>
-              </a:rPr>
-              <a:t>trong</a:t>
-            </a:r>
-            <a:r>
-              <a:rPr lang="en-US" kern="0" dirty="0">
-                <a:solidFill>
-                  <a:srgbClr val="1B1B1B"/>
-                </a:solidFill>
-                <a:effectLst/>
-                <a:latin typeface="Times New Roman" panose="02020603050405020304" pitchFamily="18" charset="0"/>
-                <a:ea typeface="Times New Roman" panose="02020603050405020304" pitchFamily="18" charset="0"/>
-                <a:cs typeface="Times New Roman" panose="02020603050405020304" pitchFamily="18" charset="0"/>
-              </a:rPr>
-              <a:t> </a:t>
-            </a:r>
-            <a:r>
-              <a:rPr lang="en-US" kern="0" dirty="0" err="1">
-                <a:solidFill>
-                  <a:srgbClr val="1B1B1B"/>
-                </a:solidFill>
-                <a:effectLst/>
-                <a:latin typeface="Times New Roman" panose="02020603050405020304" pitchFamily="18" charset="0"/>
-                <a:ea typeface="Times New Roman" panose="02020603050405020304" pitchFamily="18" charset="0"/>
-                <a:cs typeface="Times New Roman" panose="02020603050405020304" pitchFamily="18" charset="0"/>
-              </a:rPr>
-              <a:t>phạm</a:t>
-            </a:r>
-            <a:r>
-              <a:rPr lang="en-US" kern="0" dirty="0">
-                <a:solidFill>
-                  <a:srgbClr val="1B1B1B"/>
-                </a:solidFill>
-                <a:effectLst/>
-                <a:latin typeface="Times New Roman" panose="02020603050405020304" pitchFamily="18" charset="0"/>
-                <a:ea typeface="Times New Roman" panose="02020603050405020304" pitchFamily="18" charset="0"/>
-                <a:cs typeface="Times New Roman" panose="02020603050405020304" pitchFamily="18" charset="0"/>
-              </a:rPr>
-              <a:t> vi </a:t>
-            </a:r>
-            <a:r>
-              <a:rPr lang="en-US" kern="0" dirty="0" err="1">
-                <a:solidFill>
-                  <a:srgbClr val="1B1B1B"/>
-                </a:solidFill>
-                <a:effectLst/>
-                <a:latin typeface="Times New Roman" panose="02020603050405020304" pitchFamily="18" charset="0"/>
-                <a:ea typeface="Times New Roman" panose="02020603050405020304" pitchFamily="18" charset="0"/>
-                <a:cs typeface="Times New Roman" panose="02020603050405020304" pitchFamily="18" charset="0"/>
-              </a:rPr>
-              <a:t>hiện</a:t>
-            </a:r>
-            <a:r>
-              <a:rPr lang="en-US" kern="0" dirty="0">
-                <a:solidFill>
-                  <a:srgbClr val="1B1B1B"/>
-                </a:solidFill>
-                <a:effectLst/>
-                <a:latin typeface="Times New Roman" panose="02020603050405020304" pitchFamily="18" charset="0"/>
-                <a:ea typeface="Times New Roman" panose="02020603050405020304" pitchFamily="18" charset="0"/>
-                <a:cs typeface="Times New Roman" panose="02020603050405020304" pitchFamily="18" charset="0"/>
-              </a:rPr>
-              <a:t> </a:t>
-            </a:r>
-            <a:r>
-              <a:rPr lang="en-US" kern="0" dirty="0" err="1">
-                <a:solidFill>
-                  <a:srgbClr val="1B1B1B"/>
-                </a:solidFill>
-                <a:effectLst/>
-                <a:latin typeface="Times New Roman" panose="02020603050405020304" pitchFamily="18" charset="0"/>
-                <a:ea typeface="Times New Roman" panose="02020603050405020304" pitchFamily="18" charset="0"/>
-                <a:cs typeface="Times New Roman" panose="02020603050405020304" pitchFamily="18" charset="0"/>
-              </a:rPr>
-              <a:t>tại</a:t>
-            </a:r>
-            <a:r>
-              <a:rPr lang="en-US" kern="0" dirty="0">
-                <a:solidFill>
-                  <a:srgbClr val="1B1B1B"/>
-                </a:solidFill>
-                <a:effectLst/>
-                <a:latin typeface="Times New Roman" panose="02020603050405020304" pitchFamily="18" charset="0"/>
-                <a:ea typeface="Times New Roman" panose="02020603050405020304" pitchFamily="18" charset="0"/>
-                <a:cs typeface="Times New Roman" panose="02020603050405020304" pitchFamily="18" charset="0"/>
-              </a:rPr>
-              <a:t> </a:t>
-            </a:r>
-            <a:r>
-              <a:rPr lang="en-US" kern="0" dirty="0" err="1">
-                <a:solidFill>
-                  <a:srgbClr val="1B1B1B"/>
-                </a:solidFill>
-                <a:effectLst/>
-                <a:latin typeface="Times New Roman" panose="02020603050405020304" pitchFamily="18" charset="0"/>
-                <a:ea typeface="Times New Roman" panose="02020603050405020304" pitchFamily="18" charset="0"/>
-                <a:cs typeface="Times New Roman" panose="02020603050405020304" pitchFamily="18" charset="0"/>
-              </a:rPr>
-              <a:t>với</a:t>
-            </a:r>
-            <a:r>
-              <a:rPr lang="en-US" kern="0" dirty="0">
-                <a:solidFill>
-                  <a:srgbClr val="1B1B1B"/>
-                </a:solidFill>
-                <a:effectLst/>
-                <a:latin typeface="Times New Roman" panose="02020603050405020304" pitchFamily="18" charset="0"/>
-                <a:ea typeface="Times New Roman" panose="02020603050405020304" pitchFamily="18" charset="0"/>
-                <a:cs typeface="Times New Roman" panose="02020603050405020304" pitchFamily="18" charset="0"/>
-              </a:rPr>
-              <a:t> </a:t>
-            </a:r>
-            <a:r>
-              <a:rPr lang="en-US" kern="0" dirty="0" err="1">
-                <a:solidFill>
-                  <a:srgbClr val="1B1B1B"/>
-                </a:solidFill>
-                <a:effectLst/>
-                <a:latin typeface="Times New Roman" panose="02020603050405020304" pitchFamily="18" charset="0"/>
-                <a:ea typeface="Times New Roman" panose="02020603050405020304" pitchFamily="18" charset="0"/>
-                <a:cs typeface="Times New Roman" panose="02020603050405020304" pitchFamily="18" charset="0"/>
-              </a:rPr>
-              <a:t>mã</a:t>
-            </a:r>
-            <a:r>
-              <a:rPr lang="en-US" kern="0" dirty="0">
-                <a:solidFill>
-                  <a:srgbClr val="1B1B1B"/>
-                </a:solidFill>
-                <a:effectLst/>
-                <a:latin typeface="Times New Roman" panose="02020603050405020304" pitchFamily="18" charset="0"/>
-                <a:ea typeface="Times New Roman" panose="02020603050405020304" pitchFamily="18" charset="0"/>
-                <a:cs typeface="Times New Roman" panose="02020603050405020304" pitchFamily="18" charset="0"/>
-              </a:rPr>
-              <a:t> </a:t>
-            </a:r>
-            <a:r>
-              <a:rPr lang="en-US" kern="0" dirty="0" err="1">
-                <a:solidFill>
-                  <a:srgbClr val="1B1B1B"/>
-                </a:solidFill>
-                <a:effectLst/>
-                <a:latin typeface="Times New Roman" panose="02020603050405020304" pitchFamily="18" charset="0"/>
-                <a:ea typeface="Times New Roman" panose="02020603050405020304" pitchFamily="18" charset="0"/>
-                <a:cs typeface="Times New Roman" panose="02020603050405020304" pitchFamily="18" charset="0"/>
-              </a:rPr>
-              <a:t>định</a:t>
-            </a:r>
-            <a:r>
-              <a:rPr lang="en-US" kern="0" dirty="0">
-                <a:solidFill>
-                  <a:srgbClr val="1B1B1B"/>
-                </a:solidFill>
-                <a:effectLst/>
-                <a:latin typeface="Times New Roman" panose="02020603050405020304" pitchFamily="18" charset="0"/>
-                <a:ea typeface="Times New Roman" panose="02020603050405020304" pitchFamily="18" charset="0"/>
-                <a:cs typeface="Times New Roman" panose="02020603050405020304" pitchFamily="18" charset="0"/>
-              </a:rPr>
-              <a:t> </a:t>
-            </a:r>
-            <a:r>
-              <a:rPr lang="en-US" kern="0" dirty="0" err="1">
-                <a:solidFill>
-                  <a:srgbClr val="1B1B1B"/>
-                </a:solidFill>
-                <a:effectLst/>
-                <a:latin typeface="Times New Roman" panose="02020603050405020304" pitchFamily="18" charset="0"/>
-                <a:ea typeface="Times New Roman" panose="02020603050405020304" pitchFamily="18" charset="0"/>
-                <a:cs typeface="Times New Roman" panose="02020603050405020304" pitchFamily="18" charset="0"/>
-              </a:rPr>
-              <a:t>nghĩa</a:t>
-            </a:r>
-            <a:r>
-              <a:rPr lang="en-US" kern="0" dirty="0">
-                <a:solidFill>
-                  <a:srgbClr val="1B1B1B"/>
-                </a:solidFill>
-                <a:effectLst/>
-                <a:latin typeface="Times New Roman" panose="02020603050405020304" pitchFamily="18" charset="0"/>
-                <a:ea typeface="Times New Roman" panose="02020603050405020304" pitchFamily="18" charset="0"/>
-                <a:cs typeface="Times New Roman" panose="02020603050405020304" pitchFamily="18" charset="0"/>
-              </a:rPr>
-              <a:t> </a:t>
-            </a:r>
-            <a:r>
-              <a:rPr lang="en-US" kern="0" dirty="0" err="1">
-                <a:solidFill>
-                  <a:srgbClr val="1B1B1B"/>
-                </a:solidFill>
-                <a:effectLst/>
-                <a:latin typeface="Times New Roman" panose="02020603050405020304" pitchFamily="18" charset="0"/>
-                <a:ea typeface="Times New Roman" panose="02020603050405020304" pitchFamily="18" charset="0"/>
-                <a:cs typeface="Times New Roman" panose="02020603050405020304" pitchFamily="18" charset="0"/>
-              </a:rPr>
-              <a:t>bằng</a:t>
-            </a:r>
-            <a:r>
-              <a:rPr lang="en-US" kern="0" dirty="0">
-                <a:solidFill>
-                  <a:srgbClr val="1B1B1B"/>
-                </a:solidFill>
-                <a:effectLst/>
-                <a:latin typeface="Times New Roman" panose="02020603050405020304" pitchFamily="18" charset="0"/>
-                <a:ea typeface="Times New Roman" panose="02020603050405020304" pitchFamily="18" charset="0"/>
-                <a:cs typeface="Times New Roman" panose="02020603050405020304" pitchFamily="18" charset="0"/>
-              </a:rPr>
-              <a:t> </a:t>
-            </a:r>
-            <a:r>
-              <a:rPr lang="en-US" kern="0" dirty="0" err="1">
-                <a:solidFill>
-                  <a:srgbClr val="1B1B1B"/>
-                </a:solidFill>
-                <a:effectLst/>
-                <a:latin typeface="Times New Roman" panose="02020603050405020304" pitchFamily="18" charset="0"/>
-                <a:ea typeface="Times New Roman" panose="02020603050405020304" pitchFamily="18" charset="0"/>
-                <a:cs typeface="Times New Roman" panose="02020603050405020304" pitchFamily="18" charset="0"/>
-              </a:rPr>
-              <a:t>hàm</a:t>
-            </a:r>
-            <a:r>
-              <a:rPr lang="en-US" kern="0" dirty="0">
-                <a:solidFill>
-                  <a:srgbClr val="1B1B1B"/>
-                </a:solidFill>
-                <a:effectLst/>
-                <a:latin typeface="Times New Roman" panose="02020603050405020304" pitchFamily="18" charset="0"/>
-                <a:ea typeface="Times New Roman" panose="02020603050405020304" pitchFamily="18" charset="0"/>
-                <a:cs typeface="Times New Roman" panose="02020603050405020304" pitchFamily="18" charset="0"/>
-              </a:rPr>
-              <a:t> </a:t>
-            </a:r>
-            <a:r>
-              <a:rPr lang="en-US" kern="0" dirty="0" err="1">
-                <a:solidFill>
-                  <a:srgbClr val="1B1B1B"/>
-                </a:solidFill>
-                <a:effectLst/>
-                <a:latin typeface="Times New Roman" panose="02020603050405020304" pitchFamily="18" charset="0"/>
-                <a:ea typeface="Times New Roman" panose="02020603050405020304" pitchFamily="18" charset="0"/>
-                <a:cs typeface="Times New Roman" panose="02020603050405020304" pitchFamily="18" charset="0"/>
-              </a:rPr>
-              <a:t>tên</a:t>
-            </a:r>
-            <a:r>
-              <a:rPr lang="en-US" kern="0" dirty="0">
-                <a:solidFill>
-                  <a:srgbClr val="1B1B1B"/>
-                </a:solidFill>
-                <a:effectLst/>
-                <a:latin typeface="Times New Roman" panose="02020603050405020304" pitchFamily="18" charset="0"/>
-                <a:ea typeface="Times New Roman" panose="02020603050405020304" pitchFamily="18" charset="0"/>
-                <a:cs typeface="Times New Roman" panose="02020603050405020304" pitchFamily="18" charset="0"/>
-              </a:rPr>
-              <a:t>. </a:t>
-            </a:r>
-            <a:r>
-              <a:rPr lang="en-US" kern="0" dirty="0" err="1">
-                <a:solidFill>
-                  <a:srgbClr val="1B1B1B"/>
-                </a:solidFill>
-                <a:effectLst/>
-                <a:latin typeface="Times New Roman" panose="02020603050405020304" pitchFamily="18" charset="0"/>
-                <a:ea typeface="Times New Roman" panose="02020603050405020304" pitchFamily="18" charset="0"/>
-                <a:cs typeface="Times New Roman" panose="02020603050405020304" pitchFamily="18" charset="0"/>
-              </a:rPr>
-              <a:t>Biến</a:t>
-            </a:r>
-            <a:r>
-              <a:rPr lang="en-US" kern="0" dirty="0">
-                <a:solidFill>
-                  <a:srgbClr val="1B1B1B"/>
-                </a:solidFill>
-                <a:effectLst/>
-                <a:latin typeface="Times New Roman" panose="02020603050405020304" pitchFamily="18" charset="0"/>
-                <a:ea typeface="Times New Roman" panose="02020603050405020304" pitchFamily="18" charset="0"/>
-                <a:cs typeface="Times New Roman" panose="02020603050405020304" pitchFamily="18" charset="0"/>
-              </a:rPr>
-              <a:t> </a:t>
-            </a:r>
-            <a:r>
-              <a:rPr lang="en-US" kern="0" dirty="0" err="1">
-                <a:solidFill>
-                  <a:srgbClr val="1B1B1B"/>
-                </a:solidFill>
-                <a:effectLst/>
-                <a:latin typeface="Times New Roman" panose="02020603050405020304" pitchFamily="18" charset="0"/>
-                <a:ea typeface="Times New Roman" panose="02020603050405020304" pitchFamily="18" charset="0"/>
-                <a:cs typeface="Times New Roman" panose="02020603050405020304" pitchFamily="18" charset="0"/>
-              </a:rPr>
-              <a:t>này</a:t>
-            </a:r>
-            <a:r>
-              <a:rPr lang="en-US" kern="0" dirty="0">
-                <a:solidFill>
-                  <a:srgbClr val="1B1B1B"/>
-                </a:solidFill>
-                <a:effectLst/>
-                <a:latin typeface="Times New Roman" panose="02020603050405020304" pitchFamily="18" charset="0"/>
-                <a:ea typeface="Times New Roman" panose="02020603050405020304" pitchFamily="18" charset="0"/>
-                <a:cs typeface="Times New Roman" panose="02020603050405020304" pitchFamily="18" charset="0"/>
-              </a:rPr>
-              <a:t> </a:t>
-            </a:r>
-            <a:r>
-              <a:rPr lang="en-US" kern="0" dirty="0" err="1">
-                <a:solidFill>
-                  <a:srgbClr val="1B1B1B"/>
-                </a:solidFill>
-                <a:effectLst/>
-                <a:latin typeface="Times New Roman" panose="02020603050405020304" pitchFamily="18" charset="0"/>
-                <a:ea typeface="Times New Roman" panose="02020603050405020304" pitchFamily="18" charset="0"/>
-                <a:cs typeface="Times New Roman" panose="02020603050405020304" pitchFamily="18" charset="0"/>
-              </a:rPr>
-              <a:t>chứa</a:t>
-            </a:r>
-            <a:r>
-              <a:rPr lang="en-US" kern="0" dirty="0">
-                <a:solidFill>
-                  <a:srgbClr val="1B1B1B"/>
-                </a:solidFill>
-                <a:effectLst/>
-                <a:latin typeface="Times New Roman" panose="02020603050405020304" pitchFamily="18" charset="0"/>
-                <a:ea typeface="Times New Roman" panose="02020603050405020304" pitchFamily="18" charset="0"/>
-                <a:cs typeface="Times New Roman" panose="02020603050405020304" pitchFamily="18" charset="0"/>
-              </a:rPr>
-              <a:t> </a:t>
-            </a:r>
-            <a:r>
-              <a:rPr lang="en-US" kern="0" dirty="0" err="1">
-                <a:solidFill>
-                  <a:srgbClr val="1B1B1B"/>
-                </a:solidFill>
-                <a:effectLst/>
-                <a:latin typeface="Times New Roman" panose="02020603050405020304" pitchFamily="18" charset="0"/>
-                <a:ea typeface="Times New Roman" panose="02020603050405020304" pitchFamily="18" charset="0"/>
-                <a:cs typeface="Times New Roman" panose="02020603050405020304" pitchFamily="18" charset="0"/>
-              </a:rPr>
-              <a:t>hàm</a:t>
-            </a:r>
-            <a:r>
-              <a:rPr lang="en-US" kern="0" dirty="0">
-                <a:solidFill>
-                  <a:srgbClr val="1B1B1B"/>
-                </a:solidFill>
-                <a:effectLst/>
-                <a:latin typeface="Times New Roman" panose="02020603050405020304" pitchFamily="18" charset="0"/>
-                <a:ea typeface="Times New Roman" panose="02020603050405020304" pitchFamily="18" charset="0"/>
-                <a:cs typeface="Times New Roman" panose="02020603050405020304" pitchFamily="18" charset="0"/>
-              </a:rPr>
-              <a:t> object.</a:t>
-            </a:r>
-            <a:endParaRPr lang="en-US" kern="100" dirty="0">
-              <a:solidFill>
-                <a:srgbClr val="1B1B1B"/>
-              </a:solidFill>
-              <a:effectLst/>
-              <a:latin typeface="Calibri" panose="020F0502020204030204" pitchFamily="34" charset="0"/>
-              <a:ea typeface="Calibri" panose="020F0502020204030204" pitchFamily="34" charset="0"/>
-              <a:cs typeface="Times New Roman" panose="02020603050405020304" pitchFamily="18" charset="0"/>
-            </a:endParaRPr>
-          </a:p>
-          <a:p>
-            <a:pPr marL="342900" marR="0" lvl="0" indent="-342900" algn="just">
-              <a:spcBef>
-                <a:spcPts val="0"/>
-              </a:spcBef>
-              <a:spcAft>
-                <a:spcPts val="600"/>
-              </a:spcAft>
-              <a:buSzPts val="1000"/>
-              <a:buFont typeface="Symbol" panose="05050102010706020507" pitchFamily="18" charset="2"/>
-              <a:buChar char=""/>
-              <a:tabLst>
-                <a:tab pos="457200" algn="l"/>
-              </a:tabLst>
-            </a:pPr>
-            <a:r>
-              <a:rPr lang="en-US" kern="0" dirty="0" err="1">
-                <a:solidFill>
-                  <a:srgbClr val="1B1B1B"/>
-                </a:solidFill>
-                <a:effectLst/>
-                <a:latin typeface="Times New Roman" panose="02020603050405020304" pitchFamily="18" charset="0"/>
-                <a:ea typeface="Times New Roman" panose="02020603050405020304" pitchFamily="18" charset="0"/>
-                <a:cs typeface="Times New Roman" panose="02020603050405020304" pitchFamily="18" charset="0"/>
-              </a:rPr>
-              <a:t>Đồng</a:t>
-            </a:r>
-            <a:r>
-              <a:rPr lang="en-US" kern="0" dirty="0">
-                <a:solidFill>
-                  <a:srgbClr val="1B1B1B"/>
-                </a:solidFill>
-                <a:effectLst/>
-                <a:latin typeface="Times New Roman" panose="02020603050405020304" pitchFamily="18" charset="0"/>
-                <a:ea typeface="Times New Roman" panose="02020603050405020304" pitchFamily="18" charset="0"/>
-                <a:cs typeface="Times New Roman" panose="02020603050405020304" pitchFamily="18" charset="0"/>
-              </a:rPr>
-              <a:t> </a:t>
-            </a:r>
-            <a:r>
-              <a:rPr lang="en-US" kern="0" dirty="0" err="1">
-                <a:solidFill>
-                  <a:srgbClr val="1B1B1B"/>
-                </a:solidFill>
-                <a:effectLst/>
-                <a:latin typeface="Times New Roman" panose="02020603050405020304" pitchFamily="18" charset="0"/>
-                <a:ea typeface="Times New Roman" panose="02020603050405020304" pitchFamily="18" charset="0"/>
-                <a:cs typeface="Times New Roman" panose="02020603050405020304" pitchFamily="18" charset="0"/>
-              </a:rPr>
-              <a:t>thời</a:t>
-            </a:r>
-            <a:r>
-              <a:rPr lang="en-US" kern="0" dirty="0">
-                <a:solidFill>
-                  <a:srgbClr val="1B1B1B"/>
-                </a:solidFill>
-                <a:effectLst/>
-                <a:latin typeface="Times New Roman" panose="02020603050405020304" pitchFamily="18" charset="0"/>
-                <a:ea typeface="Times New Roman" panose="02020603050405020304" pitchFamily="18" charset="0"/>
-                <a:cs typeface="Times New Roman" panose="02020603050405020304" pitchFamily="18" charset="0"/>
-              </a:rPr>
-              <a:t>, </a:t>
-            </a:r>
-            <a:r>
-              <a:rPr lang="en-US" kern="0" dirty="0" err="1">
-                <a:solidFill>
-                  <a:srgbClr val="1B1B1B"/>
-                </a:solidFill>
-                <a:effectLst/>
-                <a:latin typeface="Times New Roman" panose="02020603050405020304" pitchFamily="18" charset="0"/>
-                <a:ea typeface="Times New Roman" panose="02020603050405020304" pitchFamily="18" charset="0"/>
-                <a:cs typeface="Times New Roman" panose="02020603050405020304" pitchFamily="18" charset="0"/>
-              </a:rPr>
-              <a:t>biến</a:t>
-            </a:r>
-            <a:r>
-              <a:rPr lang="en-US" kern="0" dirty="0">
-                <a:solidFill>
-                  <a:srgbClr val="1B1B1B"/>
-                </a:solidFill>
-                <a:effectLst/>
-                <a:latin typeface="Times New Roman" panose="02020603050405020304" pitchFamily="18" charset="0"/>
-                <a:ea typeface="Times New Roman" panose="02020603050405020304" pitchFamily="18" charset="0"/>
-                <a:cs typeface="Times New Roman" panose="02020603050405020304" pitchFamily="18" charset="0"/>
-              </a:rPr>
-              <a:t> </a:t>
-            </a:r>
-            <a:r>
-              <a:rPr lang="en-US" kern="0" dirty="0" err="1">
-                <a:solidFill>
-                  <a:srgbClr val="1B1B1B"/>
-                </a:solidFill>
-                <a:effectLst/>
-                <a:latin typeface="Times New Roman" panose="02020603050405020304" pitchFamily="18" charset="0"/>
-                <a:ea typeface="Times New Roman" panose="02020603050405020304" pitchFamily="18" charset="0"/>
-                <a:cs typeface="Times New Roman" panose="02020603050405020304" pitchFamily="18" charset="0"/>
-              </a:rPr>
-              <a:t>này</a:t>
-            </a:r>
-            <a:r>
-              <a:rPr lang="en-US" kern="0" dirty="0">
-                <a:solidFill>
-                  <a:srgbClr val="1B1B1B"/>
-                </a:solidFill>
-                <a:effectLst/>
-                <a:latin typeface="Times New Roman" panose="02020603050405020304" pitchFamily="18" charset="0"/>
-                <a:ea typeface="Times New Roman" panose="02020603050405020304" pitchFamily="18" charset="0"/>
-                <a:cs typeface="Times New Roman" panose="02020603050405020304" pitchFamily="18" charset="0"/>
-              </a:rPr>
-              <a:t> </a:t>
-            </a:r>
-            <a:r>
-              <a:rPr lang="en-US" kern="0" dirty="0" err="1">
-                <a:solidFill>
-                  <a:srgbClr val="1B1B1B"/>
-                </a:solidFill>
-                <a:effectLst/>
-                <a:latin typeface="Times New Roman" panose="02020603050405020304" pitchFamily="18" charset="0"/>
-                <a:ea typeface="Times New Roman" panose="02020603050405020304" pitchFamily="18" charset="0"/>
-                <a:cs typeface="Times New Roman" panose="02020603050405020304" pitchFamily="18" charset="0"/>
-              </a:rPr>
-              <a:t>sẽ</a:t>
-            </a:r>
-            <a:r>
-              <a:rPr lang="en-US" kern="0" dirty="0">
-                <a:solidFill>
-                  <a:srgbClr val="1B1B1B"/>
-                </a:solidFill>
-                <a:effectLst/>
-                <a:latin typeface="Times New Roman" panose="02020603050405020304" pitchFamily="18" charset="0"/>
-                <a:ea typeface="Times New Roman" panose="02020603050405020304" pitchFamily="18" charset="0"/>
-                <a:cs typeface="Times New Roman" panose="02020603050405020304" pitchFamily="18" charset="0"/>
-              </a:rPr>
-              <a:t> </a:t>
-            </a:r>
-            <a:r>
-              <a:rPr lang="en-US" kern="0" dirty="0" err="1">
-                <a:solidFill>
-                  <a:srgbClr val="1B1B1B"/>
-                </a:solidFill>
-                <a:effectLst/>
-                <a:latin typeface="Times New Roman" panose="02020603050405020304" pitchFamily="18" charset="0"/>
-                <a:ea typeface="Times New Roman" panose="02020603050405020304" pitchFamily="18" charset="0"/>
-                <a:cs typeface="Times New Roman" panose="02020603050405020304" pitchFamily="18" charset="0"/>
-              </a:rPr>
-              <a:t>được</a:t>
-            </a:r>
-            <a:r>
-              <a:rPr lang="en-US" kern="0" dirty="0">
-                <a:solidFill>
-                  <a:srgbClr val="1B1B1B"/>
-                </a:solidFill>
-                <a:effectLst/>
-                <a:latin typeface="Times New Roman" panose="02020603050405020304" pitchFamily="18" charset="0"/>
-                <a:ea typeface="Times New Roman" panose="02020603050405020304" pitchFamily="18" charset="0"/>
-                <a:cs typeface="Times New Roman" panose="02020603050405020304" pitchFamily="18" charset="0"/>
-              </a:rPr>
-              <a:t> </a:t>
-            </a:r>
-            <a:r>
-              <a:rPr lang="en-US" b="1" kern="0" dirty="0" err="1">
-                <a:solidFill>
-                  <a:srgbClr val="1B1B1B"/>
-                </a:solidFill>
-                <a:effectLst/>
-                <a:latin typeface="Times New Roman" panose="02020603050405020304" pitchFamily="18" charset="0"/>
-                <a:ea typeface="Times New Roman" panose="02020603050405020304" pitchFamily="18" charset="0"/>
-                <a:cs typeface="Times New Roman" panose="02020603050405020304" pitchFamily="18" charset="0"/>
-              </a:rPr>
-              <a:t>nâng</a:t>
-            </a:r>
-            <a:r>
-              <a:rPr lang="en-US" b="1" kern="0" dirty="0">
-                <a:solidFill>
-                  <a:srgbClr val="1B1B1B"/>
-                </a:solidFill>
-                <a:effectLst/>
-                <a:latin typeface="Times New Roman" panose="02020603050405020304" pitchFamily="18" charset="0"/>
-                <a:ea typeface="Times New Roman" panose="02020603050405020304" pitchFamily="18" charset="0"/>
-                <a:cs typeface="Times New Roman" panose="02020603050405020304" pitchFamily="18" charset="0"/>
-              </a:rPr>
-              <a:t> </a:t>
-            </a:r>
-            <a:r>
-              <a:rPr lang="en-US" b="1" kern="0" dirty="0" err="1">
-                <a:solidFill>
-                  <a:srgbClr val="1B1B1B"/>
-                </a:solidFill>
-                <a:effectLst/>
-                <a:latin typeface="Times New Roman" panose="02020603050405020304" pitchFamily="18" charset="0"/>
-                <a:ea typeface="Times New Roman" panose="02020603050405020304" pitchFamily="18" charset="0"/>
-                <a:cs typeface="Times New Roman" panose="02020603050405020304" pitchFamily="18" charset="0"/>
-              </a:rPr>
-              <a:t>lên</a:t>
-            </a:r>
-            <a:r>
-              <a:rPr lang="en-US" kern="0" dirty="0">
-                <a:solidFill>
-                  <a:srgbClr val="1B1B1B"/>
-                </a:solidFill>
-                <a:effectLst/>
-                <a:latin typeface="Times New Roman" panose="02020603050405020304" pitchFamily="18" charset="0"/>
-                <a:ea typeface="Times New Roman" panose="02020603050405020304" pitchFamily="18" charset="0"/>
-                <a:cs typeface="Times New Roman" panose="02020603050405020304" pitchFamily="18" charset="0"/>
-              </a:rPr>
-              <a:t> </a:t>
-            </a:r>
-            <a:r>
-              <a:rPr lang="en-US" kern="0" dirty="0" err="1">
-                <a:solidFill>
-                  <a:srgbClr val="1B1B1B"/>
-                </a:solidFill>
-                <a:effectLst/>
-                <a:latin typeface="Times New Roman" panose="02020603050405020304" pitchFamily="18" charset="0"/>
-                <a:ea typeface="Times New Roman" panose="02020603050405020304" pitchFamily="18" charset="0"/>
-                <a:cs typeface="Times New Roman" panose="02020603050405020304" pitchFamily="18" charset="0"/>
-              </a:rPr>
-              <a:t>trong</a:t>
-            </a:r>
-            <a:r>
-              <a:rPr lang="en-US" kern="0" dirty="0">
-                <a:solidFill>
-                  <a:srgbClr val="1B1B1B"/>
-                </a:solidFill>
-                <a:effectLst/>
-                <a:latin typeface="Times New Roman" panose="02020603050405020304" pitchFamily="18" charset="0"/>
-                <a:ea typeface="Times New Roman" panose="02020603050405020304" pitchFamily="18" charset="0"/>
-                <a:cs typeface="Times New Roman" panose="02020603050405020304" pitchFamily="18" charset="0"/>
-              </a:rPr>
-              <a:t> </a:t>
-            </a:r>
-            <a:r>
-              <a:rPr lang="en-US" kern="0" dirty="0" err="1">
-                <a:solidFill>
-                  <a:srgbClr val="1B1B1B"/>
-                </a:solidFill>
-                <a:effectLst/>
-                <a:latin typeface="Times New Roman" panose="02020603050405020304" pitchFamily="18" charset="0"/>
-                <a:ea typeface="Times New Roman" panose="02020603050405020304" pitchFamily="18" charset="0"/>
-                <a:cs typeface="Times New Roman" panose="02020603050405020304" pitchFamily="18" charset="0"/>
-              </a:rPr>
-              <a:t>phạm</a:t>
-            </a:r>
-            <a:r>
-              <a:rPr lang="en-US" kern="0" dirty="0">
-                <a:solidFill>
-                  <a:srgbClr val="1B1B1B"/>
-                </a:solidFill>
-                <a:effectLst/>
-                <a:latin typeface="Times New Roman" panose="02020603050405020304" pitchFamily="18" charset="0"/>
-                <a:ea typeface="Times New Roman" panose="02020603050405020304" pitchFamily="18" charset="0"/>
-                <a:cs typeface="Times New Roman" panose="02020603050405020304" pitchFamily="18" charset="0"/>
-              </a:rPr>
-              <a:t> vi </a:t>
-            </a:r>
-            <a:r>
-              <a:rPr lang="en-US" kern="0" dirty="0" err="1">
-                <a:solidFill>
-                  <a:srgbClr val="1B1B1B"/>
-                </a:solidFill>
-                <a:effectLst/>
-                <a:latin typeface="Times New Roman" panose="02020603050405020304" pitchFamily="18" charset="0"/>
-                <a:ea typeface="Times New Roman" panose="02020603050405020304" pitchFamily="18" charset="0"/>
-                <a:cs typeface="Times New Roman" panose="02020603050405020304" pitchFamily="18" charset="0"/>
-              </a:rPr>
-              <a:t>hiện</a:t>
-            </a:r>
-            <a:r>
-              <a:rPr lang="en-US" kern="0" dirty="0">
-                <a:solidFill>
-                  <a:srgbClr val="1B1B1B"/>
-                </a:solidFill>
-                <a:effectLst/>
-                <a:latin typeface="Times New Roman" panose="02020603050405020304" pitchFamily="18" charset="0"/>
-                <a:ea typeface="Times New Roman" panose="02020603050405020304" pitchFamily="18" charset="0"/>
-                <a:cs typeface="Times New Roman" panose="02020603050405020304" pitchFamily="18" charset="0"/>
-              </a:rPr>
-              <a:t> </a:t>
-            </a:r>
-            <a:r>
-              <a:rPr lang="en-US" kern="0" dirty="0" err="1">
-                <a:solidFill>
-                  <a:srgbClr val="1B1B1B"/>
-                </a:solidFill>
-                <a:effectLst/>
-                <a:latin typeface="Times New Roman" panose="02020603050405020304" pitchFamily="18" charset="0"/>
-                <a:ea typeface="Times New Roman" panose="02020603050405020304" pitchFamily="18" charset="0"/>
-                <a:cs typeface="Times New Roman" panose="02020603050405020304" pitchFamily="18" charset="0"/>
-              </a:rPr>
-              <a:t>tại</a:t>
-            </a:r>
-            <a:r>
-              <a:rPr lang="en-US" kern="0" dirty="0">
-                <a:solidFill>
-                  <a:srgbClr val="1B1B1B"/>
-                </a:solidFill>
-                <a:effectLst/>
-                <a:latin typeface="Times New Roman" panose="02020603050405020304" pitchFamily="18" charset="0"/>
-                <a:ea typeface="Times New Roman" panose="02020603050405020304" pitchFamily="18" charset="0"/>
-                <a:cs typeface="Times New Roman" panose="02020603050405020304" pitchFamily="18" charset="0"/>
-              </a:rPr>
-              <a:t>, </a:t>
-            </a:r>
-            <a:r>
-              <a:rPr lang="en-US" kern="0" dirty="0" err="1">
-                <a:solidFill>
-                  <a:srgbClr val="1B1B1B"/>
-                </a:solidFill>
-                <a:effectLst/>
-                <a:latin typeface="Times New Roman" panose="02020603050405020304" pitchFamily="18" charset="0"/>
-                <a:ea typeface="Times New Roman" panose="02020603050405020304" pitchFamily="18" charset="0"/>
-                <a:cs typeface="Times New Roman" panose="02020603050405020304" pitchFamily="18" charset="0"/>
-              </a:rPr>
-              <a:t>nhờ</a:t>
-            </a:r>
-            <a:r>
-              <a:rPr lang="en-US" kern="0" dirty="0">
-                <a:solidFill>
-                  <a:srgbClr val="1B1B1B"/>
-                </a:solidFill>
-                <a:effectLst/>
-                <a:latin typeface="Times New Roman" panose="02020603050405020304" pitchFamily="18" charset="0"/>
-                <a:ea typeface="Times New Roman" panose="02020603050405020304" pitchFamily="18" charset="0"/>
-                <a:cs typeface="Times New Roman" panose="02020603050405020304" pitchFamily="18" charset="0"/>
-              </a:rPr>
-              <a:t> </a:t>
-            </a:r>
-            <a:r>
-              <a:rPr lang="en-US" kern="0" dirty="0" err="1">
-                <a:solidFill>
-                  <a:srgbClr val="1B1B1B"/>
-                </a:solidFill>
-                <a:effectLst/>
-                <a:latin typeface="Times New Roman" panose="02020603050405020304" pitchFamily="18" charset="0"/>
-                <a:ea typeface="Times New Roman" panose="02020603050405020304" pitchFamily="18" charset="0"/>
-                <a:cs typeface="Times New Roman" panose="02020603050405020304" pitchFamily="18" charset="0"/>
-              </a:rPr>
-              <a:t>đó</a:t>
-            </a:r>
-            <a:r>
-              <a:rPr lang="en-US" kern="0" dirty="0">
-                <a:solidFill>
-                  <a:srgbClr val="1B1B1B"/>
-                </a:solidFill>
-                <a:effectLst/>
-                <a:latin typeface="Times New Roman" panose="02020603050405020304" pitchFamily="18" charset="0"/>
-                <a:ea typeface="Times New Roman" panose="02020603050405020304" pitchFamily="18" charset="0"/>
-                <a:cs typeface="Times New Roman" panose="02020603050405020304" pitchFamily="18" charset="0"/>
-              </a:rPr>
-              <a:t> ta </a:t>
-            </a:r>
-            <a:r>
-              <a:rPr lang="en-US" kern="0" dirty="0" err="1">
-                <a:solidFill>
-                  <a:srgbClr val="1B1B1B"/>
-                </a:solidFill>
-                <a:effectLst/>
-                <a:latin typeface="Times New Roman" panose="02020603050405020304" pitchFamily="18" charset="0"/>
-                <a:ea typeface="Times New Roman" panose="02020603050405020304" pitchFamily="18" charset="0"/>
-                <a:cs typeface="Times New Roman" panose="02020603050405020304" pitchFamily="18" charset="0"/>
-              </a:rPr>
-              <a:t>có</a:t>
-            </a:r>
-            <a:r>
-              <a:rPr lang="en-US" kern="0" dirty="0">
-                <a:solidFill>
-                  <a:srgbClr val="1B1B1B"/>
-                </a:solidFill>
-                <a:effectLst/>
-                <a:latin typeface="Times New Roman" panose="02020603050405020304" pitchFamily="18" charset="0"/>
-                <a:ea typeface="Times New Roman" panose="02020603050405020304" pitchFamily="18" charset="0"/>
-                <a:cs typeface="Times New Roman" panose="02020603050405020304" pitchFamily="18" charset="0"/>
-              </a:rPr>
-              <a:t> </a:t>
-            </a:r>
-            <a:r>
-              <a:rPr lang="en-US" kern="0" dirty="0" err="1">
-                <a:solidFill>
-                  <a:srgbClr val="1B1B1B"/>
-                </a:solidFill>
-                <a:effectLst/>
-                <a:latin typeface="Times New Roman" panose="02020603050405020304" pitchFamily="18" charset="0"/>
-                <a:ea typeface="Times New Roman" panose="02020603050405020304" pitchFamily="18" charset="0"/>
-                <a:cs typeface="Times New Roman" panose="02020603050405020304" pitchFamily="18" charset="0"/>
-              </a:rPr>
-              <a:t>thể</a:t>
-            </a:r>
-            <a:r>
-              <a:rPr lang="en-US" kern="0" dirty="0">
-                <a:solidFill>
-                  <a:srgbClr val="1B1B1B"/>
-                </a:solidFill>
-                <a:effectLst/>
-                <a:latin typeface="Times New Roman" panose="02020603050405020304" pitchFamily="18" charset="0"/>
-                <a:ea typeface="Times New Roman" panose="02020603050405020304" pitchFamily="18" charset="0"/>
-                <a:cs typeface="Times New Roman" panose="02020603050405020304" pitchFamily="18" charset="0"/>
-              </a:rPr>
-              <a:t> </a:t>
-            </a:r>
-            <a:r>
-              <a:rPr lang="en-US" kern="0" dirty="0" err="1">
-                <a:solidFill>
-                  <a:srgbClr val="1B1B1B"/>
-                </a:solidFill>
-                <a:effectLst/>
-                <a:latin typeface="Times New Roman" panose="02020603050405020304" pitchFamily="18" charset="0"/>
-                <a:ea typeface="Times New Roman" panose="02020603050405020304" pitchFamily="18" charset="0"/>
-                <a:cs typeface="Times New Roman" panose="02020603050405020304" pitchFamily="18" charset="0"/>
-              </a:rPr>
-              <a:t>gọi</a:t>
-            </a:r>
-            <a:r>
-              <a:rPr lang="en-US" kern="0" dirty="0">
-                <a:solidFill>
-                  <a:srgbClr val="1B1B1B"/>
-                </a:solidFill>
-                <a:effectLst/>
-                <a:latin typeface="Times New Roman" panose="02020603050405020304" pitchFamily="18" charset="0"/>
-                <a:ea typeface="Times New Roman" panose="02020603050405020304" pitchFamily="18" charset="0"/>
-                <a:cs typeface="Times New Roman" panose="02020603050405020304" pitchFamily="18" charset="0"/>
-              </a:rPr>
-              <a:t> </a:t>
-            </a:r>
-            <a:r>
-              <a:rPr lang="en-US" kern="0" dirty="0" err="1">
-                <a:solidFill>
-                  <a:srgbClr val="1B1B1B"/>
-                </a:solidFill>
-                <a:effectLst/>
-                <a:latin typeface="Times New Roman" panose="02020603050405020304" pitchFamily="18" charset="0"/>
-                <a:ea typeface="Times New Roman" panose="02020603050405020304" pitchFamily="18" charset="0"/>
-                <a:cs typeface="Times New Roman" panose="02020603050405020304" pitchFamily="18" charset="0"/>
-              </a:rPr>
-              <a:t>và</a:t>
-            </a:r>
-            <a:r>
-              <a:rPr lang="en-US" kern="0" dirty="0">
-                <a:solidFill>
-                  <a:srgbClr val="1B1B1B"/>
-                </a:solidFill>
-                <a:effectLst/>
-                <a:latin typeface="Times New Roman" panose="02020603050405020304" pitchFamily="18" charset="0"/>
-                <a:ea typeface="Times New Roman" panose="02020603050405020304" pitchFamily="18" charset="0"/>
-                <a:cs typeface="Times New Roman" panose="02020603050405020304" pitchFamily="18" charset="0"/>
-              </a:rPr>
-              <a:t> </a:t>
-            </a:r>
-            <a:r>
-              <a:rPr lang="en-US" kern="0" dirty="0" err="1">
-                <a:solidFill>
-                  <a:srgbClr val="1B1B1B"/>
-                </a:solidFill>
-                <a:effectLst/>
-                <a:latin typeface="Times New Roman" panose="02020603050405020304" pitchFamily="18" charset="0"/>
-                <a:ea typeface="Times New Roman" panose="02020603050405020304" pitchFamily="18" charset="0"/>
-                <a:cs typeface="Times New Roman" panose="02020603050405020304" pitchFamily="18" charset="0"/>
-              </a:rPr>
-              <a:t>sử</a:t>
-            </a:r>
-            <a:r>
-              <a:rPr lang="en-US" kern="0" dirty="0">
-                <a:solidFill>
-                  <a:srgbClr val="1B1B1B"/>
-                </a:solidFill>
-                <a:effectLst/>
-                <a:latin typeface="Times New Roman" panose="02020603050405020304" pitchFamily="18" charset="0"/>
-                <a:ea typeface="Times New Roman" panose="02020603050405020304" pitchFamily="18" charset="0"/>
-                <a:cs typeface="Times New Roman" panose="02020603050405020304" pitchFamily="18" charset="0"/>
-              </a:rPr>
-              <a:t> </a:t>
-            </a:r>
-            <a:r>
-              <a:rPr lang="en-US" kern="0" dirty="0" err="1">
-                <a:solidFill>
-                  <a:srgbClr val="1B1B1B"/>
-                </a:solidFill>
-                <a:effectLst/>
-                <a:latin typeface="Times New Roman" panose="02020603050405020304" pitchFamily="18" charset="0"/>
-                <a:ea typeface="Times New Roman" panose="02020603050405020304" pitchFamily="18" charset="0"/>
-                <a:cs typeface="Times New Roman" panose="02020603050405020304" pitchFamily="18" charset="0"/>
-              </a:rPr>
-              <a:t>dụng</a:t>
-            </a:r>
-            <a:r>
-              <a:rPr lang="en-US" kern="0" dirty="0">
-                <a:solidFill>
-                  <a:srgbClr val="1B1B1B"/>
-                </a:solidFill>
-                <a:effectLst/>
-                <a:latin typeface="Times New Roman" panose="02020603050405020304" pitchFamily="18" charset="0"/>
-                <a:ea typeface="Times New Roman" panose="02020603050405020304" pitchFamily="18" charset="0"/>
-                <a:cs typeface="Times New Roman" panose="02020603050405020304" pitchFamily="18" charset="0"/>
-              </a:rPr>
-              <a:t> </a:t>
-            </a:r>
-            <a:r>
-              <a:rPr lang="en-US" kern="0" dirty="0" err="1">
-                <a:solidFill>
-                  <a:srgbClr val="1B1B1B"/>
-                </a:solidFill>
-                <a:effectLst/>
-                <a:latin typeface="Times New Roman" panose="02020603050405020304" pitchFamily="18" charset="0"/>
-                <a:ea typeface="Times New Roman" panose="02020603050405020304" pitchFamily="18" charset="0"/>
-                <a:cs typeface="Times New Roman" panose="02020603050405020304" pitchFamily="18" charset="0"/>
-              </a:rPr>
-              <a:t>hàm</a:t>
-            </a:r>
-            <a:r>
-              <a:rPr lang="en-US" kern="0" dirty="0">
-                <a:solidFill>
-                  <a:srgbClr val="1B1B1B"/>
-                </a:solidFill>
-                <a:effectLst/>
-                <a:latin typeface="Times New Roman" panose="02020603050405020304" pitchFamily="18" charset="0"/>
-                <a:ea typeface="Times New Roman" panose="02020603050405020304" pitchFamily="18" charset="0"/>
-                <a:cs typeface="Times New Roman" panose="02020603050405020304" pitchFamily="18" charset="0"/>
-              </a:rPr>
-              <a:t> </a:t>
-            </a:r>
-            <a:r>
-              <a:rPr lang="en-US" kern="0" dirty="0" err="1">
-                <a:solidFill>
-                  <a:srgbClr val="1B1B1B"/>
-                </a:solidFill>
-                <a:effectLst/>
-                <a:latin typeface="Times New Roman" panose="02020603050405020304" pitchFamily="18" charset="0"/>
-                <a:ea typeface="Times New Roman" panose="02020603050405020304" pitchFamily="18" charset="0"/>
-                <a:cs typeface="Times New Roman" panose="02020603050405020304" pitchFamily="18" charset="0"/>
-              </a:rPr>
-              <a:t>trước</a:t>
-            </a:r>
-            <a:r>
-              <a:rPr lang="en-US" kern="0" dirty="0">
-                <a:solidFill>
-                  <a:srgbClr val="1B1B1B"/>
-                </a:solidFill>
-                <a:effectLst/>
-                <a:latin typeface="Times New Roman" panose="02020603050405020304" pitchFamily="18" charset="0"/>
-                <a:ea typeface="Times New Roman" panose="02020603050405020304" pitchFamily="18" charset="0"/>
-                <a:cs typeface="Times New Roman" panose="02020603050405020304" pitchFamily="18" charset="0"/>
-              </a:rPr>
-              <a:t> </a:t>
-            </a:r>
-            <a:r>
-              <a:rPr lang="en-US" kern="0" dirty="0" err="1">
-                <a:solidFill>
-                  <a:srgbClr val="1B1B1B"/>
-                </a:solidFill>
-                <a:effectLst/>
-                <a:latin typeface="Times New Roman" panose="02020603050405020304" pitchFamily="18" charset="0"/>
-                <a:ea typeface="Times New Roman" panose="02020603050405020304" pitchFamily="18" charset="0"/>
-                <a:cs typeface="Times New Roman" panose="02020603050405020304" pitchFamily="18" charset="0"/>
-              </a:rPr>
-              <a:t>khi</a:t>
-            </a:r>
-            <a:r>
-              <a:rPr lang="en-US" kern="0" dirty="0">
-                <a:solidFill>
-                  <a:srgbClr val="1B1B1B"/>
-                </a:solidFill>
-                <a:effectLst/>
-                <a:latin typeface="Times New Roman" panose="02020603050405020304" pitchFamily="18" charset="0"/>
-                <a:ea typeface="Times New Roman" panose="02020603050405020304" pitchFamily="18" charset="0"/>
-                <a:cs typeface="Times New Roman" panose="02020603050405020304" pitchFamily="18" charset="0"/>
-              </a:rPr>
-              <a:t> </a:t>
-            </a:r>
-            <a:r>
-              <a:rPr lang="en-US" kern="0" dirty="0" err="1">
-                <a:solidFill>
-                  <a:srgbClr val="1B1B1B"/>
-                </a:solidFill>
-                <a:effectLst/>
-                <a:latin typeface="Times New Roman" panose="02020603050405020304" pitchFamily="18" charset="0"/>
-                <a:ea typeface="Times New Roman" panose="02020603050405020304" pitchFamily="18" charset="0"/>
-                <a:cs typeface="Times New Roman" panose="02020603050405020304" pitchFamily="18" charset="0"/>
-              </a:rPr>
-              <a:t>khai</a:t>
-            </a:r>
-            <a:r>
-              <a:rPr lang="en-US" kern="0" dirty="0">
-                <a:solidFill>
-                  <a:srgbClr val="1B1B1B"/>
-                </a:solidFill>
-                <a:effectLst/>
-                <a:latin typeface="Times New Roman" panose="02020603050405020304" pitchFamily="18" charset="0"/>
-                <a:ea typeface="Times New Roman" panose="02020603050405020304" pitchFamily="18" charset="0"/>
-                <a:cs typeface="Times New Roman" panose="02020603050405020304" pitchFamily="18" charset="0"/>
-              </a:rPr>
-              <a:t> </a:t>
-            </a:r>
-            <a:r>
-              <a:rPr lang="en-US" kern="0" dirty="0" err="1">
-                <a:solidFill>
-                  <a:srgbClr val="1B1B1B"/>
-                </a:solidFill>
-                <a:effectLst/>
-                <a:latin typeface="Times New Roman" panose="02020603050405020304" pitchFamily="18" charset="0"/>
-                <a:ea typeface="Times New Roman" panose="02020603050405020304" pitchFamily="18" charset="0"/>
-                <a:cs typeface="Times New Roman" panose="02020603050405020304" pitchFamily="18" charset="0"/>
-              </a:rPr>
-              <a:t>báo</a:t>
-            </a:r>
-            <a:r>
-              <a:rPr lang="en-US" kern="0" dirty="0">
-                <a:solidFill>
-                  <a:srgbClr val="1B1B1B"/>
-                </a:solidFill>
-                <a:effectLst/>
-                <a:latin typeface="Times New Roman" panose="02020603050405020304" pitchFamily="18" charset="0"/>
-                <a:ea typeface="Times New Roman" panose="02020603050405020304" pitchFamily="18" charset="0"/>
-                <a:cs typeface="Times New Roman" panose="02020603050405020304" pitchFamily="18" charset="0"/>
-              </a:rPr>
-              <a:t>.</a:t>
-            </a:r>
-            <a:endParaRPr lang="en-US" kern="100" dirty="0">
-              <a:solidFill>
-                <a:srgbClr val="1B1B1B"/>
-              </a:solidFill>
-              <a:effectLst/>
-              <a:latin typeface="Calibri" panose="020F0502020204030204" pitchFamily="34" charset="0"/>
-              <a:ea typeface="Calibri" panose="020F0502020204030204" pitchFamily="34" charset="0"/>
-              <a:cs typeface="Times New Roman" panose="02020603050405020304" pitchFamily="18" charset="0"/>
-            </a:endParaRPr>
-          </a:p>
-          <a:p>
-            <a:pPr marL="342900" marR="0" lvl="0" indent="-342900" algn="just">
-              <a:spcBef>
-                <a:spcPts val="0"/>
-              </a:spcBef>
-              <a:spcAft>
-                <a:spcPts val="600"/>
-              </a:spcAft>
-              <a:buSzPts val="1000"/>
-              <a:buFont typeface="Symbol" panose="05050102010706020507" pitchFamily="18" charset="2"/>
-              <a:buChar char=""/>
-              <a:tabLst>
-                <a:tab pos="457200" algn="l"/>
-              </a:tabLst>
-            </a:pPr>
-            <a:r>
-              <a:rPr lang="en-US" kern="0" dirty="0" err="1">
-                <a:solidFill>
-                  <a:srgbClr val="1B1B1B"/>
-                </a:solidFill>
-                <a:effectLst/>
-                <a:latin typeface="Times New Roman" panose="02020603050405020304" pitchFamily="18" charset="0"/>
-                <a:ea typeface="Times New Roman" panose="02020603050405020304" pitchFamily="18" charset="0"/>
-                <a:cs typeface="Times New Roman" panose="02020603050405020304" pitchFamily="18" charset="0"/>
-              </a:rPr>
-              <a:t>Hàm</a:t>
-            </a:r>
-            <a:r>
-              <a:rPr lang="en-US" kern="0" dirty="0">
-                <a:solidFill>
-                  <a:srgbClr val="1B1B1B"/>
-                </a:solidFill>
-                <a:effectLst/>
-                <a:latin typeface="Times New Roman" panose="02020603050405020304" pitchFamily="18" charset="0"/>
-                <a:ea typeface="Times New Roman" panose="02020603050405020304" pitchFamily="18" charset="0"/>
-                <a:cs typeface="Times New Roman" panose="02020603050405020304" pitchFamily="18" charset="0"/>
-              </a:rPr>
-              <a:t> </a:t>
-            </a:r>
-            <a:r>
-              <a:rPr lang="en-US" kern="0" dirty="0" err="1">
-                <a:solidFill>
-                  <a:srgbClr val="1B1B1B"/>
-                </a:solidFill>
-                <a:effectLst/>
-                <a:latin typeface="Times New Roman" panose="02020603050405020304" pitchFamily="18" charset="0"/>
-                <a:ea typeface="Times New Roman" panose="02020603050405020304" pitchFamily="18" charset="0"/>
-                <a:cs typeface="Times New Roman" panose="02020603050405020304" pitchFamily="18" charset="0"/>
-              </a:rPr>
-              <a:t>được</a:t>
-            </a:r>
-            <a:r>
-              <a:rPr lang="en-US" kern="0" dirty="0">
-                <a:solidFill>
-                  <a:srgbClr val="1B1B1B"/>
-                </a:solidFill>
-                <a:effectLst/>
-                <a:latin typeface="Times New Roman" panose="02020603050405020304" pitchFamily="18" charset="0"/>
-                <a:ea typeface="Times New Roman" panose="02020603050405020304" pitchFamily="18" charset="0"/>
-                <a:cs typeface="Times New Roman" panose="02020603050405020304" pitchFamily="18" charset="0"/>
-              </a:rPr>
-              <a:t> </a:t>
-            </a:r>
-            <a:r>
-              <a:rPr lang="en-US" kern="0" dirty="0" err="1">
-                <a:solidFill>
-                  <a:srgbClr val="1B1B1B"/>
-                </a:solidFill>
-                <a:effectLst/>
-                <a:latin typeface="Times New Roman" panose="02020603050405020304" pitchFamily="18" charset="0"/>
-                <a:ea typeface="Times New Roman" panose="02020603050405020304" pitchFamily="18" charset="0"/>
-                <a:cs typeface="Times New Roman" panose="02020603050405020304" pitchFamily="18" charset="0"/>
-              </a:rPr>
-              <a:t>tạo</a:t>
-            </a:r>
-            <a:r>
-              <a:rPr lang="en-US" kern="0" dirty="0">
-                <a:solidFill>
-                  <a:srgbClr val="1B1B1B"/>
-                </a:solidFill>
-                <a:effectLst/>
-                <a:latin typeface="Times New Roman" panose="02020603050405020304" pitchFamily="18" charset="0"/>
-                <a:ea typeface="Times New Roman" panose="02020603050405020304" pitchFamily="18" charset="0"/>
-                <a:cs typeface="Times New Roman" panose="02020603050405020304" pitchFamily="18" charset="0"/>
-              </a:rPr>
-              <a:t> </a:t>
-            </a:r>
-            <a:r>
-              <a:rPr lang="en-US" kern="0" dirty="0" err="1">
-                <a:solidFill>
-                  <a:srgbClr val="1B1B1B"/>
-                </a:solidFill>
-                <a:effectLst/>
-                <a:latin typeface="Times New Roman" panose="02020603050405020304" pitchFamily="18" charset="0"/>
-                <a:ea typeface="Times New Roman" panose="02020603050405020304" pitchFamily="18" charset="0"/>
-                <a:cs typeface="Times New Roman" panose="02020603050405020304" pitchFamily="18" charset="0"/>
-              </a:rPr>
-              <a:t>ra</a:t>
-            </a:r>
-            <a:r>
-              <a:rPr lang="en-US" kern="0" dirty="0">
-                <a:solidFill>
-                  <a:srgbClr val="1B1B1B"/>
-                </a:solidFill>
-                <a:effectLst/>
-                <a:latin typeface="Times New Roman" panose="02020603050405020304" pitchFamily="18" charset="0"/>
-                <a:ea typeface="Times New Roman" panose="02020603050405020304" pitchFamily="18" charset="0"/>
-                <a:cs typeface="Times New Roman" panose="02020603050405020304" pitchFamily="18" charset="0"/>
-              </a:rPr>
-              <a:t> </a:t>
-            </a:r>
-            <a:r>
-              <a:rPr lang="en-US" kern="0" dirty="0" err="1">
-                <a:solidFill>
-                  <a:srgbClr val="1B1B1B"/>
-                </a:solidFill>
-                <a:effectLst/>
-                <a:latin typeface="Times New Roman" panose="02020603050405020304" pitchFamily="18" charset="0"/>
-                <a:ea typeface="Times New Roman" panose="02020603050405020304" pitchFamily="18" charset="0"/>
-                <a:cs typeface="Times New Roman" panose="02020603050405020304" pitchFamily="18" charset="0"/>
-              </a:rPr>
-              <a:t>có</a:t>
-            </a:r>
-            <a:r>
-              <a:rPr lang="en-US" kern="0" dirty="0">
-                <a:solidFill>
-                  <a:srgbClr val="1B1B1B"/>
-                </a:solidFill>
-                <a:effectLst/>
-                <a:latin typeface="Times New Roman" panose="02020603050405020304" pitchFamily="18" charset="0"/>
-                <a:ea typeface="Times New Roman" panose="02020603050405020304" pitchFamily="18" charset="0"/>
-                <a:cs typeface="Times New Roman" panose="02020603050405020304" pitchFamily="18" charset="0"/>
-              </a:rPr>
-              <a:t> </a:t>
-            </a:r>
-            <a:r>
-              <a:rPr lang="en-US" kern="0" dirty="0" err="1">
-                <a:solidFill>
-                  <a:srgbClr val="1B1B1B"/>
-                </a:solidFill>
-                <a:effectLst/>
-                <a:latin typeface="Times New Roman" panose="02020603050405020304" pitchFamily="18" charset="0"/>
-                <a:ea typeface="Times New Roman" panose="02020603050405020304" pitchFamily="18" charset="0"/>
-                <a:cs typeface="Times New Roman" panose="02020603050405020304" pitchFamily="18" charset="0"/>
-              </a:rPr>
-              <a:t>nghĩa</a:t>
-            </a:r>
-            <a:r>
-              <a:rPr lang="en-US" kern="0" dirty="0">
-                <a:solidFill>
-                  <a:srgbClr val="1B1B1B"/>
-                </a:solidFill>
-                <a:effectLst/>
-                <a:latin typeface="Times New Roman" panose="02020603050405020304" pitchFamily="18" charset="0"/>
-                <a:ea typeface="Times New Roman" panose="02020603050405020304" pitchFamily="18" charset="0"/>
-                <a:cs typeface="Times New Roman" panose="02020603050405020304" pitchFamily="18" charset="0"/>
-              </a:rPr>
-              <a:t> </a:t>
-            </a:r>
-            <a:r>
-              <a:rPr lang="en-US" kern="0" dirty="0" err="1">
-                <a:solidFill>
-                  <a:srgbClr val="1B1B1B"/>
-                </a:solidFill>
-                <a:effectLst/>
-                <a:latin typeface="Times New Roman" panose="02020603050405020304" pitchFamily="18" charset="0"/>
-                <a:ea typeface="Times New Roman" panose="02020603050405020304" pitchFamily="18" charset="0"/>
-                <a:cs typeface="Times New Roman" panose="02020603050405020304" pitchFamily="18" charset="0"/>
-              </a:rPr>
-              <a:t>là</a:t>
-            </a:r>
-            <a:r>
-              <a:rPr lang="en-US" kern="0" dirty="0">
-                <a:solidFill>
-                  <a:srgbClr val="1B1B1B"/>
-                </a:solidFill>
-                <a:effectLst/>
-                <a:latin typeface="Times New Roman" panose="02020603050405020304" pitchFamily="18" charset="0"/>
-                <a:ea typeface="Times New Roman" panose="02020603050405020304" pitchFamily="18" charset="0"/>
-                <a:cs typeface="Times New Roman" panose="02020603050405020304" pitchFamily="18" charset="0"/>
-              </a:rPr>
-              <a:t> </a:t>
-            </a:r>
-            <a:r>
-              <a:rPr lang="en-US" kern="0" dirty="0" err="1">
-                <a:solidFill>
-                  <a:srgbClr val="1B1B1B"/>
-                </a:solidFill>
-                <a:effectLst/>
-                <a:latin typeface="Times New Roman" panose="02020603050405020304" pitchFamily="18" charset="0"/>
-                <a:ea typeface="Times New Roman" panose="02020603050405020304" pitchFamily="18" charset="0"/>
-                <a:cs typeface="Times New Roman" panose="02020603050405020304" pitchFamily="18" charset="0"/>
-              </a:rPr>
-              <a:t>tên</a:t>
-            </a:r>
-            <a:r>
-              <a:rPr lang="en-US" kern="0" dirty="0">
-                <a:solidFill>
-                  <a:srgbClr val="1B1B1B"/>
-                </a:solidFill>
-                <a:effectLst/>
-                <a:latin typeface="Times New Roman" panose="02020603050405020304" pitchFamily="18" charset="0"/>
-                <a:ea typeface="Times New Roman" panose="02020603050405020304" pitchFamily="18" charset="0"/>
-                <a:cs typeface="Times New Roman" panose="02020603050405020304" pitchFamily="18" charset="0"/>
-              </a:rPr>
-              <a:t> </a:t>
-            </a:r>
-            <a:r>
-              <a:rPr lang="en-US" kern="0" dirty="0" err="1">
-                <a:solidFill>
-                  <a:srgbClr val="1B1B1B"/>
-                </a:solidFill>
-                <a:effectLst/>
-                <a:latin typeface="Times New Roman" panose="02020603050405020304" pitchFamily="18" charset="0"/>
-                <a:ea typeface="Times New Roman" panose="02020603050405020304" pitchFamily="18" charset="0"/>
-                <a:cs typeface="Times New Roman" panose="02020603050405020304" pitchFamily="18" charset="0"/>
-              </a:rPr>
-              <a:t>thuộc</a:t>
-            </a:r>
-            <a:r>
-              <a:rPr lang="en-US" kern="0" dirty="0">
-                <a:solidFill>
-                  <a:srgbClr val="1B1B1B"/>
-                </a:solidFill>
-                <a:effectLst/>
-                <a:latin typeface="Times New Roman" panose="02020603050405020304" pitchFamily="18" charset="0"/>
-                <a:ea typeface="Times New Roman" panose="02020603050405020304" pitchFamily="18" charset="0"/>
-                <a:cs typeface="Times New Roman" panose="02020603050405020304" pitchFamily="18" charset="0"/>
-              </a:rPr>
-              <a:t> </a:t>
-            </a:r>
-            <a:r>
-              <a:rPr lang="en-US" kern="0" dirty="0" err="1">
-                <a:solidFill>
-                  <a:srgbClr val="1B1B1B"/>
-                </a:solidFill>
-                <a:effectLst/>
-                <a:latin typeface="Times New Roman" panose="02020603050405020304" pitchFamily="18" charset="0"/>
-                <a:ea typeface="Times New Roman" panose="02020603050405020304" pitchFamily="18" charset="0"/>
-                <a:cs typeface="Times New Roman" panose="02020603050405020304" pitchFamily="18" charset="0"/>
-              </a:rPr>
-              <a:t>tính</a:t>
-            </a:r>
-            <a:r>
-              <a:rPr lang="en-US" kern="0" dirty="0">
-                <a:solidFill>
-                  <a:srgbClr val="1B1B1B"/>
-                </a:solidFill>
-                <a:effectLst/>
-                <a:latin typeface="Times New Roman" panose="02020603050405020304" pitchFamily="18" charset="0"/>
-                <a:ea typeface="Times New Roman" panose="02020603050405020304" pitchFamily="18" charset="0"/>
-                <a:cs typeface="Times New Roman" panose="02020603050405020304" pitchFamily="18" charset="0"/>
-              </a:rPr>
-              <a:t> </a:t>
-            </a:r>
-            <a:r>
-              <a:rPr lang="en-US" kern="0" dirty="0" err="1">
-                <a:solidFill>
-                  <a:srgbClr val="1B1B1B"/>
-                </a:solidFill>
-                <a:effectLst/>
-                <a:latin typeface="Times New Roman" panose="02020603050405020304" pitchFamily="18" charset="0"/>
-                <a:ea typeface="Times New Roman" panose="02020603050405020304" pitchFamily="18" charset="0"/>
-                <a:cs typeface="Times New Roman" panose="02020603050405020304" pitchFamily="18" charset="0"/>
-              </a:rPr>
-              <a:t>của</a:t>
-            </a:r>
-            <a:r>
-              <a:rPr lang="en-US" kern="0" dirty="0">
-                <a:solidFill>
-                  <a:srgbClr val="1B1B1B"/>
-                </a:solidFill>
-                <a:effectLst/>
-                <a:latin typeface="Times New Roman" panose="02020603050405020304" pitchFamily="18" charset="0"/>
-                <a:ea typeface="Times New Roman" panose="02020603050405020304" pitchFamily="18" charset="0"/>
-                <a:cs typeface="Times New Roman" panose="02020603050405020304" pitchFamily="18" charset="0"/>
-              </a:rPr>
-              <a:t> </a:t>
-            </a:r>
-            <a:r>
-              <a:rPr lang="en-US" kern="0" dirty="0" err="1">
-                <a:solidFill>
-                  <a:srgbClr val="1B1B1B"/>
-                </a:solidFill>
-                <a:effectLst/>
-                <a:latin typeface="Times New Roman" panose="02020603050405020304" pitchFamily="18" charset="0"/>
-                <a:ea typeface="Times New Roman" panose="02020603050405020304" pitchFamily="18" charset="0"/>
-                <a:cs typeface="Times New Roman" panose="02020603050405020304" pitchFamily="18" charset="0"/>
-              </a:rPr>
-              <a:t>hàm</a:t>
-            </a:r>
-            <a:r>
-              <a:rPr lang="en-US" kern="0" dirty="0">
-                <a:solidFill>
-                  <a:srgbClr val="1B1B1B"/>
-                </a:solidFill>
-                <a:effectLst/>
-                <a:latin typeface="Times New Roman" panose="02020603050405020304" pitchFamily="18" charset="0"/>
-                <a:ea typeface="Times New Roman" panose="02020603050405020304" pitchFamily="18" charset="0"/>
-                <a:cs typeface="Times New Roman" panose="02020603050405020304" pitchFamily="18" charset="0"/>
-              </a:rPr>
-              <a:t> </a:t>
-            </a:r>
-            <a:r>
-              <a:rPr lang="en-US" kern="0" dirty="0" err="1">
-                <a:solidFill>
-                  <a:srgbClr val="1B1B1B"/>
-                </a:solidFill>
-                <a:effectLst/>
-                <a:latin typeface="Times New Roman" panose="02020603050405020304" pitchFamily="18" charset="0"/>
-                <a:ea typeface="Times New Roman" panose="02020603050405020304" pitchFamily="18" charset="0"/>
-                <a:cs typeface="Times New Roman" panose="02020603050405020304" pitchFamily="18" charset="0"/>
-              </a:rPr>
-              <a:t>chứa</a:t>
-            </a:r>
-            <a:r>
-              <a:rPr lang="en-US" kern="0" dirty="0">
-                <a:solidFill>
-                  <a:srgbClr val="1B1B1B"/>
-                </a:solidFill>
-                <a:effectLst/>
-                <a:latin typeface="Times New Roman" panose="02020603050405020304" pitchFamily="18" charset="0"/>
-                <a:ea typeface="Times New Roman" panose="02020603050405020304" pitchFamily="18" charset="0"/>
-                <a:cs typeface="Times New Roman" panose="02020603050405020304" pitchFamily="18" charset="0"/>
-              </a:rPr>
-              <a:t> </a:t>
-            </a:r>
-            <a:r>
-              <a:rPr lang="en-US" kern="0" dirty="0" err="1">
-                <a:solidFill>
-                  <a:srgbClr val="1B1B1B"/>
-                </a:solidFill>
-                <a:effectLst/>
-                <a:latin typeface="Times New Roman" panose="02020603050405020304" pitchFamily="18" charset="0"/>
-                <a:ea typeface="Times New Roman" panose="02020603050405020304" pitchFamily="18" charset="0"/>
-                <a:cs typeface="Times New Roman" panose="02020603050405020304" pitchFamily="18" charset="0"/>
-              </a:rPr>
-              <a:t>tên</a:t>
-            </a:r>
-            <a:r>
-              <a:rPr lang="en-US" kern="0" dirty="0">
-                <a:solidFill>
-                  <a:srgbClr val="1B1B1B"/>
-                </a:solidFill>
-                <a:effectLst/>
-                <a:latin typeface="Times New Roman" panose="02020603050405020304" pitchFamily="18" charset="0"/>
-                <a:ea typeface="Times New Roman" panose="02020603050405020304" pitchFamily="18" charset="0"/>
-                <a:cs typeface="Times New Roman" panose="02020603050405020304" pitchFamily="18" charset="0"/>
-              </a:rPr>
-              <a:t> </a:t>
-            </a:r>
-            <a:r>
-              <a:rPr lang="en-US" kern="0" dirty="0" err="1">
-                <a:solidFill>
-                  <a:srgbClr val="1B1B1B"/>
-                </a:solidFill>
-                <a:effectLst/>
-                <a:latin typeface="Times New Roman" panose="02020603050405020304" pitchFamily="18" charset="0"/>
-                <a:ea typeface="Times New Roman" panose="02020603050405020304" pitchFamily="18" charset="0"/>
-                <a:cs typeface="Times New Roman" panose="02020603050405020304" pitchFamily="18" charset="0"/>
-              </a:rPr>
-              <a:t>đối</a:t>
-            </a:r>
-            <a:r>
-              <a:rPr lang="en-US" kern="0" dirty="0">
-                <a:solidFill>
-                  <a:srgbClr val="1B1B1B"/>
-                </a:solidFill>
-                <a:effectLst/>
-                <a:latin typeface="Times New Roman" panose="02020603050405020304" pitchFamily="18" charset="0"/>
-                <a:ea typeface="Times New Roman" panose="02020603050405020304" pitchFamily="18" charset="0"/>
-                <a:cs typeface="Times New Roman" panose="02020603050405020304" pitchFamily="18" charset="0"/>
-              </a:rPr>
-              <a:t> </a:t>
-            </a:r>
-            <a:r>
-              <a:rPr lang="en-US" kern="0" dirty="0" err="1">
-                <a:solidFill>
-                  <a:srgbClr val="1B1B1B"/>
-                </a:solidFill>
-                <a:effectLst/>
-                <a:latin typeface="Times New Roman" panose="02020603050405020304" pitchFamily="18" charset="0"/>
-                <a:ea typeface="Times New Roman" panose="02020603050405020304" pitchFamily="18" charset="0"/>
-                <a:cs typeface="Times New Roman" panose="02020603050405020304" pitchFamily="18" charset="0"/>
-              </a:rPr>
-              <a:t>tượng</a:t>
-            </a:r>
-            <a:r>
-              <a:rPr lang="en-US" kern="0" dirty="0">
-                <a:solidFill>
-                  <a:srgbClr val="1B1B1B"/>
-                </a:solidFill>
-                <a:effectLst/>
-                <a:latin typeface="Times New Roman" panose="02020603050405020304" pitchFamily="18" charset="0"/>
-                <a:ea typeface="Times New Roman" panose="02020603050405020304" pitchFamily="18" charset="0"/>
-                <a:cs typeface="Times New Roman" panose="02020603050405020304" pitchFamily="18" charset="0"/>
-              </a:rPr>
-              <a:t>. </a:t>
-            </a:r>
-            <a:r>
-              <a:rPr lang="en-US" kern="0" dirty="0" err="1">
-                <a:solidFill>
-                  <a:srgbClr val="1B1B1B"/>
-                </a:solidFill>
-                <a:effectLst/>
-                <a:latin typeface="Times New Roman" panose="02020603050405020304" pitchFamily="18" charset="0"/>
-                <a:ea typeface="Times New Roman" panose="02020603050405020304" pitchFamily="18" charset="0"/>
-                <a:cs typeface="Times New Roman" panose="02020603050405020304" pitchFamily="18" charset="0"/>
-              </a:rPr>
-              <a:t>Nó</a:t>
-            </a:r>
-            <a:r>
-              <a:rPr lang="en-US" kern="0" dirty="0">
-                <a:solidFill>
-                  <a:srgbClr val="1B1B1B"/>
-                </a:solidFill>
-                <a:effectLst/>
-                <a:latin typeface="Times New Roman" panose="02020603050405020304" pitchFamily="18" charset="0"/>
-                <a:ea typeface="Times New Roman" panose="02020603050405020304" pitchFamily="18" charset="0"/>
-                <a:cs typeface="Times New Roman" panose="02020603050405020304" pitchFamily="18" charset="0"/>
-              </a:rPr>
-              <a:t> </a:t>
-            </a:r>
-            <a:r>
-              <a:rPr lang="en-US" kern="0" dirty="0" err="1">
-                <a:solidFill>
-                  <a:srgbClr val="1B1B1B"/>
-                </a:solidFill>
-                <a:effectLst/>
-                <a:latin typeface="Times New Roman" panose="02020603050405020304" pitchFamily="18" charset="0"/>
-                <a:ea typeface="Times New Roman" panose="02020603050405020304" pitchFamily="18" charset="0"/>
-                <a:cs typeface="Times New Roman" panose="02020603050405020304" pitchFamily="18" charset="0"/>
-              </a:rPr>
-              <a:t>rất</a:t>
-            </a:r>
-            <a:r>
-              <a:rPr lang="en-US" kern="0" dirty="0">
-                <a:solidFill>
-                  <a:srgbClr val="1B1B1B"/>
-                </a:solidFill>
-                <a:effectLst/>
-                <a:latin typeface="Times New Roman" panose="02020603050405020304" pitchFamily="18" charset="0"/>
-                <a:ea typeface="Times New Roman" panose="02020603050405020304" pitchFamily="18" charset="0"/>
-                <a:cs typeface="Times New Roman" panose="02020603050405020304" pitchFamily="18" charset="0"/>
-              </a:rPr>
-              <a:t> </a:t>
-            </a:r>
-            <a:r>
-              <a:rPr lang="en-US" kern="0" dirty="0" err="1">
-                <a:solidFill>
-                  <a:srgbClr val="1B1B1B"/>
-                </a:solidFill>
-                <a:effectLst/>
-                <a:latin typeface="Times New Roman" panose="02020603050405020304" pitchFamily="18" charset="0"/>
-                <a:ea typeface="Times New Roman" panose="02020603050405020304" pitchFamily="18" charset="0"/>
-                <a:cs typeface="Times New Roman" panose="02020603050405020304" pitchFamily="18" charset="0"/>
-              </a:rPr>
-              <a:t>hữu</a:t>
-            </a:r>
-            <a:r>
-              <a:rPr lang="en-US" kern="0" dirty="0">
-                <a:solidFill>
-                  <a:srgbClr val="1B1B1B"/>
-                </a:solidFill>
-                <a:effectLst/>
-                <a:latin typeface="Times New Roman" panose="02020603050405020304" pitchFamily="18" charset="0"/>
-                <a:ea typeface="Times New Roman" panose="02020603050405020304" pitchFamily="18" charset="0"/>
-                <a:cs typeface="Times New Roman" panose="02020603050405020304" pitchFamily="18" charset="0"/>
-              </a:rPr>
-              <a:t> </a:t>
-            </a:r>
-            <a:r>
-              <a:rPr lang="en-US" kern="0" dirty="0" err="1">
-                <a:solidFill>
-                  <a:srgbClr val="1B1B1B"/>
-                </a:solidFill>
-                <a:effectLst/>
-                <a:latin typeface="Times New Roman" panose="02020603050405020304" pitchFamily="18" charset="0"/>
-                <a:ea typeface="Times New Roman" panose="02020603050405020304" pitchFamily="18" charset="0"/>
-                <a:cs typeface="Times New Roman" panose="02020603050405020304" pitchFamily="18" charset="0"/>
-              </a:rPr>
-              <a:t>ích</a:t>
-            </a:r>
-            <a:r>
-              <a:rPr lang="en-US" kern="0" dirty="0">
-                <a:solidFill>
-                  <a:srgbClr val="1B1B1B"/>
-                </a:solidFill>
-                <a:effectLst/>
-                <a:latin typeface="Times New Roman" panose="02020603050405020304" pitchFamily="18" charset="0"/>
-                <a:ea typeface="Times New Roman" panose="02020603050405020304" pitchFamily="18" charset="0"/>
-                <a:cs typeface="Times New Roman" panose="02020603050405020304" pitchFamily="18" charset="0"/>
-              </a:rPr>
-              <a:t> </a:t>
-            </a:r>
-            <a:r>
-              <a:rPr lang="en-US" kern="0" dirty="0" err="1">
-                <a:solidFill>
-                  <a:srgbClr val="1B1B1B"/>
-                </a:solidFill>
-                <a:effectLst/>
-                <a:latin typeface="Times New Roman" panose="02020603050405020304" pitchFamily="18" charset="0"/>
-                <a:ea typeface="Times New Roman" panose="02020603050405020304" pitchFamily="18" charset="0"/>
-                <a:cs typeface="Times New Roman" panose="02020603050405020304" pitchFamily="18" charset="0"/>
-              </a:rPr>
-              <a:t>khi</a:t>
-            </a:r>
-            <a:r>
-              <a:rPr lang="en-US" kern="0" dirty="0">
-                <a:solidFill>
-                  <a:srgbClr val="1B1B1B"/>
-                </a:solidFill>
-                <a:effectLst/>
-                <a:latin typeface="Times New Roman" panose="02020603050405020304" pitchFamily="18" charset="0"/>
-                <a:ea typeface="Times New Roman" panose="02020603050405020304" pitchFamily="18" charset="0"/>
-                <a:cs typeface="Times New Roman" panose="02020603050405020304" pitchFamily="18" charset="0"/>
-              </a:rPr>
-              <a:t> </a:t>
-            </a:r>
-            <a:r>
-              <a:rPr lang="en-US" kern="0" dirty="0" err="1">
-                <a:solidFill>
-                  <a:srgbClr val="1B1B1B"/>
-                </a:solidFill>
-                <a:effectLst/>
-                <a:latin typeface="Times New Roman" panose="02020603050405020304" pitchFamily="18" charset="0"/>
-                <a:ea typeface="Times New Roman" panose="02020603050405020304" pitchFamily="18" charset="0"/>
-                <a:cs typeface="Times New Roman" panose="02020603050405020304" pitchFamily="18" charset="0"/>
-              </a:rPr>
-              <a:t>xem</a:t>
-            </a:r>
-            <a:r>
-              <a:rPr lang="en-US" kern="0" dirty="0">
-                <a:solidFill>
-                  <a:srgbClr val="1B1B1B"/>
-                </a:solidFill>
-                <a:effectLst/>
-                <a:latin typeface="Times New Roman" panose="02020603050405020304" pitchFamily="18" charset="0"/>
-                <a:ea typeface="Times New Roman" panose="02020603050405020304" pitchFamily="18" charset="0"/>
-                <a:cs typeface="Times New Roman" panose="02020603050405020304" pitchFamily="18" charset="0"/>
-              </a:rPr>
-              <a:t> </a:t>
-            </a:r>
-            <a:r>
-              <a:rPr lang="en-US" kern="0" dirty="0" err="1">
-                <a:solidFill>
-                  <a:srgbClr val="1B1B1B"/>
-                </a:solidFill>
-                <a:effectLst/>
-                <a:latin typeface="Times New Roman" panose="02020603050405020304" pitchFamily="18" charset="0"/>
-                <a:ea typeface="Times New Roman" panose="02020603050405020304" pitchFamily="18" charset="0"/>
-                <a:cs typeface="Times New Roman" panose="02020603050405020304" pitchFamily="18" charset="0"/>
-              </a:rPr>
-              <a:t>cuộc</a:t>
-            </a:r>
-            <a:r>
-              <a:rPr lang="en-US" kern="0" dirty="0">
-                <a:solidFill>
-                  <a:srgbClr val="1B1B1B"/>
-                </a:solidFill>
-                <a:effectLst/>
-                <a:latin typeface="Times New Roman" panose="02020603050405020304" pitchFamily="18" charset="0"/>
-                <a:ea typeface="Times New Roman" panose="02020603050405020304" pitchFamily="18" charset="0"/>
-                <a:cs typeface="Times New Roman" panose="02020603050405020304" pitchFamily="18" charset="0"/>
-              </a:rPr>
-              <a:t> </a:t>
-            </a:r>
-            <a:r>
-              <a:rPr lang="en-US" kern="0" dirty="0" err="1">
-                <a:solidFill>
-                  <a:srgbClr val="1B1B1B"/>
-                </a:solidFill>
-                <a:effectLst/>
-                <a:latin typeface="Times New Roman" panose="02020603050405020304" pitchFamily="18" charset="0"/>
-                <a:ea typeface="Times New Roman" panose="02020603050405020304" pitchFamily="18" charset="0"/>
-                <a:cs typeface="Times New Roman" panose="02020603050405020304" pitchFamily="18" charset="0"/>
-              </a:rPr>
-              <a:t>gọi</a:t>
-            </a:r>
-            <a:r>
-              <a:rPr lang="en-US" kern="0" dirty="0">
-                <a:solidFill>
-                  <a:srgbClr val="1B1B1B"/>
-                </a:solidFill>
-                <a:effectLst/>
-                <a:latin typeface="Times New Roman" panose="02020603050405020304" pitchFamily="18" charset="0"/>
-                <a:ea typeface="Times New Roman" panose="02020603050405020304" pitchFamily="18" charset="0"/>
-                <a:cs typeface="Times New Roman" panose="02020603050405020304" pitchFamily="18" charset="0"/>
-              </a:rPr>
-              <a:t>: </a:t>
-            </a:r>
-            <a:r>
-              <a:rPr lang="en-US" kern="0" dirty="0" err="1">
-                <a:solidFill>
-                  <a:srgbClr val="1B1B1B"/>
-                </a:solidFill>
-                <a:effectLst/>
-                <a:latin typeface="Times New Roman" panose="02020603050405020304" pitchFamily="18" charset="0"/>
-                <a:ea typeface="Times New Roman" panose="02020603050405020304" pitchFamily="18" charset="0"/>
-                <a:cs typeface="Times New Roman" panose="02020603050405020304" pitchFamily="18" charset="0"/>
-              </a:rPr>
-              <a:t>trong</a:t>
-            </a:r>
-            <a:r>
-              <a:rPr lang="en-US" kern="0" dirty="0">
-                <a:solidFill>
-                  <a:srgbClr val="1B1B1B"/>
-                </a:solidFill>
-                <a:effectLst/>
-                <a:latin typeface="Times New Roman" panose="02020603050405020304" pitchFamily="18" charset="0"/>
-                <a:ea typeface="Times New Roman" panose="02020603050405020304" pitchFamily="18" charset="0"/>
-                <a:cs typeface="Times New Roman" panose="02020603050405020304" pitchFamily="18" charset="0"/>
-              </a:rPr>
-              <a:t> </a:t>
-            </a:r>
-            <a:r>
-              <a:rPr lang="en-US" kern="0" dirty="0" err="1">
-                <a:solidFill>
-                  <a:srgbClr val="1B1B1B"/>
-                </a:solidFill>
-                <a:effectLst/>
-                <a:latin typeface="Times New Roman" panose="02020603050405020304" pitchFamily="18" charset="0"/>
-                <a:ea typeface="Times New Roman" panose="02020603050405020304" pitchFamily="18" charset="0"/>
-                <a:cs typeface="Times New Roman" panose="02020603050405020304" pitchFamily="18" charset="0"/>
-              </a:rPr>
-              <a:t>quá</a:t>
-            </a:r>
-            <a:r>
-              <a:rPr lang="en-US" kern="0" dirty="0">
-                <a:solidFill>
-                  <a:srgbClr val="1B1B1B"/>
-                </a:solidFill>
-                <a:effectLst/>
-                <a:latin typeface="Times New Roman" panose="02020603050405020304" pitchFamily="18" charset="0"/>
-                <a:ea typeface="Times New Roman" panose="02020603050405020304" pitchFamily="18" charset="0"/>
-                <a:cs typeface="Times New Roman" panose="02020603050405020304" pitchFamily="18" charset="0"/>
-              </a:rPr>
-              <a:t> </a:t>
-            </a:r>
-            <a:r>
-              <a:rPr lang="en-US" kern="0" dirty="0" err="1">
-                <a:solidFill>
-                  <a:srgbClr val="1B1B1B"/>
-                </a:solidFill>
-                <a:effectLst/>
-                <a:latin typeface="Times New Roman" panose="02020603050405020304" pitchFamily="18" charset="0"/>
-                <a:ea typeface="Times New Roman" panose="02020603050405020304" pitchFamily="18" charset="0"/>
-                <a:cs typeface="Times New Roman" panose="02020603050405020304" pitchFamily="18" charset="0"/>
-              </a:rPr>
-              <a:t>trình</a:t>
-            </a:r>
-            <a:r>
-              <a:rPr lang="en-US" kern="0" dirty="0">
-                <a:solidFill>
-                  <a:srgbClr val="1B1B1B"/>
-                </a:solidFill>
-                <a:effectLst/>
-                <a:latin typeface="Times New Roman" panose="02020603050405020304" pitchFamily="18" charset="0"/>
-                <a:ea typeface="Times New Roman" panose="02020603050405020304" pitchFamily="18" charset="0"/>
-                <a:cs typeface="Times New Roman" panose="02020603050405020304" pitchFamily="18" charset="0"/>
-              </a:rPr>
-              <a:t> </a:t>
-            </a:r>
-            <a:r>
-              <a:rPr lang="en-US" kern="0" dirty="0" err="1">
-                <a:solidFill>
-                  <a:srgbClr val="1B1B1B"/>
-                </a:solidFill>
-                <a:effectLst/>
-                <a:latin typeface="Times New Roman" panose="02020603050405020304" pitchFamily="18" charset="0"/>
-                <a:ea typeface="Times New Roman" panose="02020603050405020304" pitchFamily="18" charset="0"/>
-                <a:cs typeface="Times New Roman" panose="02020603050405020304" pitchFamily="18" charset="0"/>
-              </a:rPr>
-              <a:t>gỡ</a:t>
-            </a:r>
-            <a:r>
-              <a:rPr lang="en-US" kern="0" dirty="0">
-                <a:solidFill>
-                  <a:srgbClr val="1B1B1B"/>
-                </a:solidFill>
-                <a:effectLst/>
-                <a:latin typeface="Times New Roman" panose="02020603050405020304" pitchFamily="18" charset="0"/>
-                <a:ea typeface="Times New Roman" panose="02020603050405020304" pitchFamily="18" charset="0"/>
-                <a:cs typeface="Times New Roman" panose="02020603050405020304" pitchFamily="18" charset="0"/>
-              </a:rPr>
-              <a:t> </a:t>
-            </a:r>
-            <a:r>
-              <a:rPr lang="en-US" kern="0" dirty="0" err="1">
-                <a:solidFill>
-                  <a:srgbClr val="1B1B1B"/>
-                </a:solidFill>
-                <a:effectLst/>
-                <a:latin typeface="Times New Roman" panose="02020603050405020304" pitchFamily="18" charset="0"/>
-                <a:ea typeface="Times New Roman" panose="02020603050405020304" pitchFamily="18" charset="0"/>
-                <a:cs typeface="Times New Roman" panose="02020603050405020304" pitchFamily="18" charset="0"/>
-              </a:rPr>
-              <a:t>lỗi</a:t>
-            </a:r>
-            <a:r>
-              <a:rPr lang="en-US" kern="0" dirty="0">
-                <a:solidFill>
-                  <a:srgbClr val="1B1B1B"/>
-                </a:solidFill>
-                <a:effectLst/>
-                <a:latin typeface="Times New Roman" panose="02020603050405020304" pitchFamily="18" charset="0"/>
-                <a:ea typeface="Times New Roman" panose="02020603050405020304" pitchFamily="18" charset="0"/>
-                <a:cs typeface="Times New Roman" panose="02020603050405020304" pitchFamily="18" charset="0"/>
-              </a:rPr>
-              <a:t> </a:t>
-            </a:r>
-            <a:r>
-              <a:rPr lang="en-US" kern="0" dirty="0" err="1">
-                <a:solidFill>
-                  <a:srgbClr val="1B1B1B"/>
-                </a:solidFill>
-                <a:effectLst/>
-                <a:latin typeface="Times New Roman" panose="02020603050405020304" pitchFamily="18" charset="0"/>
-                <a:ea typeface="Times New Roman" panose="02020603050405020304" pitchFamily="18" charset="0"/>
-                <a:cs typeface="Times New Roman" panose="02020603050405020304" pitchFamily="18" charset="0"/>
-              </a:rPr>
-              <a:t>hoặc</a:t>
-            </a:r>
-            <a:r>
-              <a:rPr lang="en-US" kern="0" dirty="0">
-                <a:solidFill>
-                  <a:srgbClr val="1B1B1B"/>
-                </a:solidFill>
-                <a:effectLst/>
-                <a:latin typeface="Times New Roman" panose="02020603050405020304" pitchFamily="18" charset="0"/>
-                <a:ea typeface="Times New Roman" panose="02020603050405020304" pitchFamily="18" charset="0"/>
-                <a:cs typeface="Times New Roman" panose="02020603050405020304" pitchFamily="18" charset="0"/>
-              </a:rPr>
-              <a:t> </a:t>
-            </a:r>
-            <a:r>
-              <a:rPr lang="en-US" kern="0" dirty="0" err="1">
-                <a:solidFill>
-                  <a:srgbClr val="1B1B1B"/>
-                </a:solidFill>
-                <a:effectLst/>
-                <a:latin typeface="Times New Roman" panose="02020603050405020304" pitchFamily="18" charset="0"/>
-                <a:ea typeface="Times New Roman" panose="02020603050405020304" pitchFamily="18" charset="0"/>
-                <a:cs typeface="Times New Roman" panose="02020603050405020304" pitchFamily="18" charset="0"/>
-              </a:rPr>
-              <a:t>đọc</a:t>
-            </a:r>
-            <a:r>
-              <a:rPr lang="en-US" kern="0" dirty="0">
-                <a:solidFill>
-                  <a:srgbClr val="1B1B1B"/>
-                </a:solidFill>
-                <a:effectLst/>
-                <a:latin typeface="Times New Roman" panose="02020603050405020304" pitchFamily="18" charset="0"/>
-                <a:ea typeface="Times New Roman" panose="02020603050405020304" pitchFamily="18" charset="0"/>
-                <a:cs typeface="Times New Roman" panose="02020603050405020304" pitchFamily="18" charset="0"/>
-              </a:rPr>
-              <a:t> </a:t>
-            </a:r>
-            <a:r>
-              <a:rPr lang="en-US" kern="0" dirty="0" err="1">
-                <a:solidFill>
-                  <a:srgbClr val="1B1B1B"/>
-                </a:solidFill>
-                <a:effectLst/>
-                <a:latin typeface="Times New Roman" panose="02020603050405020304" pitchFamily="18" charset="0"/>
-                <a:ea typeface="Times New Roman" panose="02020603050405020304" pitchFamily="18" charset="0"/>
-                <a:cs typeface="Times New Roman" panose="02020603050405020304" pitchFamily="18" charset="0"/>
-              </a:rPr>
-              <a:t>thông</a:t>
-            </a:r>
-            <a:r>
-              <a:rPr lang="en-US" kern="0" dirty="0">
-                <a:solidFill>
-                  <a:srgbClr val="1B1B1B"/>
-                </a:solidFill>
-                <a:effectLst/>
-                <a:latin typeface="Times New Roman" panose="02020603050405020304" pitchFamily="18" charset="0"/>
-                <a:ea typeface="Times New Roman" panose="02020603050405020304" pitchFamily="18" charset="0"/>
-                <a:cs typeface="Times New Roman" panose="02020603050405020304" pitchFamily="18" charset="0"/>
-              </a:rPr>
-              <a:t> </a:t>
-            </a:r>
-            <a:r>
-              <a:rPr lang="en-US" kern="0" dirty="0" err="1">
-                <a:solidFill>
-                  <a:srgbClr val="1B1B1B"/>
-                </a:solidFill>
-                <a:effectLst/>
-                <a:latin typeface="Times New Roman" panose="02020603050405020304" pitchFamily="18" charset="0"/>
-                <a:ea typeface="Times New Roman" panose="02020603050405020304" pitchFamily="18" charset="0"/>
-                <a:cs typeface="Times New Roman" panose="02020603050405020304" pitchFamily="18" charset="0"/>
-              </a:rPr>
-              <a:t>báo</a:t>
-            </a:r>
-            <a:r>
-              <a:rPr lang="en-US" kern="0" dirty="0">
-                <a:solidFill>
-                  <a:srgbClr val="1B1B1B"/>
-                </a:solidFill>
-                <a:effectLst/>
-                <a:latin typeface="Times New Roman" panose="02020603050405020304" pitchFamily="18" charset="0"/>
-                <a:ea typeface="Times New Roman" panose="02020603050405020304" pitchFamily="18" charset="0"/>
-                <a:cs typeface="Times New Roman" panose="02020603050405020304" pitchFamily="18" charset="0"/>
-              </a:rPr>
-              <a:t> </a:t>
-            </a:r>
-            <a:r>
-              <a:rPr lang="en-US" kern="0" dirty="0" err="1">
-                <a:solidFill>
-                  <a:srgbClr val="1B1B1B"/>
-                </a:solidFill>
-                <a:effectLst/>
-                <a:latin typeface="Times New Roman" panose="02020603050405020304" pitchFamily="18" charset="0"/>
-                <a:ea typeface="Times New Roman" panose="02020603050405020304" pitchFamily="18" charset="0"/>
-                <a:cs typeface="Times New Roman" panose="02020603050405020304" pitchFamily="18" charset="0"/>
-              </a:rPr>
-              <a:t>lỗi</a:t>
-            </a:r>
-            <a:r>
-              <a:rPr lang="en-US" kern="0" dirty="0">
-                <a:solidFill>
-                  <a:srgbClr val="1B1B1B"/>
-                </a:solidFill>
-                <a:effectLst/>
-                <a:latin typeface="Times New Roman" panose="02020603050405020304" pitchFamily="18" charset="0"/>
-                <a:ea typeface="Times New Roman" panose="02020603050405020304" pitchFamily="18" charset="0"/>
-                <a:cs typeface="Times New Roman" panose="02020603050405020304" pitchFamily="18" charset="0"/>
-              </a:rPr>
-              <a:t>.</a:t>
-            </a:r>
-            <a:r>
-              <a:rPr lang="en-US" kern="0" dirty="0">
-                <a:solidFill>
-                  <a:srgbClr val="24292E"/>
-                </a:solidFill>
-                <a:effectLst/>
-                <a:latin typeface="Times New Roman" panose="02020603050405020304" pitchFamily="18" charset="0"/>
-                <a:ea typeface="Times New Roman" panose="02020603050405020304" pitchFamily="18" charset="0"/>
-                <a:cs typeface="Times New Roman" panose="02020603050405020304" pitchFamily="18" charset="0"/>
-              </a:rPr>
-              <a:t>  </a:t>
-            </a:r>
-            <a:endParaRPr lang="en-US" kern="100" dirty="0">
-              <a:effectLst/>
-              <a:latin typeface="Calibri" panose="020F0502020204030204" pitchFamily="34" charset="0"/>
-              <a:ea typeface="Calibri" panose="020F0502020204030204" pitchFamily="34" charset="0"/>
-              <a:cs typeface="Times New Roman" panose="02020603050405020304" pitchFamily="18" charset="0"/>
-            </a:endParaRPr>
-          </a:p>
-          <a:p>
-            <a:endParaRPr lang="en-US" dirty="0"/>
-          </a:p>
-        </p:txBody>
-      </p:sp>
-    </p:spTree>
-    <p:extLst>
-      <p:ext uri="{BB962C8B-B14F-4D97-AF65-F5344CB8AC3E}">
-        <p14:creationId xmlns:p14="http://schemas.microsoft.com/office/powerpoint/2010/main" val="2405262849"/>
-      </p:ext>
-    </p:extLst>
-  </p:cSld>
-  <p:clrMapOvr>
-    <a:masterClrMapping/>
-  </p:clrMapOvr>
-  <mc:AlternateContent xmlns:mc="http://schemas.openxmlformats.org/markup-compatibility/2006" xmlns:p14="http://schemas.microsoft.com/office/powerpoint/2010/main">
-    <mc:Choice Requires="p14">
-      <p:transition spd="slow" p14:dur="1250">
-        <p14:flip dir="r"/>
-      </p:transition>
-    </mc:Choice>
-    <mc:Fallback xmlns="">
-      <p:transition spd="slow">
-        <p:fade/>
-      </p:transition>
-    </mc:Fallback>
-  </mc:AlternateContent>
+  <p:timing>
+    <p:tnLst>
+      <p:par>
+        <p:cTn id="1" dur="indefinite" restart="never" nodeType="tmRoot"/>
+      </p:par>
+    </p:tnLst>
+  </p:timing>
 </p:sld>
 </file>
 

--- a/NHÓM-7-CÔNG-NGHỆ-WEB.pptx
+++ b/NHÓM-7-CÔNG-NGHỆ-WEB.pptx
@@ -227,7 +227,7 @@
           <a:p>
             <a:fld id="{65DD71D7-55AC-46BD-81B3-09AB2F9EFBD8}" type="datetimeFigureOut">
               <a:rPr lang="en-US" smtClean="0"/>
-              <a:t>10/4/2023</a:t>
+              <a:t>10/15/2023</a:t>
             </a:fld>
             <a:endParaRPr lang="en-US"/>
           </a:p>
@@ -392,7 +392,7 @@
           <a:p>
             <a:fld id="{1F89424F-BB59-4F4E-9822-4CA3E770FFD2}" type="datetimeFigureOut">
               <a:rPr lang="en-US" smtClean="0"/>
-              <a:t>10/4/2023</a:t>
+              <a:t>10/15/2023</a:t>
             </a:fld>
             <a:endParaRPr lang="en-US"/>
           </a:p>
@@ -1020,7 +1020,7 @@
             <a:fld id="{C9872EE9-AF66-483C-961F-59B9F002993E}" type="datetime1">
               <a:rPr lang="en-US" smtClean="0"/>
               <a:pPr/>
-              <a:t>10/4/2023</a:t>
+              <a:t>10/15/2023</a:t>
             </a:fld>
             <a:endParaRPr lang="en-US" dirty="0"/>
           </a:p>
@@ -1214,7 +1214,7 @@
             <a:fld id="{C7BEAFD5-7FA3-40FB-875B-457FB46B25A4}" type="datetime1">
               <a:rPr lang="en-US" smtClean="0"/>
               <a:pPr/>
-              <a:t>10/4/2023</a:t>
+              <a:t>10/15/2023</a:t>
             </a:fld>
             <a:endParaRPr lang="en-US" dirty="0"/>
           </a:p>
@@ -1398,7 +1398,7 @@
             <a:fld id="{89AD63E2-E931-4653-BB33-A910E07D11B2}" type="datetime1">
               <a:rPr lang="en-US" smtClean="0"/>
               <a:pPr/>
-              <a:t>10/4/2023</a:t>
+              <a:t>10/15/2023</a:t>
             </a:fld>
             <a:endParaRPr lang="en-US" dirty="0"/>
           </a:p>
@@ -1946,7 +1946,7 @@
             <a:fld id="{C9EA1F43-559A-4B47-A959-EFB6142CA3A9}" type="datetime1">
               <a:rPr lang="en-US" smtClean="0"/>
               <a:pPr/>
-              <a:t>10/4/2023</a:t>
+              <a:t>10/15/2023</a:t>
             </a:fld>
             <a:endParaRPr lang="en-US" dirty="0"/>
           </a:p>
@@ -2393,7 +2393,7 @@
             <a:fld id="{F1261AED-24AE-4AC7-940D-F7106D2788A3}" type="datetime1">
               <a:rPr lang="en-US" smtClean="0"/>
               <a:pPr/>
-              <a:t>10/4/2023</a:t>
+              <a:t>10/15/2023</a:t>
             </a:fld>
             <a:endParaRPr lang="en-US" dirty="0"/>
           </a:p>
@@ -2526,7 +2526,7 @@
             <a:fld id="{EC425771-5E10-4A19-AB0E-909293152332}" type="datetime1">
               <a:rPr lang="en-US" smtClean="0"/>
               <a:pPr/>
-              <a:t>10/4/2023</a:t>
+              <a:t>10/15/2023</a:t>
             </a:fld>
             <a:endParaRPr lang="en-US" dirty="0"/>
           </a:p>
@@ -2637,7 +2637,7 @@
             <a:fld id="{03606FD5-B03F-45D5-A178-114C548C0032}" type="datetime1">
               <a:rPr lang="en-US" smtClean="0"/>
               <a:pPr/>
-              <a:t>10/4/2023</a:t>
+              <a:t>10/15/2023</a:t>
             </a:fld>
             <a:endParaRPr lang="en-US" dirty="0"/>
           </a:p>
@@ -3022,7 +3022,7 @@
             <a:fld id="{E8B012C0-B102-441D-AA86-2C80DFA84E68}" type="datetime1">
               <a:rPr lang="en-US" smtClean="0"/>
               <a:pPr/>
-              <a:t>10/4/2023</a:t>
+              <a:t>10/15/2023</a:t>
             </a:fld>
             <a:endParaRPr lang="en-US" dirty="0"/>
           </a:p>
@@ -3346,7 +3346,7 @@
             <a:fld id="{601E0B12-F9DE-47EF-A076-CF602073F1B2}" type="datetime1">
               <a:rPr lang="en-US" smtClean="0"/>
               <a:pPr/>
-              <a:t>10/4/2023</a:t>
+              <a:t>10/15/2023</a:t>
             </a:fld>
             <a:endParaRPr lang="en-US" dirty="0"/>
           </a:p>
@@ -3649,7 +3649,7 @@
             <a:fld id="{C8B93266-8FB4-430B-8AE3-3A53F50E1A0B}" type="datetime1">
               <a:rPr lang="en-US" smtClean="0"/>
               <a:pPr/>
-              <a:t>10/4/2023</a:t>
+              <a:t>10/15/2023</a:t>
             </a:fld>
             <a:endParaRPr lang="en-US" dirty="0"/>
           </a:p>
@@ -5110,7 +5110,7 @@
         <p:spPr>
           <a:xfrm>
             <a:off x="391294" y="3045496"/>
-            <a:ext cx="11214552" cy="3334246"/>
+            <a:ext cx="11214552" cy="2226250"/>
           </a:xfrm>
           <a:prstGeom prst="rect">
             <a:avLst/>
@@ -5199,19 +5199,6 @@
               <a:effectLst/>
               <a:latin typeface="Calibri" panose="020F0502020204030204" pitchFamily="34" charset="0"/>
               <a:ea typeface="Calibri" panose="020F0502020204030204" pitchFamily="34" charset="0"/>
-              <a:cs typeface="Times New Roman" panose="02020603050405020304" pitchFamily="18" charset="0"/>
-            </a:endParaRPr>
-          </a:p>
-          <a:p>
-            <a:r>
-              <a:rPr lang="vi-VN" dirty="0">
-                <a:latin typeface="Times New Roman" panose="02020603050405020304" pitchFamily="18" charset="0"/>
-                <a:cs typeface="Times New Roman" panose="02020603050405020304" pitchFamily="18" charset="0"/>
-              </a:rPr>
-              <a:t>Trong ví dụ này, chúng ta đã tạo một hàm có tên helloWorld() bằng cách sử dụng từ khóa function. Hàm này không có tham số và chỉ đơn giản hiển thị một thông báo pop-up sử dụng alert() khi nó được gọi. Để gọi hàm, chúng ta sử dụng tên hàm, trong trường hợp này là helloWorld(). Khi gọi hàm này, nó thực hiện mã bên trong nó và hiển thị thông báo "Xin chào, thế giới!".</a:t>
-            </a:r>
-            <a:endParaRPr lang="en-US" dirty="0">
-              <a:latin typeface="Times New Roman" panose="02020603050405020304" pitchFamily="18" charset="0"/>
               <a:cs typeface="Times New Roman" panose="02020603050405020304" pitchFamily="18" charset="0"/>
             </a:endParaRPr>
           </a:p>
@@ -7346,7 +7333,7 @@
         <p:spPr>
           <a:xfrm>
             <a:off x="355954" y="567522"/>
-            <a:ext cx="11338559" cy="5827236"/>
+            <a:ext cx="11338559" cy="4842351"/>
           </a:xfrm>
           <a:prstGeom prst="rect">
             <a:avLst/>
@@ -7659,7 +7646,16 @@
                 <a:ea typeface="Calibri" panose="020F0502020204030204" pitchFamily="34" charset="0"/>
                 <a:cs typeface="Times New Roman" panose="02020603050405020304" pitchFamily="18" charset="0"/>
               </a:rPr>
-              <a:t>- Nhà phát triển: Làm Bố cục trang web - một bản phác họa đồ họa hoặc một thiết kế đồ họa thực tế. Chức năng chính của bố cục là thể hiện cấu trúc thông tin, trực quan hóa nội dung và các chức năng cơ bản. Nhà phát triển là người thực hiện trực tiếp công việc lập trình và đảm bảo mã nguồn được viết theo tiêu chuẩn và đúng mục tiêu của dự án.</a:t>
+              <a:t>- Nhà phát triển: Làm Bố cục trang web - một bản phác họa đồ họa hoặc một thiết kế đồ họa thực tế. Chức năng chính của bố cục là thể hiện cấu trúc thông tin, trực quan hóa nội dung và các chức năng cơ </a:t>
+            </a:r>
+            <a:r>
+              <a:rPr lang="vi-VN" sz="1600" kern="100" dirty="0" smtClean="0">
+                <a:effectLst/>
+                <a:latin typeface="Times New Roman" panose="02020603050405020304" pitchFamily="18" charset="0"/>
+                <a:ea typeface="Calibri" panose="020F0502020204030204" pitchFamily="34" charset="0"/>
+                <a:cs typeface="Times New Roman" panose="02020603050405020304" pitchFamily="18" charset="0"/>
+              </a:rPr>
+              <a:t>bản.</a:t>
             </a:r>
             <a:endParaRPr lang="en-US" sz="1600" kern="100" dirty="0">
               <a:effectLst/>
@@ -7675,30 +7671,8 @@
                 <a:latin typeface="Times New Roman" panose="02020603050405020304" pitchFamily="18" charset="0"/>
                 <a:ea typeface="Calibri" panose="020F0502020204030204" pitchFamily="34" charset="0"/>
               </a:rPr>
-              <a:t>- Kiểm thử viên: Kiểm tra mọi biểu mẫu, mọi câu lệnh và kiểm tra lỗi chính tả của toàn bộ trang web. Sử dụng các tiêu chuẩn web chung để kiểm tra xem mã nguồn có đảm bảo sự tương thích giữa các trình duyệt hay không. Sau khi đã kiểm thử xong, ta sẽ triển khai trang web lên máy chủ (server). Sau khi triển khai xong mã nguồn lên máy chủ, chúng ta nên </a:t>
-            </a:r>
-            <a:r>
-              <a:rPr lang="vi-VN" sz="1600" kern="100" dirty="0">
-                <a:effectLst/>
-                <a:latin typeface="Times New Roman" panose="02020603050405020304" pitchFamily="18" charset="0"/>
-                <a:ea typeface="Calibri" panose="020F0502020204030204" pitchFamily="34" charset="0"/>
-                <a:cs typeface="Times New Roman" panose="02020603050405020304" pitchFamily="18" charset="0"/>
-              </a:rPr>
-              <a:t>chạy thêm một bài kiểm tra cuối cùng để đảm bảo rằng các mã nguồn đã được cài đặt chính xác.</a:t>
-            </a:r>
-            <a:endParaRPr lang="en-US" sz="1600" kern="100" dirty="0">
-              <a:effectLst/>
-              <a:latin typeface="Calibri" panose="020F0502020204030204" pitchFamily="34" charset="0"/>
-              <a:ea typeface="Calibri" panose="020F0502020204030204" pitchFamily="34" charset="0"/>
-              <a:cs typeface="Times New Roman" panose="02020603050405020304" pitchFamily="18" charset="0"/>
-            </a:endParaRPr>
-          </a:p>
-          <a:p>
-            <a:endParaRPr lang="vi-VN" sz="1600" dirty="0">
-              <a:effectLst/>
-              <a:latin typeface="Times New Roman" panose="02020603050405020304" pitchFamily="18" charset="0"/>
-              <a:ea typeface="Calibri" panose="020F0502020204030204" pitchFamily="34" charset="0"/>
-            </a:endParaRPr>
+              <a:t>- Kiểm thử viên: Kiểm tra mọi biểu mẫu, mọi câu lệnh và kiểm tra lỗi chính tả của toàn bộ trang web. Sử dụng các tiêu chuẩn web chung để kiểm tra xem mã nguồn có đảm bảo sự tương thích giữa các trình duyệt hay không. </a:t>
+            </a:r>
           </a:p>
           <a:p>
             <a:endParaRPr lang="en-US" sz="1600" dirty="0"/>
@@ -8366,16 +8340,7 @@
                 <a:ea typeface="Calibri" panose="020F0502020204030204" pitchFamily="34" charset="0"/>
                 <a:cs typeface="Times New Roman" panose="02020603050405020304" pitchFamily="18" charset="0"/>
               </a:rPr>
-              <a:t> </a:t>
-            </a:r>
-            <a:r>
-              <a:rPr lang="vi-VN" kern="100" dirty="0" smtClean="0">
-                <a:effectLst/>
-                <a:latin typeface="Times New Roman" panose="02020603050405020304" pitchFamily="18" charset="0"/>
-                <a:ea typeface="Calibri" panose="020F0502020204030204" pitchFamily="34" charset="0"/>
-                <a:cs typeface="Times New Roman" panose="02020603050405020304" pitchFamily="18" charset="0"/>
-              </a:rPr>
-              <a:t>nhất còn &lt;h6&gt; là </a:t>
+              <a:t> nhất còn &lt;h6&gt; là </a:t>
             </a:r>
             <a:r>
               <a:rPr lang="en-US" kern="100" dirty="0" err="1" smtClean="0">
@@ -9219,7 +9184,7 @@
         <p:spPr>
           <a:xfrm>
             <a:off x="288567" y="380484"/>
-            <a:ext cx="10440140" cy="4360168"/>
+            <a:ext cx="10440140" cy="3129062"/>
           </a:xfrm>
           <a:prstGeom prst="rect">
             <a:avLst/>
@@ -9338,16 +9303,35 @@
                 <a:latin typeface="Times New Roman" panose="02020603050405020304" pitchFamily="18" charset="0"/>
                 <a:cs typeface="Times New Roman" panose="02020603050405020304" pitchFamily="18" charset="0"/>
               </a:rPr>
-              <a:t>). Nói ngắn gọn hơn là ngôn ngữ tạo phong cách cho trang web. Bạn có thể hiểu đơn giản rằng, nếu HTML đóng vai trò định dạng các phần tử trên website như việc tạo ra các đoạn văn bản, các tiêu đề, bảng,…thì CSS sẽ giúp chúng ta có thể thêm style vào các phần tử HTML đó như đổi bố cục, màu sắc trang, đổi màu chữ, font chữ, thay đổi cấu trúc…</a:t>
-            </a:r>
-          </a:p>
-          <a:p>
+              <a:t>). Nói ngắn gọn hơn là ngôn ngữ tạo phong cách cho trang </a:t>
+            </a:r>
+            <a:r>
+              <a:rPr lang="vi-VN" sz="2000" dirty="0" smtClean="0">
+                <a:latin typeface="Times New Roman" panose="02020603050405020304" pitchFamily="18" charset="0"/>
+                <a:cs typeface="Times New Roman" panose="02020603050405020304" pitchFamily="18" charset="0"/>
+              </a:rPr>
+              <a:t>web</a:t>
+            </a:r>
+            <a:r>
+              <a:rPr lang="en-US" sz="2000" dirty="0" smtClean="0">
+                <a:latin typeface="Times New Roman" panose="02020603050405020304" pitchFamily="18" charset="0"/>
+                <a:cs typeface="Times New Roman" panose="02020603050405020304" pitchFamily="18" charset="0"/>
+              </a:rPr>
+              <a:t>. </a:t>
+            </a:r>
+            <a:r>
+              <a:rPr lang="vi-VN" sz="2000" dirty="0" smtClean="0">
+                <a:latin typeface="Times New Roman" panose="02020603050405020304" pitchFamily="18" charset="0"/>
+                <a:cs typeface="Times New Roman" panose="02020603050405020304" pitchFamily="18" charset="0"/>
+              </a:rPr>
+              <a:t>CSS </a:t>
+            </a:r>
             <a:r>
               <a:rPr lang="vi-VN" sz="2000" dirty="0">
                 <a:latin typeface="Times New Roman" panose="02020603050405020304" pitchFamily="18" charset="0"/>
                 <a:cs typeface="Times New Roman" panose="02020603050405020304" pitchFamily="18" charset="0"/>
               </a:rPr>
-              <a:t>CSS được phát triển bởi </a:t>
+              <a:t>được phát triển bởi </a:t>
             </a:r>
             <a:r>
               <a:rPr lang="vi-VN" sz="2000" b="1" dirty="0">
@@ -9449,7 +9433,7 @@
         </p:blipFill>
         <p:spPr>
           <a:xfrm>
-            <a:off x="2869992" y="3923661"/>
+            <a:off x="2852407" y="3097184"/>
             <a:ext cx="4714579" cy="2670570"/>
           </a:xfrm>
           <a:prstGeom prst="rect">
